--- a/6주차.pptx
+++ b/6주차.pptx
@@ -5,14 +5,15 @@
     <p:sldMasterId id="2147483648" r:id="rId1"/>
   </p:sldMasterIdLst>
   <p:notesMasterIdLst>
-    <p:notesMasterId r:id="rId7"/>
+    <p:notesMasterId r:id="rId8"/>
   </p:notesMasterIdLst>
   <p:sldIdLst>
     <p:sldId id="262" r:id="rId2"/>
-    <p:sldId id="311" r:id="rId3"/>
-    <p:sldId id="312" r:id="rId4"/>
-    <p:sldId id="313" r:id="rId5"/>
+    <p:sldId id="313" r:id="rId3"/>
+    <p:sldId id="311" r:id="rId4"/>
+    <p:sldId id="312" r:id="rId5"/>
     <p:sldId id="314" r:id="rId6"/>
+    <p:sldId id="315" r:id="rId7"/>
   </p:sldIdLst>
   <p:sldSz cx="12192000" cy="6858000"/>
   <p:notesSz cx="6858000" cy="9144000"/>
@@ -547,7 +548,7 @@
           <a:p>
             <a:fld id="{5FAAA766-79CA-47E4-9E45-0D897C7C3898}" type="slidenum">
               <a:rPr lang="ko-KR" altLang="en-US" smtClean="0"/>
-              <a:t>2</a:t>
+              <a:t>3</a:t>
             </a:fld>
             <a:endParaRPr lang="ko-KR" altLang="en-US"/>
           </a:p>
@@ -557,6 +558,174 @@
     <p:extLst>
       <p:ext uri="{BB962C8B-B14F-4D97-AF65-F5344CB8AC3E}">
         <p14:creationId xmlns:p14="http://schemas.microsoft.com/office/powerpoint/2010/main" val="2777335143"/>
+      </p:ext>
+    </p:extLst>
+  </p:cSld>
+  <p:clrMapOvr>
+    <a:masterClrMapping/>
+  </p:clrMapOvr>
+</p:notes>
+</file>
+
+<file path=ppt/notesSlides/notesSlide2.xml><?xml version="1.0" encoding="utf-8"?>
+<p:notes xmlns:a="http://schemas.openxmlformats.org/drawingml/2006/main" xmlns:r="http://schemas.openxmlformats.org/officeDocument/2006/relationships" xmlns:p="http://schemas.openxmlformats.org/presentationml/2006/main">
+  <p:cSld>
+    <p:spTree>
+      <p:nvGrpSpPr>
+        <p:cNvPr id="1" name=""/>
+        <p:cNvGrpSpPr/>
+        <p:nvPr/>
+      </p:nvGrpSpPr>
+      <p:grpSpPr>
+        <a:xfrm>
+          <a:off x="0" y="0"/>
+          <a:ext cx="0" cy="0"/>
+          <a:chOff x="0" y="0"/>
+          <a:chExt cx="0" cy="0"/>
+        </a:xfrm>
+      </p:grpSpPr>
+      <p:sp>
+        <p:nvSpPr>
+          <p:cNvPr id="2" name="슬라이드 이미지 개체 틀 1"/>
+          <p:cNvSpPr>
+            <a:spLocks noGrp="1" noRot="1" noChangeAspect="1"/>
+          </p:cNvSpPr>
+          <p:nvPr>
+            <p:ph type="sldImg"/>
+          </p:nvPr>
+        </p:nvSpPr>
+        <p:spPr/>
+      </p:sp>
+      <p:sp>
+        <p:nvSpPr>
+          <p:cNvPr id="3" name="슬라이드 노트 개체 틀 2"/>
+          <p:cNvSpPr>
+            <a:spLocks noGrp="1"/>
+          </p:cNvSpPr>
+          <p:nvPr>
+            <p:ph type="body" idx="1"/>
+          </p:nvPr>
+        </p:nvSpPr>
+        <p:spPr/>
+        <p:txBody>
+          <a:bodyPr/>
+          <a:lstStyle/>
+          <a:p>
+            <a:r>
+              <a:rPr lang="en-US" altLang="ko-KR" dirty="0"/>
+              <a:t>https://runebook.dev/ko/docs/pytorch/generated/torch.max -&gt; </a:t>
+            </a:r>
+            <a:r>
+              <a:rPr lang="en-US" altLang="ko-KR" dirty="0" err="1"/>
+              <a:t>torch.max</a:t>
+            </a:r>
+            <a:endParaRPr lang="en-US" altLang="ko-KR" dirty="0"/>
+          </a:p>
+          <a:p>
+            <a:endParaRPr lang="en-US" altLang="ko-KR" dirty="0"/>
+          </a:p>
+          <a:p>
+            <a:r>
+              <a:rPr lang="en-US" altLang="ko-KR" b="0" i="0" dirty="0">
+                <a:solidFill>
+                  <a:srgbClr val="24292E"/>
+                </a:solidFill>
+                <a:effectLst/>
+                <a:latin typeface="ui-monospace"/>
+              </a:rPr>
+              <a:t>_, preds = </a:t>
+            </a:r>
+            <a:r>
+              <a:rPr lang="en-US" altLang="ko-KR" b="0" i="0" dirty="0" err="1">
+                <a:solidFill>
+                  <a:srgbClr val="24292E"/>
+                </a:solidFill>
+                <a:effectLst/>
+                <a:latin typeface="ui-monospace"/>
+              </a:rPr>
+              <a:t>torch.max</a:t>
+            </a:r>
+            <a:r>
+              <a:rPr lang="en-US" altLang="ko-KR" b="0" i="0" dirty="0">
+                <a:solidFill>
+                  <a:srgbClr val="24292E"/>
+                </a:solidFill>
+                <a:effectLst/>
+                <a:latin typeface="ui-monospace"/>
+              </a:rPr>
+              <a:t>(scores, dim=2) -&gt; </a:t>
+            </a:r>
+            <a:r>
+              <a:rPr lang="ko-KR" altLang="en-US" b="0" i="0" dirty="0">
+                <a:solidFill>
+                  <a:srgbClr val="24292E"/>
+                </a:solidFill>
+                <a:effectLst/>
+                <a:latin typeface="ui-monospace"/>
+              </a:rPr>
+              <a:t>이부분을 </a:t>
+            </a:r>
+            <a:r>
+              <a:rPr lang="en-US" altLang="ko-KR" b="0" i="0" dirty="0">
+                <a:solidFill>
+                  <a:srgbClr val="24292E"/>
+                </a:solidFill>
+                <a:effectLst/>
+                <a:latin typeface="ui-monospace"/>
+              </a:rPr>
+              <a:t>top k</a:t>
+            </a:r>
+            <a:r>
+              <a:rPr lang="ko-KR" altLang="en-US" b="0" i="0" dirty="0">
+                <a:solidFill>
+                  <a:srgbClr val="24292E"/>
+                </a:solidFill>
+                <a:effectLst/>
+                <a:latin typeface="ui-monospace"/>
+              </a:rPr>
+              <a:t>로 변경해서 실행해보자</a:t>
+            </a:r>
+            <a:r>
+              <a:rPr lang="en-US" altLang="ko-KR" b="0" i="0">
+                <a:solidFill>
+                  <a:srgbClr val="24292E"/>
+                </a:solidFill>
+                <a:effectLst/>
+                <a:latin typeface="ui-monospace"/>
+              </a:rPr>
+              <a:t>.</a:t>
+            </a:r>
+            <a:endParaRPr lang="ko-KR" altLang="en-US" dirty="0"/>
+          </a:p>
+        </p:txBody>
+      </p:sp>
+      <p:sp>
+        <p:nvSpPr>
+          <p:cNvPr id="4" name="슬라이드 번호 개체 틀 3"/>
+          <p:cNvSpPr>
+            <a:spLocks noGrp="1"/>
+          </p:cNvSpPr>
+          <p:nvPr>
+            <p:ph type="sldNum" sz="quarter" idx="5"/>
+          </p:nvPr>
+        </p:nvSpPr>
+        <p:spPr/>
+        <p:txBody>
+          <a:bodyPr/>
+          <a:lstStyle/>
+          <a:p>
+            <a:fld id="{5FAAA766-79CA-47E4-9E45-0D897C7C3898}" type="slidenum">
+              <a:rPr lang="ko-KR" altLang="en-US" smtClean="0"/>
+              <a:t>6</a:t>
+            </a:fld>
+            <a:endParaRPr lang="ko-KR" altLang="en-US"/>
+          </a:p>
+        </p:txBody>
+      </p:sp>
+    </p:spTree>
+    <p:extLst>
+      <p:ext uri="{BB962C8B-B14F-4D97-AF65-F5344CB8AC3E}">
+        <p14:creationId xmlns:p14="http://schemas.microsoft.com/office/powerpoint/2010/main" val="1094616144"/>
       </p:ext>
     </p:extLst>
   </p:cSld>
@@ -4058,40 +4227,6 @@
       </p:sp>
       <p:sp>
         <p:nvSpPr>
-          <p:cNvPr id="4" name="슬라이드 번호 개체 틀 3">
-            <a:extLst>
-              <a:ext uri="{FF2B5EF4-FFF2-40B4-BE49-F238E27FC236}">
-                <a16:creationId xmlns:a16="http://schemas.microsoft.com/office/drawing/2014/main" id="{B11A7AB9-7540-40FD-94B6-0135A3ED289C}"/>
-              </a:ext>
-            </a:extLst>
-          </p:cNvPr>
-          <p:cNvSpPr>
-            <a:spLocks noGrp="1"/>
-          </p:cNvSpPr>
-          <p:nvPr>
-            <p:ph type="sldNum" sz="quarter" idx="12"/>
-          </p:nvPr>
-        </p:nvSpPr>
-        <p:spPr>
-          <a:xfrm>
-            <a:off x="8563187" y="6379936"/>
-            <a:ext cx="2743200" cy="365125"/>
-          </a:xfrm>
-        </p:spPr>
-        <p:txBody>
-          <a:bodyPr/>
-          <a:lstStyle/>
-          <a:p>
-            <a:fld id="{C3EC3709-AF19-4BC3-8020-8E9C5E0E1F7D}" type="slidenum">
-              <a:rPr lang="ko-KR" altLang="en-US" smtClean="0"/>
-              <a:t>2</a:t>
-            </a:fld>
-            <a:endParaRPr lang="ko-KR" altLang="en-US"/>
-          </a:p>
-        </p:txBody>
-      </p:sp>
-      <p:sp>
-        <p:nvSpPr>
           <p:cNvPr id="9" name="TextBox 8">
             <a:extLst>
               <a:ext uri="{FF2B5EF4-FFF2-40B4-BE49-F238E27FC236}">
@@ -4127,68 +4262,10 @@
       </p:sp>
       <p:pic>
         <p:nvPicPr>
-          <p:cNvPr id="5" name="그림 4">
-            <a:extLst>
-              <a:ext uri="{FF2B5EF4-FFF2-40B4-BE49-F238E27FC236}">
-                <a16:creationId xmlns:a16="http://schemas.microsoft.com/office/drawing/2014/main" id="{6CD7433E-584D-440F-96B4-8F3A65898298}"/>
-              </a:ext>
-            </a:extLst>
-          </p:cNvPr>
-          <p:cNvPicPr>
-            <a:picLocks noChangeAspect="1"/>
-          </p:cNvPicPr>
-          <p:nvPr/>
-        </p:nvPicPr>
-        <p:blipFill rotWithShape="1">
-          <a:blip r:embed="rId3"/>
-          <a:srcRect t="41620" r="-5867"/>
-          <a:stretch/>
-        </p:blipFill>
-        <p:spPr>
-          <a:xfrm>
-            <a:off x="5666022" y="2632402"/>
-            <a:ext cx="6671469" cy="4003681"/>
-          </a:xfrm>
-          <a:prstGeom prst="rect">
-            <a:avLst/>
-          </a:prstGeom>
-        </p:spPr>
-      </p:pic>
-      <p:pic>
-        <p:nvPicPr>
-          <p:cNvPr id="12" name="그림 11">
-            <a:extLst>
-              <a:ext uri="{FF2B5EF4-FFF2-40B4-BE49-F238E27FC236}">
-                <a16:creationId xmlns:a16="http://schemas.microsoft.com/office/drawing/2014/main" id="{6BE2E7E3-A315-4C7E-85B9-87746A252C97}"/>
-              </a:ext>
-            </a:extLst>
-          </p:cNvPr>
-          <p:cNvPicPr>
-            <a:picLocks noChangeAspect="1"/>
-          </p:cNvPicPr>
-          <p:nvPr/>
-        </p:nvPicPr>
-        <p:blipFill rotWithShape="1">
-          <a:blip r:embed="rId3"/>
-          <a:srcRect b="59583"/>
-          <a:stretch/>
-        </p:blipFill>
-        <p:spPr>
-          <a:xfrm>
-            <a:off x="231339" y="4307343"/>
-            <a:ext cx="5294436" cy="2328740"/>
-          </a:xfrm>
-          <a:prstGeom prst="rect">
-            <a:avLst/>
-          </a:prstGeom>
-        </p:spPr>
-      </p:pic>
-      <p:pic>
-        <p:nvPicPr>
-          <p:cNvPr id="10" name="그림 9">
-            <a:extLst>
-              <a:ext uri="{FF2B5EF4-FFF2-40B4-BE49-F238E27FC236}">
-                <a16:creationId xmlns:a16="http://schemas.microsoft.com/office/drawing/2014/main" id="{B99CE88C-BA49-4B51-87D2-4B5EDF3FA406}"/>
+          <p:cNvPr id="3" name="그림 2">
+            <a:extLst>
+              <a:ext uri="{FF2B5EF4-FFF2-40B4-BE49-F238E27FC236}">
+                <a16:creationId xmlns:a16="http://schemas.microsoft.com/office/drawing/2014/main" id="{CE58B8F9-7D7D-4452-BD56-1488E02C05BA}"/>
               </a:ext>
             </a:extLst>
           </p:cNvPr>
@@ -4198,154 +4275,25 @@
           <p:nvPr/>
         </p:nvPicPr>
         <p:blipFill>
-          <a:blip r:embed="rId4"/>
+          <a:blip r:embed="rId2"/>
           <a:stretch>
             <a:fillRect/>
           </a:stretch>
         </p:blipFill>
         <p:spPr>
           <a:xfrm>
-            <a:off x="231339" y="1739329"/>
-            <a:ext cx="9885821" cy="853091"/>
+            <a:off x="751002" y="1132513"/>
+            <a:ext cx="5622874" cy="3607267"/>
           </a:xfrm>
           <a:prstGeom prst="rect">
             <a:avLst/>
           </a:prstGeom>
         </p:spPr>
       </p:pic>
-      <p:sp>
-        <p:nvSpPr>
-          <p:cNvPr id="13" name="TextBox 12">
-            <a:extLst>
-              <a:ext uri="{FF2B5EF4-FFF2-40B4-BE49-F238E27FC236}">
-                <a16:creationId xmlns:a16="http://schemas.microsoft.com/office/drawing/2014/main" id="{73CDD85D-A8E1-40F8-9A0C-F836952A8B30}"/>
-              </a:ext>
-            </a:extLst>
-          </p:cNvPr>
-          <p:cNvSpPr txBox="1"/>
-          <p:nvPr/>
-        </p:nvSpPr>
-        <p:spPr>
-          <a:xfrm>
-            <a:off x="231339" y="3169377"/>
-            <a:ext cx="4288221" cy="923330"/>
-          </a:xfrm>
-          <a:prstGeom prst="rect">
-            <a:avLst/>
-          </a:prstGeom>
-          <a:noFill/>
-        </p:spPr>
-        <p:txBody>
-          <a:bodyPr wrap="square" rtlCol="0">
-            <a:spAutoFit/>
-          </a:bodyPr>
-          <a:lstStyle/>
-          <a:p>
-            <a:r>
-              <a:rPr lang="en-US" altLang="ko-KR" dirty="0" err="1"/>
-              <a:t>Dec_len</a:t>
-            </a:r>
-            <a:r>
-              <a:rPr lang="ko-KR" altLang="en-US" dirty="0"/>
-              <a:t> </a:t>
-            </a:r>
-            <a:r>
-              <a:rPr lang="en-US" altLang="ko-KR" dirty="0"/>
-              <a:t>:</a:t>
-            </a:r>
-            <a:r>
-              <a:rPr lang="ko-KR" altLang="en-US" dirty="0"/>
-              <a:t> </a:t>
-            </a:r>
-            <a:r>
-              <a:rPr lang="en-US" altLang="ko-KR" dirty="0"/>
-              <a:t>batch</a:t>
-            </a:r>
-            <a:r>
-              <a:rPr lang="ko-KR" altLang="en-US" dirty="0"/>
-              <a:t>안에 있는 </a:t>
-            </a:r>
-            <a:r>
-              <a:rPr lang="en-US" altLang="ko-KR" dirty="0"/>
-              <a:t>caption</a:t>
-            </a:r>
-            <a:r>
-              <a:rPr lang="ko-KR" altLang="en-US" dirty="0"/>
-              <a:t>들의 길이 </a:t>
-            </a:r>
-            <a:r>
-              <a:rPr lang="en-US" altLang="ko-KR" dirty="0"/>
-              <a:t>list</a:t>
-            </a:r>
-          </a:p>
-          <a:p>
-            <a:r>
-              <a:rPr lang="en-US" altLang="ko-KR" dirty="0" err="1"/>
-              <a:t>Batch_size_t</a:t>
-            </a:r>
-            <a:r>
-              <a:rPr lang="en-US" altLang="ko-KR" dirty="0"/>
-              <a:t> : -&gt;??...</a:t>
-            </a:r>
-            <a:endParaRPr lang="ko-KR" altLang="en-US" dirty="0"/>
-          </a:p>
-        </p:txBody>
-      </p:sp>
-      <p:sp>
-        <p:nvSpPr>
-          <p:cNvPr id="14" name="직사각형 13">
-            <a:extLst>
-              <a:ext uri="{FF2B5EF4-FFF2-40B4-BE49-F238E27FC236}">
-                <a16:creationId xmlns:a16="http://schemas.microsoft.com/office/drawing/2014/main" id="{2C30023A-1BF9-416B-90FA-97E76C028B9F}"/>
-              </a:ext>
-            </a:extLst>
-          </p:cNvPr>
-          <p:cNvSpPr/>
-          <p:nvPr/>
-        </p:nvSpPr>
-        <p:spPr>
-          <a:xfrm>
-            <a:off x="231339" y="985680"/>
-            <a:ext cx="11450128" cy="646331"/>
-          </a:xfrm>
-          <a:prstGeom prst="rect">
-            <a:avLst/>
-          </a:prstGeom>
-        </p:spPr>
-        <p:txBody>
-          <a:bodyPr wrap="square">
-            <a:spAutoFit/>
-          </a:bodyPr>
-          <a:lstStyle/>
-          <a:p>
-            <a:r>
-              <a:rPr lang="ko-KR" altLang="en-US" dirty="0" err="1"/>
-              <a:t>dec_len</a:t>
-            </a:r>
-            <a:r>
-              <a:rPr lang="ko-KR" altLang="en-US" dirty="0"/>
-              <a:t> = [22, 18, 14, 13, 13, 13, 13, 13, 12, 12, 12, 12, 12, 12, 11, 11, 11, 11, 11, 11, 11, 11, 11, 11, 11, 11, 10, 10, 10, 9, 9, 9]  </a:t>
-            </a:r>
-            <a:r>
-              <a:rPr lang="en-US" altLang="ko-KR" dirty="0"/>
-              <a:t>( batch </a:t>
-            </a:r>
-            <a:r>
-              <a:rPr lang="ko-KR" altLang="en-US" dirty="0"/>
-              <a:t>한 개</a:t>
-            </a:r>
-            <a:r>
-              <a:rPr lang="en-US" altLang="ko-KR" dirty="0"/>
-              <a:t>)</a:t>
-            </a:r>
-            <a:endParaRPr lang="ko-KR" altLang="en-US" dirty="0"/>
-          </a:p>
-        </p:txBody>
-      </p:sp>
     </p:spTree>
     <p:extLst>
       <p:ext uri="{BB962C8B-B14F-4D97-AF65-F5344CB8AC3E}">
-        <p14:creationId xmlns:p14="http://schemas.microsoft.com/office/powerpoint/2010/main" val="3603391568"/>
+        <p14:creationId xmlns:p14="http://schemas.microsoft.com/office/powerpoint/2010/main" val="649976851"/>
       </p:ext>
     </p:extLst>
   </p:cSld>
@@ -4503,10 +4451,10 @@
       </p:sp>
       <p:pic>
         <p:nvPicPr>
-          <p:cNvPr id="2" name="그림 1">
-            <a:extLst>
-              <a:ext uri="{FF2B5EF4-FFF2-40B4-BE49-F238E27FC236}">
-                <a16:creationId xmlns:a16="http://schemas.microsoft.com/office/drawing/2014/main" id="{4B03F50E-9F2D-4E6A-9070-837270FF3604}"/>
+          <p:cNvPr id="5" name="그림 4">
+            <a:extLst>
+              <a:ext uri="{FF2B5EF4-FFF2-40B4-BE49-F238E27FC236}">
+                <a16:creationId xmlns:a16="http://schemas.microsoft.com/office/drawing/2014/main" id="{6CD7433E-584D-440F-96B4-8F3A65898298}"/>
               </a:ext>
             </a:extLst>
           </p:cNvPr>
@@ -4516,101 +4464,55 @@
           <p:nvPr/>
         </p:nvPicPr>
         <p:blipFill rotWithShape="1">
-          <a:blip r:embed="rId2"/>
-          <a:srcRect l="513" r="-1"/>
+          <a:blip r:embed="rId3"/>
+          <a:srcRect t="41620" r="-5867"/>
           <a:stretch/>
         </p:blipFill>
         <p:spPr>
           <a:xfrm>
-            <a:off x="289037" y="1129337"/>
-            <a:ext cx="4267199" cy="3098440"/>
+            <a:off x="5666022" y="2632402"/>
+            <a:ext cx="6671469" cy="4003681"/>
           </a:xfrm>
           <a:prstGeom prst="rect">
             <a:avLst/>
           </a:prstGeom>
         </p:spPr>
       </p:pic>
-      <p:sp>
-        <p:nvSpPr>
-          <p:cNvPr id="6" name="TextBox 5">
-            <a:extLst>
-              <a:ext uri="{FF2B5EF4-FFF2-40B4-BE49-F238E27FC236}">
-                <a16:creationId xmlns:a16="http://schemas.microsoft.com/office/drawing/2014/main" id="{8848E58D-6A1A-428F-A3AC-250C2D04C7BA}"/>
-              </a:ext>
-            </a:extLst>
-          </p:cNvPr>
-          <p:cNvSpPr txBox="1"/>
+      <p:pic>
+        <p:nvPicPr>
+          <p:cNvPr id="12" name="그림 11">
+            <a:extLst>
+              <a:ext uri="{FF2B5EF4-FFF2-40B4-BE49-F238E27FC236}">
+                <a16:creationId xmlns:a16="http://schemas.microsoft.com/office/drawing/2014/main" id="{6BE2E7E3-A315-4C7E-85B9-87746A252C97}"/>
+              </a:ext>
+            </a:extLst>
+          </p:cNvPr>
+          <p:cNvPicPr>
+            <a:picLocks noChangeAspect="1"/>
+          </p:cNvPicPr>
           <p:nvPr/>
-        </p:nvSpPr>
-        <p:spPr>
-          <a:xfrm>
-            <a:off x="7057696" y="1755227"/>
-            <a:ext cx="4093780" cy="923330"/>
+        </p:nvPicPr>
+        <p:blipFill rotWithShape="1">
+          <a:blip r:embed="rId3"/>
+          <a:srcRect b="59583"/>
+          <a:stretch/>
+        </p:blipFill>
+        <p:spPr>
+          <a:xfrm>
+            <a:off x="231339" y="4307343"/>
+            <a:ext cx="5294436" cy="2328740"/>
           </a:xfrm>
           <a:prstGeom prst="rect">
             <a:avLst/>
           </a:prstGeom>
-          <a:noFill/>
-        </p:spPr>
-        <p:txBody>
-          <a:bodyPr wrap="square" rtlCol="0">
-            <a:spAutoFit/>
-          </a:bodyPr>
-          <a:lstStyle/>
-          <a:p>
-            <a:r>
-              <a:rPr lang="en-US" altLang="ko-KR" dirty="0"/>
-              <a:t>Coco dataset </a:t>
-            </a:r>
-            <a:r>
-              <a:rPr lang="ko-KR" altLang="en-US" dirty="0"/>
-              <a:t>받아서</a:t>
-            </a:r>
-            <a:r>
-              <a:rPr lang="en-US" altLang="ko-KR" dirty="0"/>
-              <a:t> </a:t>
-            </a:r>
-            <a:r>
-              <a:rPr lang="ko-KR" altLang="en-US" dirty="0"/>
-              <a:t>이미지와 이미지에 해당하는 </a:t>
-            </a:r>
-            <a:r>
-              <a:rPr lang="en-US" altLang="ko-KR" dirty="0"/>
-              <a:t>caption</a:t>
-            </a:r>
-            <a:r>
-              <a:rPr lang="ko-KR" altLang="en-US" dirty="0"/>
-              <a:t>을 </a:t>
-            </a:r>
-            <a:r>
-              <a:rPr lang="en-US" altLang="ko-KR" dirty="0" err="1"/>
-              <a:t>captio</a:t>
-            </a:r>
-            <a:r>
-              <a:rPr lang="ko-KR" altLang="en-US" dirty="0"/>
-              <a:t>의 단어에 해당하는 </a:t>
-            </a:r>
-            <a:r>
-              <a:rPr lang="en-US" altLang="ko-KR" dirty="0"/>
-              <a:t>index</a:t>
-            </a:r>
-            <a:r>
-              <a:rPr lang="ko-KR" altLang="en-US" dirty="0"/>
-              <a:t>로 변환</a:t>
-            </a:r>
-            <a:r>
-              <a:rPr lang="en-US" altLang="ko-KR" dirty="0"/>
-              <a:t>. </a:t>
-            </a:r>
-          </a:p>
-        </p:txBody>
-      </p:sp>
+        </p:spPr>
+      </p:pic>
       <p:pic>
         <p:nvPicPr>
-          <p:cNvPr id="7" name="그림 6">
-            <a:extLst>
-              <a:ext uri="{FF2B5EF4-FFF2-40B4-BE49-F238E27FC236}">
-                <a16:creationId xmlns:a16="http://schemas.microsoft.com/office/drawing/2014/main" id="{5ADAFA9E-5DD1-4A21-85CC-0270BE486CF0}"/>
+          <p:cNvPr id="10" name="그림 9">
+            <a:extLst>
+              <a:ext uri="{FF2B5EF4-FFF2-40B4-BE49-F238E27FC236}">
+                <a16:creationId xmlns:a16="http://schemas.microsoft.com/office/drawing/2014/main" id="{B99CE88C-BA49-4B51-87D2-4B5EDF3FA406}"/>
               </a:ext>
             </a:extLst>
           </p:cNvPr>
@@ -4620,15 +4522,15 @@
           <p:nvPr/>
         </p:nvPicPr>
         <p:blipFill>
-          <a:blip r:embed="rId3"/>
+          <a:blip r:embed="rId4"/>
           <a:stretch>
             <a:fillRect/>
           </a:stretch>
         </p:blipFill>
         <p:spPr>
           <a:xfrm>
-            <a:off x="541950" y="4863662"/>
-            <a:ext cx="5975131" cy="1441806"/>
+            <a:off x="231339" y="1739329"/>
+            <a:ext cx="9885821" cy="853091"/>
           </a:xfrm>
           <a:prstGeom prst="rect">
             <a:avLst/>
@@ -4637,10 +4539,10 @@
       </p:pic>
       <p:sp>
         <p:nvSpPr>
-          <p:cNvPr id="11" name="TextBox 10">
-            <a:extLst>
-              <a:ext uri="{FF2B5EF4-FFF2-40B4-BE49-F238E27FC236}">
-                <a16:creationId xmlns:a16="http://schemas.microsoft.com/office/drawing/2014/main" id="{8DBA83A6-ADA0-4247-B7B6-054F6C1D711D}"/>
+          <p:cNvPr id="13" name="TextBox 12">
+            <a:extLst>
+              <a:ext uri="{FF2B5EF4-FFF2-40B4-BE49-F238E27FC236}">
+                <a16:creationId xmlns:a16="http://schemas.microsoft.com/office/drawing/2014/main" id="{73CDD85D-A8E1-40F8-9A0C-F836952A8B30}"/>
               </a:ext>
             </a:extLst>
           </p:cNvPr>
@@ -4649,8 +4551,8 @@
         </p:nvSpPr>
         <p:spPr>
           <a:xfrm>
-            <a:off x="5658929" y="3681934"/>
-            <a:ext cx="6645114" cy="646331"/>
+            <a:off x="231339" y="3169377"/>
+            <a:ext cx="4288221" cy="923330"/>
           </a:xfrm>
           <a:prstGeom prst="rect">
             <a:avLst/>
@@ -4664,42 +4566,28 @@
           <a:lstStyle/>
           <a:p>
             <a:r>
+              <a:rPr lang="en-US" altLang="ko-KR" dirty="0" err="1"/>
+              <a:t>Dec_len</a:t>
+            </a:r>
+            <a:r>
+              <a:rPr lang="ko-KR" altLang="en-US" dirty="0"/>
+              <a:t> </a:t>
+            </a:r>
+            <a:r>
               <a:rPr lang="en-US" altLang="ko-KR" dirty="0"/>
-              <a:t>Sample</a:t>
+              <a:t>:</a:t>
             </a:r>
             <a:r>
               <a:rPr lang="ko-KR" altLang="en-US" dirty="0"/>
-              <a:t>들을 </a:t>
+              <a:t> </a:t>
             </a:r>
             <a:r>
               <a:rPr lang="en-US" altLang="ko-KR" dirty="0"/>
-              <a:t>Batch</a:t>
+              <a:t>batch</a:t>
             </a:r>
             <a:r>
               <a:rPr lang="ko-KR" altLang="en-US" dirty="0"/>
-              <a:t> 단위로 </a:t>
-            </a:r>
-            <a:r>
-              <a:rPr lang="en-US" altLang="ko-KR" dirty="0"/>
-              <a:t> </a:t>
-            </a:r>
-            <a:r>
-              <a:rPr lang="ko-KR" altLang="en-US" dirty="0"/>
-              <a:t>합친다</a:t>
-            </a:r>
-            <a:r>
-              <a:rPr lang="en-US" altLang="ko-KR" dirty="0"/>
-              <a:t>.</a:t>
-            </a:r>
-          </a:p>
-          <a:p>
-            <a:r>
-              <a:rPr lang="en-US" altLang="ko-KR" dirty="0"/>
-              <a:t>Lengths = batch</a:t>
-            </a:r>
-            <a:r>
-              <a:rPr lang="ko-KR" altLang="en-US" dirty="0"/>
-              <a:t>단위로 묶인 </a:t>
+              <a:t>안에 있는 </a:t>
             </a:r>
             <a:r>
               <a:rPr lang="en-US" altLang="ko-KR" dirty="0"/>
@@ -4714,6 +4602,17 @@
               <a:t>list</a:t>
             </a:r>
           </a:p>
+          <a:p>
+            <a:r>
+              <a:rPr lang="en-US" altLang="ko-KR" dirty="0" err="1"/>
+              <a:t>Batch_size_t</a:t>
+            </a:r>
+            <a:r>
+              <a:rPr lang="en-US" altLang="ko-KR" dirty="0"/>
+              <a:t> : -&gt;??...</a:t>
+            </a:r>
+            <a:endParaRPr lang="ko-KR" altLang="en-US" dirty="0"/>
+          </a:p>
         </p:txBody>
       </p:sp>
       <p:sp>
@@ -4721,7 +4620,7 @@
           <p:cNvPr id="14" name="직사각형 13">
             <a:extLst>
               <a:ext uri="{FF2B5EF4-FFF2-40B4-BE49-F238E27FC236}">
-                <a16:creationId xmlns:a16="http://schemas.microsoft.com/office/drawing/2014/main" id="{3956D73B-0508-47E2-BEAA-EC122EA9C0C8}"/>
+                <a16:creationId xmlns:a16="http://schemas.microsoft.com/office/drawing/2014/main" id="{2C30023A-1BF9-416B-90FA-97E76C028B9F}"/>
               </a:ext>
             </a:extLst>
           </p:cNvPr>
@@ -4730,341 +4629,47 @@
         </p:nvSpPr>
         <p:spPr>
           <a:xfrm>
-            <a:off x="9079027" y="4634427"/>
-            <a:ext cx="1382110" cy="1279682"/>
+            <a:off x="231339" y="985680"/>
+            <a:ext cx="11450128" cy="646331"/>
           </a:xfrm>
           <a:prstGeom prst="rect">
             <a:avLst/>
           </a:prstGeom>
-          <a:pattFill prst="lgGrid">
-            <a:fgClr>
-              <a:schemeClr val="accent1"/>
-            </a:fgClr>
-            <a:bgClr>
-              <a:schemeClr val="bg1"/>
-            </a:bgClr>
-          </a:pattFill>
-        </p:spPr>
-        <p:style>
-          <a:lnRef idx="2">
-            <a:schemeClr val="accent1">
-              <a:shade val="50000"/>
-            </a:schemeClr>
-          </a:lnRef>
-          <a:fillRef idx="1">
-            <a:schemeClr val="accent1"/>
-          </a:fillRef>
-          <a:effectRef idx="0">
-            <a:schemeClr val="accent1"/>
-          </a:effectRef>
-          <a:fontRef idx="minor">
-            <a:schemeClr val="lt1"/>
-          </a:fontRef>
-        </p:style>
-        <p:txBody>
-          <a:bodyPr rtlCol="0" anchor="ctr"/>
-          <a:lstStyle/>
-          <a:p>
-            <a:pPr algn="ctr"/>
-            <a:endParaRPr lang="ko-KR" altLang="en-US"/>
-          </a:p>
-        </p:txBody>
-      </p:sp>
-      <p:cxnSp>
-        <p:nvCxnSpPr>
-          <p:cNvPr id="16" name="직선 화살표 연결선 15">
-            <a:extLst>
-              <a:ext uri="{FF2B5EF4-FFF2-40B4-BE49-F238E27FC236}">
-                <a16:creationId xmlns:a16="http://schemas.microsoft.com/office/drawing/2014/main" id="{FAFABD40-3A31-4CEC-A8E2-B1ADCD66CC00}"/>
-              </a:ext>
-            </a:extLst>
-          </p:cNvPr>
-          <p:cNvCxnSpPr/>
-          <p:nvPr/>
-        </p:nvCxnSpPr>
-        <p:spPr>
-          <a:xfrm>
-            <a:off x="8603411" y="4687018"/>
-            <a:ext cx="396815" cy="0"/>
-          </a:xfrm>
-          <a:prstGeom prst="straightConnector1">
-            <a:avLst/>
-          </a:prstGeom>
-          <a:ln>
-            <a:tailEnd type="triangle"/>
-          </a:ln>
-        </p:spPr>
-        <p:style>
-          <a:lnRef idx="1">
-            <a:schemeClr val="accent1"/>
-          </a:lnRef>
-          <a:fillRef idx="0">
-            <a:schemeClr val="accent1"/>
-          </a:fillRef>
-          <a:effectRef idx="0">
-            <a:schemeClr val="accent1"/>
-          </a:effectRef>
-          <a:fontRef idx="minor">
-            <a:schemeClr val="tx1"/>
-          </a:fontRef>
-        </p:style>
-      </p:cxnSp>
-      <p:cxnSp>
-        <p:nvCxnSpPr>
-          <p:cNvPr id="18" name="직선 화살표 연결선 17">
-            <a:extLst>
-              <a:ext uri="{FF2B5EF4-FFF2-40B4-BE49-F238E27FC236}">
-                <a16:creationId xmlns:a16="http://schemas.microsoft.com/office/drawing/2014/main" id="{40227E20-1515-4989-B08C-D9FCD41C2484}"/>
-              </a:ext>
-            </a:extLst>
-          </p:cNvPr>
-          <p:cNvCxnSpPr/>
-          <p:nvPr/>
-        </p:nvCxnSpPr>
-        <p:spPr>
-          <a:xfrm>
-            <a:off x="8609162" y="5844453"/>
-            <a:ext cx="391064" cy="0"/>
-          </a:xfrm>
-          <a:prstGeom prst="straightConnector1">
-            <a:avLst/>
-          </a:prstGeom>
-          <a:ln>
-            <a:tailEnd type="triangle"/>
-          </a:ln>
-        </p:spPr>
-        <p:style>
-          <a:lnRef idx="1">
-            <a:schemeClr val="accent1"/>
-          </a:lnRef>
-          <a:fillRef idx="0">
-            <a:schemeClr val="accent1"/>
-          </a:fillRef>
-          <a:effectRef idx="0">
-            <a:schemeClr val="accent1"/>
-          </a:effectRef>
-          <a:fontRef idx="minor">
-            <a:schemeClr val="tx1"/>
-          </a:fontRef>
-        </p:style>
-      </p:cxnSp>
-      <p:sp>
-        <p:nvSpPr>
-          <p:cNvPr id="19" name="TextBox 18">
-            <a:extLst>
-              <a:ext uri="{FF2B5EF4-FFF2-40B4-BE49-F238E27FC236}">
-                <a16:creationId xmlns:a16="http://schemas.microsoft.com/office/drawing/2014/main" id="{0EE2FD64-DE78-49DC-9C18-6AF116F1AD58}"/>
-              </a:ext>
-            </a:extLst>
-          </p:cNvPr>
-          <p:cNvSpPr txBox="1"/>
-          <p:nvPr/>
-        </p:nvSpPr>
-        <p:spPr>
-          <a:xfrm>
-            <a:off x="7568405" y="4492758"/>
-            <a:ext cx="1077040" cy="369332"/>
-          </a:xfrm>
-          <a:prstGeom prst="rect">
-            <a:avLst/>
-          </a:prstGeom>
-          <a:noFill/>
-        </p:spPr>
-        <p:txBody>
-          <a:bodyPr wrap="square" rtlCol="0">
+        </p:spPr>
+        <p:txBody>
+          <a:bodyPr wrap="square">
             <a:spAutoFit/>
           </a:bodyPr>
           <a:lstStyle/>
           <a:p>
             <a:r>
+              <a:rPr lang="ko-KR" altLang="en-US" dirty="0" err="1"/>
+              <a:t>dec_len</a:t>
+            </a:r>
+            <a:r>
+              <a:rPr lang="ko-KR" altLang="en-US" dirty="0"/>
+              <a:t> = [22, 18, 14, 13, 13, 13, 13, 13, 12, 12, 12, 12, 12, 12, 11, 11, 11, 11, 11, 11, 11, 11, 11, 11, 11, 11, 10, 10, 10, 9, 9, 9]  </a:t>
+            </a:r>
+            <a:r>
               <a:rPr lang="en-US" altLang="ko-KR" dirty="0"/>
-              <a:t>caption0</a:t>
-            </a:r>
-            <a:endParaRPr lang="ko-KR" altLang="en-US" dirty="0"/>
-          </a:p>
-        </p:txBody>
-      </p:sp>
-      <p:sp>
-        <p:nvSpPr>
-          <p:cNvPr id="20" name="TextBox 19">
-            <a:extLst>
-              <a:ext uri="{FF2B5EF4-FFF2-40B4-BE49-F238E27FC236}">
-                <a16:creationId xmlns:a16="http://schemas.microsoft.com/office/drawing/2014/main" id="{81529932-0338-42AA-8253-BC71887BD489}"/>
-              </a:ext>
-            </a:extLst>
-          </p:cNvPr>
-          <p:cNvSpPr txBox="1"/>
-          <p:nvPr/>
-        </p:nvSpPr>
-        <p:spPr>
-          <a:xfrm>
-            <a:off x="6381528" y="5654975"/>
-            <a:ext cx="2188234" cy="369332"/>
-          </a:xfrm>
-          <a:prstGeom prst="rect">
-            <a:avLst/>
-          </a:prstGeom>
-          <a:noFill/>
-        </p:spPr>
-        <p:txBody>
-          <a:bodyPr wrap="square" rtlCol="0">
-            <a:spAutoFit/>
-          </a:bodyPr>
-          <a:lstStyle/>
-          <a:p>
-            <a:r>
-              <a:rPr lang="en-US" altLang="ko-KR" dirty="0"/>
-              <a:t>Caption( </a:t>
-            </a:r>
-            <a:r>
-              <a:rPr lang="en-US" altLang="ko-KR" dirty="0" err="1"/>
-              <a:t>batch_size</a:t>
+              <a:t>( batch </a:t>
+            </a:r>
+            <a:r>
+              <a:rPr lang="ko-KR" altLang="en-US" dirty="0"/>
+              <a:t>한 개</a:t>
             </a:r>
             <a:r>
               <a:rPr lang="en-US" altLang="ko-KR" dirty="0"/>
               <a:t>)</a:t>
             </a:r>
             <a:endParaRPr lang="ko-KR" altLang="en-US" dirty="0"/>
-          </a:p>
-        </p:txBody>
-      </p:sp>
-      <p:sp>
-        <p:nvSpPr>
-          <p:cNvPr id="21" name="오른쪽 중괄호 20">
-            <a:extLst>
-              <a:ext uri="{FF2B5EF4-FFF2-40B4-BE49-F238E27FC236}">
-                <a16:creationId xmlns:a16="http://schemas.microsoft.com/office/drawing/2014/main" id="{C35FDB7E-E345-4473-B608-609BC5167DC9}"/>
-              </a:ext>
-            </a:extLst>
-          </p:cNvPr>
-          <p:cNvSpPr/>
-          <p:nvPr/>
-        </p:nvSpPr>
-        <p:spPr>
-          <a:xfrm rot="5400000">
-            <a:off x="9754005" y="5378069"/>
-            <a:ext cx="124317" cy="1382109"/>
-          </a:xfrm>
-          <a:prstGeom prst="rightBrace">
-            <a:avLst>
-              <a:gd name="adj1" fmla="val 134869"/>
-              <a:gd name="adj2" fmla="val 50621"/>
-            </a:avLst>
-          </a:prstGeom>
-        </p:spPr>
-        <p:style>
-          <a:lnRef idx="1">
-            <a:schemeClr val="accent1"/>
-          </a:lnRef>
-          <a:fillRef idx="0">
-            <a:schemeClr val="accent1"/>
-          </a:fillRef>
-          <a:effectRef idx="0">
-            <a:schemeClr val="accent1"/>
-          </a:effectRef>
-          <a:fontRef idx="minor">
-            <a:schemeClr val="tx1"/>
-          </a:fontRef>
-        </p:style>
-        <p:txBody>
-          <a:bodyPr rtlCol="0" anchor="ctr"/>
-          <a:lstStyle/>
-          <a:p>
-            <a:pPr algn="ctr"/>
-            <a:endParaRPr lang="ko-KR" altLang="en-US"/>
-          </a:p>
-        </p:txBody>
-      </p:sp>
-      <p:sp>
-        <p:nvSpPr>
-          <p:cNvPr id="22" name="TextBox 21">
-            <a:extLst>
-              <a:ext uri="{FF2B5EF4-FFF2-40B4-BE49-F238E27FC236}">
-                <a16:creationId xmlns:a16="http://schemas.microsoft.com/office/drawing/2014/main" id="{904E285B-6712-44AE-89E5-F350A6BE6142}"/>
-              </a:ext>
-            </a:extLst>
-          </p:cNvPr>
-          <p:cNvSpPr txBox="1"/>
-          <p:nvPr/>
-        </p:nvSpPr>
-        <p:spPr>
-          <a:xfrm>
-            <a:off x="8747185" y="6121715"/>
-            <a:ext cx="2688465" cy="369332"/>
-          </a:xfrm>
-          <a:prstGeom prst="rect">
-            <a:avLst/>
-          </a:prstGeom>
-          <a:noFill/>
-        </p:spPr>
-        <p:txBody>
-          <a:bodyPr wrap="square" rtlCol="0">
-            <a:spAutoFit/>
-          </a:bodyPr>
-          <a:lstStyle/>
-          <a:p>
-            <a:r>
-              <a:rPr lang="en-US" altLang="ko-KR" dirty="0"/>
-              <a:t>max(</a:t>
-            </a:r>
-            <a:r>
-              <a:rPr lang="en-US" altLang="ko-KR" dirty="0" err="1"/>
-              <a:t>caption_lengths</a:t>
-            </a:r>
-            <a:r>
-              <a:rPr lang="en-US" altLang="ko-KR" dirty="0"/>
-              <a:t>)</a:t>
-            </a:r>
-            <a:endParaRPr lang="ko-KR" altLang="en-US" dirty="0"/>
-          </a:p>
-        </p:txBody>
-      </p:sp>
-      <p:sp>
-        <p:nvSpPr>
-          <p:cNvPr id="23" name="직사각형 22">
-            <a:extLst>
-              <a:ext uri="{FF2B5EF4-FFF2-40B4-BE49-F238E27FC236}">
-                <a16:creationId xmlns:a16="http://schemas.microsoft.com/office/drawing/2014/main" id="{DE11710E-3116-47D9-A3B9-52A264FD1591}"/>
-              </a:ext>
-            </a:extLst>
-          </p:cNvPr>
-          <p:cNvSpPr/>
-          <p:nvPr/>
-        </p:nvSpPr>
-        <p:spPr>
-          <a:xfrm>
-            <a:off x="7568405" y="6408543"/>
-            <a:ext cx="3566104" cy="369332"/>
-          </a:xfrm>
-          <a:prstGeom prst="rect">
-            <a:avLst/>
-          </a:prstGeom>
-        </p:spPr>
-        <p:txBody>
-          <a:bodyPr wrap="none">
-            <a:spAutoFit/>
-          </a:bodyPr>
-          <a:lstStyle/>
-          <a:p>
-            <a:r>
-              <a:rPr lang="en-US" altLang="ko-KR" dirty="0"/>
-              <a:t>&lt;Target : batch</a:t>
-            </a:r>
-            <a:r>
-              <a:rPr lang="ko-KR" altLang="en-US" dirty="0"/>
-              <a:t>로 묶인 </a:t>
-            </a:r>
-            <a:r>
-              <a:rPr lang="en-US" altLang="ko-KR" dirty="0"/>
-              <a:t>caption&gt;</a:t>
-            </a:r>
           </a:p>
         </p:txBody>
       </p:sp>
     </p:spTree>
     <p:extLst>
       <p:ext uri="{BB962C8B-B14F-4D97-AF65-F5344CB8AC3E}">
-        <p14:creationId xmlns:p14="http://schemas.microsoft.com/office/powerpoint/2010/main" val="4230662412"/>
+        <p14:creationId xmlns:p14="http://schemas.microsoft.com/office/powerpoint/2010/main" val="3603391568"/>
       </p:ext>
     </p:extLst>
   </p:cSld>
@@ -5153,6 +4758,40 @@
       </p:sp>
       <p:sp>
         <p:nvSpPr>
+          <p:cNvPr id="4" name="슬라이드 번호 개체 틀 3">
+            <a:extLst>
+              <a:ext uri="{FF2B5EF4-FFF2-40B4-BE49-F238E27FC236}">
+                <a16:creationId xmlns:a16="http://schemas.microsoft.com/office/drawing/2014/main" id="{B11A7AB9-7540-40FD-94B6-0135A3ED289C}"/>
+              </a:ext>
+            </a:extLst>
+          </p:cNvPr>
+          <p:cNvSpPr>
+            <a:spLocks noGrp="1"/>
+          </p:cNvSpPr>
+          <p:nvPr>
+            <p:ph type="sldNum" sz="quarter" idx="12"/>
+          </p:nvPr>
+        </p:nvSpPr>
+        <p:spPr>
+          <a:xfrm>
+            <a:off x="8563187" y="6379936"/>
+            <a:ext cx="2743200" cy="365125"/>
+          </a:xfrm>
+        </p:spPr>
+        <p:txBody>
+          <a:bodyPr/>
+          <a:lstStyle/>
+          <a:p>
+            <a:fld id="{C3EC3709-AF19-4BC3-8020-8E9C5E0E1F7D}" type="slidenum">
+              <a:rPr lang="ko-KR" altLang="en-US" smtClean="0"/>
+              <a:t>4</a:t>
+            </a:fld>
+            <a:endParaRPr lang="ko-KR" altLang="en-US"/>
+          </a:p>
+        </p:txBody>
+      </p:sp>
+      <p:sp>
+        <p:nvSpPr>
           <p:cNvPr id="9" name="TextBox 8">
             <a:extLst>
               <a:ext uri="{FF2B5EF4-FFF2-40B4-BE49-F238E27FC236}">
@@ -5188,10 +4827,114 @@
       </p:sp>
       <p:pic>
         <p:nvPicPr>
-          <p:cNvPr id="3" name="그림 2">
-            <a:extLst>
-              <a:ext uri="{FF2B5EF4-FFF2-40B4-BE49-F238E27FC236}">
-                <a16:creationId xmlns:a16="http://schemas.microsoft.com/office/drawing/2014/main" id="{CE58B8F9-7D7D-4452-BD56-1488E02C05BA}"/>
+          <p:cNvPr id="2" name="그림 1">
+            <a:extLst>
+              <a:ext uri="{FF2B5EF4-FFF2-40B4-BE49-F238E27FC236}">
+                <a16:creationId xmlns:a16="http://schemas.microsoft.com/office/drawing/2014/main" id="{4B03F50E-9F2D-4E6A-9070-837270FF3604}"/>
+              </a:ext>
+            </a:extLst>
+          </p:cNvPr>
+          <p:cNvPicPr>
+            <a:picLocks noChangeAspect="1"/>
+          </p:cNvPicPr>
+          <p:nvPr/>
+        </p:nvPicPr>
+        <p:blipFill rotWithShape="1">
+          <a:blip r:embed="rId2"/>
+          <a:srcRect l="513" r="-1"/>
+          <a:stretch/>
+        </p:blipFill>
+        <p:spPr>
+          <a:xfrm>
+            <a:off x="289037" y="1129337"/>
+            <a:ext cx="4267199" cy="3098440"/>
+          </a:xfrm>
+          <a:prstGeom prst="rect">
+            <a:avLst/>
+          </a:prstGeom>
+        </p:spPr>
+      </p:pic>
+      <p:sp>
+        <p:nvSpPr>
+          <p:cNvPr id="6" name="TextBox 5">
+            <a:extLst>
+              <a:ext uri="{FF2B5EF4-FFF2-40B4-BE49-F238E27FC236}">
+                <a16:creationId xmlns:a16="http://schemas.microsoft.com/office/drawing/2014/main" id="{8848E58D-6A1A-428F-A3AC-250C2D04C7BA}"/>
+              </a:ext>
+            </a:extLst>
+          </p:cNvPr>
+          <p:cNvSpPr txBox="1"/>
+          <p:nvPr/>
+        </p:nvSpPr>
+        <p:spPr>
+          <a:xfrm>
+            <a:off x="7057696" y="1755227"/>
+            <a:ext cx="4093780" cy="923330"/>
+          </a:xfrm>
+          <a:prstGeom prst="rect">
+            <a:avLst/>
+          </a:prstGeom>
+          <a:noFill/>
+        </p:spPr>
+        <p:txBody>
+          <a:bodyPr wrap="square" rtlCol="0">
+            <a:spAutoFit/>
+          </a:bodyPr>
+          <a:lstStyle/>
+          <a:p>
+            <a:r>
+              <a:rPr lang="en-US" altLang="ko-KR" dirty="0"/>
+              <a:t>Coco dataset </a:t>
+            </a:r>
+            <a:r>
+              <a:rPr lang="ko-KR" altLang="en-US" dirty="0"/>
+              <a:t>받아서</a:t>
+            </a:r>
+            <a:r>
+              <a:rPr lang="en-US" altLang="ko-KR" dirty="0"/>
+              <a:t> </a:t>
+            </a:r>
+            <a:r>
+              <a:rPr lang="ko-KR" altLang="en-US" dirty="0"/>
+              <a:t>이미지와 이미지에 해당하는 </a:t>
+            </a:r>
+            <a:r>
+              <a:rPr lang="en-US" altLang="ko-KR" dirty="0"/>
+              <a:t>caption</a:t>
+            </a:r>
+            <a:r>
+              <a:rPr lang="ko-KR" altLang="en-US" dirty="0"/>
+              <a:t>을 </a:t>
+            </a:r>
+            <a:r>
+              <a:rPr lang="en-US" altLang="ko-KR" dirty="0" err="1"/>
+              <a:t>captio</a:t>
+            </a:r>
+            <a:r>
+              <a:rPr lang="ko-KR" altLang="en-US" dirty="0"/>
+              <a:t>의 단어에 해당하는 </a:t>
+            </a:r>
+            <a:r>
+              <a:rPr lang="en-US" altLang="ko-KR" dirty="0"/>
+              <a:t>index</a:t>
+            </a:r>
+            <a:r>
+              <a:rPr lang="ko-KR" altLang="en-US" dirty="0"/>
+              <a:t>로 변환</a:t>
+            </a:r>
+            <a:r>
+              <a:rPr lang="en-US" altLang="ko-KR" dirty="0"/>
+              <a:t>. </a:t>
+            </a:r>
+          </a:p>
+        </p:txBody>
+      </p:sp>
+      <p:pic>
+        <p:nvPicPr>
+          <p:cNvPr id="7" name="그림 6">
+            <a:extLst>
+              <a:ext uri="{FF2B5EF4-FFF2-40B4-BE49-F238E27FC236}">
+                <a16:creationId xmlns:a16="http://schemas.microsoft.com/office/drawing/2014/main" id="{5ADAFA9E-5DD1-4A21-85CC-0270BE486CF0}"/>
               </a:ext>
             </a:extLst>
           </p:cNvPr>
@@ -5201,25 +4944,451 @@
           <p:nvPr/>
         </p:nvPicPr>
         <p:blipFill>
-          <a:blip r:embed="rId2"/>
+          <a:blip r:embed="rId3"/>
           <a:stretch>
             <a:fillRect/>
           </a:stretch>
         </p:blipFill>
         <p:spPr>
           <a:xfrm>
-            <a:off x="751002" y="1132513"/>
-            <a:ext cx="5622874" cy="3607267"/>
+            <a:off x="541950" y="4863662"/>
+            <a:ext cx="5975131" cy="1441806"/>
           </a:xfrm>
           <a:prstGeom prst="rect">
             <a:avLst/>
           </a:prstGeom>
         </p:spPr>
       </p:pic>
+      <p:sp>
+        <p:nvSpPr>
+          <p:cNvPr id="11" name="TextBox 10">
+            <a:extLst>
+              <a:ext uri="{FF2B5EF4-FFF2-40B4-BE49-F238E27FC236}">
+                <a16:creationId xmlns:a16="http://schemas.microsoft.com/office/drawing/2014/main" id="{8DBA83A6-ADA0-4247-B7B6-054F6C1D711D}"/>
+              </a:ext>
+            </a:extLst>
+          </p:cNvPr>
+          <p:cNvSpPr txBox="1"/>
+          <p:nvPr/>
+        </p:nvSpPr>
+        <p:spPr>
+          <a:xfrm>
+            <a:off x="5658929" y="3681934"/>
+            <a:ext cx="6645114" cy="646331"/>
+          </a:xfrm>
+          <a:prstGeom prst="rect">
+            <a:avLst/>
+          </a:prstGeom>
+          <a:noFill/>
+        </p:spPr>
+        <p:txBody>
+          <a:bodyPr wrap="square" rtlCol="0">
+            <a:spAutoFit/>
+          </a:bodyPr>
+          <a:lstStyle/>
+          <a:p>
+            <a:r>
+              <a:rPr lang="en-US" altLang="ko-KR" dirty="0"/>
+              <a:t>Sample</a:t>
+            </a:r>
+            <a:r>
+              <a:rPr lang="ko-KR" altLang="en-US" dirty="0"/>
+              <a:t>들을 </a:t>
+            </a:r>
+            <a:r>
+              <a:rPr lang="en-US" altLang="ko-KR" dirty="0"/>
+              <a:t>Batch</a:t>
+            </a:r>
+            <a:r>
+              <a:rPr lang="ko-KR" altLang="en-US" dirty="0"/>
+              <a:t> 단위로 </a:t>
+            </a:r>
+            <a:r>
+              <a:rPr lang="en-US" altLang="ko-KR" dirty="0"/>
+              <a:t> </a:t>
+            </a:r>
+            <a:r>
+              <a:rPr lang="ko-KR" altLang="en-US" dirty="0"/>
+              <a:t>합친다</a:t>
+            </a:r>
+            <a:r>
+              <a:rPr lang="en-US" altLang="ko-KR" dirty="0"/>
+              <a:t>.</a:t>
+            </a:r>
+          </a:p>
+          <a:p>
+            <a:r>
+              <a:rPr lang="en-US" altLang="ko-KR" dirty="0"/>
+              <a:t>Lengths = batch</a:t>
+            </a:r>
+            <a:r>
+              <a:rPr lang="ko-KR" altLang="en-US" dirty="0"/>
+              <a:t>단위로 묶인 </a:t>
+            </a:r>
+            <a:r>
+              <a:rPr lang="en-US" altLang="ko-KR" dirty="0"/>
+              <a:t>caption</a:t>
+            </a:r>
+            <a:r>
+              <a:rPr lang="ko-KR" altLang="en-US" dirty="0"/>
+              <a:t>들의 길이 </a:t>
+            </a:r>
+            <a:r>
+              <a:rPr lang="en-US" altLang="ko-KR" dirty="0"/>
+              <a:t>list</a:t>
+            </a:r>
+          </a:p>
+        </p:txBody>
+      </p:sp>
+      <p:sp>
+        <p:nvSpPr>
+          <p:cNvPr id="14" name="직사각형 13">
+            <a:extLst>
+              <a:ext uri="{FF2B5EF4-FFF2-40B4-BE49-F238E27FC236}">
+                <a16:creationId xmlns:a16="http://schemas.microsoft.com/office/drawing/2014/main" id="{3956D73B-0508-47E2-BEAA-EC122EA9C0C8}"/>
+              </a:ext>
+            </a:extLst>
+          </p:cNvPr>
+          <p:cNvSpPr/>
+          <p:nvPr/>
+        </p:nvSpPr>
+        <p:spPr>
+          <a:xfrm>
+            <a:off x="9079027" y="4634427"/>
+            <a:ext cx="1382110" cy="1279682"/>
+          </a:xfrm>
+          <a:prstGeom prst="rect">
+            <a:avLst/>
+          </a:prstGeom>
+          <a:pattFill prst="lgGrid">
+            <a:fgClr>
+              <a:schemeClr val="accent1"/>
+            </a:fgClr>
+            <a:bgClr>
+              <a:schemeClr val="bg1"/>
+            </a:bgClr>
+          </a:pattFill>
+        </p:spPr>
+        <p:style>
+          <a:lnRef idx="2">
+            <a:schemeClr val="accent1">
+              <a:shade val="50000"/>
+            </a:schemeClr>
+          </a:lnRef>
+          <a:fillRef idx="1">
+            <a:schemeClr val="accent1"/>
+          </a:fillRef>
+          <a:effectRef idx="0">
+            <a:schemeClr val="accent1"/>
+          </a:effectRef>
+          <a:fontRef idx="minor">
+            <a:schemeClr val="lt1"/>
+          </a:fontRef>
+        </p:style>
+        <p:txBody>
+          <a:bodyPr rtlCol="0" anchor="ctr"/>
+          <a:lstStyle/>
+          <a:p>
+            <a:pPr algn="ctr"/>
+            <a:endParaRPr lang="ko-KR" altLang="en-US"/>
+          </a:p>
+        </p:txBody>
+      </p:sp>
+      <p:cxnSp>
+        <p:nvCxnSpPr>
+          <p:cNvPr id="16" name="직선 화살표 연결선 15">
+            <a:extLst>
+              <a:ext uri="{FF2B5EF4-FFF2-40B4-BE49-F238E27FC236}">
+                <a16:creationId xmlns:a16="http://schemas.microsoft.com/office/drawing/2014/main" id="{FAFABD40-3A31-4CEC-A8E2-B1ADCD66CC00}"/>
+              </a:ext>
+            </a:extLst>
+          </p:cNvPr>
+          <p:cNvCxnSpPr/>
+          <p:nvPr/>
+        </p:nvCxnSpPr>
+        <p:spPr>
+          <a:xfrm>
+            <a:off x="8603411" y="4687018"/>
+            <a:ext cx="396815" cy="0"/>
+          </a:xfrm>
+          <a:prstGeom prst="straightConnector1">
+            <a:avLst/>
+          </a:prstGeom>
+          <a:ln>
+            <a:tailEnd type="triangle"/>
+          </a:ln>
+        </p:spPr>
+        <p:style>
+          <a:lnRef idx="1">
+            <a:schemeClr val="accent1"/>
+          </a:lnRef>
+          <a:fillRef idx="0">
+            <a:schemeClr val="accent1"/>
+          </a:fillRef>
+          <a:effectRef idx="0">
+            <a:schemeClr val="accent1"/>
+          </a:effectRef>
+          <a:fontRef idx="minor">
+            <a:schemeClr val="tx1"/>
+          </a:fontRef>
+        </p:style>
+      </p:cxnSp>
+      <p:cxnSp>
+        <p:nvCxnSpPr>
+          <p:cNvPr id="18" name="직선 화살표 연결선 17">
+            <a:extLst>
+              <a:ext uri="{FF2B5EF4-FFF2-40B4-BE49-F238E27FC236}">
+                <a16:creationId xmlns:a16="http://schemas.microsoft.com/office/drawing/2014/main" id="{40227E20-1515-4989-B08C-D9FCD41C2484}"/>
+              </a:ext>
+            </a:extLst>
+          </p:cNvPr>
+          <p:cNvCxnSpPr/>
+          <p:nvPr/>
+        </p:nvCxnSpPr>
+        <p:spPr>
+          <a:xfrm>
+            <a:off x="8609162" y="5844453"/>
+            <a:ext cx="391064" cy="0"/>
+          </a:xfrm>
+          <a:prstGeom prst="straightConnector1">
+            <a:avLst/>
+          </a:prstGeom>
+          <a:ln>
+            <a:tailEnd type="triangle"/>
+          </a:ln>
+        </p:spPr>
+        <p:style>
+          <a:lnRef idx="1">
+            <a:schemeClr val="accent1"/>
+          </a:lnRef>
+          <a:fillRef idx="0">
+            <a:schemeClr val="accent1"/>
+          </a:fillRef>
+          <a:effectRef idx="0">
+            <a:schemeClr val="accent1"/>
+          </a:effectRef>
+          <a:fontRef idx="minor">
+            <a:schemeClr val="tx1"/>
+          </a:fontRef>
+        </p:style>
+      </p:cxnSp>
+      <p:sp>
+        <p:nvSpPr>
+          <p:cNvPr id="19" name="TextBox 18">
+            <a:extLst>
+              <a:ext uri="{FF2B5EF4-FFF2-40B4-BE49-F238E27FC236}">
+                <a16:creationId xmlns:a16="http://schemas.microsoft.com/office/drawing/2014/main" id="{0EE2FD64-DE78-49DC-9C18-6AF116F1AD58}"/>
+              </a:ext>
+            </a:extLst>
+          </p:cNvPr>
+          <p:cNvSpPr txBox="1"/>
+          <p:nvPr/>
+        </p:nvSpPr>
+        <p:spPr>
+          <a:xfrm>
+            <a:off x="7568405" y="4492758"/>
+            <a:ext cx="1077040" cy="369332"/>
+          </a:xfrm>
+          <a:prstGeom prst="rect">
+            <a:avLst/>
+          </a:prstGeom>
+          <a:noFill/>
+        </p:spPr>
+        <p:txBody>
+          <a:bodyPr wrap="square" rtlCol="0">
+            <a:spAutoFit/>
+          </a:bodyPr>
+          <a:lstStyle/>
+          <a:p>
+            <a:r>
+              <a:rPr lang="en-US" altLang="ko-KR" dirty="0"/>
+              <a:t>caption0</a:t>
+            </a:r>
+            <a:endParaRPr lang="ko-KR" altLang="en-US" dirty="0"/>
+          </a:p>
+        </p:txBody>
+      </p:sp>
+      <p:sp>
+        <p:nvSpPr>
+          <p:cNvPr id="20" name="TextBox 19">
+            <a:extLst>
+              <a:ext uri="{FF2B5EF4-FFF2-40B4-BE49-F238E27FC236}">
+                <a16:creationId xmlns:a16="http://schemas.microsoft.com/office/drawing/2014/main" id="{81529932-0338-42AA-8253-BC71887BD489}"/>
+              </a:ext>
+            </a:extLst>
+          </p:cNvPr>
+          <p:cNvSpPr txBox="1"/>
+          <p:nvPr/>
+        </p:nvSpPr>
+        <p:spPr>
+          <a:xfrm>
+            <a:off x="6381528" y="5654975"/>
+            <a:ext cx="2188234" cy="369332"/>
+          </a:xfrm>
+          <a:prstGeom prst="rect">
+            <a:avLst/>
+          </a:prstGeom>
+          <a:noFill/>
+        </p:spPr>
+        <p:txBody>
+          <a:bodyPr wrap="square" rtlCol="0">
+            <a:spAutoFit/>
+          </a:bodyPr>
+          <a:lstStyle/>
+          <a:p>
+            <a:r>
+              <a:rPr lang="en-US" altLang="ko-KR" dirty="0"/>
+              <a:t>Caption( </a:t>
+            </a:r>
+            <a:r>
+              <a:rPr lang="en-US" altLang="ko-KR" dirty="0" err="1"/>
+              <a:t>batch_size</a:t>
+            </a:r>
+            <a:r>
+              <a:rPr lang="en-US" altLang="ko-KR" dirty="0"/>
+              <a:t>)</a:t>
+            </a:r>
+            <a:endParaRPr lang="ko-KR" altLang="en-US" dirty="0"/>
+          </a:p>
+        </p:txBody>
+      </p:sp>
+      <p:sp>
+        <p:nvSpPr>
+          <p:cNvPr id="21" name="오른쪽 중괄호 20">
+            <a:extLst>
+              <a:ext uri="{FF2B5EF4-FFF2-40B4-BE49-F238E27FC236}">
+                <a16:creationId xmlns:a16="http://schemas.microsoft.com/office/drawing/2014/main" id="{C35FDB7E-E345-4473-B608-609BC5167DC9}"/>
+              </a:ext>
+            </a:extLst>
+          </p:cNvPr>
+          <p:cNvSpPr/>
+          <p:nvPr/>
+        </p:nvSpPr>
+        <p:spPr>
+          <a:xfrm rot="5400000">
+            <a:off x="9754005" y="5378069"/>
+            <a:ext cx="124317" cy="1382109"/>
+          </a:xfrm>
+          <a:prstGeom prst="rightBrace">
+            <a:avLst>
+              <a:gd name="adj1" fmla="val 134869"/>
+              <a:gd name="adj2" fmla="val 50621"/>
+            </a:avLst>
+          </a:prstGeom>
+        </p:spPr>
+        <p:style>
+          <a:lnRef idx="1">
+            <a:schemeClr val="accent1"/>
+          </a:lnRef>
+          <a:fillRef idx="0">
+            <a:schemeClr val="accent1"/>
+          </a:fillRef>
+          <a:effectRef idx="0">
+            <a:schemeClr val="accent1"/>
+          </a:effectRef>
+          <a:fontRef idx="minor">
+            <a:schemeClr val="tx1"/>
+          </a:fontRef>
+        </p:style>
+        <p:txBody>
+          <a:bodyPr rtlCol="0" anchor="ctr"/>
+          <a:lstStyle/>
+          <a:p>
+            <a:pPr algn="ctr"/>
+            <a:endParaRPr lang="ko-KR" altLang="en-US"/>
+          </a:p>
+        </p:txBody>
+      </p:sp>
+      <p:sp>
+        <p:nvSpPr>
+          <p:cNvPr id="22" name="TextBox 21">
+            <a:extLst>
+              <a:ext uri="{FF2B5EF4-FFF2-40B4-BE49-F238E27FC236}">
+                <a16:creationId xmlns:a16="http://schemas.microsoft.com/office/drawing/2014/main" id="{904E285B-6712-44AE-89E5-F350A6BE6142}"/>
+              </a:ext>
+            </a:extLst>
+          </p:cNvPr>
+          <p:cNvSpPr txBox="1"/>
+          <p:nvPr/>
+        </p:nvSpPr>
+        <p:spPr>
+          <a:xfrm>
+            <a:off x="8747185" y="6121715"/>
+            <a:ext cx="2688465" cy="369332"/>
+          </a:xfrm>
+          <a:prstGeom prst="rect">
+            <a:avLst/>
+          </a:prstGeom>
+          <a:noFill/>
+        </p:spPr>
+        <p:txBody>
+          <a:bodyPr wrap="square" rtlCol="0">
+            <a:spAutoFit/>
+          </a:bodyPr>
+          <a:lstStyle/>
+          <a:p>
+            <a:r>
+              <a:rPr lang="en-US" altLang="ko-KR" dirty="0"/>
+              <a:t>max(</a:t>
+            </a:r>
+            <a:r>
+              <a:rPr lang="en-US" altLang="ko-KR" dirty="0" err="1"/>
+              <a:t>caption_lengths</a:t>
+            </a:r>
+            <a:r>
+              <a:rPr lang="en-US" altLang="ko-KR" dirty="0"/>
+              <a:t>)</a:t>
+            </a:r>
+            <a:endParaRPr lang="ko-KR" altLang="en-US" dirty="0"/>
+          </a:p>
+        </p:txBody>
+      </p:sp>
+      <p:sp>
+        <p:nvSpPr>
+          <p:cNvPr id="23" name="직사각형 22">
+            <a:extLst>
+              <a:ext uri="{FF2B5EF4-FFF2-40B4-BE49-F238E27FC236}">
+                <a16:creationId xmlns:a16="http://schemas.microsoft.com/office/drawing/2014/main" id="{DE11710E-3116-47D9-A3B9-52A264FD1591}"/>
+              </a:ext>
+            </a:extLst>
+          </p:cNvPr>
+          <p:cNvSpPr/>
+          <p:nvPr/>
+        </p:nvSpPr>
+        <p:spPr>
+          <a:xfrm>
+            <a:off x="7568405" y="6408543"/>
+            <a:ext cx="3566104" cy="369332"/>
+          </a:xfrm>
+          <a:prstGeom prst="rect">
+            <a:avLst/>
+          </a:prstGeom>
+        </p:spPr>
+        <p:txBody>
+          <a:bodyPr wrap="none">
+            <a:spAutoFit/>
+          </a:bodyPr>
+          <a:lstStyle/>
+          <a:p>
+            <a:r>
+              <a:rPr lang="en-US" altLang="ko-KR" dirty="0"/>
+              <a:t>&lt;Target : batch</a:t>
+            </a:r>
+            <a:r>
+              <a:rPr lang="ko-KR" altLang="en-US" dirty="0"/>
+              <a:t>로 묶인 </a:t>
+            </a:r>
+            <a:r>
+              <a:rPr lang="en-US" altLang="ko-KR" dirty="0"/>
+              <a:t>caption&gt;</a:t>
+            </a:r>
+          </a:p>
+        </p:txBody>
+      </p:sp>
     </p:spTree>
     <p:extLst>
       <p:ext uri="{BB962C8B-B14F-4D97-AF65-F5344CB8AC3E}">
-        <p14:creationId xmlns:p14="http://schemas.microsoft.com/office/powerpoint/2010/main" val="649976851"/>
+        <p14:creationId xmlns:p14="http://schemas.microsoft.com/office/powerpoint/2010/main" val="4230662412"/>
       </p:ext>
     </p:extLst>
   </p:cSld>
@@ -5470,6 +5639,353 @@
     <p:extLst>
       <p:ext uri="{BB962C8B-B14F-4D97-AF65-F5344CB8AC3E}">
         <p14:creationId xmlns:p14="http://schemas.microsoft.com/office/powerpoint/2010/main" val="4244573122"/>
+      </p:ext>
+    </p:extLst>
+  </p:cSld>
+  <p:clrMapOvr>
+    <a:masterClrMapping/>
+  </p:clrMapOvr>
+</p:sld>
+</file>
+
+<file path=ppt/slides/slide6.xml><?xml version="1.0" encoding="utf-8"?>
+<p:sld xmlns:a="http://schemas.openxmlformats.org/drawingml/2006/main" xmlns:r="http://schemas.openxmlformats.org/officeDocument/2006/relationships" xmlns:p="http://schemas.openxmlformats.org/presentationml/2006/main">
+  <p:cSld>
+    <p:spTree>
+      <p:nvGrpSpPr>
+        <p:cNvPr id="1" name=""/>
+        <p:cNvGrpSpPr/>
+        <p:nvPr/>
+      </p:nvGrpSpPr>
+      <p:grpSpPr>
+        <a:xfrm>
+          <a:off x="0" y="0"/>
+          <a:ext cx="0" cy="0"/>
+          <a:chOff x="0" y="0"/>
+          <a:chExt cx="0" cy="0"/>
+        </a:xfrm>
+      </p:grpSpPr>
+      <p:sp>
+        <p:nvSpPr>
+          <p:cNvPr id="8" name="직사각형 7">
+            <a:extLst>
+              <a:ext uri="{FF2B5EF4-FFF2-40B4-BE49-F238E27FC236}">
+                <a16:creationId xmlns:a16="http://schemas.microsoft.com/office/drawing/2014/main" id="{212AE0A1-5F92-478A-A843-443E581BDF91}"/>
+              </a:ext>
+            </a:extLst>
+          </p:cNvPr>
+          <p:cNvSpPr/>
+          <p:nvPr/>
+        </p:nvSpPr>
+        <p:spPr>
+          <a:xfrm>
+            <a:off x="0" y="-1"/>
+            <a:ext cx="12192000" cy="825731"/>
+          </a:xfrm>
+          <a:prstGeom prst="rect">
+            <a:avLst/>
+          </a:prstGeom>
+          <a:solidFill>
+            <a:schemeClr val="accent6">
+              <a:lumMod val="40000"/>
+              <a:lumOff val="60000"/>
+            </a:schemeClr>
+          </a:solidFill>
+          <a:ln>
+            <a:solidFill>
+              <a:schemeClr val="accent6">
+                <a:lumMod val="40000"/>
+                <a:lumOff val="60000"/>
+              </a:schemeClr>
+            </a:solidFill>
+          </a:ln>
+        </p:spPr>
+        <p:style>
+          <a:lnRef idx="2">
+            <a:schemeClr val="accent1">
+              <a:shade val="50000"/>
+            </a:schemeClr>
+          </a:lnRef>
+          <a:fillRef idx="1">
+            <a:schemeClr val="accent1"/>
+          </a:fillRef>
+          <a:effectRef idx="0">
+            <a:schemeClr val="accent1"/>
+          </a:effectRef>
+          <a:fontRef idx="minor">
+            <a:schemeClr val="lt1"/>
+          </a:fontRef>
+        </p:style>
+        <p:txBody>
+          <a:bodyPr rtlCol="0" anchor="ctr"/>
+          <a:lstStyle/>
+          <a:p>
+            <a:pPr algn="ctr"/>
+            <a:endParaRPr lang="ko-KR" altLang="en-US"/>
+          </a:p>
+        </p:txBody>
+      </p:sp>
+      <p:sp>
+        <p:nvSpPr>
+          <p:cNvPr id="9" name="TextBox 8">
+            <a:extLst>
+              <a:ext uri="{FF2B5EF4-FFF2-40B4-BE49-F238E27FC236}">
+                <a16:creationId xmlns:a16="http://schemas.microsoft.com/office/drawing/2014/main" id="{19B6216F-12C7-418D-A944-6484C1992BBE}"/>
+              </a:ext>
+            </a:extLst>
+          </p:cNvPr>
+          <p:cNvSpPr txBox="1"/>
+          <p:nvPr/>
+        </p:nvSpPr>
+        <p:spPr>
+          <a:xfrm>
+            <a:off x="231339" y="182031"/>
+            <a:ext cx="11782163" cy="461665"/>
+          </a:xfrm>
+          <a:prstGeom prst="rect">
+            <a:avLst/>
+          </a:prstGeom>
+          <a:noFill/>
+        </p:spPr>
+        <p:txBody>
+          <a:bodyPr wrap="square" rtlCol="0">
+            <a:spAutoFit/>
+          </a:bodyPr>
+          <a:lstStyle/>
+          <a:p>
+            <a:r>
+              <a:rPr lang="ko-KR" altLang="en-US" sz="2400" dirty="0"/>
+              <a:t>코드 분석</a:t>
+            </a:r>
+          </a:p>
+        </p:txBody>
+      </p:sp>
+      <p:pic>
+        <p:nvPicPr>
+          <p:cNvPr id="3" name="그림 2">
+            <a:extLst>
+              <a:ext uri="{FF2B5EF4-FFF2-40B4-BE49-F238E27FC236}">
+                <a16:creationId xmlns:a16="http://schemas.microsoft.com/office/drawing/2014/main" id="{4A478254-4846-4A3A-98EF-436AC0BC7340}"/>
+              </a:ext>
+            </a:extLst>
+          </p:cNvPr>
+          <p:cNvPicPr>
+            <a:picLocks noChangeAspect="1"/>
+          </p:cNvPicPr>
+          <p:nvPr/>
+        </p:nvPicPr>
+        <p:blipFill>
+          <a:blip r:embed="rId3"/>
+          <a:stretch>
+            <a:fillRect/>
+          </a:stretch>
+        </p:blipFill>
+        <p:spPr>
+          <a:xfrm>
+            <a:off x="231339" y="1007762"/>
+            <a:ext cx="4916347" cy="3272156"/>
+          </a:xfrm>
+          <a:prstGeom prst="rect">
+            <a:avLst/>
+          </a:prstGeom>
+        </p:spPr>
+      </p:pic>
+      <p:pic>
+        <p:nvPicPr>
+          <p:cNvPr id="7" name="그림 6">
+            <a:extLst>
+              <a:ext uri="{FF2B5EF4-FFF2-40B4-BE49-F238E27FC236}">
+                <a16:creationId xmlns:a16="http://schemas.microsoft.com/office/drawing/2014/main" id="{49F21F12-A1AC-4CFA-AADE-531F6EE8970B}"/>
+              </a:ext>
+            </a:extLst>
+          </p:cNvPr>
+          <p:cNvPicPr>
+            <a:picLocks noChangeAspect="1"/>
+          </p:cNvPicPr>
+          <p:nvPr/>
+        </p:nvPicPr>
+        <p:blipFill>
+          <a:blip r:embed="rId4"/>
+          <a:stretch>
+            <a:fillRect/>
+          </a:stretch>
+        </p:blipFill>
+        <p:spPr>
+          <a:xfrm>
+            <a:off x="5344998" y="1279688"/>
+            <a:ext cx="6315958" cy="2736915"/>
+          </a:xfrm>
+          <a:prstGeom prst="rect">
+            <a:avLst/>
+          </a:prstGeom>
+        </p:spPr>
+      </p:pic>
+      <p:sp>
+        <p:nvSpPr>
+          <p:cNvPr id="11" name="TextBox 10">
+            <a:extLst>
+              <a:ext uri="{FF2B5EF4-FFF2-40B4-BE49-F238E27FC236}">
+                <a16:creationId xmlns:a16="http://schemas.microsoft.com/office/drawing/2014/main" id="{593D1CE7-5027-4D5B-959B-3E11D5D92EBD}"/>
+              </a:ext>
+            </a:extLst>
+          </p:cNvPr>
+          <p:cNvSpPr txBox="1"/>
+          <p:nvPr/>
+        </p:nvSpPr>
+        <p:spPr>
+          <a:xfrm>
+            <a:off x="230958" y="4654982"/>
+            <a:ext cx="6315958" cy="923330"/>
+          </a:xfrm>
+          <a:prstGeom prst="rect">
+            <a:avLst/>
+          </a:prstGeom>
+          <a:noFill/>
+        </p:spPr>
+        <p:txBody>
+          <a:bodyPr wrap="square">
+            <a:spAutoFit/>
+          </a:bodyPr>
+          <a:lstStyle/>
+          <a:p>
+            <a:r>
+              <a:rPr lang="ko-KR" altLang="en-US" dirty="0"/>
+              <a:t>처음에는 캡션 길이를 줄여 </a:t>
+            </a:r>
+            <a:r>
+              <a:rPr lang="ko-KR" altLang="en-US" dirty="0" err="1"/>
+              <a:t>N개의</a:t>
+            </a:r>
+            <a:r>
+              <a:rPr lang="ko-KR" altLang="en-US" dirty="0"/>
+              <a:t> 이미지와 캡션을 정렬합니다. 이는 유효한 시간 단계만 처리할 수 있도록 하기 위한 것입니다. 즉</a:t>
+            </a:r>
+            <a:r>
+              <a:rPr lang="en-US" altLang="ko-KR" dirty="0"/>
+              <a:t>, &lt;pad&gt;</a:t>
+            </a:r>
+            <a:r>
+              <a:rPr lang="ko-KR" altLang="en-US" dirty="0"/>
+              <a:t>는 처리하지 않습니다</a:t>
+            </a:r>
+            <a:r>
+              <a:rPr lang="en-US" altLang="ko-KR" dirty="0"/>
+              <a:t>. -&gt; </a:t>
+            </a:r>
+            <a:r>
+              <a:rPr lang="en-US" altLang="ko-KR" dirty="0" err="1"/>
+              <a:t>batch_size_t</a:t>
+            </a:r>
+            <a:endParaRPr lang="ko-KR" altLang="en-US" dirty="0"/>
+          </a:p>
+        </p:txBody>
+      </p:sp>
+      <p:sp>
+        <p:nvSpPr>
+          <p:cNvPr id="13" name="TextBox 12">
+            <a:extLst>
+              <a:ext uri="{FF2B5EF4-FFF2-40B4-BE49-F238E27FC236}">
+                <a16:creationId xmlns:a16="http://schemas.microsoft.com/office/drawing/2014/main" id="{222A7517-B69D-41EE-A5A1-03E909E66CEC}"/>
+              </a:ext>
+            </a:extLst>
+          </p:cNvPr>
+          <p:cNvSpPr txBox="1"/>
+          <p:nvPr/>
+        </p:nvSpPr>
+        <p:spPr>
+          <a:xfrm>
+            <a:off x="6546916" y="4670363"/>
+            <a:ext cx="6099142" cy="1477328"/>
+          </a:xfrm>
+          <a:prstGeom prst="rect">
+            <a:avLst/>
+          </a:prstGeom>
+          <a:noFill/>
+        </p:spPr>
+        <p:txBody>
+          <a:bodyPr wrap="square">
+            <a:spAutoFit/>
+          </a:bodyPr>
+          <a:lstStyle/>
+          <a:p>
+            <a:r>
+              <a:rPr lang="ko-KR" altLang="en-US" dirty="0"/>
+              <a:t>각 시간 단계를 반복하여 해당 시간 단계에서 유효한 배치 크기 </a:t>
+            </a:r>
+            <a:r>
+              <a:rPr lang="ko-KR" altLang="en-US" dirty="0" err="1"/>
+              <a:t>N_t인</a:t>
+            </a:r>
+            <a:r>
+              <a:rPr lang="ko-KR" altLang="en-US" dirty="0"/>
+              <a:t> 색상 영역만 처리할 수 있습니다</a:t>
+            </a:r>
+            <a:endParaRPr lang="en-US" altLang="ko-KR" dirty="0"/>
+          </a:p>
+          <a:p>
+            <a:r>
+              <a:rPr lang="ko-KR" altLang="en-US" dirty="0"/>
+              <a:t>예를 들어 세 번째 단계에서는 이전 단계의 상위 </a:t>
+            </a:r>
+            <a:r>
+              <a:rPr lang="en-US" altLang="ko-KR" dirty="0"/>
+              <a:t>5</a:t>
+            </a:r>
+            <a:r>
+              <a:rPr lang="ko-KR" altLang="en-US" dirty="0"/>
+              <a:t>개 출력을 사용하여 상위 </a:t>
+            </a:r>
+            <a:r>
+              <a:rPr lang="en-US" altLang="ko-KR" dirty="0"/>
+              <a:t>5</a:t>
+            </a:r>
+            <a:r>
+              <a:rPr lang="ko-KR" altLang="en-US" dirty="0"/>
+              <a:t>개 이미지만 처리합니다</a:t>
+            </a:r>
+            <a:r>
+              <a:rPr lang="en-US" altLang="ko-KR" dirty="0"/>
+              <a:t>.</a:t>
+            </a:r>
+            <a:r>
+              <a:rPr lang="ko-KR" altLang="en-US" dirty="0"/>
+              <a:t> </a:t>
+            </a:r>
+            <a:r>
+              <a:rPr lang="en-US" altLang="ko-KR" dirty="0"/>
+              <a:t>( batch</a:t>
+            </a:r>
+            <a:r>
+              <a:rPr lang="ko-KR" altLang="en-US" dirty="0"/>
+              <a:t> </a:t>
+            </a:r>
+            <a:r>
+              <a:rPr lang="en-US" altLang="ko-KR" dirty="0"/>
+              <a:t>-&gt;</a:t>
+            </a:r>
+            <a:r>
+              <a:rPr lang="ko-KR" altLang="en-US" dirty="0"/>
+              <a:t> </a:t>
+            </a:r>
+            <a:r>
+              <a:rPr lang="ko-KR" altLang="en-US" dirty="0" err="1"/>
+              <a:t>한거번에</a:t>
+            </a:r>
+            <a:r>
+              <a:rPr lang="ko-KR" altLang="en-US" dirty="0"/>
+              <a:t> 처리</a:t>
+            </a:r>
+            <a:r>
+              <a:rPr lang="en-US" altLang="ko-KR" dirty="0"/>
+              <a:t>!!)</a:t>
+            </a:r>
+          </a:p>
+        </p:txBody>
+      </p:sp>
+    </p:spTree>
+    <p:extLst>
+      <p:ext uri="{BB962C8B-B14F-4D97-AF65-F5344CB8AC3E}">
+        <p14:creationId xmlns:p14="http://schemas.microsoft.com/office/powerpoint/2010/main" val="812654185"/>
       </p:ext>
     </p:extLst>
   </p:cSld>

--- a/6주차.pptx
+++ b/6주차.pptx
@@ -5,15 +5,20 @@
     <p:sldMasterId id="2147483648" r:id="rId1"/>
   </p:sldMasterIdLst>
   <p:notesMasterIdLst>
-    <p:notesMasterId r:id="rId8"/>
+    <p:notesMasterId r:id="rId13"/>
   </p:notesMasterIdLst>
   <p:sldIdLst>
     <p:sldId id="262" r:id="rId2"/>
-    <p:sldId id="313" r:id="rId3"/>
-    <p:sldId id="311" r:id="rId4"/>
-    <p:sldId id="312" r:id="rId5"/>
+    <p:sldId id="311" r:id="rId3"/>
+    <p:sldId id="312" r:id="rId4"/>
+    <p:sldId id="313" r:id="rId5"/>
     <p:sldId id="314" r:id="rId6"/>
-    <p:sldId id="315" r:id="rId7"/>
+    <p:sldId id="316" r:id="rId7"/>
+    <p:sldId id="315" r:id="rId8"/>
+    <p:sldId id="319" r:id="rId9"/>
+    <p:sldId id="320" r:id="rId10"/>
+    <p:sldId id="317" r:id="rId11"/>
+    <p:sldId id="318" r:id="rId12"/>
   </p:sldIdLst>
   <p:sldSz cx="12192000" cy="6858000"/>
   <p:notesSz cx="6858000" cy="9144000"/>
@@ -205,7 +210,7 @@
           <a:p>
             <a:fld id="{8403E68E-9B88-4DB5-BADA-D5AB9607083E}" type="datetimeFigureOut">
               <a:rPr lang="ko-KR" altLang="en-US" smtClean="0"/>
-              <a:t>2021-08-09</a:t>
+              <a:t>2021-08-10</a:t>
             </a:fld>
             <a:endParaRPr lang="ko-KR" altLang="en-US"/>
           </a:p>
@@ -548,7 +553,7 @@
           <a:p>
             <a:fld id="{5FAAA766-79CA-47E4-9E45-0D897C7C3898}" type="slidenum">
               <a:rPr lang="ko-KR" altLang="en-US" smtClean="0"/>
-              <a:t>3</a:t>
+              <a:t>2</a:t>
             </a:fld>
             <a:endParaRPr lang="ko-KR" altLang="en-US"/>
           </a:p>
@@ -613,89 +618,12 @@
           <a:p>
             <a:r>
               <a:rPr lang="en-US" altLang="ko-KR" dirty="0"/>
-              <a:t>https://runebook.dev/ko/docs/pytorch/generated/torch.max -&gt; </a:t>
-            </a:r>
-            <a:r>
-              <a:rPr lang="en-US" altLang="ko-KR" dirty="0" err="1"/>
-              <a:t>torch.max</a:t>
-            </a:r>
-            <a:endParaRPr lang="en-US" altLang="ko-KR" dirty="0"/>
-          </a:p>
-          <a:p>
-            <a:endParaRPr lang="en-US" altLang="ko-KR" dirty="0"/>
-          </a:p>
-          <a:p>
-            <a:r>
-              <a:rPr lang="en-US" altLang="ko-KR" b="0" i="0" dirty="0">
-                <a:solidFill>
-                  <a:srgbClr val="24292E"/>
-                </a:solidFill>
-                <a:effectLst/>
-                <a:latin typeface="ui-monospace"/>
-              </a:rPr>
-              <a:t>_, preds = </a:t>
-            </a:r>
-            <a:r>
-              <a:rPr lang="en-US" altLang="ko-KR" b="0" i="0" dirty="0" err="1">
-                <a:solidFill>
-                  <a:srgbClr val="24292E"/>
-                </a:solidFill>
-                <a:effectLst/>
-                <a:latin typeface="ui-monospace"/>
-              </a:rPr>
-              <a:t>torch.max</a:t>
-            </a:r>
-            <a:r>
-              <a:rPr lang="en-US" altLang="ko-KR" b="0" i="0" dirty="0">
-                <a:solidFill>
-                  <a:srgbClr val="24292E"/>
-                </a:solidFill>
-                <a:effectLst/>
-                <a:latin typeface="ui-monospace"/>
-              </a:rPr>
-              <a:t>(scores, dim=2) -&gt; </a:t>
-            </a:r>
-            <a:r>
-              <a:rPr lang="ko-KR" altLang="en-US" b="0" i="0" dirty="0">
-                <a:solidFill>
-                  <a:srgbClr val="24292E"/>
-                </a:solidFill>
-                <a:effectLst/>
-                <a:latin typeface="ui-monospace"/>
-              </a:rPr>
-              <a:t>이부분을 </a:t>
-            </a:r>
-            <a:r>
-              <a:rPr lang="en-US" altLang="ko-KR" b="0" i="0" dirty="0">
-                <a:solidFill>
-                  <a:srgbClr val="24292E"/>
-                </a:solidFill>
-                <a:effectLst/>
-                <a:latin typeface="ui-monospace"/>
-              </a:rPr>
-              <a:t>top k</a:t>
-            </a:r>
-            <a:r>
-              <a:rPr lang="ko-KR" altLang="en-US" b="0" i="0" dirty="0">
-                <a:solidFill>
-                  <a:srgbClr val="24292E"/>
-                </a:solidFill>
-                <a:effectLst/>
-                <a:latin typeface="ui-monospace"/>
-              </a:rPr>
-              <a:t>로 변경해서 실행해보자</a:t>
-            </a:r>
-            <a:r>
-              <a:rPr lang="en-US" altLang="ko-KR" b="0" i="0">
-                <a:solidFill>
-                  <a:srgbClr val="24292E"/>
-                </a:solidFill>
-                <a:effectLst/>
-                <a:latin typeface="ui-monospace"/>
-              </a:rPr>
-              <a:t>.</a:t>
-            </a:r>
-            <a:endParaRPr lang="ko-KR" altLang="en-US" dirty="0"/>
+              <a:t>https://wikidocs.net/31695 -&gt; blue </a:t>
+            </a:r>
+            <a:r>
+              <a:rPr lang="ko-KR" altLang="en-US" dirty="0"/>
+              <a:t>설명</a:t>
+            </a:r>
           </a:p>
         </p:txBody>
       </p:sp>
@@ -716,7 +644,7 @@
           <a:p>
             <a:fld id="{5FAAA766-79CA-47E4-9E45-0D897C7C3898}" type="slidenum">
               <a:rPr lang="ko-KR" altLang="en-US" smtClean="0"/>
-              <a:t>6</a:t>
+              <a:t>8</a:t>
             </a:fld>
             <a:endParaRPr lang="ko-KR" altLang="en-US"/>
           </a:p>
@@ -725,7 +653,98 @@
     </p:spTree>
     <p:extLst>
       <p:ext uri="{BB962C8B-B14F-4D97-AF65-F5344CB8AC3E}">
-        <p14:creationId xmlns:p14="http://schemas.microsoft.com/office/powerpoint/2010/main" val="1094616144"/>
+        <p14:creationId xmlns:p14="http://schemas.microsoft.com/office/powerpoint/2010/main" val="1391339344"/>
+      </p:ext>
+    </p:extLst>
+  </p:cSld>
+  <p:clrMapOvr>
+    <a:masterClrMapping/>
+  </p:clrMapOvr>
+</p:notes>
+</file>
+
+<file path=ppt/notesSlides/notesSlide3.xml><?xml version="1.0" encoding="utf-8"?>
+<p:notes xmlns:a="http://schemas.openxmlformats.org/drawingml/2006/main" xmlns:r="http://schemas.openxmlformats.org/officeDocument/2006/relationships" xmlns:p="http://schemas.openxmlformats.org/presentationml/2006/main">
+  <p:cSld>
+    <p:spTree>
+      <p:nvGrpSpPr>
+        <p:cNvPr id="1" name=""/>
+        <p:cNvGrpSpPr/>
+        <p:nvPr/>
+      </p:nvGrpSpPr>
+      <p:grpSpPr>
+        <a:xfrm>
+          <a:off x="0" y="0"/>
+          <a:ext cx="0" cy="0"/>
+          <a:chOff x="0" y="0"/>
+          <a:chExt cx="0" cy="0"/>
+        </a:xfrm>
+      </p:grpSpPr>
+      <p:sp>
+        <p:nvSpPr>
+          <p:cNvPr id="2" name="슬라이드 이미지 개체 틀 1"/>
+          <p:cNvSpPr>
+            <a:spLocks noGrp="1" noRot="1" noChangeAspect="1"/>
+          </p:cNvSpPr>
+          <p:nvPr>
+            <p:ph type="sldImg"/>
+          </p:nvPr>
+        </p:nvSpPr>
+        <p:spPr/>
+      </p:sp>
+      <p:sp>
+        <p:nvSpPr>
+          <p:cNvPr id="3" name="슬라이드 노트 개체 틀 2"/>
+          <p:cNvSpPr>
+            <a:spLocks noGrp="1"/>
+          </p:cNvSpPr>
+          <p:nvPr>
+            <p:ph type="body" idx="1"/>
+          </p:nvPr>
+        </p:nvSpPr>
+        <p:spPr/>
+        <p:txBody>
+          <a:bodyPr/>
+          <a:lstStyle/>
+          <a:p>
+            <a:r>
+              <a:rPr lang="en-US" altLang="ko-KR" dirty="0"/>
+              <a:t>https://wikidocs.net/31695 -&gt; blue </a:t>
+            </a:r>
+            <a:r>
+              <a:rPr lang="ko-KR" altLang="en-US" dirty="0"/>
+              <a:t>설명</a:t>
+            </a:r>
+          </a:p>
+        </p:txBody>
+      </p:sp>
+      <p:sp>
+        <p:nvSpPr>
+          <p:cNvPr id="4" name="슬라이드 번호 개체 틀 3"/>
+          <p:cNvSpPr>
+            <a:spLocks noGrp="1"/>
+          </p:cNvSpPr>
+          <p:nvPr>
+            <p:ph type="sldNum" sz="quarter" idx="5"/>
+          </p:nvPr>
+        </p:nvSpPr>
+        <p:spPr/>
+        <p:txBody>
+          <a:bodyPr/>
+          <a:lstStyle/>
+          <a:p>
+            <a:fld id="{5FAAA766-79CA-47E4-9E45-0D897C7C3898}" type="slidenum">
+              <a:rPr lang="ko-KR" altLang="en-US" smtClean="0"/>
+              <a:t>9</a:t>
+            </a:fld>
+            <a:endParaRPr lang="ko-KR" altLang="en-US"/>
+          </a:p>
+        </p:txBody>
+      </p:sp>
+    </p:spTree>
+    <p:extLst>
+      <p:ext uri="{BB962C8B-B14F-4D97-AF65-F5344CB8AC3E}">
+        <p14:creationId xmlns:p14="http://schemas.microsoft.com/office/powerpoint/2010/main" val="1359095011"/>
       </p:ext>
     </p:extLst>
   </p:cSld>
@@ -882,7 +901,7 @@
           <a:p>
             <a:fld id="{81824485-37D6-4A4E-B3C2-55E690D391A0}" type="datetime1">
               <a:rPr lang="ko-KR" altLang="en-US" smtClean="0"/>
-              <a:t>2021-08-09</a:t>
+              <a:t>2021-08-10</a:t>
             </a:fld>
             <a:endParaRPr lang="ko-KR" altLang="en-US"/>
           </a:p>
@@ -1080,7 +1099,7 @@
           <a:p>
             <a:fld id="{3DF715B5-1D12-4CA6-88BA-3982FCF342B2}" type="datetime1">
               <a:rPr lang="ko-KR" altLang="en-US" smtClean="0"/>
-              <a:t>2021-08-09</a:t>
+              <a:t>2021-08-10</a:t>
             </a:fld>
             <a:endParaRPr lang="ko-KR" altLang="en-US"/>
           </a:p>
@@ -1288,7 +1307,7 @@
           <a:p>
             <a:fld id="{13D876F9-D66F-4450-8B0D-7B53B1CAD061}" type="datetime1">
               <a:rPr lang="ko-KR" altLang="en-US" smtClean="0"/>
-              <a:t>2021-08-09</a:t>
+              <a:t>2021-08-10</a:t>
             </a:fld>
             <a:endParaRPr lang="ko-KR" altLang="en-US"/>
           </a:p>
@@ -1486,7 +1505,7 @@
           <a:p>
             <a:fld id="{4DF80924-3D40-475B-A14E-A89456D8CB0D}" type="datetime1">
               <a:rPr lang="ko-KR" altLang="en-US" smtClean="0"/>
-              <a:t>2021-08-09</a:t>
+              <a:t>2021-08-10</a:t>
             </a:fld>
             <a:endParaRPr lang="ko-KR" altLang="en-US"/>
           </a:p>
@@ -1761,7 +1780,7 @@
           <a:p>
             <a:fld id="{27271DA4-6E68-43A7-BA9A-44AAD2A570A2}" type="datetime1">
               <a:rPr lang="ko-KR" altLang="en-US" smtClean="0"/>
-              <a:t>2021-08-09</a:t>
+              <a:t>2021-08-10</a:t>
             </a:fld>
             <a:endParaRPr lang="ko-KR" altLang="en-US"/>
           </a:p>
@@ -2026,7 +2045,7 @@
           <a:p>
             <a:fld id="{FB8660EF-7488-4688-B47B-499D7661BB9A}" type="datetime1">
               <a:rPr lang="ko-KR" altLang="en-US" smtClean="0"/>
-              <a:t>2021-08-09</a:t>
+              <a:t>2021-08-10</a:t>
             </a:fld>
             <a:endParaRPr lang="ko-KR" altLang="en-US"/>
           </a:p>
@@ -2438,7 +2457,7 @@
           <a:p>
             <a:fld id="{B2A0DCBC-07E3-4F51-A8B0-7DDB83A3B59C}" type="datetime1">
               <a:rPr lang="ko-KR" altLang="en-US" smtClean="0"/>
-              <a:t>2021-08-09</a:t>
+              <a:t>2021-08-10</a:t>
             </a:fld>
             <a:endParaRPr lang="ko-KR" altLang="en-US"/>
           </a:p>
@@ -2579,7 +2598,7 @@
           <a:p>
             <a:fld id="{B8772A87-66B2-4830-AD9F-DE65303EA9D0}" type="datetime1">
               <a:rPr lang="ko-KR" altLang="en-US" smtClean="0"/>
-              <a:t>2021-08-09</a:t>
+              <a:t>2021-08-10</a:t>
             </a:fld>
             <a:endParaRPr lang="ko-KR" altLang="en-US"/>
           </a:p>
@@ -2692,7 +2711,7 @@
           <a:p>
             <a:fld id="{C338DA32-DAFA-4ECD-8F80-B4DE9A5BE697}" type="datetime1">
               <a:rPr lang="ko-KR" altLang="en-US" smtClean="0"/>
-              <a:t>2021-08-09</a:t>
+              <a:t>2021-08-10</a:t>
             </a:fld>
             <a:endParaRPr lang="ko-KR" altLang="en-US"/>
           </a:p>
@@ -3003,7 +3022,7 @@
           <a:p>
             <a:fld id="{650E3E3D-B19B-4A86-A742-753C828A8F1C}" type="datetime1">
               <a:rPr lang="ko-KR" altLang="en-US" smtClean="0"/>
-              <a:t>2021-08-09</a:t>
+              <a:t>2021-08-10</a:t>
             </a:fld>
             <a:endParaRPr lang="ko-KR" altLang="en-US"/>
           </a:p>
@@ -3291,7 +3310,7 @@
           <a:p>
             <a:fld id="{95E62AEA-E495-403A-8773-B058821D500F}" type="datetime1">
               <a:rPr lang="ko-KR" altLang="en-US" smtClean="0"/>
-              <a:t>2021-08-09</a:t>
+              <a:t>2021-08-10</a:t>
             </a:fld>
             <a:endParaRPr lang="ko-KR" altLang="en-US"/>
           </a:p>
@@ -3532,7 +3551,7 @@
           <a:p>
             <a:fld id="{AD2AA275-37EC-4747-8BBB-86137B98CC85}" type="datetime1">
               <a:rPr lang="ko-KR" altLang="en-US" smtClean="0"/>
-              <a:t>2021-08-09</a:t>
+              <a:t>2021-08-10</a:t>
             </a:fld>
             <a:endParaRPr lang="ko-KR" altLang="en-US"/>
           </a:p>
@@ -4148,6 +4167,184 @@
 </p:sld>
 </file>
 
+<file path=ppt/slides/slide10.xml><?xml version="1.0" encoding="utf-8"?>
+<p:sld xmlns:a="http://schemas.openxmlformats.org/drawingml/2006/main" xmlns:r="http://schemas.openxmlformats.org/officeDocument/2006/relationships" xmlns:p="http://schemas.openxmlformats.org/presentationml/2006/main">
+  <p:cSld>
+    <p:spTree>
+      <p:nvGrpSpPr>
+        <p:cNvPr id="1" name=""/>
+        <p:cNvGrpSpPr/>
+        <p:nvPr/>
+      </p:nvGrpSpPr>
+      <p:grpSpPr>
+        <a:xfrm>
+          <a:off x="0" y="0"/>
+          <a:ext cx="0" cy="0"/>
+          <a:chOff x="0" y="0"/>
+          <a:chExt cx="0" cy="0"/>
+        </a:xfrm>
+      </p:grpSpPr>
+      <p:sp>
+        <p:nvSpPr>
+          <p:cNvPr id="4" name="슬라이드 번호 개체 틀 3">
+            <a:extLst>
+              <a:ext uri="{FF2B5EF4-FFF2-40B4-BE49-F238E27FC236}">
+                <a16:creationId xmlns:a16="http://schemas.microsoft.com/office/drawing/2014/main" id="{8A52180F-95BA-48F2-BB00-3AC13F31BEB6}"/>
+              </a:ext>
+            </a:extLst>
+          </p:cNvPr>
+          <p:cNvSpPr>
+            <a:spLocks noGrp="1"/>
+          </p:cNvSpPr>
+          <p:nvPr>
+            <p:ph type="sldNum" sz="quarter" idx="12"/>
+          </p:nvPr>
+        </p:nvSpPr>
+        <p:spPr/>
+        <p:txBody>
+          <a:bodyPr/>
+          <a:lstStyle/>
+          <a:p>
+            <a:fld id="{C3EC3709-AF19-4BC3-8020-8E9C5E0E1F7D}" type="slidenum">
+              <a:rPr lang="ko-KR" altLang="en-US" smtClean="0"/>
+              <a:t>10</a:t>
+            </a:fld>
+            <a:endParaRPr lang="ko-KR" altLang="en-US"/>
+          </a:p>
+        </p:txBody>
+      </p:sp>
+    </p:spTree>
+    <p:extLst>
+      <p:ext uri="{BB962C8B-B14F-4D97-AF65-F5344CB8AC3E}">
+        <p14:creationId xmlns:p14="http://schemas.microsoft.com/office/powerpoint/2010/main" val="1965471103"/>
+      </p:ext>
+    </p:extLst>
+  </p:cSld>
+  <p:clrMapOvr>
+    <a:masterClrMapping/>
+  </p:clrMapOvr>
+</p:sld>
+</file>
+
+<file path=ppt/slides/slide11.xml><?xml version="1.0" encoding="utf-8"?>
+<p:sld xmlns:a="http://schemas.openxmlformats.org/drawingml/2006/main" xmlns:r="http://schemas.openxmlformats.org/officeDocument/2006/relationships" xmlns:p="http://schemas.openxmlformats.org/presentationml/2006/main">
+  <p:cSld>
+    <p:spTree>
+      <p:nvGrpSpPr>
+        <p:cNvPr id="1" name=""/>
+        <p:cNvGrpSpPr/>
+        <p:nvPr/>
+      </p:nvGrpSpPr>
+      <p:grpSpPr>
+        <a:xfrm>
+          <a:off x="0" y="0"/>
+          <a:ext cx="0" cy="0"/>
+          <a:chOff x="0" y="0"/>
+          <a:chExt cx="0" cy="0"/>
+        </a:xfrm>
+      </p:grpSpPr>
+      <p:sp>
+        <p:nvSpPr>
+          <p:cNvPr id="4" name="슬라이드 번호 개체 틀 3">
+            <a:extLst>
+              <a:ext uri="{FF2B5EF4-FFF2-40B4-BE49-F238E27FC236}">
+                <a16:creationId xmlns:a16="http://schemas.microsoft.com/office/drawing/2014/main" id="{8A52180F-95BA-48F2-BB00-3AC13F31BEB6}"/>
+              </a:ext>
+            </a:extLst>
+          </p:cNvPr>
+          <p:cNvSpPr>
+            <a:spLocks noGrp="1"/>
+          </p:cNvSpPr>
+          <p:nvPr>
+            <p:ph type="sldNum" sz="quarter" idx="12"/>
+          </p:nvPr>
+        </p:nvSpPr>
+        <p:spPr/>
+        <p:txBody>
+          <a:bodyPr/>
+          <a:lstStyle/>
+          <a:p>
+            <a:fld id="{C3EC3709-AF19-4BC3-8020-8E9C5E0E1F7D}" type="slidenum">
+              <a:rPr lang="ko-KR" altLang="en-US" smtClean="0"/>
+              <a:t>11</a:t>
+            </a:fld>
+            <a:endParaRPr lang="ko-KR" altLang="en-US"/>
+          </a:p>
+        </p:txBody>
+      </p:sp>
+      <p:pic>
+        <p:nvPicPr>
+          <p:cNvPr id="2" name="그림 1">
+            <a:extLst>
+              <a:ext uri="{FF2B5EF4-FFF2-40B4-BE49-F238E27FC236}">
+                <a16:creationId xmlns:a16="http://schemas.microsoft.com/office/drawing/2014/main" id="{5741D86A-E2EF-42FF-BA63-90F068E2A9B0}"/>
+              </a:ext>
+            </a:extLst>
+          </p:cNvPr>
+          <p:cNvPicPr>
+            <a:picLocks noChangeAspect="1"/>
+          </p:cNvPicPr>
+          <p:nvPr/>
+        </p:nvPicPr>
+        <p:blipFill>
+          <a:blip r:embed="rId2"/>
+          <a:stretch>
+            <a:fillRect/>
+          </a:stretch>
+        </p:blipFill>
+        <p:spPr>
+          <a:xfrm>
+            <a:off x="1120229" y="1098884"/>
+            <a:ext cx="4797408" cy="4600074"/>
+          </a:xfrm>
+          <a:prstGeom prst="rect">
+            <a:avLst/>
+          </a:prstGeom>
+        </p:spPr>
+      </p:pic>
+      <p:pic>
+        <p:nvPicPr>
+          <p:cNvPr id="3" name="그림 2">
+            <a:extLst>
+              <a:ext uri="{FF2B5EF4-FFF2-40B4-BE49-F238E27FC236}">
+                <a16:creationId xmlns:a16="http://schemas.microsoft.com/office/drawing/2014/main" id="{79D56C85-ACF3-422D-9E50-45AE8F7BC729}"/>
+              </a:ext>
+            </a:extLst>
+          </p:cNvPr>
+          <p:cNvPicPr>
+            <a:picLocks noChangeAspect="1"/>
+          </p:cNvPicPr>
+          <p:nvPr/>
+        </p:nvPicPr>
+        <p:blipFill>
+          <a:blip r:embed="rId3"/>
+          <a:stretch>
+            <a:fillRect/>
+          </a:stretch>
+        </p:blipFill>
+        <p:spPr>
+          <a:xfrm>
+            <a:off x="6373228" y="1412708"/>
+            <a:ext cx="3901741" cy="2590434"/>
+          </a:xfrm>
+          <a:prstGeom prst="rect">
+            <a:avLst/>
+          </a:prstGeom>
+        </p:spPr>
+      </p:pic>
+    </p:spTree>
+    <p:extLst>
+      <p:ext uri="{BB962C8B-B14F-4D97-AF65-F5344CB8AC3E}">
+        <p14:creationId xmlns:p14="http://schemas.microsoft.com/office/powerpoint/2010/main" val="3924031189"/>
+      </p:ext>
+    </p:extLst>
+  </p:cSld>
+  <p:clrMapOvr>
+    <a:masterClrMapping/>
+  </p:clrMapOvr>
+</p:sld>
+</file>
+
 <file path=ppt/slides/slide2.xml><?xml version="1.0" encoding="utf-8"?>
 <p:sld xmlns:a="http://schemas.openxmlformats.org/drawingml/2006/main" xmlns:r="http://schemas.openxmlformats.org/officeDocument/2006/relationships" xmlns:p="http://schemas.openxmlformats.org/presentationml/2006/main">
   <p:cSld>
@@ -4227,6 +4424,40 @@
       </p:sp>
       <p:sp>
         <p:nvSpPr>
+          <p:cNvPr id="4" name="슬라이드 번호 개체 틀 3">
+            <a:extLst>
+              <a:ext uri="{FF2B5EF4-FFF2-40B4-BE49-F238E27FC236}">
+                <a16:creationId xmlns:a16="http://schemas.microsoft.com/office/drawing/2014/main" id="{B11A7AB9-7540-40FD-94B6-0135A3ED289C}"/>
+              </a:ext>
+            </a:extLst>
+          </p:cNvPr>
+          <p:cNvSpPr>
+            <a:spLocks noGrp="1"/>
+          </p:cNvSpPr>
+          <p:nvPr>
+            <p:ph type="sldNum" sz="quarter" idx="12"/>
+          </p:nvPr>
+        </p:nvSpPr>
+        <p:spPr>
+          <a:xfrm>
+            <a:off x="8563187" y="6379936"/>
+            <a:ext cx="2743200" cy="365125"/>
+          </a:xfrm>
+        </p:spPr>
+        <p:txBody>
+          <a:bodyPr/>
+          <a:lstStyle/>
+          <a:p>
+            <a:fld id="{C3EC3709-AF19-4BC3-8020-8E9C5E0E1F7D}" type="slidenum">
+              <a:rPr lang="ko-KR" altLang="en-US" smtClean="0"/>
+              <a:t>2</a:t>
+            </a:fld>
+            <a:endParaRPr lang="ko-KR" altLang="en-US"/>
+          </a:p>
+        </p:txBody>
+      </p:sp>
+      <p:sp>
+        <p:nvSpPr>
           <p:cNvPr id="9" name="TextBox 8">
             <a:extLst>
               <a:ext uri="{FF2B5EF4-FFF2-40B4-BE49-F238E27FC236}">
@@ -4262,10 +4493,68 @@
       </p:sp>
       <p:pic>
         <p:nvPicPr>
-          <p:cNvPr id="3" name="그림 2">
-            <a:extLst>
-              <a:ext uri="{FF2B5EF4-FFF2-40B4-BE49-F238E27FC236}">
-                <a16:creationId xmlns:a16="http://schemas.microsoft.com/office/drawing/2014/main" id="{CE58B8F9-7D7D-4452-BD56-1488E02C05BA}"/>
+          <p:cNvPr id="5" name="그림 4">
+            <a:extLst>
+              <a:ext uri="{FF2B5EF4-FFF2-40B4-BE49-F238E27FC236}">
+                <a16:creationId xmlns:a16="http://schemas.microsoft.com/office/drawing/2014/main" id="{6CD7433E-584D-440F-96B4-8F3A65898298}"/>
+              </a:ext>
+            </a:extLst>
+          </p:cNvPr>
+          <p:cNvPicPr>
+            <a:picLocks noChangeAspect="1"/>
+          </p:cNvPicPr>
+          <p:nvPr/>
+        </p:nvPicPr>
+        <p:blipFill rotWithShape="1">
+          <a:blip r:embed="rId3"/>
+          <a:srcRect t="41620" r="-5867"/>
+          <a:stretch/>
+        </p:blipFill>
+        <p:spPr>
+          <a:xfrm>
+            <a:off x="5666022" y="2632402"/>
+            <a:ext cx="6671469" cy="4003681"/>
+          </a:xfrm>
+          <a:prstGeom prst="rect">
+            <a:avLst/>
+          </a:prstGeom>
+        </p:spPr>
+      </p:pic>
+      <p:pic>
+        <p:nvPicPr>
+          <p:cNvPr id="12" name="그림 11">
+            <a:extLst>
+              <a:ext uri="{FF2B5EF4-FFF2-40B4-BE49-F238E27FC236}">
+                <a16:creationId xmlns:a16="http://schemas.microsoft.com/office/drawing/2014/main" id="{6BE2E7E3-A315-4C7E-85B9-87746A252C97}"/>
+              </a:ext>
+            </a:extLst>
+          </p:cNvPr>
+          <p:cNvPicPr>
+            <a:picLocks noChangeAspect="1"/>
+          </p:cNvPicPr>
+          <p:nvPr/>
+        </p:nvPicPr>
+        <p:blipFill rotWithShape="1">
+          <a:blip r:embed="rId3"/>
+          <a:srcRect b="59583"/>
+          <a:stretch/>
+        </p:blipFill>
+        <p:spPr>
+          <a:xfrm>
+            <a:off x="231339" y="4307343"/>
+            <a:ext cx="5294436" cy="2328740"/>
+          </a:xfrm>
+          <a:prstGeom prst="rect">
+            <a:avLst/>
+          </a:prstGeom>
+        </p:spPr>
+      </p:pic>
+      <p:pic>
+        <p:nvPicPr>
+          <p:cNvPr id="10" name="그림 9">
+            <a:extLst>
+              <a:ext uri="{FF2B5EF4-FFF2-40B4-BE49-F238E27FC236}">
+                <a16:creationId xmlns:a16="http://schemas.microsoft.com/office/drawing/2014/main" id="{B99CE88C-BA49-4B51-87D2-4B5EDF3FA406}"/>
               </a:ext>
             </a:extLst>
           </p:cNvPr>
@@ -4275,25 +4564,154 @@
           <p:nvPr/>
         </p:nvPicPr>
         <p:blipFill>
-          <a:blip r:embed="rId2"/>
+          <a:blip r:embed="rId4"/>
           <a:stretch>
             <a:fillRect/>
           </a:stretch>
         </p:blipFill>
         <p:spPr>
           <a:xfrm>
-            <a:off x="751002" y="1132513"/>
-            <a:ext cx="5622874" cy="3607267"/>
+            <a:off x="231339" y="1739329"/>
+            <a:ext cx="9885821" cy="853091"/>
           </a:xfrm>
           <a:prstGeom prst="rect">
             <a:avLst/>
           </a:prstGeom>
         </p:spPr>
       </p:pic>
+      <p:sp>
+        <p:nvSpPr>
+          <p:cNvPr id="13" name="TextBox 12">
+            <a:extLst>
+              <a:ext uri="{FF2B5EF4-FFF2-40B4-BE49-F238E27FC236}">
+                <a16:creationId xmlns:a16="http://schemas.microsoft.com/office/drawing/2014/main" id="{73CDD85D-A8E1-40F8-9A0C-F836952A8B30}"/>
+              </a:ext>
+            </a:extLst>
+          </p:cNvPr>
+          <p:cNvSpPr txBox="1"/>
+          <p:nvPr/>
+        </p:nvSpPr>
+        <p:spPr>
+          <a:xfrm>
+            <a:off x="231339" y="3169377"/>
+            <a:ext cx="4288221" cy="923330"/>
+          </a:xfrm>
+          <a:prstGeom prst="rect">
+            <a:avLst/>
+          </a:prstGeom>
+          <a:noFill/>
+        </p:spPr>
+        <p:txBody>
+          <a:bodyPr wrap="square" rtlCol="0">
+            <a:spAutoFit/>
+          </a:bodyPr>
+          <a:lstStyle/>
+          <a:p>
+            <a:r>
+              <a:rPr lang="en-US" altLang="ko-KR" dirty="0" err="1"/>
+              <a:t>Dec_len</a:t>
+            </a:r>
+            <a:r>
+              <a:rPr lang="ko-KR" altLang="en-US" dirty="0"/>
+              <a:t> </a:t>
+            </a:r>
+            <a:r>
+              <a:rPr lang="en-US" altLang="ko-KR" dirty="0"/>
+              <a:t>:</a:t>
+            </a:r>
+            <a:r>
+              <a:rPr lang="ko-KR" altLang="en-US" dirty="0"/>
+              <a:t> </a:t>
+            </a:r>
+            <a:r>
+              <a:rPr lang="en-US" altLang="ko-KR" dirty="0"/>
+              <a:t>batch</a:t>
+            </a:r>
+            <a:r>
+              <a:rPr lang="ko-KR" altLang="en-US" dirty="0"/>
+              <a:t>안에 있는 </a:t>
+            </a:r>
+            <a:r>
+              <a:rPr lang="en-US" altLang="ko-KR" dirty="0"/>
+              <a:t>caption</a:t>
+            </a:r>
+            <a:r>
+              <a:rPr lang="ko-KR" altLang="en-US" dirty="0"/>
+              <a:t>들의 길이 </a:t>
+            </a:r>
+            <a:r>
+              <a:rPr lang="en-US" altLang="ko-KR" dirty="0"/>
+              <a:t>list</a:t>
+            </a:r>
+          </a:p>
+          <a:p>
+            <a:r>
+              <a:rPr lang="en-US" altLang="ko-KR" dirty="0" err="1"/>
+              <a:t>Batch_size_t</a:t>
+            </a:r>
+            <a:r>
+              <a:rPr lang="en-US" altLang="ko-KR" dirty="0"/>
+              <a:t> : -&gt;??...</a:t>
+            </a:r>
+            <a:endParaRPr lang="ko-KR" altLang="en-US" dirty="0"/>
+          </a:p>
+        </p:txBody>
+      </p:sp>
+      <p:sp>
+        <p:nvSpPr>
+          <p:cNvPr id="14" name="직사각형 13">
+            <a:extLst>
+              <a:ext uri="{FF2B5EF4-FFF2-40B4-BE49-F238E27FC236}">
+                <a16:creationId xmlns:a16="http://schemas.microsoft.com/office/drawing/2014/main" id="{2C30023A-1BF9-416B-90FA-97E76C028B9F}"/>
+              </a:ext>
+            </a:extLst>
+          </p:cNvPr>
+          <p:cNvSpPr/>
+          <p:nvPr/>
+        </p:nvSpPr>
+        <p:spPr>
+          <a:xfrm>
+            <a:off x="231339" y="985680"/>
+            <a:ext cx="11450128" cy="646331"/>
+          </a:xfrm>
+          <a:prstGeom prst="rect">
+            <a:avLst/>
+          </a:prstGeom>
+        </p:spPr>
+        <p:txBody>
+          <a:bodyPr wrap="square">
+            <a:spAutoFit/>
+          </a:bodyPr>
+          <a:lstStyle/>
+          <a:p>
+            <a:r>
+              <a:rPr lang="ko-KR" altLang="en-US" dirty="0" err="1"/>
+              <a:t>dec_len</a:t>
+            </a:r>
+            <a:r>
+              <a:rPr lang="ko-KR" altLang="en-US" dirty="0"/>
+              <a:t> = [22, 18, 14, 13, 13, 13, 13, 13, 12, 12, 12, 12, 12, 12, 11, 11, 11, 11, 11, 11, 11, 11, 11, 11, 11, 11, 10, 10, 10, 9, 9, 9]  </a:t>
+            </a:r>
+            <a:r>
+              <a:rPr lang="en-US" altLang="ko-KR" dirty="0"/>
+              <a:t>( batch </a:t>
+            </a:r>
+            <a:r>
+              <a:rPr lang="ko-KR" altLang="en-US" dirty="0"/>
+              <a:t>한 개</a:t>
+            </a:r>
+            <a:r>
+              <a:rPr lang="en-US" altLang="ko-KR" dirty="0"/>
+              <a:t>)</a:t>
+            </a:r>
+            <a:endParaRPr lang="ko-KR" altLang="en-US" dirty="0"/>
+          </a:p>
+        </p:txBody>
+      </p:sp>
     </p:spTree>
     <p:extLst>
       <p:ext uri="{BB962C8B-B14F-4D97-AF65-F5344CB8AC3E}">
-        <p14:creationId xmlns:p14="http://schemas.microsoft.com/office/powerpoint/2010/main" val="649976851"/>
+        <p14:creationId xmlns:p14="http://schemas.microsoft.com/office/powerpoint/2010/main" val="3603391568"/>
       </p:ext>
     </p:extLst>
   </p:cSld>
@@ -4451,10 +4869,10 @@
       </p:sp>
       <p:pic>
         <p:nvPicPr>
-          <p:cNvPr id="5" name="그림 4">
-            <a:extLst>
-              <a:ext uri="{FF2B5EF4-FFF2-40B4-BE49-F238E27FC236}">
-                <a16:creationId xmlns:a16="http://schemas.microsoft.com/office/drawing/2014/main" id="{6CD7433E-584D-440F-96B4-8F3A65898298}"/>
+          <p:cNvPr id="2" name="그림 1">
+            <a:extLst>
+              <a:ext uri="{FF2B5EF4-FFF2-40B4-BE49-F238E27FC236}">
+                <a16:creationId xmlns:a16="http://schemas.microsoft.com/office/drawing/2014/main" id="{4B03F50E-9F2D-4E6A-9070-837270FF3604}"/>
               </a:ext>
             </a:extLst>
           </p:cNvPr>
@@ -4464,55 +4882,101 @@
           <p:nvPr/>
         </p:nvPicPr>
         <p:blipFill rotWithShape="1">
-          <a:blip r:embed="rId3"/>
-          <a:srcRect t="41620" r="-5867"/>
+          <a:blip r:embed="rId2"/>
+          <a:srcRect l="513" r="-1"/>
           <a:stretch/>
         </p:blipFill>
         <p:spPr>
           <a:xfrm>
-            <a:off x="5666022" y="2632402"/>
-            <a:ext cx="6671469" cy="4003681"/>
+            <a:off x="289037" y="1129337"/>
+            <a:ext cx="4267199" cy="3098440"/>
           </a:xfrm>
           <a:prstGeom prst="rect">
             <a:avLst/>
           </a:prstGeom>
         </p:spPr>
       </p:pic>
-      <p:pic>
-        <p:nvPicPr>
-          <p:cNvPr id="12" name="그림 11">
-            <a:extLst>
-              <a:ext uri="{FF2B5EF4-FFF2-40B4-BE49-F238E27FC236}">
-                <a16:creationId xmlns:a16="http://schemas.microsoft.com/office/drawing/2014/main" id="{6BE2E7E3-A315-4C7E-85B9-87746A252C97}"/>
-              </a:ext>
-            </a:extLst>
-          </p:cNvPr>
-          <p:cNvPicPr>
-            <a:picLocks noChangeAspect="1"/>
-          </p:cNvPicPr>
+      <p:sp>
+        <p:nvSpPr>
+          <p:cNvPr id="6" name="TextBox 5">
+            <a:extLst>
+              <a:ext uri="{FF2B5EF4-FFF2-40B4-BE49-F238E27FC236}">
+                <a16:creationId xmlns:a16="http://schemas.microsoft.com/office/drawing/2014/main" id="{8848E58D-6A1A-428F-A3AC-250C2D04C7BA}"/>
+              </a:ext>
+            </a:extLst>
+          </p:cNvPr>
+          <p:cNvSpPr txBox="1"/>
           <p:nvPr/>
-        </p:nvPicPr>
-        <p:blipFill rotWithShape="1">
-          <a:blip r:embed="rId3"/>
-          <a:srcRect b="59583"/>
-          <a:stretch/>
-        </p:blipFill>
-        <p:spPr>
-          <a:xfrm>
-            <a:off x="231339" y="4307343"/>
-            <a:ext cx="5294436" cy="2328740"/>
+        </p:nvSpPr>
+        <p:spPr>
+          <a:xfrm>
+            <a:off x="7057696" y="1755227"/>
+            <a:ext cx="4093780" cy="923330"/>
           </a:xfrm>
           <a:prstGeom prst="rect">
             <a:avLst/>
           </a:prstGeom>
-        </p:spPr>
-      </p:pic>
+          <a:noFill/>
+        </p:spPr>
+        <p:txBody>
+          <a:bodyPr wrap="square" rtlCol="0">
+            <a:spAutoFit/>
+          </a:bodyPr>
+          <a:lstStyle/>
+          <a:p>
+            <a:r>
+              <a:rPr lang="en-US" altLang="ko-KR" dirty="0"/>
+              <a:t>Coco dataset </a:t>
+            </a:r>
+            <a:r>
+              <a:rPr lang="ko-KR" altLang="en-US" dirty="0"/>
+              <a:t>받아서</a:t>
+            </a:r>
+            <a:r>
+              <a:rPr lang="en-US" altLang="ko-KR" dirty="0"/>
+              <a:t> </a:t>
+            </a:r>
+            <a:r>
+              <a:rPr lang="ko-KR" altLang="en-US" dirty="0"/>
+              <a:t>이미지와 이미지에 해당하는 </a:t>
+            </a:r>
+            <a:r>
+              <a:rPr lang="en-US" altLang="ko-KR" dirty="0"/>
+              <a:t>caption</a:t>
+            </a:r>
+            <a:r>
+              <a:rPr lang="ko-KR" altLang="en-US" dirty="0"/>
+              <a:t>을 </a:t>
+            </a:r>
+            <a:r>
+              <a:rPr lang="en-US" altLang="ko-KR" dirty="0" err="1"/>
+              <a:t>captio</a:t>
+            </a:r>
+            <a:r>
+              <a:rPr lang="ko-KR" altLang="en-US" dirty="0"/>
+              <a:t>의 단어에 해당하는 </a:t>
+            </a:r>
+            <a:r>
+              <a:rPr lang="en-US" altLang="ko-KR" dirty="0"/>
+              <a:t>index</a:t>
+            </a:r>
+            <a:r>
+              <a:rPr lang="ko-KR" altLang="en-US" dirty="0"/>
+              <a:t>로 변환</a:t>
+            </a:r>
+            <a:r>
+              <a:rPr lang="en-US" altLang="ko-KR" dirty="0"/>
+              <a:t>. </a:t>
+            </a:r>
+          </a:p>
+        </p:txBody>
+      </p:sp>
       <p:pic>
         <p:nvPicPr>
-          <p:cNvPr id="10" name="그림 9">
-            <a:extLst>
-              <a:ext uri="{FF2B5EF4-FFF2-40B4-BE49-F238E27FC236}">
-                <a16:creationId xmlns:a16="http://schemas.microsoft.com/office/drawing/2014/main" id="{B99CE88C-BA49-4B51-87D2-4B5EDF3FA406}"/>
+          <p:cNvPr id="7" name="그림 6">
+            <a:extLst>
+              <a:ext uri="{FF2B5EF4-FFF2-40B4-BE49-F238E27FC236}">
+                <a16:creationId xmlns:a16="http://schemas.microsoft.com/office/drawing/2014/main" id="{5ADAFA9E-5DD1-4A21-85CC-0270BE486CF0}"/>
               </a:ext>
             </a:extLst>
           </p:cNvPr>
@@ -4522,15 +4986,15 @@
           <p:nvPr/>
         </p:nvPicPr>
         <p:blipFill>
-          <a:blip r:embed="rId4"/>
+          <a:blip r:embed="rId3"/>
           <a:stretch>
             <a:fillRect/>
           </a:stretch>
         </p:blipFill>
         <p:spPr>
           <a:xfrm>
-            <a:off x="231339" y="1739329"/>
-            <a:ext cx="9885821" cy="853091"/>
+            <a:off x="541950" y="4863662"/>
+            <a:ext cx="5975131" cy="1441806"/>
           </a:xfrm>
           <a:prstGeom prst="rect">
             <a:avLst/>
@@ -4539,10 +5003,10 @@
       </p:pic>
       <p:sp>
         <p:nvSpPr>
-          <p:cNvPr id="13" name="TextBox 12">
-            <a:extLst>
-              <a:ext uri="{FF2B5EF4-FFF2-40B4-BE49-F238E27FC236}">
-                <a16:creationId xmlns:a16="http://schemas.microsoft.com/office/drawing/2014/main" id="{73CDD85D-A8E1-40F8-9A0C-F836952A8B30}"/>
+          <p:cNvPr id="11" name="TextBox 10">
+            <a:extLst>
+              <a:ext uri="{FF2B5EF4-FFF2-40B4-BE49-F238E27FC236}">
+                <a16:creationId xmlns:a16="http://schemas.microsoft.com/office/drawing/2014/main" id="{8DBA83A6-ADA0-4247-B7B6-054F6C1D711D}"/>
               </a:ext>
             </a:extLst>
           </p:cNvPr>
@@ -4551,8 +5015,8 @@
         </p:nvSpPr>
         <p:spPr>
           <a:xfrm>
-            <a:off x="231339" y="3169377"/>
-            <a:ext cx="4288221" cy="923330"/>
+            <a:off x="5658929" y="3681934"/>
+            <a:ext cx="6645114" cy="646331"/>
           </a:xfrm>
           <a:prstGeom prst="rect">
             <a:avLst/>
@@ -4566,28 +5030,42 @@
           <a:lstStyle/>
           <a:p>
             <a:r>
-              <a:rPr lang="en-US" altLang="ko-KR" dirty="0" err="1"/>
-              <a:t>Dec_len</a:t>
+              <a:rPr lang="en-US" altLang="ko-KR" dirty="0"/>
+              <a:t>Sample</a:t>
             </a:r>
             <a:r>
               <a:rPr lang="ko-KR" altLang="en-US" dirty="0"/>
+              <a:t>들을 </a:t>
+            </a:r>
+            <a:r>
+              <a:rPr lang="en-US" altLang="ko-KR" dirty="0"/>
+              <a:t>Batch</a:t>
+            </a:r>
+            <a:r>
+              <a:rPr lang="ko-KR" altLang="en-US" dirty="0"/>
+              <a:t> 단위로 </a:t>
+            </a:r>
+            <a:r>
+              <a:rPr lang="en-US" altLang="ko-KR" dirty="0"/>
               <a:t> </a:t>
             </a:r>
             <a:r>
+              <a:rPr lang="ko-KR" altLang="en-US" dirty="0"/>
+              <a:t>합친다</a:t>
+            </a:r>
+            <a:r>
               <a:rPr lang="en-US" altLang="ko-KR" dirty="0"/>
-              <a:t>:</a:t>
+              <a:t>.</a:t>
+            </a:r>
+          </a:p>
+          <a:p>
+            <a:r>
+              <a:rPr lang="en-US" altLang="ko-KR" dirty="0"/>
+              <a:t>Lengths = batch</a:t>
             </a:r>
             <a:r>
               <a:rPr lang="ko-KR" altLang="en-US" dirty="0"/>
-              <a:t> </a:t>
-            </a:r>
-            <a:r>
-              <a:rPr lang="en-US" altLang="ko-KR" dirty="0"/>
-              <a:t>batch</a:t>
-            </a:r>
-            <a:r>
-              <a:rPr lang="ko-KR" altLang="en-US" dirty="0"/>
-              <a:t>안에 있는 </a:t>
+              <a:t>단위로 묶인 </a:t>
             </a:r>
             <a:r>
               <a:rPr lang="en-US" altLang="ko-KR" dirty="0"/>
@@ -4602,17 +5080,6 @@
               <a:t>list</a:t>
             </a:r>
           </a:p>
-          <a:p>
-            <a:r>
-              <a:rPr lang="en-US" altLang="ko-KR" dirty="0" err="1"/>
-              <a:t>Batch_size_t</a:t>
-            </a:r>
-            <a:r>
-              <a:rPr lang="en-US" altLang="ko-KR" dirty="0"/>
-              <a:t> : -&gt;??...</a:t>
-            </a:r>
-            <a:endParaRPr lang="ko-KR" altLang="en-US" dirty="0"/>
-          </a:p>
         </p:txBody>
       </p:sp>
       <p:sp>
@@ -4620,7 +5087,7 @@
           <p:cNvPr id="14" name="직사각형 13">
             <a:extLst>
               <a:ext uri="{FF2B5EF4-FFF2-40B4-BE49-F238E27FC236}">
-                <a16:creationId xmlns:a16="http://schemas.microsoft.com/office/drawing/2014/main" id="{2C30023A-1BF9-416B-90FA-97E76C028B9F}"/>
+                <a16:creationId xmlns:a16="http://schemas.microsoft.com/office/drawing/2014/main" id="{3956D73B-0508-47E2-BEAA-EC122EA9C0C8}"/>
               </a:ext>
             </a:extLst>
           </p:cNvPr>
@@ -4629,47 +5096,341 @@
         </p:nvSpPr>
         <p:spPr>
           <a:xfrm>
-            <a:off x="231339" y="985680"/>
-            <a:ext cx="11450128" cy="646331"/>
+            <a:off x="9079027" y="4634427"/>
+            <a:ext cx="1382110" cy="1279682"/>
           </a:xfrm>
           <a:prstGeom prst="rect">
             <a:avLst/>
           </a:prstGeom>
-        </p:spPr>
-        <p:txBody>
-          <a:bodyPr wrap="square">
+          <a:pattFill prst="lgGrid">
+            <a:fgClr>
+              <a:schemeClr val="accent1"/>
+            </a:fgClr>
+            <a:bgClr>
+              <a:schemeClr val="bg1"/>
+            </a:bgClr>
+          </a:pattFill>
+        </p:spPr>
+        <p:style>
+          <a:lnRef idx="2">
+            <a:schemeClr val="accent1">
+              <a:shade val="50000"/>
+            </a:schemeClr>
+          </a:lnRef>
+          <a:fillRef idx="1">
+            <a:schemeClr val="accent1"/>
+          </a:fillRef>
+          <a:effectRef idx="0">
+            <a:schemeClr val="accent1"/>
+          </a:effectRef>
+          <a:fontRef idx="minor">
+            <a:schemeClr val="lt1"/>
+          </a:fontRef>
+        </p:style>
+        <p:txBody>
+          <a:bodyPr rtlCol="0" anchor="ctr"/>
+          <a:lstStyle/>
+          <a:p>
+            <a:pPr algn="ctr"/>
+            <a:endParaRPr lang="ko-KR" altLang="en-US"/>
+          </a:p>
+        </p:txBody>
+      </p:sp>
+      <p:cxnSp>
+        <p:nvCxnSpPr>
+          <p:cNvPr id="16" name="직선 화살표 연결선 15">
+            <a:extLst>
+              <a:ext uri="{FF2B5EF4-FFF2-40B4-BE49-F238E27FC236}">
+                <a16:creationId xmlns:a16="http://schemas.microsoft.com/office/drawing/2014/main" id="{FAFABD40-3A31-4CEC-A8E2-B1ADCD66CC00}"/>
+              </a:ext>
+            </a:extLst>
+          </p:cNvPr>
+          <p:cNvCxnSpPr/>
+          <p:nvPr/>
+        </p:nvCxnSpPr>
+        <p:spPr>
+          <a:xfrm>
+            <a:off x="8603411" y="4687018"/>
+            <a:ext cx="396815" cy="0"/>
+          </a:xfrm>
+          <a:prstGeom prst="straightConnector1">
+            <a:avLst/>
+          </a:prstGeom>
+          <a:ln>
+            <a:tailEnd type="triangle"/>
+          </a:ln>
+        </p:spPr>
+        <p:style>
+          <a:lnRef idx="1">
+            <a:schemeClr val="accent1"/>
+          </a:lnRef>
+          <a:fillRef idx="0">
+            <a:schemeClr val="accent1"/>
+          </a:fillRef>
+          <a:effectRef idx="0">
+            <a:schemeClr val="accent1"/>
+          </a:effectRef>
+          <a:fontRef idx="minor">
+            <a:schemeClr val="tx1"/>
+          </a:fontRef>
+        </p:style>
+      </p:cxnSp>
+      <p:cxnSp>
+        <p:nvCxnSpPr>
+          <p:cNvPr id="18" name="직선 화살표 연결선 17">
+            <a:extLst>
+              <a:ext uri="{FF2B5EF4-FFF2-40B4-BE49-F238E27FC236}">
+                <a16:creationId xmlns:a16="http://schemas.microsoft.com/office/drawing/2014/main" id="{40227E20-1515-4989-B08C-D9FCD41C2484}"/>
+              </a:ext>
+            </a:extLst>
+          </p:cNvPr>
+          <p:cNvCxnSpPr/>
+          <p:nvPr/>
+        </p:nvCxnSpPr>
+        <p:spPr>
+          <a:xfrm>
+            <a:off x="8609162" y="5844453"/>
+            <a:ext cx="391064" cy="0"/>
+          </a:xfrm>
+          <a:prstGeom prst="straightConnector1">
+            <a:avLst/>
+          </a:prstGeom>
+          <a:ln>
+            <a:tailEnd type="triangle"/>
+          </a:ln>
+        </p:spPr>
+        <p:style>
+          <a:lnRef idx="1">
+            <a:schemeClr val="accent1"/>
+          </a:lnRef>
+          <a:fillRef idx="0">
+            <a:schemeClr val="accent1"/>
+          </a:fillRef>
+          <a:effectRef idx="0">
+            <a:schemeClr val="accent1"/>
+          </a:effectRef>
+          <a:fontRef idx="minor">
+            <a:schemeClr val="tx1"/>
+          </a:fontRef>
+        </p:style>
+      </p:cxnSp>
+      <p:sp>
+        <p:nvSpPr>
+          <p:cNvPr id="19" name="TextBox 18">
+            <a:extLst>
+              <a:ext uri="{FF2B5EF4-FFF2-40B4-BE49-F238E27FC236}">
+                <a16:creationId xmlns:a16="http://schemas.microsoft.com/office/drawing/2014/main" id="{0EE2FD64-DE78-49DC-9C18-6AF116F1AD58}"/>
+              </a:ext>
+            </a:extLst>
+          </p:cNvPr>
+          <p:cNvSpPr txBox="1"/>
+          <p:nvPr/>
+        </p:nvSpPr>
+        <p:spPr>
+          <a:xfrm>
+            <a:off x="7568405" y="4492758"/>
+            <a:ext cx="1077040" cy="369332"/>
+          </a:xfrm>
+          <a:prstGeom prst="rect">
+            <a:avLst/>
+          </a:prstGeom>
+          <a:noFill/>
+        </p:spPr>
+        <p:txBody>
+          <a:bodyPr wrap="square" rtlCol="0">
             <a:spAutoFit/>
           </a:bodyPr>
           <a:lstStyle/>
           <a:p>
             <a:r>
-              <a:rPr lang="ko-KR" altLang="en-US" dirty="0" err="1"/>
-              <a:t>dec_len</a:t>
-            </a:r>
-            <a:r>
-              <a:rPr lang="ko-KR" altLang="en-US" dirty="0"/>
-              <a:t> = [22, 18, 14, 13, 13, 13, 13, 13, 12, 12, 12, 12, 12, 12, 11, 11, 11, 11, 11, 11, 11, 11, 11, 11, 11, 11, 10, 10, 10, 9, 9, 9]  </a:t>
-            </a:r>
-            <a:r>
               <a:rPr lang="en-US" altLang="ko-KR" dirty="0"/>
-              <a:t>( batch </a:t>
-            </a:r>
-            <a:r>
-              <a:rPr lang="ko-KR" altLang="en-US" dirty="0"/>
-              <a:t>한 개</a:t>
+              <a:t>caption0</a:t>
+            </a:r>
+            <a:endParaRPr lang="ko-KR" altLang="en-US" dirty="0"/>
+          </a:p>
+        </p:txBody>
+      </p:sp>
+      <p:sp>
+        <p:nvSpPr>
+          <p:cNvPr id="20" name="TextBox 19">
+            <a:extLst>
+              <a:ext uri="{FF2B5EF4-FFF2-40B4-BE49-F238E27FC236}">
+                <a16:creationId xmlns:a16="http://schemas.microsoft.com/office/drawing/2014/main" id="{81529932-0338-42AA-8253-BC71887BD489}"/>
+              </a:ext>
+            </a:extLst>
+          </p:cNvPr>
+          <p:cNvSpPr txBox="1"/>
+          <p:nvPr/>
+        </p:nvSpPr>
+        <p:spPr>
+          <a:xfrm>
+            <a:off x="6381528" y="5654975"/>
+            <a:ext cx="2188234" cy="369332"/>
+          </a:xfrm>
+          <a:prstGeom prst="rect">
+            <a:avLst/>
+          </a:prstGeom>
+          <a:noFill/>
+        </p:spPr>
+        <p:txBody>
+          <a:bodyPr wrap="square" rtlCol="0">
+            <a:spAutoFit/>
+          </a:bodyPr>
+          <a:lstStyle/>
+          <a:p>
+            <a:r>
+              <a:rPr lang="en-US" altLang="ko-KR" dirty="0"/>
+              <a:t>Caption( </a:t>
+            </a:r>
+            <a:r>
+              <a:rPr lang="en-US" altLang="ko-KR" dirty="0" err="1"/>
+              <a:t>batch_size</a:t>
             </a:r>
             <a:r>
               <a:rPr lang="en-US" altLang="ko-KR" dirty="0"/>
               <a:t>)</a:t>
             </a:r>
             <a:endParaRPr lang="ko-KR" altLang="en-US" dirty="0"/>
+          </a:p>
+        </p:txBody>
+      </p:sp>
+      <p:sp>
+        <p:nvSpPr>
+          <p:cNvPr id="21" name="오른쪽 중괄호 20">
+            <a:extLst>
+              <a:ext uri="{FF2B5EF4-FFF2-40B4-BE49-F238E27FC236}">
+                <a16:creationId xmlns:a16="http://schemas.microsoft.com/office/drawing/2014/main" id="{C35FDB7E-E345-4473-B608-609BC5167DC9}"/>
+              </a:ext>
+            </a:extLst>
+          </p:cNvPr>
+          <p:cNvSpPr/>
+          <p:nvPr/>
+        </p:nvSpPr>
+        <p:spPr>
+          <a:xfrm rot="5400000">
+            <a:off x="9754005" y="5378069"/>
+            <a:ext cx="124317" cy="1382109"/>
+          </a:xfrm>
+          <a:prstGeom prst="rightBrace">
+            <a:avLst>
+              <a:gd name="adj1" fmla="val 134869"/>
+              <a:gd name="adj2" fmla="val 50621"/>
+            </a:avLst>
+          </a:prstGeom>
+        </p:spPr>
+        <p:style>
+          <a:lnRef idx="1">
+            <a:schemeClr val="accent1"/>
+          </a:lnRef>
+          <a:fillRef idx="0">
+            <a:schemeClr val="accent1"/>
+          </a:fillRef>
+          <a:effectRef idx="0">
+            <a:schemeClr val="accent1"/>
+          </a:effectRef>
+          <a:fontRef idx="minor">
+            <a:schemeClr val="tx1"/>
+          </a:fontRef>
+        </p:style>
+        <p:txBody>
+          <a:bodyPr rtlCol="0" anchor="ctr"/>
+          <a:lstStyle/>
+          <a:p>
+            <a:pPr algn="ctr"/>
+            <a:endParaRPr lang="ko-KR" altLang="en-US"/>
+          </a:p>
+        </p:txBody>
+      </p:sp>
+      <p:sp>
+        <p:nvSpPr>
+          <p:cNvPr id="22" name="TextBox 21">
+            <a:extLst>
+              <a:ext uri="{FF2B5EF4-FFF2-40B4-BE49-F238E27FC236}">
+                <a16:creationId xmlns:a16="http://schemas.microsoft.com/office/drawing/2014/main" id="{904E285B-6712-44AE-89E5-F350A6BE6142}"/>
+              </a:ext>
+            </a:extLst>
+          </p:cNvPr>
+          <p:cNvSpPr txBox="1"/>
+          <p:nvPr/>
+        </p:nvSpPr>
+        <p:spPr>
+          <a:xfrm>
+            <a:off x="8747185" y="6121715"/>
+            <a:ext cx="2688465" cy="369332"/>
+          </a:xfrm>
+          <a:prstGeom prst="rect">
+            <a:avLst/>
+          </a:prstGeom>
+          <a:noFill/>
+        </p:spPr>
+        <p:txBody>
+          <a:bodyPr wrap="square" rtlCol="0">
+            <a:spAutoFit/>
+          </a:bodyPr>
+          <a:lstStyle/>
+          <a:p>
+            <a:r>
+              <a:rPr lang="en-US" altLang="ko-KR" dirty="0"/>
+              <a:t>max(</a:t>
+            </a:r>
+            <a:r>
+              <a:rPr lang="en-US" altLang="ko-KR" dirty="0" err="1"/>
+              <a:t>caption_lengths</a:t>
+            </a:r>
+            <a:r>
+              <a:rPr lang="en-US" altLang="ko-KR" dirty="0"/>
+              <a:t>)</a:t>
+            </a:r>
+            <a:endParaRPr lang="ko-KR" altLang="en-US" dirty="0"/>
+          </a:p>
+        </p:txBody>
+      </p:sp>
+      <p:sp>
+        <p:nvSpPr>
+          <p:cNvPr id="23" name="직사각형 22">
+            <a:extLst>
+              <a:ext uri="{FF2B5EF4-FFF2-40B4-BE49-F238E27FC236}">
+                <a16:creationId xmlns:a16="http://schemas.microsoft.com/office/drawing/2014/main" id="{DE11710E-3116-47D9-A3B9-52A264FD1591}"/>
+              </a:ext>
+            </a:extLst>
+          </p:cNvPr>
+          <p:cNvSpPr/>
+          <p:nvPr/>
+        </p:nvSpPr>
+        <p:spPr>
+          <a:xfrm>
+            <a:off x="7568405" y="6408543"/>
+            <a:ext cx="3566104" cy="369332"/>
+          </a:xfrm>
+          <a:prstGeom prst="rect">
+            <a:avLst/>
+          </a:prstGeom>
+        </p:spPr>
+        <p:txBody>
+          <a:bodyPr wrap="none">
+            <a:spAutoFit/>
+          </a:bodyPr>
+          <a:lstStyle/>
+          <a:p>
+            <a:r>
+              <a:rPr lang="en-US" altLang="ko-KR" dirty="0"/>
+              <a:t>&lt;Target : batch</a:t>
+            </a:r>
+            <a:r>
+              <a:rPr lang="ko-KR" altLang="en-US" dirty="0"/>
+              <a:t>로 묶인 </a:t>
+            </a:r>
+            <a:r>
+              <a:rPr lang="en-US" altLang="ko-KR" dirty="0"/>
+              <a:t>caption&gt;</a:t>
+            </a:r>
           </a:p>
         </p:txBody>
       </p:sp>
     </p:spTree>
     <p:extLst>
       <p:ext uri="{BB962C8B-B14F-4D97-AF65-F5344CB8AC3E}">
-        <p14:creationId xmlns:p14="http://schemas.microsoft.com/office/powerpoint/2010/main" val="3603391568"/>
+        <p14:creationId xmlns:p14="http://schemas.microsoft.com/office/powerpoint/2010/main" val="4230662412"/>
       </p:ext>
     </p:extLst>
   </p:cSld>
@@ -4758,40 +5519,6 @@
       </p:sp>
       <p:sp>
         <p:nvSpPr>
-          <p:cNvPr id="4" name="슬라이드 번호 개체 틀 3">
-            <a:extLst>
-              <a:ext uri="{FF2B5EF4-FFF2-40B4-BE49-F238E27FC236}">
-                <a16:creationId xmlns:a16="http://schemas.microsoft.com/office/drawing/2014/main" id="{B11A7AB9-7540-40FD-94B6-0135A3ED289C}"/>
-              </a:ext>
-            </a:extLst>
-          </p:cNvPr>
-          <p:cNvSpPr>
-            <a:spLocks noGrp="1"/>
-          </p:cNvSpPr>
-          <p:nvPr>
-            <p:ph type="sldNum" sz="quarter" idx="12"/>
-          </p:nvPr>
-        </p:nvSpPr>
-        <p:spPr>
-          <a:xfrm>
-            <a:off x="8563187" y="6379936"/>
-            <a:ext cx="2743200" cy="365125"/>
-          </a:xfrm>
-        </p:spPr>
-        <p:txBody>
-          <a:bodyPr/>
-          <a:lstStyle/>
-          <a:p>
-            <a:fld id="{C3EC3709-AF19-4BC3-8020-8E9C5E0E1F7D}" type="slidenum">
-              <a:rPr lang="ko-KR" altLang="en-US" smtClean="0"/>
-              <a:t>4</a:t>
-            </a:fld>
-            <a:endParaRPr lang="ko-KR" altLang="en-US"/>
-          </a:p>
-        </p:txBody>
-      </p:sp>
-      <p:sp>
-        <p:nvSpPr>
           <p:cNvPr id="9" name="TextBox 8">
             <a:extLst>
               <a:ext uri="{FF2B5EF4-FFF2-40B4-BE49-F238E27FC236}">
@@ -4827,114 +5554,10 @@
       </p:sp>
       <p:pic>
         <p:nvPicPr>
-          <p:cNvPr id="2" name="그림 1">
-            <a:extLst>
-              <a:ext uri="{FF2B5EF4-FFF2-40B4-BE49-F238E27FC236}">
-                <a16:creationId xmlns:a16="http://schemas.microsoft.com/office/drawing/2014/main" id="{4B03F50E-9F2D-4E6A-9070-837270FF3604}"/>
-              </a:ext>
-            </a:extLst>
-          </p:cNvPr>
-          <p:cNvPicPr>
-            <a:picLocks noChangeAspect="1"/>
-          </p:cNvPicPr>
-          <p:nvPr/>
-        </p:nvPicPr>
-        <p:blipFill rotWithShape="1">
-          <a:blip r:embed="rId2"/>
-          <a:srcRect l="513" r="-1"/>
-          <a:stretch/>
-        </p:blipFill>
-        <p:spPr>
-          <a:xfrm>
-            <a:off x="289037" y="1129337"/>
-            <a:ext cx="4267199" cy="3098440"/>
-          </a:xfrm>
-          <a:prstGeom prst="rect">
-            <a:avLst/>
-          </a:prstGeom>
-        </p:spPr>
-      </p:pic>
-      <p:sp>
-        <p:nvSpPr>
-          <p:cNvPr id="6" name="TextBox 5">
-            <a:extLst>
-              <a:ext uri="{FF2B5EF4-FFF2-40B4-BE49-F238E27FC236}">
-                <a16:creationId xmlns:a16="http://schemas.microsoft.com/office/drawing/2014/main" id="{8848E58D-6A1A-428F-A3AC-250C2D04C7BA}"/>
-              </a:ext>
-            </a:extLst>
-          </p:cNvPr>
-          <p:cNvSpPr txBox="1"/>
-          <p:nvPr/>
-        </p:nvSpPr>
-        <p:spPr>
-          <a:xfrm>
-            <a:off x="7057696" y="1755227"/>
-            <a:ext cx="4093780" cy="923330"/>
-          </a:xfrm>
-          <a:prstGeom prst="rect">
-            <a:avLst/>
-          </a:prstGeom>
-          <a:noFill/>
-        </p:spPr>
-        <p:txBody>
-          <a:bodyPr wrap="square" rtlCol="0">
-            <a:spAutoFit/>
-          </a:bodyPr>
-          <a:lstStyle/>
-          <a:p>
-            <a:r>
-              <a:rPr lang="en-US" altLang="ko-KR" dirty="0"/>
-              <a:t>Coco dataset </a:t>
-            </a:r>
-            <a:r>
-              <a:rPr lang="ko-KR" altLang="en-US" dirty="0"/>
-              <a:t>받아서</a:t>
-            </a:r>
-            <a:r>
-              <a:rPr lang="en-US" altLang="ko-KR" dirty="0"/>
-              <a:t> </a:t>
-            </a:r>
-            <a:r>
-              <a:rPr lang="ko-KR" altLang="en-US" dirty="0"/>
-              <a:t>이미지와 이미지에 해당하는 </a:t>
-            </a:r>
-            <a:r>
-              <a:rPr lang="en-US" altLang="ko-KR" dirty="0"/>
-              <a:t>caption</a:t>
-            </a:r>
-            <a:r>
-              <a:rPr lang="ko-KR" altLang="en-US" dirty="0"/>
-              <a:t>을 </a:t>
-            </a:r>
-            <a:r>
-              <a:rPr lang="en-US" altLang="ko-KR" dirty="0" err="1"/>
-              <a:t>captio</a:t>
-            </a:r>
-            <a:r>
-              <a:rPr lang="ko-KR" altLang="en-US" dirty="0"/>
-              <a:t>의 단어에 해당하는 </a:t>
-            </a:r>
-            <a:r>
-              <a:rPr lang="en-US" altLang="ko-KR" dirty="0"/>
-              <a:t>index</a:t>
-            </a:r>
-            <a:r>
-              <a:rPr lang="ko-KR" altLang="en-US" dirty="0"/>
-              <a:t>로 변환</a:t>
-            </a:r>
-            <a:r>
-              <a:rPr lang="en-US" altLang="ko-KR" dirty="0"/>
-              <a:t>. </a:t>
-            </a:r>
-          </a:p>
-        </p:txBody>
-      </p:sp>
-      <p:pic>
-        <p:nvPicPr>
-          <p:cNvPr id="7" name="그림 6">
-            <a:extLst>
-              <a:ext uri="{FF2B5EF4-FFF2-40B4-BE49-F238E27FC236}">
-                <a16:creationId xmlns:a16="http://schemas.microsoft.com/office/drawing/2014/main" id="{5ADAFA9E-5DD1-4A21-85CC-0270BE486CF0}"/>
+          <p:cNvPr id="3" name="그림 2">
+            <a:extLst>
+              <a:ext uri="{FF2B5EF4-FFF2-40B4-BE49-F238E27FC236}">
+                <a16:creationId xmlns:a16="http://schemas.microsoft.com/office/drawing/2014/main" id="{CE58B8F9-7D7D-4452-BD56-1488E02C05BA}"/>
               </a:ext>
             </a:extLst>
           </p:cNvPr>
@@ -4944,451 +5567,25 @@
           <p:nvPr/>
         </p:nvPicPr>
         <p:blipFill>
-          <a:blip r:embed="rId3"/>
+          <a:blip r:embed="rId2"/>
           <a:stretch>
             <a:fillRect/>
           </a:stretch>
         </p:blipFill>
         <p:spPr>
           <a:xfrm>
-            <a:off x="541950" y="4863662"/>
-            <a:ext cx="5975131" cy="1441806"/>
+            <a:off x="751002" y="1132513"/>
+            <a:ext cx="5622874" cy="3607267"/>
           </a:xfrm>
           <a:prstGeom prst="rect">
             <a:avLst/>
           </a:prstGeom>
         </p:spPr>
       </p:pic>
-      <p:sp>
-        <p:nvSpPr>
-          <p:cNvPr id="11" name="TextBox 10">
-            <a:extLst>
-              <a:ext uri="{FF2B5EF4-FFF2-40B4-BE49-F238E27FC236}">
-                <a16:creationId xmlns:a16="http://schemas.microsoft.com/office/drawing/2014/main" id="{8DBA83A6-ADA0-4247-B7B6-054F6C1D711D}"/>
-              </a:ext>
-            </a:extLst>
-          </p:cNvPr>
-          <p:cNvSpPr txBox="1"/>
-          <p:nvPr/>
-        </p:nvSpPr>
-        <p:spPr>
-          <a:xfrm>
-            <a:off x="5658929" y="3681934"/>
-            <a:ext cx="6645114" cy="646331"/>
-          </a:xfrm>
-          <a:prstGeom prst="rect">
-            <a:avLst/>
-          </a:prstGeom>
-          <a:noFill/>
-        </p:spPr>
-        <p:txBody>
-          <a:bodyPr wrap="square" rtlCol="0">
-            <a:spAutoFit/>
-          </a:bodyPr>
-          <a:lstStyle/>
-          <a:p>
-            <a:r>
-              <a:rPr lang="en-US" altLang="ko-KR" dirty="0"/>
-              <a:t>Sample</a:t>
-            </a:r>
-            <a:r>
-              <a:rPr lang="ko-KR" altLang="en-US" dirty="0"/>
-              <a:t>들을 </a:t>
-            </a:r>
-            <a:r>
-              <a:rPr lang="en-US" altLang="ko-KR" dirty="0"/>
-              <a:t>Batch</a:t>
-            </a:r>
-            <a:r>
-              <a:rPr lang="ko-KR" altLang="en-US" dirty="0"/>
-              <a:t> 단위로 </a:t>
-            </a:r>
-            <a:r>
-              <a:rPr lang="en-US" altLang="ko-KR" dirty="0"/>
-              <a:t> </a:t>
-            </a:r>
-            <a:r>
-              <a:rPr lang="ko-KR" altLang="en-US" dirty="0"/>
-              <a:t>합친다</a:t>
-            </a:r>
-            <a:r>
-              <a:rPr lang="en-US" altLang="ko-KR" dirty="0"/>
-              <a:t>.</a:t>
-            </a:r>
-          </a:p>
-          <a:p>
-            <a:r>
-              <a:rPr lang="en-US" altLang="ko-KR" dirty="0"/>
-              <a:t>Lengths = batch</a:t>
-            </a:r>
-            <a:r>
-              <a:rPr lang="ko-KR" altLang="en-US" dirty="0"/>
-              <a:t>단위로 묶인 </a:t>
-            </a:r>
-            <a:r>
-              <a:rPr lang="en-US" altLang="ko-KR" dirty="0"/>
-              <a:t>caption</a:t>
-            </a:r>
-            <a:r>
-              <a:rPr lang="ko-KR" altLang="en-US" dirty="0"/>
-              <a:t>들의 길이 </a:t>
-            </a:r>
-            <a:r>
-              <a:rPr lang="en-US" altLang="ko-KR" dirty="0"/>
-              <a:t>list</a:t>
-            </a:r>
-          </a:p>
-        </p:txBody>
-      </p:sp>
-      <p:sp>
-        <p:nvSpPr>
-          <p:cNvPr id="14" name="직사각형 13">
-            <a:extLst>
-              <a:ext uri="{FF2B5EF4-FFF2-40B4-BE49-F238E27FC236}">
-                <a16:creationId xmlns:a16="http://schemas.microsoft.com/office/drawing/2014/main" id="{3956D73B-0508-47E2-BEAA-EC122EA9C0C8}"/>
-              </a:ext>
-            </a:extLst>
-          </p:cNvPr>
-          <p:cNvSpPr/>
-          <p:nvPr/>
-        </p:nvSpPr>
-        <p:spPr>
-          <a:xfrm>
-            <a:off x="9079027" y="4634427"/>
-            <a:ext cx="1382110" cy="1279682"/>
-          </a:xfrm>
-          <a:prstGeom prst="rect">
-            <a:avLst/>
-          </a:prstGeom>
-          <a:pattFill prst="lgGrid">
-            <a:fgClr>
-              <a:schemeClr val="accent1"/>
-            </a:fgClr>
-            <a:bgClr>
-              <a:schemeClr val="bg1"/>
-            </a:bgClr>
-          </a:pattFill>
-        </p:spPr>
-        <p:style>
-          <a:lnRef idx="2">
-            <a:schemeClr val="accent1">
-              <a:shade val="50000"/>
-            </a:schemeClr>
-          </a:lnRef>
-          <a:fillRef idx="1">
-            <a:schemeClr val="accent1"/>
-          </a:fillRef>
-          <a:effectRef idx="0">
-            <a:schemeClr val="accent1"/>
-          </a:effectRef>
-          <a:fontRef idx="minor">
-            <a:schemeClr val="lt1"/>
-          </a:fontRef>
-        </p:style>
-        <p:txBody>
-          <a:bodyPr rtlCol="0" anchor="ctr"/>
-          <a:lstStyle/>
-          <a:p>
-            <a:pPr algn="ctr"/>
-            <a:endParaRPr lang="ko-KR" altLang="en-US"/>
-          </a:p>
-        </p:txBody>
-      </p:sp>
-      <p:cxnSp>
-        <p:nvCxnSpPr>
-          <p:cNvPr id="16" name="직선 화살표 연결선 15">
-            <a:extLst>
-              <a:ext uri="{FF2B5EF4-FFF2-40B4-BE49-F238E27FC236}">
-                <a16:creationId xmlns:a16="http://schemas.microsoft.com/office/drawing/2014/main" id="{FAFABD40-3A31-4CEC-A8E2-B1ADCD66CC00}"/>
-              </a:ext>
-            </a:extLst>
-          </p:cNvPr>
-          <p:cNvCxnSpPr/>
-          <p:nvPr/>
-        </p:nvCxnSpPr>
-        <p:spPr>
-          <a:xfrm>
-            <a:off x="8603411" y="4687018"/>
-            <a:ext cx="396815" cy="0"/>
-          </a:xfrm>
-          <a:prstGeom prst="straightConnector1">
-            <a:avLst/>
-          </a:prstGeom>
-          <a:ln>
-            <a:tailEnd type="triangle"/>
-          </a:ln>
-        </p:spPr>
-        <p:style>
-          <a:lnRef idx="1">
-            <a:schemeClr val="accent1"/>
-          </a:lnRef>
-          <a:fillRef idx="0">
-            <a:schemeClr val="accent1"/>
-          </a:fillRef>
-          <a:effectRef idx="0">
-            <a:schemeClr val="accent1"/>
-          </a:effectRef>
-          <a:fontRef idx="minor">
-            <a:schemeClr val="tx1"/>
-          </a:fontRef>
-        </p:style>
-      </p:cxnSp>
-      <p:cxnSp>
-        <p:nvCxnSpPr>
-          <p:cNvPr id="18" name="직선 화살표 연결선 17">
-            <a:extLst>
-              <a:ext uri="{FF2B5EF4-FFF2-40B4-BE49-F238E27FC236}">
-                <a16:creationId xmlns:a16="http://schemas.microsoft.com/office/drawing/2014/main" id="{40227E20-1515-4989-B08C-D9FCD41C2484}"/>
-              </a:ext>
-            </a:extLst>
-          </p:cNvPr>
-          <p:cNvCxnSpPr/>
-          <p:nvPr/>
-        </p:nvCxnSpPr>
-        <p:spPr>
-          <a:xfrm>
-            <a:off x="8609162" y="5844453"/>
-            <a:ext cx="391064" cy="0"/>
-          </a:xfrm>
-          <a:prstGeom prst="straightConnector1">
-            <a:avLst/>
-          </a:prstGeom>
-          <a:ln>
-            <a:tailEnd type="triangle"/>
-          </a:ln>
-        </p:spPr>
-        <p:style>
-          <a:lnRef idx="1">
-            <a:schemeClr val="accent1"/>
-          </a:lnRef>
-          <a:fillRef idx="0">
-            <a:schemeClr val="accent1"/>
-          </a:fillRef>
-          <a:effectRef idx="0">
-            <a:schemeClr val="accent1"/>
-          </a:effectRef>
-          <a:fontRef idx="minor">
-            <a:schemeClr val="tx1"/>
-          </a:fontRef>
-        </p:style>
-      </p:cxnSp>
-      <p:sp>
-        <p:nvSpPr>
-          <p:cNvPr id="19" name="TextBox 18">
-            <a:extLst>
-              <a:ext uri="{FF2B5EF4-FFF2-40B4-BE49-F238E27FC236}">
-                <a16:creationId xmlns:a16="http://schemas.microsoft.com/office/drawing/2014/main" id="{0EE2FD64-DE78-49DC-9C18-6AF116F1AD58}"/>
-              </a:ext>
-            </a:extLst>
-          </p:cNvPr>
-          <p:cNvSpPr txBox="1"/>
-          <p:nvPr/>
-        </p:nvSpPr>
-        <p:spPr>
-          <a:xfrm>
-            <a:off x="7568405" y="4492758"/>
-            <a:ext cx="1077040" cy="369332"/>
-          </a:xfrm>
-          <a:prstGeom prst="rect">
-            <a:avLst/>
-          </a:prstGeom>
-          <a:noFill/>
-        </p:spPr>
-        <p:txBody>
-          <a:bodyPr wrap="square" rtlCol="0">
-            <a:spAutoFit/>
-          </a:bodyPr>
-          <a:lstStyle/>
-          <a:p>
-            <a:r>
-              <a:rPr lang="en-US" altLang="ko-KR" dirty="0"/>
-              <a:t>caption0</a:t>
-            </a:r>
-            <a:endParaRPr lang="ko-KR" altLang="en-US" dirty="0"/>
-          </a:p>
-        </p:txBody>
-      </p:sp>
-      <p:sp>
-        <p:nvSpPr>
-          <p:cNvPr id="20" name="TextBox 19">
-            <a:extLst>
-              <a:ext uri="{FF2B5EF4-FFF2-40B4-BE49-F238E27FC236}">
-                <a16:creationId xmlns:a16="http://schemas.microsoft.com/office/drawing/2014/main" id="{81529932-0338-42AA-8253-BC71887BD489}"/>
-              </a:ext>
-            </a:extLst>
-          </p:cNvPr>
-          <p:cNvSpPr txBox="1"/>
-          <p:nvPr/>
-        </p:nvSpPr>
-        <p:spPr>
-          <a:xfrm>
-            <a:off x="6381528" y="5654975"/>
-            <a:ext cx="2188234" cy="369332"/>
-          </a:xfrm>
-          <a:prstGeom prst="rect">
-            <a:avLst/>
-          </a:prstGeom>
-          <a:noFill/>
-        </p:spPr>
-        <p:txBody>
-          <a:bodyPr wrap="square" rtlCol="0">
-            <a:spAutoFit/>
-          </a:bodyPr>
-          <a:lstStyle/>
-          <a:p>
-            <a:r>
-              <a:rPr lang="en-US" altLang="ko-KR" dirty="0"/>
-              <a:t>Caption( </a:t>
-            </a:r>
-            <a:r>
-              <a:rPr lang="en-US" altLang="ko-KR" dirty="0" err="1"/>
-              <a:t>batch_size</a:t>
-            </a:r>
-            <a:r>
-              <a:rPr lang="en-US" altLang="ko-KR" dirty="0"/>
-              <a:t>)</a:t>
-            </a:r>
-            <a:endParaRPr lang="ko-KR" altLang="en-US" dirty="0"/>
-          </a:p>
-        </p:txBody>
-      </p:sp>
-      <p:sp>
-        <p:nvSpPr>
-          <p:cNvPr id="21" name="오른쪽 중괄호 20">
-            <a:extLst>
-              <a:ext uri="{FF2B5EF4-FFF2-40B4-BE49-F238E27FC236}">
-                <a16:creationId xmlns:a16="http://schemas.microsoft.com/office/drawing/2014/main" id="{C35FDB7E-E345-4473-B608-609BC5167DC9}"/>
-              </a:ext>
-            </a:extLst>
-          </p:cNvPr>
-          <p:cNvSpPr/>
-          <p:nvPr/>
-        </p:nvSpPr>
-        <p:spPr>
-          <a:xfrm rot="5400000">
-            <a:off x="9754005" y="5378069"/>
-            <a:ext cx="124317" cy="1382109"/>
-          </a:xfrm>
-          <a:prstGeom prst="rightBrace">
-            <a:avLst>
-              <a:gd name="adj1" fmla="val 134869"/>
-              <a:gd name="adj2" fmla="val 50621"/>
-            </a:avLst>
-          </a:prstGeom>
-        </p:spPr>
-        <p:style>
-          <a:lnRef idx="1">
-            <a:schemeClr val="accent1"/>
-          </a:lnRef>
-          <a:fillRef idx="0">
-            <a:schemeClr val="accent1"/>
-          </a:fillRef>
-          <a:effectRef idx="0">
-            <a:schemeClr val="accent1"/>
-          </a:effectRef>
-          <a:fontRef idx="minor">
-            <a:schemeClr val="tx1"/>
-          </a:fontRef>
-        </p:style>
-        <p:txBody>
-          <a:bodyPr rtlCol="0" anchor="ctr"/>
-          <a:lstStyle/>
-          <a:p>
-            <a:pPr algn="ctr"/>
-            <a:endParaRPr lang="ko-KR" altLang="en-US"/>
-          </a:p>
-        </p:txBody>
-      </p:sp>
-      <p:sp>
-        <p:nvSpPr>
-          <p:cNvPr id="22" name="TextBox 21">
-            <a:extLst>
-              <a:ext uri="{FF2B5EF4-FFF2-40B4-BE49-F238E27FC236}">
-                <a16:creationId xmlns:a16="http://schemas.microsoft.com/office/drawing/2014/main" id="{904E285B-6712-44AE-89E5-F350A6BE6142}"/>
-              </a:ext>
-            </a:extLst>
-          </p:cNvPr>
-          <p:cNvSpPr txBox="1"/>
-          <p:nvPr/>
-        </p:nvSpPr>
-        <p:spPr>
-          <a:xfrm>
-            <a:off x="8747185" y="6121715"/>
-            <a:ext cx="2688465" cy="369332"/>
-          </a:xfrm>
-          <a:prstGeom prst="rect">
-            <a:avLst/>
-          </a:prstGeom>
-          <a:noFill/>
-        </p:spPr>
-        <p:txBody>
-          <a:bodyPr wrap="square" rtlCol="0">
-            <a:spAutoFit/>
-          </a:bodyPr>
-          <a:lstStyle/>
-          <a:p>
-            <a:r>
-              <a:rPr lang="en-US" altLang="ko-KR" dirty="0"/>
-              <a:t>max(</a:t>
-            </a:r>
-            <a:r>
-              <a:rPr lang="en-US" altLang="ko-KR" dirty="0" err="1"/>
-              <a:t>caption_lengths</a:t>
-            </a:r>
-            <a:r>
-              <a:rPr lang="en-US" altLang="ko-KR" dirty="0"/>
-              <a:t>)</a:t>
-            </a:r>
-            <a:endParaRPr lang="ko-KR" altLang="en-US" dirty="0"/>
-          </a:p>
-        </p:txBody>
-      </p:sp>
-      <p:sp>
-        <p:nvSpPr>
-          <p:cNvPr id="23" name="직사각형 22">
-            <a:extLst>
-              <a:ext uri="{FF2B5EF4-FFF2-40B4-BE49-F238E27FC236}">
-                <a16:creationId xmlns:a16="http://schemas.microsoft.com/office/drawing/2014/main" id="{DE11710E-3116-47D9-A3B9-52A264FD1591}"/>
-              </a:ext>
-            </a:extLst>
-          </p:cNvPr>
-          <p:cNvSpPr/>
-          <p:nvPr/>
-        </p:nvSpPr>
-        <p:spPr>
-          <a:xfrm>
-            <a:off x="7568405" y="6408543"/>
-            <a:ext cx="3566104" cy="369332"/>
-          </a:xfrm>
-          <a:prstGeom prst="rect">
-            <a:avLst/>
-          </a:prstGeom>
-        </p:spPr>
-        <p:txBody>
-          <a:bodyPr wrap="none">
-            <a:spAutoFit/>
-          </a:bodyPr>
-          <a:lstStyle/>
-          <a:p>
-            <a:r>
-              <a:rPr lang="en-US" altLang="ko-KR" dirty="0"/>
-              <a:t>&lt;Target : batch</a:t>
-            </a:r>
-            <a:r>
-              <a:rPr lang="ko-KR" altLang="en-US" dirty="0"/>
-              <a:t>로 묶인 </a:t>
-            </a:r>
-            <a:r>
-              <a:rPr lang="en-US" altLang="ko-KR" dirty="0"/>
-              <a:t>caption&gt;</a:t>
-            </a:r>
-          </a:p>
-        </p:txBody>
-      </p:sp>
     </p:spTree>
     <p:extLst>
       <p:ext uri="{BB962C8B-B14F-4D97-AF65-F5344CB8AC3E}">
-        <p14:creationId xmlns:p14="http://schemas.microsoft.com/office/powerpoint/2010/main" val="4230662412"/>
+        <p14:creationId xmlns:p14="http://schemas.microsoft.com/office/powerpoint/2010/main" val="649976851"/>
       </p:ext>
     </p:extLst>
   </p:cSld>
@@ -5762,10 +5959,324 @@
       </p:sp>
       <p:pic>
         <p:nvPicPr>
-          <p:cNvPr id="3" name="그림 2">
-            <a:extLst>
-              <a:ext uri="{FF2B5EF4-FFF2-40B4-BE49-F238E27FC236}">
-                <a16:creationId xmlns:a16="http://schemas.microsoft.com/office/drawing/2014/main" id="{4A478254-4846-4A3A-98EF-436AC0BC7340}"/>
+          <p:cNvPr id="4" name="그림 3">
+            <a:extLst>
+              <a:ext uri="{FF2B5EF4-FFF2-40B4-BE49-F238E27FC236}">
+                <a16:creationId xmlns:a16="http://schemas.microsoft.com/office/drawing/2014/main" id="{D993B79B-6822-4C4F-B385-D42FA9B1B27F}"/>
+              </a:ext>
+            </a:extLst>
+          </p:cNvPr>
+          <p:cNvPicPr>
+            <a:picLocks noChangeAspect="1"/>
+          </p:cNvPicPr>
+          <p:nvPr/>
+        </p:nvPicPr>
+        <p:blipFill rotWithShape="1">
+          <a:blip r:embed="rId2"/>
+          <a:srcRect l="24260" t="24201" r="13155" b="54001"/>
+          <a:stretch/>
+        </p:blipFill>
+        <p:spPr>
+          <a:xfrm>
+            <a:off x="4090691" y="1073269"/>
+            <a:ext cx="3457452" cy="678933"/>
+          </a:xfrm>
+          <a:prstGeom prst="rect">
+            <a:avLst/>
+          </a:prstGeom>
+        </p:spPr>
+      </p:pic>
+      <p:pic>
+        <p:nvPicPr>
+          <p:cNvPr id="6" name="그림 5">
+            <a:extLst>
+              <a:ext uri="{FF2B5EF4-FFF2-40B4-BE49-F238E27FC236}">
+                <a16:creationId xmlns:a16="http://schemas.microsoft.com/office/drawing/2014/main" id="{3413195A-665D-49A2-93A4-DF956B22E3FF}"/>
+              </a:ext>
+            </a:extLst>
+          </p:cNvPr>
+          <p:cNvPicPr>
+            <a:picLocks noChangeAspect="1"/>
+          </p:cNvPicPr>
+          <p:nvPr/>
+        </p:nvPicPr>
+        <p:blipFill rotWithShape="1">
+          <a:blip r:embed="rId2"/>
+          <a:srcRect l="25824" t="85815"/>
+          <a:stretch/>
+        </p:blipFill>
+        <p:spPr>
+          <a:xfrm>
+            <a:off x="3806574" y="3687102"/>
+            <a:ext cx="4097876" cy="441808"/>
+          </a:xfrm>
+          <a:prstGeom prst="rect">
+            <a:avLst/>
+          </a:prstGeom>
+        </p:spPr>
+      </p:pic>
+      <p:pic>
+        <p:nvPicPr>
+          <p:cNvPr id="7" name="그림 6">
+            <a:extLst>
+              <a:ext uri="{FF2B5EF4-FFF2-40B4-BE49-F238E27FC236}">
+                <a16:creationId xmlns:a16="http://schemas.microsoft.com/office/drawing/2014/main" id="{CA6D7B96-FF1A-4D3D-8248-C69506983A2F}"/>
+              </a:ext>
+            </a:extLst>
+          </p:cNvPr>
+          <p:cNvPicPr>
+            <a:picLocks noChangeAspect="1"/>
+          </p:cNvPicPr>
+          <p:nvPr/>
+        </p:nvPicPr>
+        <p:blipFill rotWithShape="1">
+          <a:blip r:embed="rId2"/>
+          <a:srcRect l="27102" t="45318" r="11806" b="15193"/>
+          <a:stretch/>
+        </p:blipFill>
+        <p:spPr>
+          <a:xfrm>
+            <a:off x="3702628" y="1935436"/>
+            <a:ext cx="4395543" cy="1601848"/>
+          </a:xfrm>
+          <a:prstGeom prst="rect">
+            <a:avLst/>
+          </a:prstGeom>
+        </p:spPr>
+      </p:pic>
+      <p:sp>
+        <p:nvSpPr>
+          <p:cNvPr id="11" name="직사각형 10">
+            <a:extLst>
+              <a:ext uri="{FF2B5EF4-FFF2-40B4-BE49-F238E27FC236}">
+                <a16:creationId xmlns:a16="http://schemas.microsoft.com/office/drawing/2014/main" id="{E4BA667D-78C4-42CA-A2D2-D3F084843B68}"/>
+              </a:ext>
+            </a:extLst>
+          </p:cNvPr>
+          <p:cNvSpPr/>
+          <p:nvPr/>
+        </p:nvSpPr>
+        <p:spPr>
+          <a:xfrm>
+            <a:off x="1660942" y="1132000"/>
+            <a:ext cx="1888958" cy="561473"/>
+          </a:xfrm>
+          <a:prstGeom prst="rect">
+            <a:avLst/>
+          </a:prstGeom>
+          <a:solidFill>
+            <a:schemeClr val="accent4">
+              <a:lumMod val="40000"/>
+              <a:lumOff val="60000"/>
+            </a:schemeClr>
+          </a:solidFill>
+          <a:ln>
+            <a:solidFill>
+              <a:schemeClr val="accent4">
+                <a:lumMod val="40000"/>
+                <a:lumOff val="60000"/>
+              </a:schemeClr>
+            </a:solidFill>
+          </a:ln>
+        </p:spPr>
+        <p:style>
+          <a:lnRef idx="2">
+            <a:schemeClr val="accent1">
+              <a:shade val="50000"/>
+            </a:schemeClr>
+          </a:lnRef>
+          <a:fillRef idx="1">
+            <a:schemeClr val="accent1"/>
+          </a:fillRef>
+          <a:effectRef idx="0">
+            <a:schemeClr val="accent1"/>
+          </a:effectRef>
+          <a:fontRef idx="minor">
+            <a:schemeClr val="lt1"/>
+          </a:fontRef>
+        </p:style>
+        <p:txBody>
+          <a:bodyPr rtlCol="0" anchor="ctr"/>
+          <a:lstStyle/>
+          <a:p>
+            <a:pPr algn="ctr"/>
+            <a:r>
+              <a:rPr lang="en-US" altLang="ko-KR" sz="900" dirty="0">
+                <a:solidFill>
+                  <a:schemeClr val="tx1"/>
+                </a:solidFill>
+              </a:rPr>
+              <a:t>Shape( </a:t>
+            </a:r>
+            <a:r>
+              <a:rPr lang="en-US" altLang="ko-KR" sz="900" dirty="0" err="1">
+                <a:solidFill>
+                  <a:schemeClr val="tx1"/>
+                </a:solidFill>
+              </a:rPr>
+              <a:t>batch_size</a:t>
+            </a:r>
+            <a:r>
+              <a:rPr lang="en-US" altLang="ko-KR" sz="900" dirty="0">
+                <a:solidFill>
+                  <a:schemeClr val="tx1"/>
+                </a:solidFill>
+              </a:rPr>
+              <a:t>, caption </a:t>
+            </a:r>
+            <a:r>
+              <a:rPr lang="en-US" altLang="ko-KR" sz="900" dirty="0" err="1">
+                <a:solidFill>
+                  <a:schemeClr val="tx1"/>
+                </a:solidFill>
+              </a:rPr>
+              <a:t>len</a:t>
+            </a:r>
+            <a:r>
+              <a:rPr lang="en-US" altLang="ko-KR" sz="900" dirty="0">
+                <a:solidFill>
+                  <a:schemeClr val="tx1"/>
+                </a:solidFill>
+              </a:rPr>
+              <a:t>, </a:t>
+            </a:r>
+            <a:r>
+              <a:rPr lang="en-US" altLang="ko-KR" sz="900" dirty="0" err="1">
+                <a:solidFill>
+                  <a:schemeClr val="tx1"/>
+                </a:solidFill>
+              </a:rPr>
+              <a:t>vocab_size</a:t>
+            </a:r>
+            <a:r>
+              <a:rPr lang="en-US" altLang="ko-KR" sz="900" dirty="0">
+                <a:solidFill>
+                  <a:schemeClr val="tx1"/>
+                </a:solidFill>
+              </a:rPr>
+              <a:t>)</a:t>
+            </a:r>
+            <a:endParaRPr lang="ko-KR" altLang="en-US" sz="900" dirty="0">
+              <a:solidFill>
+                <a:schemeClr val="tx1"/>
+              </a:solidFill>
+            </a:endParaRPr>
+          </a:p>
+        </p:txBody>
+      </p:sp>
+      <p:sp>
+        <p:nvSpPr>
+          <p:cNvPr id="13" name="직사각형 12">
+            <a:extLst>
+              <a:ext uri="{FF2B5EF4-FFF2-40B4-BE49-F238E27FC236}">
+                <a16:creationId xmlns:a16="http://schemas.microsoft.com/office/drawing/2014/main" id="{476C1853-622D-4A22-82BC-DA376E3DDA7E}"/>
+              </a:ext>
+            </a:extLst>
+          </p:cNvPr>
+          <p:cNvSpPr/>
+          <p:nvPr/>
+        </p:nvSpPr>
+        <p:spPr>
+          <a:xfrm>
+            <a:off x="1632868" y="3687102"/>
+            <a:ext cx="1888958" cy="561473"/>
+          </a:xfrm>
+          <a:prstGeom prst="rect">
+            <a:avLst/>
+          </a:prstGeom>
+          <a:solidFill>
+            <a:schemeClr val="accent4">
+              <a:lumMod val="40000"/>
+              <a:lumOff val="60000"/>
+            </a:schemeClr>
+          </a:solidFill>
+          <a:ln>
+            <a:solidFill>
+              <a:schemeClr val="accent4">
+                <a:lumMod val="40000"/>
+                <a:lumOff val="60000"/>
+              </a:schemeClr>
+            </a:solidFill>
+          </a:ln>
+        </p:spPr>
+        <p:style>
+          <a:lnRef idx="2">
+            <a:schemeClr val="accent1">
+              <a:shade val="50000"/>
+            </a:schemeClr>
+          </a:lnRef>
+          <a:fillRef idx="1">
+            <a:schemeClr val="accent1"/>
+          </a:fillRef>
+          <a:effectRef idx="0">
+            <a:schemeClr val="accent1"/>
+          </a:effectRef>
+          <a:fontRef idx="minor">
+            <a:schemeClr val="lt1"/>
+          </a:fontRef>
+        </p:style>
+        <p:txBody>
+          <a:bodyPr rtlCol="0" anchor="ctr"/>
+          <a:lstStyle/>
+          <a:p>
+            <a:pPr algn="ctr"/>
+            <a:r>
+              <a:rPr lang="en-US" altLang="ko-KR" sz="900" dirty="0">
+                <a:solidFill>
+                  <a:schemeClr val="tx1"/>
+                </a:solidFill>
+              </a:rPr>
+              <a:t>Shape( </a:t>
+            </a:r>
+            <a:r>
+              <a:rPr lang="en-US" altLang="ko-KR" sz="900" dirty="0" err="1">
+                <a:solidFill>
+                  <a:schemeClr val="tx1"/>
+                </a:solidFill>
+              </a:rPr>
+              <a:t>batch_size</a:t>
+            </a:r>
+            <a:r>
+              <a:rPr lang="en-US" altLang="ko-KR" sz="900" dirty="0">
+                <a:solidFill>
+                  <a:schemeClr val="tx1"/>
+                </a:solidFill>
+              </a:rPr>
+              <a:t>, caption</a:t>
+            </a:r>
+          </a:p>
+          <a:p>
+            <a:pPr algn="ctr"/>
+            <a:r>
+              <a:rPr lang="en-US" altLang="ko-KR" sz="900" dirty="0" err="1">
+                <a:solidFill>
+                  <a:schemeClr val="tx1"/>
+                </a:solidFill>
+              </a:rPr>
+              <a:t>len,word</a:t>
+            </a:r>
+            <a:r>
+              <a:rPr lang="en-US" altLang="ko-KR" sz="900" dirty="0">
+                <a:solidFill>
+                  <a:schemeClr val="tx1"/>
+                </a:solidFill>
+              </a:rPr>
+              <a:t> embedding size)</a:t>
+            </a:r>
+            <a:endParaRPr lang="ko-KR" altLang="en-US" sz="900" dirty="0">
+              <a:solidFill>
+                <a:schemeClr val="tx1"/>
+              </a:solidFill>
+            </a:endParaRPr>
+          </a:p>
+        </p:txBody>
+      </p:sp>
+      <p:pic>
+        <p:nvPicPr>
+          <p:cNvPr id="14" name="그림 13">
+            <a:extLst>
+              <a:ext uri="{FF2B5EF4-FFF2-40B4-BE49-F238E27FC236}">
+                <a16:creationId xmlns:a16="http://schemas.microsoft.com/office/drawing/2014/main" id="{06ABDF7E-11BE-4689-A882-5787CBCFE8E9}"/>
               </a:ext>
             </a:extLst>
           </p:cNvPr>
@@ -5781,21 +6292,256 @@
           </a:stretch>
         </p:blipFill>
         <p:spPr>
-          <a:xfrm>
-            <a:off x="231339" y="1007762"/>
-            <a:ext cx="4916347" cy="3272156"/>
+          <a:xfrm rot="5400000">
+            <a:off x="4939061" y="3683718"/>
+            <a:ext cx="1527221" cy="4097876"/>
           </a:xfrm>
           <a:prstGeom prst="rect">
             <a:avLst/>
           </a:prstGeom>
         </p:spPr>
       </p:pic>
+      <p:sp>
+        <p:nvSpPr>
+          <p:cNvPr id="16" name="오른쪽 중괄호 15">
+            <a:extLst>
+              <a:ext uri="{FF2B5EF4-FFF2-40B4-BE49-F238E27FC236}">
+                <a16:creationId xmlns:a16="http://schemas.microsoft.com/office/drawing/2014/main" id="{8EE54AC2-83C2-4660-9EBF-D60A92E264A2}"/>
+              </a:ext>
+            </a:extLst>
+          </p:cNvPr>
+          <p:cNvSpPr/>
+          <p:nvPr/>
+        </p:nvSpPr>
+        <p:spPr>
+          <a:xfrm>
+            <a:off x="8098171" y="3729789"/>
+            <a:ext cx="191587" cy="518786"/>
+          </a:xfrm>
+          <a:prstGeom prst="rightBrace">
+            <a:avLst/>
+          </a:prstGeom>
+        </p:spPr>
+        <p:style>
+          <a:lnRef idx="1">
+            <a:schemeClr val="accent1"/>
+          </a:lnRef>
+          <a:fillRef idx="0">
+            <a:schemeClr val="accent1"/>
+          </a:fillRef>
+          <a:effectRef idx="0">
+            <a:schemeClr val="accent1"/>
+          </a:effectRef>
+          <a:fontRef idx="minor">
+            <a:schemeClr val="tx1"/>
+          </a:fontRef>
+        </p:style>
+        <p:txBody>
+          <a:bodyPr rtlCol="0" anchor="ctr"/>
+          <a:lstStyle/>
+          <a:p>
+            <a:pPr algn="ctr"/>
+            <a:endParaRPr lang="ko-KR" altLang="en-US"/>
+          </a:p>
+        </p:txBody>
+      </p:sp>
+      <p:sp>
+        <p:nvSpPr>
+          <p:cNvPr id="17" name="TextBox 16">
+            <a:extLst>
+              <a:ext uri="{FF2B5EF4-FFF2-40B4-BE49-F238E27FC236}">
+                <a16:creationId xmlns:a16="http://schemas.microsoft.com/office/drawing/2014/main" id="{163491F5-FE8C-4558-AEB9-70682C7EF1B2}"/>
+              </a:ext>
+            </a:extLst>
+          </p:cNvPr>
+          <p:cNvSpPr txBox="1"/>
+          <p:nvPr/>
+        </p:nvSpPr>
+        <p:spPr>
+          <a:xfrm>
+            <a:off x="8483479" y="3816594"/>
+            <a:ext cx="1506742" cy="382428"/>
+          </a:xfrm>
+          <a:prstGeom prst="rect">
+            <a:avLst/>
+          </a:prstGeom>
+          <a:noFill/>
+        </p:spPr>
+        <p:txBody>
+          <a:bodyPr wrap="square" rtlCol="0">
+            <a:spAutoFit/>
+          </a:bodyPr>
+          <a:lstStyle/>
+          <a:p>
+            <a:r>
+              <a:rPr lang="en-US" altLang="ko-KR" dirty="0"/>
+              <a:t>Batch size</a:t>
+            </a:r>
+            <a:endParaRPr lang="ko-KR" altLang="en-US" dirty="0"/>
+          </a:p>
+        </p:txBody>
+      </p:sp>
+      <p:sp>
+        <p:nvSpPr>
+          <p:cNvPr id="19" name="오른쪽 중괄호 18">
+            <a:extLst>
+              <a:ext uri="{FF2B5EF4-FFF2-40B4-BE49-F238E27FC236}">
+                <a16:creationId xmlns:a16="http://schemas.microsoft.com/office/drawing/2014/main" id="{49108D43-EA80-49ED-984B-48AD840C6B38}"/>
+              </a:ext>
+            </a:extLst>
+          </p:cNvPr>
+          <p:cNvSpPr/>
+          <p:nvPr/>
+        </p:nvSpPr>
+        <p:spPr>
+          <a:xfrm rot="5400000">
+            <a:off x="5390148" y="3244012"/>
+            <a:ext cx="445168" cy="2514600"/>
+          </a:xfrm>
+          <a:prstGeom prst="rightBrace">
+            <a:avLst/>
+          </a:prstGeom>
+        </p:spPr>
+        <p:style>
+          <a:lnRef idx="1">
+            <a:schemeClr val="accent1"/>
+          </a:lnRef>
+          <a:fillRef idx="0">
+            <a:schemeClr val="accent1"/>
+          </a:fillRef>
+          <a:effectRef idx="0">
+            <a:schemeClr val="accent1"/>
+          </a:effectRef>
+          <a:fontRef idx="minor">
+            <a:schemeClr val="tx1"/>
+          </a:fontRef>
+        </p:style>
+        <p:txBody>
+          <a:bodyPr rtlCol="0" anchor="ctr"/>
+          <a:lstStyle/>
+          <a:p>
+            <a:pPr algn="ctr"/>
+            <a:endParaRPr lang="ko-KR" altLang="en-US"/>
+          </a:p>
+        </p:txBody>
+      </p:sp>
+      <p:sp>
+        <p:nvSpPr>
+          <p:cNvPr id="20" name="TextBox 19">
+            <a:extLst>
+              <a:ext uri="{FF2B5EF4-FFF2-40B4-BE49-F238E27FC236}">
+                <a16:creationId xmlns:a16="http://schemas.microsoft.com/office/drawing/2014/main" id="{77FC118B-4F74-4FC9-9167-FB9FB1957076}"/>
+              </a:ext>
+            </a:extLst>
+          </p:cNvPr>
+          <p:cNvSpPr txBox="1"/>
+          <p:nvPr/>
+        </p:nvSpPr>
+        <p:spPr>
+          <a:xfrm>
+            <a:off x="6213521" y="4595797"/>
+            <a:ext cx="1506742" cy="382428"/>
+          </a:xfrm>
+          <a:prstGeom prst="rect">
+            <a:avLst/>
+          </a:prstGeom>
+          <a:noFill/>
+        </p:spPr>
+        <p:txBody>
+          <a:bodyPr wrap="square" rtlCol="0">
+            <a:spAutoFit/>
+          </a:bodyPr>
+          <a:lstStyle/>
+          <a:p>
+            <a:r>
+              <a:rPr lang="en-US" altLang="ko-KR" dirty="0" err="1"/>
+              <a:t>caplen</a:t>
+            </a:r>
+            <a:endParaRPr lang="ko-KR" altLang="en-US" dirty="0"/>
+          </a:p>
+        </p:txBody>
+      </p:sp>
+      <p:cxnSp>
+        <p:nvCxnSpPr>
+          <p:cNvPr id="22" name="직선 화살표 연결선 21">
+            <a:extLst>
+              <a:ext uri="{FF2B5EF4-FFF2-40B4-BE49-F238E27FC236}">
+                <a16:creationId xmlns:a16="http://schemas.microsoft.com/office/drawing/2014/main" id="{740BD539-0FF4-4A96-B44D-8CE2FC0CE3C6}"/>
+              </a:ext>
+            </a:extLst>
+          </p:cNvPr>
+          <p:cNvCxnSpPr/>
+          <p:nvPr/>
+        </p:nvCxnSpPr>
+        <p:spPr>
+          <a:xfrm flipV="1">
+            <a:off x="6914147" y="3128211"/>
+            <a:ext cx="1868906" cy="653715"/>
+          </a:xfrm>
+          <a:prstGeom prst="straightConnector1">
+            <a:avLst/>
+          </a:prstGeom>
+          <a:ln>
+            <a:tailEnd type="triangle"/>
+          </a:ln>
+        </p:spPr>
+        <p:style>
+          <a:lnRef idx="1">
+            <a:schemeClr val="accent1"/>
+          </a:lnRef>
+          <a:fillRef idx="0">
+            <a:schemeClr val="accent1"/>
+          </a:fillRef>
+          <a:effectRef idx="0">
+            <a:schemeClr val="accent1"/>
+          </a:effectRef>
+          <a:fontRef idx="minor">
+            <a:schemeClr val="tx1"/>
+          </a:fontRef>
+        </p:style>
+      </p:cxnSp>
+      <p:sp>
+        <p:nvSpPr>
+          <p:cNvPr id="23" name="TextBox 22">
+            <a:extLst>
+              <a:ext uri="{FF2B5EF4-FFF2-40B4-BE49-F238E27FC236}">
+                <a16:creationId xmlns:a16="http://schemas.microsoft.com/office/drawing/2014/main" id="{BE2A96FD-97EA-4C1C-9BFA-5269BA526ABC}"/>
+              </a:ext>
+            </a:extLst>
+          </p:cNvPr>
+          <p:cNvSpPr txBox="1"/>
+          <p:nvPr/>
+        </p:nvSpPr>
+        <p:spPr>
+          <a:xfrm>
+            <a:off x="8752184" y="2902329"/>
+            <a:ext cx="2557506" cy="369332"/>
+          </a:xfrm>
+          <a:prstGeom prst="rect">
+            <a:avLst/>
+          </a:prstGeom>
+          <a:noFill/>
+        </p:spPr>
+        <p:txBody>
+          <a:bodyPr wrap="square" rtlCol="0">
+            <a:spAutoFit/>
+          </a:bodyPr>
+          <a:lstStyle/>
+          <a:p>
+            <a:r>
+              <a:rPr lang="en-US" altLang="ko-KR" dirty="0"/>
+              <a:t>Word embedding size</a:t>
+            </a:r>
+            <a:endParaRPr lang="ko-KR" altLang="en-US" dirty="0"/>
+          </a:p>
+        </p:txBody>
+      </p:sp>
       <p:pic>
         <p:nvPicPr>
-          <p:cNvPr id="7" name="그림 6">
-            <a:extLst>
-              <a:ext uri="{FF2B5EF4-FFF2-40B4-BE49-F238E27FC236}">
-                <a16:creationId xmlns:a16="http://schemas.microsoft.com/office/drawing/2014/main" id="{49F21F12-A1AC-4CFA-AADE-531F6EE8970B}"/>
+          <p:cNvPr id="25" name="그림 24">
+            <a:extLst>
+              <a:ext uri="{FF2B5EF4-FFF2-40B4-BE49-F238E27FC236}">
+                <a16:creationId xmlns:a16="http://schemas.microsoft.com/office/drawing/2014/main" id="{1C47A876-7E9E-471D-A2F9-46839ED41E6F}"/>
               </a:ext>
             </a:extLst>
           </p:cNvPr>
@@ -5812,8 +6558,8 @@
         </p:blipFill>
         <p:spPr>
           <a:xfrm>
-            <a:off x="5344998" y="1279688"/>
-            <a:ext cx="6315958" cy="2736915"/>
+            <a:off x="3210" y="2077321"/>
+            <a:ext cx="1814319" cy="3860974"/>
           </a:xfrm>
           <a:prstGeom prst="rect">
             <a:avLst/>
@@ -5822,10 +6568,10 @@
       </p:pic>
       <p:sp>
         <p:nvSpPr>
-          <p:cNvPr id="11" name="TextBox 10">
-            <a:extLst>
-              <a:ext uri="{FF2B5EF4-FFF2-40B4-BE49-F238E27FC236}">
-                <a16:creationId xmlns:a16="http://schemas.microsoft.com/office/drawing/2014/main" id="{593D1CE7-5027-4D5B-959B-3E11D5D92EBD}"/>
+          <p:cNvPr id="26" name="TextBox 25">
+            <a:extLst>
+              <a:ext uri="{FF2B5EF4-FFF2-40B4-BE49-F238E27FC236}">
+                <a16:creationId xmlns:a16="http://schemas.microsoft.com/office/drawing/2014/main" id="{A4B4CA18-4375-42F9-8734-7B8C93A13397}"/>
               </a:ext>
             </a:extLst>
           </p:cNvPr>
@@ -5834,8 +6580,8 @@
         </p:nvSpPr>
         <p:spPr>
           <a:xfrm>
-            <a:off x="230958" y="4654982"/>
-            <a:ext cx="6315958" cy="923330"/>
+            <a:off x="205035" y="1607638"/>
+            <a:ext cx="954505" cy="369332"/>
           </a:xfrm>
           <a:prstGeom prst="rect">
             <a:avLst/>
@@ -5843,49 +6589,119 @@
           <a:noFill/>
         </p:spPr>
         <p:txBody>
-          <a:bodyPr wrap="square">
+          <a:bodyPr wrap="square" rtlCol="0">
             <a:spAutoFit/>
           </a:bodyPr>
           <a:lstStyle/>
           <a:p>
             <a:r>
-              <a:rPr lang="ko-KR" altLang="en-US" dirty="0"/>
-              <a:t>처음에는 캡션 길이를 줄여 </a:t>
-            </a:r>
-            <a:r>
-              <a:rPr lang="ko-KR" altLang="en-US" dirty="0" err="1"/>
-              <a:t>N개의</a:t>
-            </a:r>
-            <a:r>
-              <a:rPr lang="ko-KR" altLang="en-US" dirty="0"/>
-              <a:t> 이미지와 캡션을 정렬합니다. 이는 유효한 시간 단계만 처리할 수 있도록 하기 위한 것입니다. 즉</a:t>
-            </a:r>
-            <a:r>
-              <a:rPr lang="en-US" altLang="ko-KR" dirty="0"/>
-              <a:t>, &lt;pad&gt;</a:t>
-            </a:r>
-            <a:r>
-              <a:rPr lang="ko-KR" altLang="en-US" dirty="0"/>
-              <a:t>는 처리하지 않습니다</a:t>
-            </a:r>
-            <a:r>
-              <a:rPr lang="en-US" altLang="ko-KR" dirty="0"/>
-              <a:t>. -&gt; </a:t>
-            </a:r>
-            <a:r>
-              <a:rPr lang="en-US" altLang="ko-KR" dirty="0" err="1"/>
-              <a:t>batch_size_t</a:t>
-            </a:r>
-            <a:endParaRPr lang="ko-KR" altLang="en-US" dirty="0"/>
-          </a:p>
-        </p:txBody>
-      </p:sp>
-      <p:sp>
-        <p:nvSpPr>
-          <p:cNvPr id="13" name="TextBox 12">
-            <a:extLst>
-              <a:ext uri="{FF2B5EF4-FFF2-40B4-BE49-F238E27FC236}">
-                <a16:creationId xmlns:a16="http://schemas.microsoft.com/office/drawing/2014/main" id="{222A7517-B69D-41EE-A5A1-03E909E66CEC}"/>
+              <a:rPr lang="en-US" altLang="ko-KR" sz="900" dirty="0" err="1"/>
+              <a:t>Preds</a:t>
+            </a:r>
+            <a:r>
+              <a:rPr lang="en-US" altLang="ko-KR" sz="900" dirty="0"/>
+              <a:t> / Prediction</a:t>
+            </a:r>
+            <a:endParaRPr lang="ko-KR" altLang="en-US" sz="900" dirty="0"/>
+          </a:p>
+        </p:txBody>
+      </p:sp>
+    </p:spTree>
+    <p:extLst>
+      <p:ext uri="{BB962C8B-B14F-4D97-AF65-F5344CB8AC3E}">
+        <p14:creationId xmlns:p14="http://schemas.microsoft.com/office/powerpoint/2010/main" val="826725312"/>
+      </p:ext>
+    </p:extLst>
+  </p:cSld>
+  <p:clrMapOvr>
+    <a:masterClrMapping/>
+  </p:clrMapOvr>
+</p:sld>
+</file>
+
+<file path=ppt/slides/slide7.xml><?xml version="1.0" encoding="utf-8"?>
+<p:sld xmlns:a="http://schemas.openxmlformats.org/drawingml/2006/main" xmlns:r="http://schemas.openxmlformats.org/officeDocument/2006/relationships" xmlns:p="http://schemas.openxmlformats.org/presentationml/2006/main">
+  <p:cSld>
+    <p:spTree>
+      <p:nvGrpSpPr>
+        <p:cNvPr id="1" name=""/>
+        <p:cNvGrpSpPr/>
+        <p:nvPr/>
+      </p:nvGrpSpPr>
+      <p:grpSpPr>
+        <a:xfrm>
+          <a:off x="0" y="0"/>
+          <a:ext cx="0" cy="0"/>
+          <a:chOff x="0" y="0"/>
+          <a:chExt cx="0" cy="0"/>
+        </a:xfrm>
+      </p:grpSpPr>
+      <p:sp>
+        <p:nvSpPr>
+          <p:cNvPr id="8" name="직사각형 7">
+            <a:extLst>
+              <a:ext uri="{FF2B5EF4-FFF2-40B4-BE49-F238E27FC236}">
+                <a16:creationId xmlns:a16="http://schemas.microsoft.com/office/drawing/2014/main" id="{212AE0A1-5F92-478A-A843-443E581BDF91}"/>
+              </a:ext>
+            </a:extLst>
+          </p:cNvPr>
+          <p:cNvSpPr/>
+          <p:nvPr/>
+        </p:nvSpPr>
+        <p:spPr>
+          <a:xfrm>
+            <a:off x="0" y="-1"/>
+            <a:ext cx="12192000" cy="825731"/>
+          </a:xfrm>
+          <a:prstGeom prst="rect">
+            <a:avLst/>
+          </a:prstGeom>
+          <a:solidFill>
+            <a:schemeClr val="accent6">
+              <a:lumMod val="40000"/>
+              <a:lumOff val="60000"/>
+            </a:schemeClr>
+          </a:solidFill>
+          <a:ln>
+            <a:solidFill>
+              <a:schemeClr val="accent6">
+                <a:lumMod val="40000"/>
+                <a:lumOff val="60000"/>
+              </a:schemeClr>
+            </a:solidFill>
+          </a:ln>
+        </p:spPr>
+        <p:style>
+          <a:lnRef idx="2">
+            <a:schemeClr val="accent1">
+              <a:shade val="50000"/>
+            </a:schemeClr>
+          </a:lnRef>
+          <a:fillRef idx="1">
+            <a:schemeClr val="accent1"/>
+          </a:fillRef>
+          <a:effectRef idx="0">
+            <a:schemeClr val="accent1"/>
+          </a:effectRef>
+          <a:fontRef idx="minor">
+            <a:schemeClr val="lt1"/>
+          </a:fontRef>
+        </p:style>
+        <p:txBody>
+          <a:bodyPr rtlCol="0" anchor="ctr"/>
+          <a:lstStyle/>
+          <a:p>
+            <a:pPr algn="ctr"/>
+            <a:endParaRPr lang="ko-KR" altLang="en-US"/>
+          </a:p>
+        </p:txBody>
+      </p:sp>
+      <p:sp>
+        <p:nvSpPr>
+          <p:cNvPr id="9" name="TextBox 8">
+            <a:extLst>
+              <a:ext uri="{FF2B5EF4-FFF2-40B4-BE49-F238E27FC236}">
+                <a16:creationId xmlns:a16="http://schemas.microsoft.com/office/drawing/2014/main" id="{19B6216F-12C7-418D-A944-6484C1992BBE}"/>
               </a:ext>
             </a:extLst>
           </p:cNvPr>
@@ -5894,8 +6710,8 @@
         </p:nvSpPr>
         <p:spPr>
           <a:xfrm>
-            <a:off x="6546916" y="4670363"/>
-            <a:ext cx="6099142" cy="1477328"/>
+            <a:off x="231339" y="182031"/>
+            <a:ext cx="11782163" cy="461665"/>
           </a:xfrm>
           <a:prstGeom prst="rect">
             <a:avLst/>
@@ -5903,49 +6719,367 @@
           <a:noFill/>
         </p:spPr>
         <p:txBody>
+          <a:bodyPr wrap="square" rtlCol="0">
+            <a:spAutoFit/>
+          </a:bodyPr>
+          <a:lstStyle/>
+          <a:p>
+            <a:r>
+              <a:rPr lang="ko-KR" altLang="en-US" sz="2400" dirty="0"/>
+              <a:t>코드 분석</a:t>
+            </a:r>
+          </a:p>
+        </p:txBody>
+      </p:sp>
+      <p:sp>
+        <p:nvSpPr>
+          <p:cNvPr id="2" name="직사각형 1">
+            <a:extLst>
+              <a:ext uri="{FF2B5EF4-FFF2-40B4-BE49-F238E27FC236}">
+                <a16:creationId xmlns:a16="http://schemas.microsoft.com/office/drawing/2014/main" id="{33C2ECB1-E38C-40FC-8BAD-C616C39449CA}"/>
+              </a:ext>
+            </a:extLst>
+          </p:cNvPr>
+          <p:cNvSpPr/>
+          <p:nvPr/>
+        </p:nvSpPr>
+        <p:spPr>
+          <a:xfrm>
+            <a:off x="360846" y="643696"/>
+            <a:ext cx="7202699" cy="5493812"/>
+          </a:xfrm>
+          <a:prstGeom prst="rect">
+            <a:avLst/>
+          </a:prstGeom>
+        </p:spPr>
+        <p:txBody>
           <a:bodyPr wrap="square">
             <a:spAutoFit/>
           </a:bodyPr>
           <a:lstStyle/>
           <a:p>
             <a:r>
+              <a:rPr lang="ko-KR" altLang="en-US" sz="900" dirty="0" err="1"/>
+              <a:t>j</a:t>
+            </a:r>
+            <a:r>
+              <a:rPr lang="ko-KR" altLang="en-US" sz="900" dirty="0"/>
+              <a:t> </a:t>
+            </a:r>
+            <a:r>
+              <a:rPr lang="ko-KR" altLang="en-US" sz="900" dirty="0" err="1"/>
+              <a:t>is</a:t>
+            </a:r>
+            <a:r>
+              <a:rPr lang="ko-KR" altLang="en-US" sz="900" dirty="0"/>
+              <a:t> 32 </a:t>
+            </a:r>
+            <a:r>
+              <a:rPr lang="ko-KR" altLang="en-US" sz="900" dirty="0" err="1"/>
+              <a:t>p</a:t>
+            </a:r>
+            <a:r>
+              <a:rPr lang="ko-KR" altLang="en-US" sz="900" dirty="0"/>
+              <a:t> </a:t>
+            </a:r>
+            <a:r>
+              <a:rPr lang="ko-KR" altLang="en-US" sz="900" dirty="0" err="1"/>
+              <a:t>is</a:t>
+            </a:r>
+            <a:r>
+              <a:rPr lang="ko-KR" altLang="en-US" sz="900" dirty="0"/>
+              <a:t> [[146, 33, 251, 2860, 4, 3848, 47, 1666, 1663, 3],</a:t>
+            </a:r>
+            <a:endParaRPr lang="en-US" altLang="ko-KR" sz="900" dirty="0"/>
+          </a:p>
+          <a:p>
+            <a:r>
+              <a:rPr lang="ko-KR" altLang="en-US" sz="900" dirty="0"/>
+              <a:t> [131, 53, 409, 106, 31, 40, 7, 65, 1412, 111], </a:t>
+            </a:r>
+            <a:endParaRPr lang="en-US" altLang="ko-KR" sz="900" dirty="0"/>
+          </a:p>
+          <a:p>
+            <a:r>
+              <a:rPr lang="ko-KR" altLang="en-US" sz="900" dirty="0"/>
+              <a:t>[4, 48, 33, 30, 31, 212, 111, 146, 373, 106], </a:t>
+            </a:r>
+            <a:endParaRPr lang="en-US" altLang="ko-KR" sz="900" dirty="0"/>
+          </a:p>
+          <a:p>
+            <a:r>
+              <a:rPr lang="ko-KR" altLang="en-US" sz="900" dirty="0"/>
+              <a:t>[30, 31, 34, 210, 3016, 115, 793, 36, 1256, 857], </a:t>
+            </a:r>
+            <a:endParaRPr lang="en-US" altLang="ko-KR" sz="900" dirty="0"/>
+          </a:p>
+          <a:p>
+            <a:r>
+              <a:rPr lang="ko-KR" altLang="en-US" sz="900" dirty="0"/>
+              <a:t>[31, 115, 30, 7, 857, 1003, 87, 34, 2876, 936], </a:t>
+            </a:r>
+            <a:endParaRPr lang="en-US" altLang="ko-KR" sz="900" dirty="0"/>
+          </a:p>
+          <a:p>
+            <a:r>
+              <a:rPr lang="ko-KR" altLang="en-US" sz="900" dirty="0"/>
+              <a:t>[7, 87, 65, 31, 938, 19, 785, 115, 30, 40], </a:t>
+            </a:r>
+            <a:endParaRPr lang="en-US" altLang="ko-KR" sz="900" dirty="0"/>
+          </a:p>
+          <a:p>
+            <a:r>
+              <a:rPr lang="ko-KR" altLang="en-US" sz="900" dirty="0"/>
+              <a:t>[30, 7, 34, 31, 3384, 65, 115, 131, 3, 3016], </a:t>
+            </a:r>
+            <a:endParaRPr lang="en-US" altLang="ko-KR" sz="900" dirty="0"/>
+          </a:p>
+          <a:p>
+            <a:r>
+              <a:rPr lang="ko-KR" altLang="en-US" sz="900" dirty="0"/>
+              <a:t>[30, 34, 31, 115, 65, 36, 61, 373, 770, 229], </a:t>
+            </a:r>
+            <a:endParaRPr lang="en-US" altLang="ko-KR" sz="900" dirty="0"/>
+          </a:p>
+          <a:p>
+            <a:r>
+              <a:rPr lang="ko-KR" altLang="en-US" sz="900" dirty="0"/>
+              <a:t>[65, 31, 862, 192, 30, 409, 857, 120, 1038, 115], </a:t>
+            </a:r>
+            <a:endParaRPr lang="en-US" altLang="ko-KR" sz="900" dirty="0"/>
+          </a:p>
+          <a:p>
+            <a:r>
+              <a:rPr lang="ko-KR" altLang="en-US" sz="900" dirty="0"/>
+              <a:t>[65, 1038, 862, 507, 131, 40, 2358, 1665, 112, 409], </a:t>
+            </a:r>
+            <a:endParaRPr lang="en-US" altLang="ko-KR" sz="900" dirty="0"/>
+          </a:p>
+          <a:p>
+            <a:r>
+              <a:rPr lang="ko-KR" altLang="en-US" sz="900" dirty="0"/>
+              <a:t>[131, 65, 715, 106, 409, 1412, 3384, 53, 327, 1038], </a:t>
+            </a:r>
+            <a:endParaRPr lang="en-US" altLang="ko-KR" sz="900" dirty="0"/>
+          </a:p>
+          <a:p>
+            <a:r>
+              <a:rPr lang="ko-KR" altLang="en-US" sz="900" dirty="0"/>
+              <a:t>[40, 78, 146, 131, 365, 65, 112, 53, 16, 1412], </a:t>
+            </a:r>
+            <a:endParaRPr lang="en-US" altLang="ko-KR" sz="900" dirty="0"/>
+          </a:p>
+          <a:p>
+            <a:r>
+              <a:rPr lang="ko-KR" altLang="en-US" sz="900" dirty="0"/>
+              <a:t>[146, 33, 4, 111, 48, 47, 36, 648, 40, 242], </a:t>
+            </a:r>
+            <a:endParaRPr lang="en-US" altLang="ko-KR" sz="900" dirty="0"/>
+          </a:p>
+          <a:p>
+            <a:r>
+              <a:rPr lang="ko-KR" altLang="en-US" sz="900" dirty="0"/>
+              <a:t>[34, 229, 4715, 6639, 7, 3828, 1123, 1296, 2715, 3945]]</a:t>
+            </a:r>
+          </a:p>
+          <a:p>
+            <a:endParaRPr lang="nl-NL" altLang="ko-KR" sz="900" dirty="0"/>
+          </a:p>
+          <a:p>
+            <a:r>
+              <a:rPr lang="nl-NL" altLang="ko-KR" sz="900" dirty="0"/>
+              <a:t> j is 29 p is </a:t>
+            </a:r>
+          </a:p>
+          <a:p>
+            <a:r>
+              <a:rPr lang="nl-NL" altLang="ko-KR" sz="900" dirty="0"/>
+              <a:t>[[251, 33, 252, 146, 52, 4, 3848, 194, 2860, 51],</a:t>
+            </a:r>
+          </a:p>
+          <a:p>
+            <a:r>
+              <a:rPr lang="nl-NL" altLang="ko-KR" sz="900" dirty="0"/>
+              <a:t> [53, 131, 52, 106, 282, 970, 1412, 94, 1256, 280],</a:t>
+            </a:r>
+          </a:p>
+          <a:p>
+            <a:r>
+              <a:rPr lang="nl-NL" altLang="ko-KR" sz="900" dirty="0"/>
+              <a:t> [52, 54, 280, 1352, 1633, 94, 1383, 4, 292, 1042], </a:t>
+            </a:r>
+          </a:p>
+          <a:p>
+            <a:r>
+              <a:rPr lang="nl-NL" altLang="ko-KR" sz="900" dirty="0"/>
+              <a:t>[54, 40, 78, 52, 94, 7, 53, 171, 140, 105],</a:t>
+            </a:r>
+          </a:p>
+          <a:p>
+            <a:r>
+              <a:rPr lang="nl-NL" altLang="ko-KR" sz="900" dirty="0"/>
+              <a:t> [78, 40, 54, 55, 185, 112, 193, 94, 33, 418], </a:t>
+            </a:r>
+          </a:p>
+          <a:p>
+            <a:r>
+              <a:rPr lang="nl-NL" altLang="ko-KR" sz="900" dirty="0"/>
+              <a:t>[33, 4, 78, 146, 34, 40, 103, 48, 161, 47],</a:t>
+            </a:r>
+          </a:p>
+          <a:p>
+            <a:r>
+              <a:rPr lang="nl-NL" altLang="ko-KR" sz="900" dirty="0"/>
+              <a:t> [34, 41, 2715, 230, 229, 186, 210, 705, 768, 827],</a:t>
+            </a:r>
+          </a:p>
+          <a:p>
+            <a:r>
+              <a:rPr lang="nl-NL" altLang="ko-KR" sz="900" dirty="0"/>
+              <a:t> [2, 19, 40, 3, 78, 7, 34, 112, 805, 14],</a:t>
+            </a:r>
+          </a:p>
+          <a:p>
+            <a:r>
+              <a:rPr lang="nl-NL" altLang="ko-KR" sz="900" dirty="0"/>
+              <a:t> [7, 6, 4, 5, 1, 0, 2, 3, 8, 9]]</a:t>
+            </a:r>
+          </a:p>
+          <a:p>
+            <a:endParaRPr lang="nl-NL" altLang="ko-KR" sz="900" dirty="0"/>
+          </a:p>
+          <a:p>
+            <a:r>
+              <a:rPr lang="nl-NL" altLang="ko-KR" sz="900" dirty="0"/>
+              <a:t>j is 28 p is </a:t>
+            </a:r>
+          </a:p>
+          <a:p>
+            <a:r>
+              <a:rPr lang="nl-NL" altLang="ko-KR" sz="900" dirty="0"/>
+              <a:t>[[4, 146, 33, 252, 251, 48, 3, 3848, 2479, 111],</a:t>
+            </a:r>
+          </a:p>
+          <a:p>
+            <a:r>
+              <a:rPr lang="nl-NL" altLang="ko-KR" sz="900" dirty="0"/>
+              <a:t> [4244, 21, 2716, 1846, 1393, 3575, 61, 2723, 110, 195], </a:t>
+            </a:r>
+          </a:p>
+          <a:p>
+            <a:r>
+              <a:rPr lang="nl-NL" altLang="ko-KR" sz="900" dirty="0"/>
+              <a:t>[131, 629, 4244, 352, 327, 322, 4490, 757, 4796, 1529], </a:t>
+            </a:r>
+          </a:p>
+          <a:p>
+            <a:r>
+              <a:rPr lang="nl-NL" altLang="ko-KR" sz="900" dirty="0"/>
+              <a:t>[131, 2530, 322, 629, 327, 4244, 611, 4490, 352, 40], </a:t>
+            </a:r>
+          </a:p>
+          <a:p>
+            <a:r>
+              <a:rPr lang="nl-NL" altLang="ko-KR" sz="900" dirty="0"/>
+              <a:t>[40, 249, 322, 611, 277, 627, 295, 288, 2530, 59],</a:t>
+            </a:r>
+          </a:p>
+          <a:p>
+            <a:r>
+              <a:rPr lang="nl-NL" altLang="ko-KR" sz="900" dirty="0"/>
+              <a:t> [40, 249, 288, 78, 461, 4, 35, 627, 399, 59], </a:t>
+            </a:r>
+          </a:p>
+          <a:p>
+            <a:r>
+              <a:rPr lang="nl-NL" altLang="ko-KR" sz="900" dirty="0"/>
+              <a:t>[4, 33, 40, 48, 258, 702, 2135, 2430, 288, 146], </a:t>
+            </a:r>
+          </a:p>
+          <a:p>
+            <a:r>
+              <a:rPr lang="nl-NL" altLang="ko-KR" sz="900" dirty="0"/>
+              <a:t>[113, 64, 1453, 1402, 199, 820, 133, 29, 1040, 63], </a:t>
+            </a:r>
+          </a:p>
+          <a:p>
+            <a:r>
+              <a:rPr lang="nl-NL" altLang="ko-KR" sz="900" dirty="0"/>
+              <a:t>[2, 113, 762, 490, 258, 19, 1402, 59, 847, 3], </a:t>
+            </a:r>
+          </a:p>
+          <a:p>
+            <a:r>
+              <a:rPr lang="nl-NL" altLang="ko-KR" sz="900" dirty="0"/>
+              <a:t>[7, 6, 4, 5, 1, 0, 2, 3, 8, 9]]</a:t>
+            </a:r>
+          </a:p>
+          <a:p>
+            <a:endParaRPr lang="ko-KR" altLang="en-US" sz="900" dirty="0"/>
+          </a:p>
+          <a:p>
+            <a:endParaRPr lang="ko-KR" altLang="en-US" sz="900" dirty="0"/>
+          </a:p>
+        </p:txBody>
+      </p:sp>
+      <p:sp>
+        <p:nvSpPr>
+          <p:cNvPr id="3" name="TextBox 2">
+            <a:extLst>
+              <a:ext uri="{FF2B5EF4-FFF2-40B4-BE49-F238E27FC236}">
+                <a16:creationId xmlns:a16="http://schemas.microsoft.com/office/drawing/2014/main" id="{45952A6B-913C-4DBB-A041-C2822CD4968A}"/>
+              </a:ext>
+            </a:extLst>
+          </p:cNvPr>
+          <p:cNvSpPr txBox="1"/>
+          <p:nvPr/>
+        </p:nvSpPr>
+        <p:spPr>
+          <a:xfrm>
+            <a:off x="360846" y="5847605"/>
+            <a:ext cx="5203838" cy="646331"/>
+          </a:xfrm>
+          <a:prstGeom prst="rect">
+            <a:avLst/>
+          </a:prstGeom>
+          <a:noFill/>
+        </p:spPr>
+        <p:txBody>
+          <a:bodyPr wrap="square" rtlCol="0">
+            <a:spAutoFit/>
+          </a:bodyPr>
+          <a:lstStyle/>
+          <a:p>
+            <a:r>
+              <a:rPr lang="en-US" altLang="ko-KR" dirty="0"/>
+              <a:t>J</a:t>
+            </a:r>
+            <a:r>
               <a:rPr lang="ko-KR" altLang="en-US" dirty="0"/>
-              <a:t>각 시간 단계를 반복하여 해당 시간 단계에서 유효한 배치 크기 </a:t>
-            </a:r>
-            <a:r>
-              <a:rPr lang="ko-KR" altLang="en-US" dirty="0" err="1"/>
-              <a:t>N_t인</a:t>
+              <a:t>번 째 </a:t>
+            </a:r>
+            <a:r>
+              <a:rPr lang="en-US" altLang="ko-KR" dirty="0" err="1"/>
+              <a:t>captio</a:t>
             </a:r>
             <a:r>
               <a:rPr lang="ko-KR" altLang="en-US" dirty="0"/>
-              <a:t> 색상 영역만 처리할 수 있습니다</a:t>
+              <a:t>에서 나온 각 </a:t>
+            </a:r>
+            <a:r>
+              <a:rPr lang="en-US" altLang="ko-KR" dirty="0"/>
+              <a:t>t</a:t>
+            </a:r>
+            <a:r>
+              <a:rPr lang="ko-KR" altLang="en-US" dirty="0"/>
+              <a:t>시점에서 나온  </a:t>
             </a:r>
             <a:endParaRPr lang="en-US" altLang="ko-KR" dirty="0"/>
           </a:p>
           <a:p>
             <a:r>
-              <a:rPr lang="ko-KR" altLang="en-US" dirty="0"/>
-              <a:t>예를 들어 세 번째 단계에서는 이전 단계의 상위 </a:t>
-            </a:r>
-            <a:r>
               <a:rPr lang="en-US" altLang="ko-KR" dirty="0"/>
-              <a:t>5</a:t>
-            </a:r>
-            <a:r>
-              <a:rPr lang="ko-KR" altLang="en-US" dirty="0"/>
-              <a:t>개 출력을 사용하여 상위 </a:t>
-            </a:r>
-            <a:r>
-              <a:rPr lang="en-US" altLang="ko-KR" dirty="0"/>
-              <a:t>5</a:t>
-            </a:r>
-            <a:r>
-              <a:rPr lang="ko-KR" altLang="en-US" dirty="0"/>
-              <a:t>개 이미지만 처리합니다</a:t>
-            </a:r>
-            <a:r>
-              <a:rPr lang="en-US" altLang="ko-KR" dirty="0"/>
-              <a:t>.</a:t>
+              <a:t>Vocab</a:t>
             </a:r>
             <a:r>
               <a:rPr lang="ko-KR" altLang="en-US" dirty="0"/>
@@ -5953,39 +7087,1106 @@
             </a:r>
             <a:r>
               <a:rPr lang="en-US" altLang="ko-KR" dirty="0"/>
-              <a:t>( batch</a:t>
+              <a:t>size </a:t>
             </a:r>
             <a:r>
               <a:rPr lang="ko-KR" altLang="en-US" dirty="0"/>
-              <a:t> </a:t>
+              <a:t>크기의 </a:t>
             </a:r>
             <a:r>
               <a:rPr lang="en-US" altLang="ko-KR" dirty="0"/>
-              <a:t>-&gt;</a:t>
+              <a:t>prediction score</a:t>
             </a:r>
             <a:r>
               <a:rPr lang="ko-KR" altLang="en-US" dirty="0"/>
-              <a:t> </a:t>
+              <a:t>  </a:t>
+            </a:r>
+            <a:r>
+              <a:rPr lang="en-US" altLang="ko-KR" dirty="0"/>
+              <a:t>top10 </a:t>
+            </a:r>
+            <a:r>
+              <a:rPr lang="ko-KR" altLang="en-US" dirty="0"/>
+              <a:t>추출 </a:t>
+            </a:r>
+            <a:r>
+              <a:rPr lang="en-US" altLang="ko-KR" dirty="0"/>
+              <a:t>? </a:t>
+            </a:r>
+            <a:endParaRPr lang="ko-KR" altLang="en-US" dirty="0"/>
+          </a:p>
+        </p:txBody>
+      </p:sp>
+      <p:pic>
+        <p:nvPicPr>
+          <p:cNvPr id="7" name="그림 6">
+            <a:extLst>
+              <a:ext uri="{FF2B5EF4-FFF2-40B4-BE49-F238E27FC236}">
+                <a16:creationId xmlns:a16="http://schemas.microsoft.com/office/drawing/2014/main" id="{EBF3C364-CBDC-4DF7-A7D5-9AB33059E550}"/>
+              </a:ext>
+            </a:extLst>
+          </p:cNvPr>
+          <p:cNvPicPr>
+            <a:picLocks noChangeAspect="1"/>
+          </p:cNvPicPr>
+          <p:nvPr/>
+        </p:nvPicPr>
+        <p:blipFill>
+          <a:blip r:embed="rId2"/>
+          <a:stretch>
+            <a:fillRect/>
+          </a:stretch>
+        </p:blipFill>
+        <p:spPr>
+          <a:xfrm>
+            <a:off x="3803880" y="1233111"/>
+            <a:ext cx="5156097" cy="2410577"/>
+          </a:xfrm>
+          <a:prstGeom prst="rect">
+            <a:avLst/>
+          </a:prstGeom>
+        </p:spPr>
+      </p:pic>
+      <p:cxnSp>
+        <p:nvCxnSpPr>
+          <p:cNvPr id="11" name="직선 연결선 10">
+            <a:extLst>
+              <a:ext uri="{FF2B5EF4-FFF2-40B4-BE49-F238E27FC236}">
+                <a16:creationId xmlns:a16="http://schemas.microsoft.com/office/drawing/2014/main" id="{02B337C5-1DB1-4D25-9CA9-9DB47E790870}"/>
+              </a:ext>
+            </a:extLst>
+          </p:cNvPr>
+          <p:cNvCxnSpPr/>
+          <p:nvPr/>
+        </p:nvCxnSpPr>
+        <p:spPr>
+          <a:xfrm flipV="1">
+            <a:off x="3826118" y="1386644"/>
+            <a:ext cx="4435643" cy="36095"/>
+          </a:xfrm>
+          <a:prstGeom prst="line">
+            <a:avLst/>
+          </a:prstGeom>
+          <a:ln w="28575">
+            <a:solidFill>
+              <a:schemeClr val="accent2"/>
+            </a:solidFill>
+          </a:ln>
+        </p:spPr>
+        <p:style>
+          <a:lnRef idx="1">
+            <a:schemeClr val="accent1"/>
+          </a:lnRef>
+          <a:fillRef idx="0">
+            <a:schemeClr val="accent1"/>
+          </a:fillRef>
+          <a:effectRef idx="0">
+            <a:schemeClr val="accent1"/>
+          </a:effectRef>
+          <a:fontRef idx="minor">
+            <a:schemeClr val="tx1"/>
+          </a:fontRef>
+        </p:style>
+      </p:cxnSp>
+      <p:sp>
+        <p:nvSpPr>
+          <p:cNvPr id="12" name="직사각형 11">
+            <a:extLst>
+              <a:ext uri="{FF2B5EF4-FFF2-40B4-BE49-F238E27FC236}">
+                <a16:creationId xmlns:a16="http://schemas.microsoft.com/office/drawing/2014/main" id="{8250D91B-BFA2-44D3-9B8A-E66EC452BB47}"/>
+              </a:ext>
+            </a:extLst>
+          </p:cNvPr>
+          <p:cNvSpPr/>
+          <p:nvPr/>
+        </p:nvSpPr>
+        <p:spPr>
+          <a:xfrm>
+            <a:off x="7050750" y="5363544"/>
+            <a:ext cx="3608295" cy="369332"/>
+          </a:xfrm>
+          <a:prstGeom prst="rect">
+            <a:avLst/>
+          </a:prstGeom>
+        </p:spPr>
+        <p:txBody>
+          <a:bodyPr wrap="none">
+            <a:spAutoFit/>
+          </a:bodyPr>
+          <a:lstStyle/>
+          <a:p>
+            <a:r>
+              <a:rPr lang="ko-KR" altLang="en-US" dirty="0"/>
+              <a:t>(32, 17) </a:t>
             </a:r>
             <a:r>
               <a:rPr lang="ko-KR" altLang="en-US" dirty="0" err="1"/>
-              <a:t>한거번에</a:t>
+              <a:t>torch.Size</a:t>
             </a:r>
             <a:r>
               <a:rPr lang="ko-KR" altLang="en-US" dirty="0"/>
-              <a:t> 처리</a:t>
-            </a:r>
-            <a:r>
-              <a:rPr lang="en-US" altLang="ko-KR" dirty="0"/>
-              <a:t>!!)</a:t>
-            </a:r>
-          </a:p>
-        </p:txBody>
-      </p:sp>
+              <a:t>([32, 17, 8853])</a:t>
+            </a:r>
+          </a:p>
+        </p:txBody>
+      </p:sp>
+      <p:pic>
+        <p:nvPicPr>
+          <p:cNvPr id="13" name="그림 12">
+            <a:extLst>
+              <a:ext uri="{FF2B5EF4-FFF2-40B4-BE49-F238E27FC236}">
+                <a16:creationId xmlns:a16="http://schemas.microsoft.com/office/drawing/2014/main" id="{EE4A0DEC-3E35-4E88-A970-7B35C63FB27A}"/>
+              </a:ext>
+            </a:extLst>
+          </p:cNvPr>
+          <p:cNvPicPr>
+            <a:picLocks noChangeAspect="1"/>
+          </p:cNvPicPr>
+          <p:nvPr/>
+        </p:nvPicPr>
+        <p:blipFill>
+          <a:blip r:embed="rId3"/>
+          <a:stretch>
+            <a:fillRect/>
+          </a:stretch>
+        </p:blipFill>
+        <p:spPr>
+          <a:xfrm>
+            <a:off x="6262831" y="5906538"/>
+            <a:ext cx="5793121" cy="494857"/>
+          </a:xfrm>
+          <a:prstGeom prst="rect">
+            <a:avLst/>
+          </a:prstGeom>
+        </p:spPr>
+      </p:pic>
+      <p:cxnSp>
+        <p:nvCxnSpPr>
+          <p:cNvPr id="15" name="직선 연결선 14">
+            <a:extLst>
+              <a:ext uri="{FF2B5EF4-FFF2-40B4-BE49-F238E27FC236}">
+                <a16:creationId xmlns:a16="http://schemas.microsoft.com/office/drawing/2014/main" id="{0B25B23A-3E8C-4B4F-8036-163D0C245BAD}"/>
+              </a:ext>
+            </a:extLst>
+          </p:cNvPr>
+          <p:cNvCxnSpPr/>
+          <p:nvPr/>
+        </p:nvCxnSpPr>
+        <p:spPr>
+          <a:xfrm flipH="1">
+            <a:off x="5663001" y="1189112"/>
+            <a:ext cx="4324759" cy="5355777"/>
+          </a:xfrm>
+          <a:prstGeom prst="line">
+            <a:avLst/>
+          </a:prstGeom>
+        </p:spPr>
+        <p:style>
+          <a:lnRef idx="1">
+            <a:schemeClr val="accent1"/>
+          </a:lnRef>
+          <a:fillRef idx="0">
+            <a:schemeClr val="accent1"/>
+          </a:fillRef>
+          <a:effectRef idx="0">
+            <a:schemeClr val="accent1"/>
+          </a:effectRef>
+          <a:fontRef idx="minor">
+            <a:schemeClr val="tx1"/>
+          </a:fontRef>
+        </p:style>
+      </p:cxnSp>
     </p:spTree>
     <p:extLst>
       <p:ext uri="{BB962C8B-B14F-4D97-AF65-F5344CB8AC3E}">
-        <p14:creationId xmlns:p14="http://schemas.microsoft.com/office/powerpoint/2010/main" val="812654185"/>
+        <p14:creationId xmlns:p14="http://schemas.microsoft.com/office/powerpoint/2010/main" val="783326362"/>
+      </p:ext>
+    </p:extLst>
+  </p:cSld>
+  <p:clrMapOvr>
+    <a:masterClrMapping/>
+  </p:clrMapOvr>
+</p:sld>
+</file>
+
+<file path=ppt/slides/slide8.xml><?xml version="1.0" encoding="utf-8"?>
+<p:sld xmlns:a="http://schemas.openxmlformats.org/drawingml/2006/main" xmlns:r="http://schemas.openxmlformats.org/officeDocument/2006/relationships" xmlns:p="http://schemas.openxmlformats.org/presentationml/2006/main">
+  <p:cSld>
+    <p:spTree>
+      <p:nvGrpSpPr>
+        <p:cNvPr id="1" name=""/>
+        <p:cNvGrpSpPr/>
+        <p:nvPr/>
+      </p:nvGrpSpPr>
+      <p:grpSpPr>
+        <a:xfrm>
+          <a:off x="0" y="0"/>
+          <a:ext cx="0" cy="0"/>
+          <a:chOff x="0" y="0"/>
+          <a:chExt cx="0" cy="0"/>
+        </a:xfrm>
+      </p:grpSpPr>
+      <p:sp>
+        <p:nvSpPr>
+          <p:cNvPr id="8" name="직사각형 7">
+            <a:extLst>
+              <a:ext uri="{FF2B5EF4-FFF2-40B4-BE49-F238E27FC236}">
+                <a16:creationId xmlns:a16="http://schemas.microsoft.com/office/drawing/2014/main" id="{212AE0A1-5F92-478A-A843-443E581BDF91}"/>
+              </a:ext>
+            </a:extLst>
+          </p:cNvPr>
+          <p:cNvSpPr/>
+          <p:nvPr/>
+        </p:nvSpPr>
+        <p:spPr>
+          <a:xfrm>
+            <a:off x="0" y="-1"/>
+            <a:ext cx="12192000" cy="825731"/>
+          </a:xfrm>
+          <a:prstGeom prst="rect">
+            <a:avLst/>
+          </a:prstGeom>
+          <a:solidFill>
+            <a:schemeClr val="accent6">
+              <a:lumMod val="40000"/>
+              <a:lumOff val="60000"/>
+            </a:schemeClr>
+          </a:solidFill>
+          <a:ln>
+            <a:solidFill>
+              <a:schemeClr val="accent6">
+                <a:lumMod val="40000"/>
+                <a:lumOff val="60000"/>
+              </a:schemeClr>
+            </a:solidFill>
+          </a:ln>
+        </p:spPr>
+        <p:style>
+          <a:lnRef idx="2">
+            <a:schemeClr val="accent1">
+              <a:shade val="50000"/>
+            </a:schemeClr>
+          </a:lnRef>
+          <a:fillRef idx="1">
+            <a:schemeClr val="accent1"/>
+          </a:fillRef>
+          <a:effectRef idx="0">
+            <a:schemeClr val="accent1"/>
+          </a:effectRef>
+          <a:fontRef idx="minor">
+            <a:schemeClr val="lt1"/>
+          </a:fontRef>
+        </p:style>
+        <p:txBody>
+          <a:bodyPr rtlCol="0" anchor="ctr"/>
+          <a:lstStyle/>
+          <a:p>
+            <a:pPr algn="ctr"/>
+            <a:endParaRPr lang="ko-KR" altLang="en-US"/>
+          </a:p>
+        </p:txBody>
+      </p:sp>
+      <p:sp>
+        <p:nvSpPr>
+          <p:cNvPr id="9" name="TextBox 8">
+            <a:extLst>
+              <a:ext uri="{FF2B5EF4-FFF2-40B4-BE49-F238E27FC236}">
+                <a16:creationId xmlns:a16="http://schemas.microsoft.com/office/drawing/2014/main" id="{19B6216F-12C7-418D-A944-6484C1992BBE}"/>
+              </a:ext>
+            </a:extLst>
+          </p:cNvPr>
+          <p:cNvSpPr txBox="1"/>
+          <p:nvPr/>
+        </p:nvSpPr>
+        <p:spPr>
+          <a:xfrm>
+            <a:off x="231339" y="182031"/>
+            <a:ext cx="11782163" cy="461665"/>
+          </a:xfrm>
+          <a:prstGeom prst="rect">
+            <a:avLst/>
+          </a:prstGeom>
+          <a:noFill/>
+        </p:spPr>
+        <p:txBody>
+          <a:bodyPr wrap="square" rtlCol="0">
+            <a:spAutoFit/>
+          </a:bodyPr>
+          <a:lstStyle/>
+          <a:p>
+            <a:r>
+              <a:rPr lang="en-US" altLang="ko-KR" sz="2400" dirty="0"/>
+              <a:t>Metrics - BLEU </a:t>
+            </a:r>
+            <a:endParaRPr lang="ko-KR" altLang="en-US" sz="2400" dirty="0"/>
+          </a:p>
+        </p:txBody>
+      </p:sp>
+      <p:sp>
+        <p:nvSpPr>
+          <p:cNvPr id="2" name="직사각형 1">
+            <a:extLst>
+              <a:ext uri="{FF2B5EF4-FFF2-40B4-BE49-F238E27FC236}">
+                <a16:creationId xmlns:a16="http://schemas.microsoft.com/office/drawing/2014/main" id="{482D2D8A-AA2B-4A0B-AFC2-76ACABE1F978}"/>
+              </a:ext>
+            </a:extLst>
+          </p:cNvPr>
+          <p:cNvSpPr/>
+          <p:nvPr/>
+        </p:nvSpPr>
+        <p:spPr>
+          <a:xfrm>
+            <a:off x="1207426" y="6046902"/>
+            <a:ext cx="6582633" cy="1015663"/>
+          </a:xfrm>
+          <a:prstGeom prst="rect">
+            <a:avLst/>
+          </a:prstGeom>
+        </p:spPr>
+        <p:txBody>
+          <a:bodyPr wrap="square">
+            <a:spAutoFit/>
+          </a:bodyPr>
+          <a:lstStyle/>
+          <a:p>
+            <a:r>
+              <a:rPr lang="ko-KR" altLang="en-US" sz="1000" dirty="0"/>
+              <a:t>편의상 </a:t>
+            </a:r>
+            <a:r>
+              <a:rPr lang="en-US" altLang="ko-KR" sz="1000" dirty="0"/>
+              <a:t>Candidate</a:t>
+            </a:r>
+            <a:r>
+              <a:rPr lang="ko-KR" altLang="en-US" sz="1000" dirty="0"/>
+              <a:t>를 </a:t>
+            </a:r>
+            <a:r>
+              <a:rPr lang="en-US" altLang="ko-KR" sz="1000" dirty="0"/>
+              <a:t>Ca</a:t>
+            </a:r>
+            <a:r>
+              <a:rPr lang="ko-KR" altLang="en-US" sz="1000" dirty="0"/>
+              <a:t>로</a:t>
+            </a:r>
+            <a:r>
+              <a:rPr lang="en-US" altLang="ko-KR" sz="1000" dirty="0"/>
+              <a:t>, Reference</a:t>
+            </a:r>
+            <a:r>
+              <a:rPr lang="ko-KR" altLang="en-US" sz="1000" dirty="0"/>
+              <a:t>를 </a:t>
+            </a:r>
+            <a:r>
+              <a:rPr lang="en-US" altLang="ko-KR" sz="1000" dirty="0"/>
+              <a:t>Ref</a:t>
+            </a:r>
+            <a:r>
+              <a:rPr lang="ko-KR" altLang="en-US" sz="1000" dirty="0"/>
+              <a:t>로 축약하여 부르겠습니다</a:t>
+            </a:r>
+            <a:r>
+              <a:rPr lang="en-US" altLang="ko-KR" sz="1000" dirty="0"/>
+              <a:t>. </a:t>
+            </a:r>
+          </a:p>
+          <a:p>
+            <a:r>
+              <a:rPr lang="ko-KR" altLang="en-US" sz="1000" dirty="0"/>
+              <a:t>이제 </a:t>
+            </a:r>
+            <a:r>
+              <a:rPr lang="en-US" altLang="ko-KR" sz="1000" dirty="0"/>
+              <a:t>Ca 1, 2</a:t>
+            </a:r>
+            <a:r>
+              <a:rPr lang="ko-KR" altLang="en-US" sz="1000" dirty="0"/>
+              <a:t>를 </a:t>
+            </a:r>
+            <a:r>
+              <a:rPr lang="en-US" altLang="ko-KR" sz="1000" dirty="0"/>
+              <a:t>Ref 1, 2, 3</a:t>
+            </a:r>
+            <a:r>
+              <a:rPr lang="ko-KR" altLang="en-US" sz="1000" dirty="0"/>
+              <a:t>과 비교하여 성능을 측정하고자 합니다</a:t>
+            </a:r>
+            <a:r>
+              <a:rPr lang="en-US" altLang="ko-KR" sz="1000" dirty="0"/>
+              <a:t>. </a:t>
+            </a:r>
+          </a:p>
+          <a:p>
+            <a:r>
+              <a:rPr lang="ko-KR" altLang="en-US" sz="1000" dirty="0"/>
+              <a:t>가장 직관적인 성능 평가 방법은 </a:t>
+            </a:r>
+            <a:r>
+              <a:rPr lang="en-US" altLang="ko-KR" sz="1000" dirty="0"/>
+              <a:t>Ref 1, 2, 3 </a:t>
+            </a:r>
+            <a:r>
+              <a:rPr lang="ko-KR" altLang="en-US" sz="1000" dirty="0"/>
+              <a:t>중 어느 한 문장이라도 등장한 단어의 개수를 </a:t>
+            </a:r>
+            <a:r>
+              <a:rPr lang="en-US" altLang="ko-KR" sz="1000" dirty="0"/>
+              <a:t>Ca</a:t>
+            </a:r>
+            <a:r>
+              <a:rPr lang="ko-KR" altLang="en-US" sz="1000" dirty="0"/>
+              <a:t>에서 세는 것입니다</a:t>
+            </a:r>
+            <a:r>
+              <a:rPr lang="en-US" altLang="ko-KR" sz="1000" dirty="0"/>
+              <a:t>. </a:t>
+            </a:r>
+            <a:r>
+              <a:rPr lang="ko-KR" altLang="en-US" sz="1000" dirty="0"/>
+              <a:t>그리고 그 후에 </a:t>
+            </a:r>
+            <a:r>
+              <a:rPr lang="en-US" altLang="ko-KR" sz="1000" dirty="0"/>
+              <a:t>Ca</a:t>
+            </a:r>
+            <a:r>
+              <a:rPr lang="ko-KR" altLang="en-US" sz="1000" dirty="0"/>
+              <a:t>의 모든 단어의 카운트의 합</a:t>
+            </a:r>
+            <a:r>
+              <a:rPr lang="en-US" altLang="ko-KR" sz="1000" dirty="0"/>
+              <a:t>. </a:t>
+            </a:r>
+            <a:r>
+              <a:rPr lang="ko-KR" altLang="en-US" sz="1000" dirty="0"/>
+              <a:t>즉</a:t>
+            </a:r>
+            <a:r>
+              <a:rPr lang="en-US" altLang="ko-KR" sz="1000" dirty="0"/>
+              <a:t>, Ca</a:t>
+            </a:r>
+            <a:r>
+              <a:rPr lang="ko-KR" altLang="en-US" sz="1000" dirty="0"/>
+              <a:t>에서의 총 단어의 </a:t>
+            </a:r>
+            <a:r>
+              <a:rPr lang="ko-KR" altLang="en-US" sz="1000" dirty="0" err="1"/>
+              <a:t>수으로</a:t>
+            </a:r>
+            <a:r>
+              <a:rPr lang="ko-KR" altLang="en-US" sz="1000" dirty="0"/>
+              <a:t> 나눠줍니다</a:t>
+            </a:r>
+            <a:r>
+              <a:rPr lang="en-US" altLang="ko-KR" sz="1000" dirty="0"/>
+              <a:t>.</a:t>
+            </a:r>
+          </a:p>
+          <a:p>
+            <a:endParaRPr lang="en-US" altLang="ko-KR" sz="1000" dirty="0"/>
+          </a:p>
+          <a:p>
+            <a:r>
+              <a:rPr lang="ko-KR" altLang="en-US" sz="1000" dirty="0"/>
+              <a:t>이러한 측정 방법을 </a:t>
+            </a:r>
+            <a:r>
+              <a:rPr lang="ko-KR" altLang="en-US" sz="1000" dirty="0" err="1"/>
+              <a:t>유니그램</a:t>
+            </a:r>
+            <a:r>
+              <a:rPr lang="ko-KR" altLang="en-US" sz="1000" dirty="0"/>
+              <a:t> 정밀도</a:t>
+            </a:r>
+            <a:r>
+              <a:rPr lang="en-US" altLang="ko-KR" sz="1000" dirty="0"/>
+              <a:t>(Unigram Precision)</a:t>
+            </a:r>
+            <a:r>
+              <a:rPr lang="ko-KR" altLang="en-US" sz="1000" dirty="0"/>
+              <a:t>라고 합니다</a:t>
+            </a:r>
+            <a:r>
+              <a:rPr lang="en-US" altLang="ko-KR" sz="1000" dirty="0"/>
+              <a:t>. </a:t>
+            </a:r>
+            <a:r>
+              <a:rPr lang="ko-KR" altLang="en-US" sz="1000" dirty="0"/>
+              <a:t>이를 식으로 표현하면 다음과 같습니다</a:t>
+            </a:r>
+            <a:r>
+              <a:rPr lang="en-US" altLang="ko-KR" sz="1000" dirty="0"/>
+              <a:t>.</a:t>
+            </a:r>
+            <a:endParaRPr lang="ko-KR" altLang="en-US" sz="1000" dirty="0"/>
+          </a:p>
+        </p:txBody>
+      </p:sp>
+      <p:pic>
+        <p:nvPicPr>
+          <p:cNvPr id="3" name="그림 2">
+            <a:extLst>
+              <a:ext uri="{FF2B5EF4-FFF2-40B4-BE49-F238E27FC236}">
+                <a16:creationId xmlns:a16="http://schemas.microsoft.com/office/drawing/2014/main" id="{EBB83A39-D028-4F8D-BB00-0D345585B884}"/>
+              </a:ext>
+            </a:extLst>
+          </p:cNvPr>
+          <p:cNvPicPr>
+            <a:picLocks noChangeAspect="1"/>
+          </p:cNvPicPr>
+          <p:nvPr/>
+        </p:nvPicPr>
+        <p:blipFill>
+          <a:blip r:embed="rId3"/>
+          <a:stretch>
+            <a:fillRect/>
+          </a:stretch>
+        </p:blipFill>
+        <p:spPr>
+          <a:xfrm>
+            <a:off x="835911" y="2951018"/>
+            <a:ext cx="10411601" cy="837988"/>
+          </a:xfrm>
+          <a:prstGeom prst="rect">
+            <a:avLst/>
+          </a:prstGeom>
+        </p:spPr>
+      </p:pic>
+      <p:pic>
+        <p:nvPicPr>
+          <p:cNvPr id="5" name="그림 4">
+            <a:extLst>
+              <a:ext uri="{FF2B5EF4-FFF2-40B4-BE49-F238E27FC236}">
+                <a16:creationId xmlns:a16="http://schemas.microsoft.com/office/drawing/2014/main" id="{8E54B8C3-60DF-436F-A3BA-879A4A95224D}"/>
+              </a:ext>
+            </a:extLst>
+          </p:cNvPr>
+          <p:cNvPicPr>
+            <a:picLocks noChangeAspect="1"/>
+          </p:cNvPicPr>
+          <p:nvPr/>
+        </p:nvPicPr>
+        <p:blipFill rotWithShape="1">
+          <a:blip r:embed="rId4"/>
+          <a:srcRect t="7672"/>
+          <a:stretch/>
+        </p:blipFill>
+        <p:spPr>
+          <a:xfrm>
+            <a:off x="351894" y="3772870"/>
+            <a:ext cx="10083254" cy="1169552"/>
+          </a:xfrm>
+          <a:prstGeom prst="rect">
+            <a:avLst/>
+          </a:prstGeom>
+        </p:spPr>
+      </p:pic>
+      <p:pic>
+        <p:nvPicPr>
+          <p:cNvPr id="10" name="그림 9">
+            <a:extLst>
+              <a:ext uri="{FF2B5EF4-FFF2-40B4-BE49-F238E27FC236}">
+                <a16:creationId xmlns:a16="http://schemas.microsoft.com/office/drawing/2014/main" id="{DAA903C9-12B2-4210-AD7E-DEB3225C103E}"/>
+              </a:ext>
+            </a:extLst>
+          </p:cNvPr>
+          <p:cNvPicPr>
+            <a:picLocks noChangeAspect="1"/>
+          </p:cNvPicPr>
+          <p:nvPr/>
+        </p:nvPicPr>
+        <p:blipFill>
+          <a:blip r:embed="rId5"/>
+          <a:stretch>
+            <a:fillRect/>
+          </a:stretch>
+        </p:blipFill>
+        <p:spPr>
+          <a:xfrm>
+            <a:off x="351894" y="4942422"/>
+            <a:ext cx="5210175" cy="971550"/>
+          </a:xfrm>
+          <a:prstGeom prst="rect">
+            <a:avLst/>
+          </a:prstGeom>
+        </p:spPr>
+      </p:pic>
+      <p:pic>
+        <p:nvPicPr>
+          <p:cNvPr id="12" name="그림 11">
+            <a:extLst>
+              <a:ext uri="{FF2B5EF4-FFF2-40B4-BE49-F238E27FC236}">
+                <a16:creationId xmlns:a16="http://schemas.microsoft.com/office/drawing/2014/main" id="{595E1088-5A4C-404A-A2F0-BC897C71BD68}"/>
+              </a:ext>
+            </a:extLst>
+          </p:cNvPr>
+          <p:cNvPicPr>
+            <a:picLocks noChangeAspect="1"/>
+          </p:cNvPicPr>
+          <p:nvPr/>
+        </p:nvPicPr>
+        <p:blipFill>
+          <a:blip r:embed="rId6"/>
+          <a:stretch>
+            <a:fillRect/>
+          </a:stretch>
+        </p:blipFill>
+        <p:spPr>
+          <a:xfrm>
+            <a:off x="4674037" y="5096426"/>
+            <a:ext cx="4599471" cy="587167"/>
+          </a:xfrm>
+          <a:prstGeom prst="rect">
+            <a:avLst/>
+          </a:prstGeom>
+        </p:spPr>
+      </p:pic>
+      <p:sp>
+        <p:nvSpPr>
+          <p:cNvPr id="18" name="TextBox 17">
+            <a:extLst>
+              <a:ext uri="{FF2B5EF4-FFF2-40B4-BE49-F238E27FC236}">
+                <a16:creationId xmlns:a16="http://schemas.microsoft.com/office/drawing/2014/main" id="{6F9E651C-DE17-4B8E-95D9-A08AA466244A}"/>
+              </a:ext>
+            </a:extLst>
+          </p:cNvPr>
+          <p:cNvSpPr txBox="1"/>
+          <p:nvPr/>
+        </p:nvSpPr>
+        <p:spPr>
+          <a:xfrm>
+            <a:off x="5039011" y="5913972"/>
+            <a:ext cx="3853823" cy="230832"/>
+          </a:xfrm>
+          <a:prstGeom prst="rect">
+            <a:avLst/>
+          </a:prstGeom>
+          <a:noFill/>
+        </p:spPr>
+        <p:txBody>
+          <a:bodyPr wrap="square" rtlCol="0">
+            <a:spAutoFit/>
+          </a:bodyPr>
+          <a:lstStyle/>
+          <a:p>
+            <a:r>
+              <a:rPr lang="ko-KR" altLang="en-US" sz="900" dirty="0"/>
+              <a:t>여기서는 나머지 </a:t>
+            </a:r>
+            <a:r>
+              <a:rPr lang="en-US" altLang="ko-KR" sz="900" dirty="0"/>
+              <a:t>gram</a:t>
+            </a:r>
+            <a:r>
+              <a:rPr lang="ko-KR" altLang="en-US" sz="900" dirty="0"/>
+              <a:t>의 </a:t>
+            </a:r>
+            <a:r>
+              <a:rPr lang="en-US" altLang="ko-KR" sz="900" dirty="0"/>
+              <a:t>weight</a:t>
+            </a:r>
+            <a:r>
+              <a:rPr lang="ko-KR" altLang="en-US" sz="900" dirty="0"/>
+              <a:t>는 </a:t>
+            </a:r>
+            <a:r>
+              <a:rPr lang="en-US" altLang="ko-KR" sz="900" dirty="0"/>
+              <a:t>0</a:t>
+            </a:r>
+            <a:r>
+              <a:rPr lang="ko-KR" altLang="en-US" sz="900" dirty="0"/>
+              <a:t>이어서 </a:t>
+            </a:r>
+            <a:r>
+              <a:rPr lang="en-US" altLang="ko-KR" sz="900" dirty="0"/>
+              <a:t>sigma</a:t>
+            </a:r>
+            <a:r>
+              <a:rPr lang="ko-KR" altLang="en-US" sz="900" dirty="0"/>
+              <a:t>계산 없는 것과 같음</a:t>
+            </a:r>
+            <a:r>
+              <a:rPr lang="en-US" altLang="ko-KR" sz="900" dirty="0"/>
+              <a:t>.</a:t>
+            </a:r>
+            <a:endParaRPr lang="ko-KR" altLang="en-US" sz="900" dirty="0"/>
+          </a:p>
+        </p:txBody>
+      </p:sp>
+      <p:pic>
+        <p:nvPicPr>
+          <p:cNvPr id="21" name="그림 20">
+            <a:extLst>
+              <a:ext uri="{FF2B5EF4-FFF2-40B4-BE49-F238E27FC236}">
+                <a16:creationId xmlns:a16="http://schemas.microsoft.com/office/drawing/2014/main" id="{32B52321-410A-415E-9374-DBFEFB3F1CC5}"/>
+              </a:ext>
+            </a:extLst>
+          </p:cNvPr>
+          <p:cNvPicPr>
+            <a:picLocks noChangeAspect="1"/>
+          </p:cNvPicPr>
+          <p:nvPr/>
+        </p:nvPicPr>
+        <p:blipFill>
+          <a:blip r:embed="rId7"/>
+          <a:stretch>
+            <a:fillRect/>
+          </a:stretch>
+        </p:blipFill>
+        <p:spPr>
+          <a:xfrm>
+            <a:off x="351894" y="944028"/>
+            <a:ext cx="8127299" cy="1874060"/>
+          </a:xfrm>
+          <a:prstGeom prst="rect">
+            <a:avLst/>
+          </a:prstGeom>
+        </p:spPr>
+      </p:pic>
+    </p:spTree>
+    <p:extLst>
+      <p:ext uri="{BB962C8B-B14F-4D97-AF65-F5344CB8AC3E}">
+        <p14:creationId xmlns:p14="http://schemas.microsoft.com/office/powerpoint/2010/main" val="1821325350"/>
+      </p:ext>
+    </p:extLst>
+  </p:cSld>
+  <p:clrMapOvr>
+    <a:masterClrMapping/>
+  </p:clrMapOvr>
+</p:sld>
+</file>
+
+<file path=ppt/slides/slide9.xml><?xml version="1.0" encoding="utf-8"?>
+<p:sld xmlns:a="http://schemas.openxmlformats.org/drawingml/2006/main" xmlns:r="http://schemas.openxmlformats.org/officeDocument/2006/relationships" xmlns:p="http://schemas.openxmlformats.org/presentationml/2006/main">
+  <p:cSld>
+    <p:spTree>
+      <p:nvGrpSpPr>
+        <p:cNvPr id="1" name=""/>
+        <p:cNvGrpSpPr/>
+        <p:nvPr/>
+      </p:nvGrpSpPr>
+      <p:grpSpPr>
+        <a:xfrm>
+          <a:off x="0" y="0"/>
+          <a:ext cx="0" cy="0"/>
+          <a:chOff x="0" y="0"/>
+          <a:chExt cx="0" cy="0"/>
+        </a:xfrm>
+      </p:grpSpPr>
+      <p:sp>
+        <p:nvSpPr>
+          <p:cNvPr id="8" name="직사각형 7">
+            <a:extLst>
+              <a:ext uri="{FF2B5EF4-FFF2-40B4-BE49-F238E27FC236}">
+                <a16:creationId xmlns:a16="http://schemas.microsoft.com/office/drawing/2014/main" id="{212AE0A1-5F92-478A-A843-443E581BDF91}"/>
+              </a:ext>
+            </a:extLst>
+          </p:cNvPr>
+          <p:cNvSpPr/>
+          <p:nvPr/>
+        </p:nvSpPr>
+        <p:spPr>
+          <a:xfrm>
+            <a:off x="0" y="-1"/>
+            <a:ext cx="12192000" cy="825731"/>
+          </a:xfrm>
+          <a:prstGeom prst="rect">
+            <a:avLst/>
+          </a:prstGeom>
+          <a:solidFill>
+            <a:schemeClr val="accent6">
+              <a:lumMod val="40000"/>
+              <a:lumOff val="60000"/>
+            </a:schemeClr>
+          </a:solidFill>
+          <a:ln>
+            <a:solidFill>
+              <a:schemeClr val="accent6">
+                <a:lumMod val="40000"/>
+                <a:lumOff val="60000"/>
+              </a:schemeClr>
+            </a:solidFill>
+          </a:ln>
+        </p:spPr>
+        <p:style>
+          <a:lnRef idx="2">
+            <a:schemeClr val="accent1">
+              <a:shade val="50000"/>
+            </a:schemeClr>
+          </a:lnRef>
+          <a:fillRef idx="1">
+            <a:schemeClr val="accent1"/>
+          </a:fillRef>
+          <a:effectRef idx="0">
+            <a:schemeClr val="accent1"/>
+          </a:effectRef>
+          <a:fontRef idx="minor">
+            <a:schemeClr val="lt1"/>
+          </a:fontRef>
+        </p:style>
+        <p:txBody>
+          <a:bodyPr rtlCol="0" anchor="ctr"/>
+          <a:lstStyle/>
+          <a:p>
+            <a:pPr algn="ctr"/>
+            <a:endParaRPr lang="ko-KR" altLang="en-US"/>
+          </a:p>
+        </p:txBody>
+      </p:sp>
+      <p:sp>
+        <p:nvSpPr>
+          <p:cNvPr id="9" name="TextBox 8">
+            <a:extLst>
+              <a:ext uri="{FF2B5EF4-FFF2-40B4-BE49-F238E27FC236}">
+                <a16:creationId xmlns:a16="http://schemas.microsoft.com/office/drawing/2014/main" id="{19B6216F-12C7-418D-A944-6484C1992BBE}"/>
+              </a:ext>
+            </a:extLst>
+          </p:cNvPr>
+          <p:cNvSpPr txBox="1"/>
+          <p:nvPr/>
+        </p:nvSpPr>
+        <p:spPr>
+          <a:xfrm>
+            <a:off x="231339" y="182031"/>
+            <a:ext cx="11782163" cy="461665"/>
+          </a:xfrm>
+          <a:prstGeom prst="rect">
+            <a:avLst/>
+          </a:prstGeom>
+          <a:noFill/>
+        </p:spPr>
+        <p:txBody>
+          <a:bodyPr wrap="square" rtlCol="0">
+            <a:spAutoFit/>
+          </a:bodyPr>
+          <a:lstStyle/>
+          <a:p>
+            <a:r>
+              <a:rPr lang="en-US" altLang="ko-KR" sz="2400" dirty="0"/>
+              <a:t>Metrics - BLEU </a:t>
+            </a:r>
+            <a:endParaRPr lang="ko-KR" altLang="en-US" sz="2400" dirty="0"/>
+          </a:p>
+        </p:txBody>
+      </p:sp>
+      <p:sp>
+        <p:nvSpPr>
+          <p:cNvPr id="2" name="직사각형 1">
+            <a:extLst>
+              <a:ext uri="{FF2B5EF4-FFF2-40B4-BE49-F238E27FC236}">
+                <a16:creationId xmlns:a16="http://schemas.microsoft.com/office/drawing/2014/main" id="{482D2D8A-AA2B-4A0B-AFC2-76ACABE1F978}"/>
+              </a:ext>
+            </a:extLst>
+          </p:cNvPr>
+          <p:cNvSpPr/>
+          <p:nvPr/>
+        </p:nvSpPr>
+        <p:spPr>
+          <a:xfrm>
+            <a:off x="583437" y="3107478"/>
+            <a:ext cx="9200251" cy="861774"/>
+          </a:xfrm>
+          <a:prstGeom prst="rect">
+            <a:avLst/>
+          </a:prstGeom>
+        </p:spPr>
+        <p:txBody>
+          <a:bodyPr wrap="square">
+            <a:spAutoFit/>
+          </a:bodyPr>
+          <a:lstStyle/>
+          <a:p>
+            <a:r>
+              <a:rPr lang="en-US" altLang="ko-KR" sz="1000" dirty="0"/>
+              <a:t>Ca 1, 2</a:t>
+            </a:r>
+            <a:r>
+              <a:rPr lang="ko-KR" altLang="en-US" sz="1000" dirty="0"/>
+              <a:t>를 </a:t>
+            </a:r>
+            <a:r>
+              <a:rPr lang="en-US" altLang="ko-KR" sz="1000" dirty="0"/>
+              <a:t>Ref 1, 2, 3</a:t>
+            </a:r>
+            <a:r>
+              <a:rPr lang="ko-KR" altLang="en-US" sz="1000" dirty="0"/>
+              <a:t>과 비교하여 성능을 측정하고자 합니다</a:t>
+            </a:r>
+            <a:r>
+              <a:rPr lang="en-US" altLang="ko-KR" sz="1000" dirty="0"/>
+              <a:t>. </a:t>
+            </a:r>
+          </a:p>
+          <a:p>
+            <a:r>
+              <a:rPr lang="ko-KR" altLang="en-US" sz="1000" dirty="0"/>
+              <a:t>가장 직관적인 성능 평가 방법은 </a:t>
+            </a:r>
+            <a:r>
+              <a:rPr lang="en-US" altLang="ko-KR" sz="1000" dirty="0"/>
+              <a:t>Ref 1, 2, 3 </a:t>
+            </a:r>
+            <a:r>
+              <a:rPr lang="ko-KR" altLang="en-US" sz="1000" dirty="0"/>
+              <a:t>중 어느 한 문장이라도 등장한 단어의 개수를 </a:t>
+            </a:r>
+            <a:r>
+              <a:rPr lang="en-US" altLang="ko-KR" sz="1000" dirty="0"/>
+              <a:t>Ca</a:t>
+            </a:r>
+            <a:r>
+              <a:rPr lang="ko-KR" altLang="en-US" sz="1000" dirty="0"/>
+              <a:t>에서 세는 것입니다</a:t>
+            </a:r>
+            <a:r>
+              <a:rPr lang="en-US" altLang="ko-KR" sz="1000" dirty="0"/>
+              <a:t>. </a:t>
+            </a:r>
+            <a:r>
+              <a:rPr lang="ko-KR" altLang="en-US" sz="1000" dirty="0"/>
+              <a:t>그리고 그 후에 </a:t>
+            </a:r>
+            <a:r>
+              <a:rPr lang="en-US" altLang="ko-KR" sz="1000" dirty="0"/>
+              <a:t>Ca</a:t>
+            </a:r>
+            <a:r>
+              <a:rPr lang="ko-KR" altLang="en-US" sz="1000" dirty="0"/>
+              <a:t>의 모든 단어의 카운트의 합</a:t>
+            </a:r>
+            <a:r>
+              <a:rPr lang="en-US" altLang="ko-KR" sz="1000" dirty="0"/>
+              <a:t>. </a:t>
+            </a:r>
+            <a:r>
+              <a:rPr lang="ko-KR" altLang="en-US" sz="1000" dirty="0"/>
+              <a:t>즉</a:t>
+            </a:r>
+            <a:r>
+              <a:rPr lang="en-US" altLang="ko-KR" sz="1000" dirty="0"/>
+              <a:t>, Ca</a:t>
+            </a:r>
+            <a:r>
+              <a:rPr lang="ko-KR" altLang="en-US" sz="1000" dirty="0"/>
+              <a:t>에서의 총 단어의 </a:t>
+            </a:r>
+            <a:r>
+              <a:rPr lang="ko-KR" altLang="en-US" sz="1000" dirty="0" err="1"/>
+              <a:t>수으로</a:t>
+            </a:r>
+            <a:r>
+              <a:rPr lang="ko-KR" altLang="en-US" sz="1000" dirty="0"/>
+              <a:t> 나눠줍니다</a:t>
+            </a:r>
+            <a:r>
+              <a:rPr lang="en-US" altLang="ko-KR" sz="1000" dirty="0"/>
+              <a:t>.</a:t>
+            </a:r>
+          </a:p>
+          <a:p>
+            <a:endParaRPr lang="en-US" altLang="ko-KR" sz="1000" dirty="0"/>
+          </a:p>
+          <a:p>
+            <a:r>
+              <a:rPr lang="ko-KR" altLang="en-US" sz="1000" dirty="0"/>
+              <a:t>이러한 측정 방법을 </a:t>
+            </a:r>
+            <a:r>
+              <a:rPr lang="ko-KR" altLang="en-US" sz="1000" dirty="0" err="1"/>
+              <a:t>유니그램</a:t>
+            </a:r>
+            <a:r>
+              <a:rPr lang="ko-KR" altLang="en-US" sz="1000" dirty="0"/>
+              <a:t> 정밀도</a:t>
+            </a:r>
+            <a:r>
+              <a:rPr lang="en-US" altLang="ko-KR" sz="1000" dirty="0"/>
+              <a:t>(Unigram Precision)</a:t>
+            </a:r>
+            <a:r>
+              <a:rPr lang="ko-KR" altLang="en-US" sz="1000" dirty="0"/>
+              <a:t>라고 합니다</a:t>
+            </a:r>
+            <a:r>
+              <a:rPr lang="en-US" altLang="ko-KR" sz="1000" dirty="0"/>
+              <a:t>. </a:t>
+            </a:r>
+            <a:r>
+              <a:rPr lang="ko-KR" altLang="en-US" sz="1000" dirty="0"/>
+              <a:t>이를 식으로 표현하면 다음과 같습니다</a:t>
+            </a:r>
+            <a:r>
+              <a:rPr lang="en-US" altLang="ko-KR" sz="1000" dirty="0"/>
+              <a:t>.</a:t>
+            </a:r>
+            <a:endParaRPr lang="ko-KR" altLang="en-US" sz="1000" dirty="0"/>
+          </a:p>
+        </p:txBody>
+      </p:sp>
+      <p:pic>
+        <p:nvPicPr>
+          <p:cNvPr id="3" name="그림 2">
+            <a:extLst>
+              <a:ext uri="{FF2B5EF4-FFF2-40B4-BE49-F238E27FC236}">
+                <a16:creationId xmlns:a16="http://schemas.microsoft.com/office/drawing/2014/main" id="{EBB83A39-D028-4F8D-BB00-0D345585B884}"/>
+              </a:ext>
+            </a:extLst>
+          </p:cNvPr>
+          <p:cNvPicPr>
+            <a:picLocks noChangeAspect="1"/>
+          </p:cNvPicPr>
+          <p:nvPr/>
+        </p:nvPicPr>
+        <p:blipFill>
+          <a:blip r:embed="rId3"/>
+          <a:stretch>
+            <a:fillRect/>
+          </a:stretch>
+        </p:blipFill>
+        <p:spPr>
+          <a:xfrm>
+            <a:off x="992889" y="6020012"/>
+            <a:ext cx="10411601" cy="837988"/>
+          </a:xfrm>
+          <a:prstGeom prst="rect">
+            <a:avLst/>
+          </a:prstGeom>
+        </p:spPr>
+      </p:pic>
+      <p:pic>
+        <p:nvPicPr>
+          <p:cNvPr id="21" name="그림 20">
+            <a:extLst>
+              <a:ext uri="{FF2B5EF4-FFF2-40B4-BE49-F238E27FC236}">
+                <a16:creationId xmlns:a16="http://schemas.microsoft.com/office/drawing/2014/main" id="{32B52321-410A-415E-9374-DBFEFB3F1CC5}"/>
+              </a:ext>
+            </a:extLst>
+          </p:cNvPr>
+          <p:cNvPicPr>
+            <a:picLocks noChangeAspect="1"/>
+          </p:cNvPicPr>
+          <p:nvPr/>
+        </p:nvPicPr>
+        <p:blipFill>
+          <a:blip r:embed="rId4"/>
+          <a:stretch>
+            <a:fillRect/>
+          </a:stretch>
+        </p:blipFill>
+        <p:spPr>
+          <a:xfrm>
+            <a:off x="351894" y="944028"/>
+            <a:ext cx="8127299" cy="1874060"/>
+          </a:xfrm>
+          <a:prstGeom prst="rect">
+            <a:avLst/>
+          </a:prstGeom>
+        </p:spPr>
+      </p:pic>
+    </p:spTree>
+    <p:extLst>
+      <p:ext uri="{BB962C8B-B14F-4D97-AF65-F5344CB8AC3E}">
+        <p14:creationId xmlns:p14="http://schemas.microsoft.com/office/powerpoint/2010/main" val="741665249"/>
       </p:ext>
     </p:extLst>
   </p:cSld>

--- a/6주차.pptx
+++ b/6주차.pptx
@@ -5,20 +5,25 @@
     <p:sldMasterId id="2147483648" r:id="rId1"/>
   </p:sldMasterIdLst>
   <p:notesMasterIdLst>
-    <p:notesMasterId r:id="rId13"/>
+    <p:notesMasterId r:id="rId18"/>
   </p:notesMasterIdLst>
   <p:sldIdLst>
     <p:sldId id="262" r:id="rId2"/>
-    <p:sldId id="311" r:id="rId3"/>
-    <p:sldId id="312" r:id="rId4"/>
-    <p:sldId id="313" r:id="rId5"/>
-    <p:sldId id="314" r:id="rId6"/>
-    <p:sldId id="316" r:id="rId7"/>
-    <p:sldId id="315" r:id="rId8"/>
-    <p:sldId id="319" r:id="rId9"/>
-    <p:sldId id="320" r:id="rId10"/>
-    <p:sldId id="317" r:id="rId11"/>
-    <p:sldId id="318" r:id="rId12"/>
+    <p:sldId id="323" r:id="rId3"/>
+    <p:sldId id="322" r:id="rId4"/>
+    <p:sldId id="312" r:id="rId5"/>
+    <p:sldId id="311" r:id="rId6"/>
+    <p:sldId id="313" r:id="rId7"/>
+    <p:sldId id="316" r:id="rId8"/>
+    <p:sldId id="314" r:id="rId9"/>
+    <p:sldId id="315" r:id="rId10"/>
+    <p:sldId id="319" r:id="rId11"/>
+    <p:sldId id="320" r:id="rId12"/>
+    <p:sldId id="317" r:id="rId13"/>
+    <p:sldId id="318" r:id="rId14"/>
+    <p:sldId id="321" r:id="rId15"/>
+    <p:sldId id="325" r:id="rId16"/>
+    <p:sldId id="324" r:id="rId17"/>
   </p:sldIdLst>
   <p:sldSz cx="12192000" cy="6858000"/>
   <p:notesSz cx="6858000" cy="9144000"/>
@@ -210,7 +215,7 @@
           <a:p>
             <a:fld id="{8403E68E-9B88-4DB5-BADA-D5AB9607083E}" type="datetimeFigureOut">
               <a:rPr lang="ko-KR" altLang="en-US" smtClean="0"/>
-              <a:t>2021-08-10</a:t>
+              <a:t>2021-08-12</a:t>
             </a:fld>
             <a:endParaRPr lang="ko-KR" altLang="en-US"/>
           </a:p>
@@ -562,7 +567,7 @@
     </p:spTree>
     <p:extLst>
       <p:ext uri="{BB962C8B-B14F-4D97-AF65-F5344CB8AC3E}">
-        <p14:creationId xmlns:p14="http://schemas.microsoft.com/office/powerpoint/2010/main" val="2777335143"/>
+        <p14:creationId xmlns:p14="http://schemas.microsoft.com/office/powerpoint/2010/main" val="749852922"/>
       </p:ext>
     </p:extLst>
   </p:cSld>
@@ -644,7 +649,7 @@
           <a:p>
             <a:fld id="{5FAAA766-79CA-47E4-9E45-0D897C7C3898}" type="slidenum">
               <a:rPr lang="ko-KR" altLang="en-US" smtClean="0"/>
-              <a:t>8</a:t>
+              <a:t>3</a:t>
             </a:fld>
             <a:endParaRPr lang="ko-KR" altLang="en-US"/>
           </a:p>
@@ -653,7 +658,7 @@
     </p:spTree>
     <p:extLst>
       <p:ext uri="{BB962C8B-B14F-4D97-AF65-F5344CB8AC3E}">
-        <p14:creationId xmlns:p14="http://schemas.microsoft.com/office/powerpoint/2010/main" val="1391339344"/>
+        <p14:creationId xmlns:p14="http://schemas.microsoft.com/office/powerpoint/2010/main" val="409052494"/>
       </p:ext>
     </p:extLst>
   </p:cSld>
@@ -709,12 +714,16 @@
           <a:p>
             <a:r>
               <a:rPr lang="en-US" altLang="ko-KR" dirty="0"/>
-              <a:t>https://wikidocs.net/31695 -&gt; blue </a:t>
+              <a:t>https://mobicon.tistory.com/537 -&gt; </a:t>
             </a:r>
             <a:r>
               <a:rPr lang="ko-KR" altLang="en-US" dirty="0"/>
-              <a:t>설명</a:t>
-            </a:r>
+              <a:t>사진 참조</a:t>
+            </a:r>
+            <a:endParaRPr lang="en-US" altLang="ko-KR" dirty="0"/>
+          </a:p>
+          <a:p>
+            <a:endParaRPr lang="ko-KR" altLang="en-US" dirty="0"/>
           </a:p>
         </p:txBody>
       </p:sp>
@@ -735,7 +744,189 @@
           <a:p>
             <a:fld id="{5FAAA766-79CA-47E4-9E45-0D897C7C3898}" type="slidenum">
               <a:rPr lang="ko-KR" altLang="en-US" smtClean="0"/>
-              <a:t>9</a:t>
+              <a:t>5</a:t>
+            </a:fld>
+            <a:endParaRPr lang="ko-KR" altLang="en-US"/>
+          </a:p>
+        </p:txBody>
+      </p:sp>
+    </p:spTree>
+    <p:extLst>
+      <p:ext uri="{BB962C8B-B14F-4D97-AF65-F5344CB8AC3E}">
+        <p14:creationId xmlns:p14="http://schemas.microsoft.com/office/powerpoint/2010/main" val="2777335143"/>
+      </p:ext>
+    </p:extLst>
+  </p:cSld>
+  <p:clrMapOvr>
+    <a:masterClrMapping/>
+  </p:clrMapOvr>
+</p:notes>
+</file>
+
+<file path=ppt/notesSlides/notesSlide4.xml><?xml version="1.0" encoding="utf-8"?>
+<p:notes xmlns:a="http://schemas.openxmlformats.org/drawingml/2006/main" xmlns:r="http://schemas.openxmlformats.org/officeDocument/2006/relationships" xmlns:p="http://schemas.openxmlformats.org/presentationml/2006/main">
+  <p:cSld>
+    <p:spTree>
+      <p:nvGrpSpPr>
+        <p:cNvPr id="1" name=""/>
+        <p:cNvGrpSpPr/>
+        <p:nvPr/>
+      </p:nvGrpSpPr>
+      <p:grpSpPr>
+        <a:xfrm>
+          <a:off x="0" y="0"/>
+          <a:ext cx="0" cy="0"/>
+          <a:chOff x="0" y="0"/>
+          <a:chExt cx="0" cy="0"/>
+        </a:xfrm>
+      </p:grpSpPr>
+      <p:sp>
+        <p:nvSpPr>
+          <p:cNvPr id="2" name="슬라이드 이미지 개체 틀 1"/>
+          <p:cNvSpPr>
+            <a:spLocks noGrp="1" noRot="1" noChangeAspect="1"/>
+          </p:cNvSpPr>
+          <p:nvPr>
+            <p:ph type="sldImg"/>
+          </p:nvPr>
+        </p:nvSpPr>
+        <p:spPr/>
+      </p:sp>
+      <p:sp>
+        <p:nvSpPr>
+          <p:cNvPr id="3" name="슬라이드 노트 개체 틀 2"/>
+          <p:cNvSpPr>
+            <a:spLocks noGrp="1"/>
+          </p:cNvSpPr>
+          <p:nvPr>
+            <p:ph type="body" idx="1"/>
+          </p:nvPr>
+        </p:nvSpPr>
+        <p:spPr/>
+        <p:txBody>
+          <a:bodyPr/>
+          <a:lstStyle/>
+          <a:p>
+            <a:r>
+              <a:rPr lang="en-US" altLang="ko-KR" dirty="0"/>
+              <a:t>https://wikidocs.net/31695 -&gt; blue </a:t>
+            </a:r>
+            <a:r>
+              <a:rPr lang="ko-KR" altLang="en-US" dirty="0"/>
+              <a:t>설명</a:t>
+            </a:r>
+          </a:p>
+        </p:txBody>
+      </p:sp>
+      <p:sp>
+        <p:nvSpPr>
+          <p:cNvPr id="4" name="슬라이드 번호 개체 틀 3"/>
+          <p:cNvSpPr>
+            <a:spLocks noGrp="1"/>
+          </p:cNvSpPr>
+          <p:nvPr>
+            <p:ph type="sldNum" sz="quarter" idx="5"/>
+          </p:nvPr>
+        </p:nvSpPr>
+        <p:spPr/>
+        <p:txBody>
+          <a:bodyPr/>
+          <a:lstStyle/>
+          <a:p>
+            <a:fld id="{5FAAA766-79CA-47E4-9E45-0D897C7C3898}" type="slidenum">
+              <a:rPr lang="ko-KR" altLang="en-US" smtClean="0"/>
+              <a:t>10</a:t>
+            </a:fld>
+            <a:endParaRPr lang="ko-KR" altLang="en-US"/>
+          </a:p>
+        </p:txBody>
+      </p:sp>
+    </p:spTree>
+    <p:extLst>
+      <p:ext uri="{BB962C8B-B14F-4D97-AF65-F5344CB8AC3E}">
+        <p14:creationId xmlns:p14="http://schemas.microsoft.com/office/powerpoint/2010/main" val="1391339344"/>
+      </p:ext>
+    </p:extLst>
+  </p:cSld>
+  <p:clrMapOvr>
+    <a:masterClrMapping/>
+  </p:clrMapOvr>
+</p:notes>
+</file>
+
+<file path=ppt/notesSlides/notesSlide5.xml><?xml version="1.0" encoding="utf-8"?>
+<p:notes xmlns:a="http://schemas.openxmlformats.org/drawingml/2006/main" xmlns:r="http://schemas.openxmlformats.org/officeDocument/2006/relationships" xmlns:p="http://schemas.openxmlformats.org/presentationml/2006/main">
+  <p:cSld>
+    <p:spTree>
+      <p:nvGrpSpPr>
+        <p:cNvPr id="1" name=""/>
+        <p:cNvGrpSpPr/>
+        <p:nvPr/>
+      </p:nvGrpSpPr>
+      <p:grpSpPr>
+        <a:xfrm>
+          <a:off x="0" y="0"/>
+          <a:ext cx="0" cy="0"/>
+          <a:chOff x="0" y="0"/>
+          <a:chExt cx="0" cy="0"/>
+        </a:xfrm>
+      </p:grpSpPr>
+      <p:sp>
+        <p:nvSpPr>
+          <p:cNvPr id="2" name="슬라이드 이미지 개체 틀 1"/>
+          <p:cNvSpPr>
+            <a:spLocks noGrp="1" noRot="1" noChangeAspect="1"/>
+          </p:cNvSpPr>
+          <p:nvPr>
+            <p:ph type="sldImg"/>
+          </p:nvPr>
+        </p:nvSpPr>
+        <p:spPr/>
+      </p:sp>
+      <p:sp>
+        <p:nvSpPr>
+          <p:cNvPr id="3" name="슬라이드 노트 개체 틀 2"/>
+          <p:cNvSpPr>
+            <a:spLocks noGrp="1"/>
+          </p:cNvSpPr>
+          <p:nvPr>
+            <p:ph type="body" idx="1"/>
+          </p:nvPr>
+        </p:nvSpPr>
+        <p:spPr/>
+        <p:txBody>
+          <a:bodyPr/>
+          <a:lstStyle/>
+          <a:p>
+            <a:r>
+              <a:rPr lang="en-US" altLang="ko-KR" dirty="0"/>
+              <a:t>https://wikidocs.net/31695 -&gt; blue </a:t>
+            </a:r>
+            <a:r>
+              <a:rPr lang="ko-KR" altLang="en-US" dirty="0"/>
+              <a:t>설명</a:t>
+            </a:r>
+          </a:p>
+        </p:txBody>
+      </p:sp>
+      <p:sp>
+        <p:nvSpPr>
+          <p:cNvPr id="4" name="슬라이드 번호 개체 틀 3"/>
+          <p:cNvSpPr>
+            <a:spLocks noGrp="1"/>
+          </p:cNvSpPr>
+          <p:nvPr>
+            <p:ph type="sldNum" sz="quarter" idx="5"/>
+          </p:nvPr>
+        </p:nvSpPr>
+        <p:spPr/>
+        <p:txBody>
+          <a:bodyPr/>
+          <a:lstStyle/>
+          <a:p>
+            <a:fld id="{5FAAA766-79CA-47E4-9E45-0D897C7C3898}" type="slidenum">
+              <a:rPr lang="ko-KR" altLang="en-US" smtClean="0"/>
+              <a:t>11</a:t>
             </a:fld>
             <a:endParaRPr lang="ko-KR" altLang="en-US"/>
           </a:p>
@@ -901,7 +1092,7 @@
           <a:p>
             <a:fld id="{81824485-37D6-4A4E-B3C2-55E690D391A0}" type="datetime1">
               <a:rPr lang="ko-KR" altLang="en-US" smtClean="0"/>
-              <a:t>2021-08-10</a:t>
+              <a:t>2021-08-12</a:t>
             </a:fld>
             <a:endParaRPr lang="ko-KR" altLang="en-US"/>
           </a:p>
@@ -1099,7 +1290,7 @@
           <a:p>
             <a:fld id="{3DF715B5-1D12-4CA6-88BA-3982FCF342B2}" type="datetime1">
               <a:rPr lang="ko-KR" altLang="en-US" smtClean="0"/>
-              <a:t>2021-08-10</a:t>
+              <a:t>2021-08-12</a:t>
             </a:fld>
             <a:endParaRPr lang="ko-KR" altLang="en-US"/>
           </a:p>
@@ -1307,7 +1498,7 @@
           <a:p>
             <a:fld id="{13D876F9-D66F-4450-8B0D-7B53B1CAD061}" type="datetime1">
               <a:rPr lang="ko-KR" altLang="en-US" smtClean="0"/>
-              <a:t>2021-08-10</a:t>
+              <a:t>2021-08-12</a:t>
             </a:fld>
             <a:endParaRPr lang="ko-KR" altLang="en-US"/>
           </a:p>
@@ -1505,7 +1696,7 @@
           <a:p>
             <a:fld id="{4DF80924-3D40-475B-A14E-A89456D8CB0D}" type="datetime1">
               <a:rPr lang="ko-KR" altLang="en-US" smtClean="0"/>
-              <a:t>2021-08-10</a:t>
+              <a:t>2021-08-12</a:t>
             </a:fld>
             <a:endParaRPr lang="ko-KR" altLang="en-US"/>
           </a:p>
@@ -1780,7 +1971,7 @@
           <a:p>
             <a:fld id="{27271DA4-6E68-43A7-BA9A-44AAD2A570A2}" type="datetime1">
               <a:rPr lang="ko-KR" altLang="en-US" smtClean="0"/>
-              <a:t>2021-08-10</a:t>
+              <a:t>2021-08-12</a:t>
             </a:fld>
             <a:endParaRPr lang="ko-KR" altLang="en-US"/>
           </a:p>
@@ -2045,7 +2236,7 @@
           <a:p>
             <a:fld id="{FB8660EF-7488-4688-B47B-499D7661BB9A}" type="datetime1">
               <a:rPr lang="ko-KR" altLang="en-US" smtClean="0"/>
-              <a:t>2021-08-10</a:t>
+              <a:t>2021-08-12</a:t>
             </a:fld>
             <a:endParaRPr lang="ko-KR" altLang="en-US"/>
           </a:p>
@@ -2457,7 +2648,7 @@
           <a:p>
             <a:fld id="{B2A0DCBC-07E3-4F51-A8B0-7DDB83A3B59C}" type="datetime1">
               <a:rPr lang="ko-KR" altLang="en-US" smtClean="0"/>
-              <a:t>2021-08-10</a:t>
+              <a:t>2021-08-12</a:t>
             </a:fld>
             <a:endParaRPr lang="ko-KR" altLang="en-US"/>
           </a:p>
@@ -2598,7 +2789,7 @@
           <a:p>
             <a:fld id="{B8772A87-66B2-4830-AD9F-DE65303EA9D0}" type="datetime1">
               <a:rPr lang="ko-KR" altLang="en-US" smtClean="0"/>
-              <a:t>2021-08-10</a:t>
+              <a:t>2021-08-12</a:t>
             </a:fld>
             <a:endParaRPr lang="ko-KR" altLang="en-US"/>
           </a:p>
@@ -2711,7 +2902,7 @@
           <a:p>
             <a:fld id="{C338DA32-DAFA-4ECD-8F80-B4DE9A5BE697}" type="datetime1">
               <a:rPr lang="ko-KR" altLang="en-US" smtClean="0"/>
-              <a:t>2021-08-10</a:t>
+              <a:t>2021-08-12</a:t>
             </a:fld>
             <a:endParaRPr lang="ko-KR" altLang="en-US"/>
           </a:p>
@@ -3022,7 +3213,7 @@
           <a:p>
             <a:fld id="{650E3E3D-B19B-4A86-A742-753C828A8F1C}" type="datetime1">
               <a:rPr lang="ko-KR" altLang="en-US" smtClean="0"/>
-              <a:t>2021-08-10</a:t>
+              <a:t>2021-08-12</a:t>
             </a:fld>
             <a:endParaRPr lang="ko-KR" altLang="en-US"/>
           </a:p>
@@ -3310,7 +3501,7 @@
           <a:p>
             <a:fld id="{95E62AEA-E495-403A-8773-B058821D500F}" type="datetime1">
               <a:rPr lang="ko-KR" altLang="en-US" smtClean="0"/>
-              <a:t>2021-08-10</a:t>
+              <a:t>2021-08-12</a:t>
             </a:fld>
             <a:endParaRPr lang="ko-KR" altLang="en-US"/>
           </a:p>
@@ -3551,7 +3742,7 @@
           <a:p>
             <a:fld id="{AD2AA275-37EC-4747-8BBB-86137B98CC85}" type="datetime1">
               <a:rPr lang="ko-KR" altLang="en-US" smtClean="0"/>
-              <a:t>2021-08-10</a:t>
+              <a:t>2021-08-12</a:t>
             </a:fld>
             <a:endParaRPr lang="ko-KR" altLang="en-US"/>
           </a:p>
@@ -4186,184 +4377,6 @@
       </p:grpSpPr>
       <p:sp>
         <p:nvSpPr>
-          <p:cNvPr id="4" name="슬라이드 번호 개체 틀 3">
-            <a:extLst>
-              <a:ext uri="{FF2B5EF4-FFF2-40B4-BE49-F238E27FC236}">
-                <a16:creationId xmlns:a16="http://schemas.microsoft.com/office/drawing/2014/main" id="{8A52180F-95BA-48F2-BB00-3AC13F31BEB6}"/>
-              </a:ext>
-            </a:extLst>
-          </p:cNvPr>
-          <p:cNvSpPr>
-            <a:spLocks noGrp="1"/>
-          </p:cNvSpPr>
-          <p:nvPr>
-            <p:ph type="sldNum" sz="quarter" idx="12"/>
-          </p:nvPr>
-        </p:nvSpPr>
-        <p:spPr/>
-        <p:txBody>
-          <a:bodyPr/>
-          <a:lstStyle/>
-          <a:p>
-            <a:fld id="{C3EC3709-AF19-4BC3-8020-8E9C5E0E1F7D}" type="slidenum">
-              <a:rPr lang="ko-KR" altLang="en-US" smtClean="0"/>
-              <a:t>10</a:t>
-            </a:fld>
-            <a:endParaRPr lang="ko-KR" altLang="en-US"/>
-          </a:p>
-        </p:txBody>
-      </p:sp>
-    </p:spTree>
-    <p:extLst>
-      <p:ext uri="{BB962C8B-B14F-4D97-AF65-F5344CB8AC3E}">
-        <p14:creationId xmlns:p14="http://schemas.microsoft.com/office/powerpoint/2010/main" val="1965471103"/>
-      </p:ext>
-    </p:extLst>
-  </p:cSld>
-  <p:clrMapOvr>
-    <a:masterClrMapping/>
-  </p:clrMapOvr>
-</p:sld>
-</file>
-
-<file path=ppt/slides/slide11.xml><?xml version="1.0" encoding="utf-8"?>
-<p:sld xmlns:a="http://schemas.openxmlformats.org/drawingml/2006/main" xmlns:r="http://schemas.openxmlformats.org/officeDocument/2006/relationships" xmlns:p="http://schemas.openxmlformats.org/presentationml/2006/main">
-  <p:cSld>
-    <p:spTree>
-      <p:nvGrpSpPr>
-        <p:cNvPr id="1" name=""/>
-        <p:cNvGrpSpPr/>
-        <p:nvPr/>
-      </p:nvGrpSpPr>
-      <p:grpSpPr>
-        <a:xfrm>
-          <a:off x="0" y="0"/>
-          <a:ext cx="0" cy="0"/>
-          <a:chOff x="0" y="0"/>
-          <a:chExt cx="0" cy="0"/>
-        </a:xfrm>
-      </p:grpSpPr>
-      <p:sp>
-        <p:nvSpPr>
-          <p:cNvPr id="4" name="슬라이드 번호 개체 틀 3">
-            <a:extLst>
-              <a:ext uri="{FF2B5EF4-FFF2-40B4-BE49-F238E27FC236}">
-                <a16:creationId xmlns:a16="http://schemas.microsoft.com/office/drawing/2014/main" id="{8A52180F-95BA-48F2-BB00-3AC13F31BEB6}"/>
-              </a:ext>
-            </a:extLst>
-          </p:cNvPr>
-          <p:cNvSpPr>
-            <a:spLocks noGrp="1"/>
-          </p:cNvSpPr>
-          <p:nvPr>
-            <p:ph type="sldNum" sz="quarter" idx="12"/>
-          </p:nvPr>
-        </p:nvSpPr>
-        <p:spPr/>
-        <p:txBody>
-          <a:bodyPr/>
-          <a:lstStyle/>
-          <a:p>
-            <a:fld id="{C3EC3709-AF19-4BC3-8020-8E9C5E0E1F7D}" type="slidenum">
-              <a:rPr lang="ko-KR" altLang="en-US" smtClean="0"/>
-              <a:t>11</a:t>
-            </a:fld>
-            <a:endParaRPr lang="ko-KR" altLang="en-US"/>
-          </a:p>
-        </p:txBody>
-      </p:sp>
-      <p:pic>
-        <p:nvPicPr>
-          <p:cNvPr id="2" name="그림 1">
-            <a:extLst>
-              <a:ext uri="{FF2B5EF4-FFF2-40B4-BE49-F238E27FC236}">
-                <a16:creationId xmlns:a16="http://schemas.microsoft.com/office/drawing/2014/main" id="{5741D86A-E2EF-42FF-BA63-90F068E2A9B0}"/>
-              </a:ext>
-            </a:extLst>
-          </p:cNvPr>
-          <p:cNvPicPr>
-            <a:picLocks noChangeAspect="1"/>
-          </p:cNvPicPr>
-          <p:nvPr/>
-        </p:nvPicPr>
-        <p:blipFill>
-          <a:blip r:embed="rId2"/>
-          <a:stretch>
-            <a:fillRect/>
-          </a:stretch>
-        </p:blipFill>
-        <p:spPr>
-          <a:xfrm>
-            <a:off x="1120229" y="1098884"/>
-            <a:ext cx="4797408" cy="4600074"/>
-          </a:xfrm>
-          <a:prstGeom prst="rect">
-            <a:avLst/>
-          </a:prstGeom>
-        </p:spPr>
-      </p:pic>
-      <p:pic>
-        <p:nvPicPr>
-          <p:cNvPr id="3" name="그림 2">
-            <a:extLst>
-              <a:ext uri="{FF2B5EF4-FFF2-40B4-BE49-F238E27FC236}">
-                <a16:creationId xmlns:a16="http://schemas.microsoft.com/office/drawing/2014/main" id="{79D56C85-ACF3-422D-9E50-45AE8F7BC729}"/>
-              </a:ext>
-            </a:extLst>
-          </p:cNvPr>
-          <p:cNvPicPr>
-            <a:picLocks noChangeAspect="1"/>
-          </p:cNvPicPr>
-          <p:nvPr/>
-        </p:nvPicPr>
-        <p:blipFill>
-          <a:blip r:embed="rId3"/>
-          <a:stretch>
-            <a:fillRect/>
-          </a:stretch>
-        </p:blipFill>
-        <p:spPr>
-          <a:xfrm>
-            <a:off x="6373228" y="1412708"/>
-            <a:ext cx="3901741" cy="2590434"/>
-          </a:xfrm>
-          <a:prstGeom prst="rect">
-            <a:avLst/>
-          </a:prstGeom>
-        </p:spPr>
-      </p:pic>
-    </p:spTree>
-    <p:extLst>
-      <p:ext uri="{BB962C8B-B14F-4D97-AF65-F5344CB8AC3E}">
-        <p14:creationId xmlns:p14="http://schemas.microsoft.com/office/powerpoint/2010/main" val="3924031189"/>
-      </p:ext>
-    </p:extLst>
-  </p:cSld>
-  <p:clrMapOvr>
-    <a:masterClrMapping/>
-  </p:clrMapOvr>
-</p:sld>
-</file>
-
-<file path=ppt/slides/slide2.xml><?xml version="1.0" encoding="utf-8"?>
-<p:sld xmlns:a="http://schemas.openxmlformats.org/drawingml/2006/main" xmlns:r="http://schemas.openxmlformats.org/officeDocument/2006/relationships" xmlns:p="http://schemas.openxmlformats.org/presentationml/2006/main">
-  <p:cSld>
-    <p:spTree>
-      <p:nvGrpSpPr>
-        <p:cNvPr id="1" name=""/>
-        <p:cNvGrpSpPr/>
-        <p:nvPr/>
-      </p:nvGrpSpPr>
-      <p:grpSpPr>
-        <a:xfrm>
-          <a:off x="0" y="0"/>
-          <a:ext cx="0" cy="0"/>
-          <a:chOff x="0" y="0"/>
-          <a:chExt cx="0" cy="0"/>
-        </a:xfrm>
-      </p:grpSpPr>
-      <p:sp>
-        <p:nvSpPr>
           <p:cNvPr id="8" name="직사각형 7">
             <a:extLst>
               <a:ext uri="{FF2B5EF4-FFF2-40B4-BE49-F238E27FC236}">
@@ -4424,40 +4437,6 @@
       </p:sp>
       <p:sp>
         <p:nvSpPr>
-          <p:cNvPr id="4" name="슬라이드 번호 개체 틀 3">
-            <a:extLst>
-              <a:ext uri="{FF2B5EF4-FFF2-40B4-BE49-F238E27FC236}">
-                <a16:creationId xmlns:a16="http://schemas.microsoft.com/office/drawing/2014/main" id="{B11A7AB9-7540-40FD-94B6-0135A3ED289C}"/>
-              </a:ext>
-            </a:extLst>
-          </p:cNvPr>
-          <p:cNvSpPr>
-            <a:spLocks noGrp="1"/>
-          </p:cNvSpPr>
-          <p:nvPr>
-            <p:ph type="sldNum" sz="quarter" idx="12"/>
-          </p:nvPr>
-        </p:nvSpPr>
-        <p:spPr>
-          <a:xfrm>
-            <a:off x="8563187" y="6379936"/>
-            <a:ext cx="2743200" cy="365125"/>
-          </a:xfrm>
-        </p:spPr>
-        <p:txBody>
-          <a:bodyPr/>
-          <a:lstStyle/>
-          <a:p>
-            <a:fld id="{C3EC3709-AF19-4BC3-8020-8E9C5E0E1F7D}" type="slidenum">
-              <a:rPr lang="ko-KR" altLang="en-US" smtClean="0"/>
-              <a:t>2</a:t>
-            </a:fld>
-            <a:endParaRPr lang="ko-KR" altLang="en-US"/>
-          </a:p>
-        </p:txBody>
-      </p:sp>
-      <p:sp>
-        <p:nvSpPr>
           <p:cNvPr id="9" name="TextBox 8">
             <a:extLst>
               <a:ext uri="{FF2B5EF4-FFF2-40B4-BE49-F238E27FC236}">
@@ -4485,18 +4464,249 @@
           <a:lstStyle/>
           <a:p>
             <a:r>
-              <a:rPr lang="ko-KR" altLang="en-US" sz="2400" dirty="0"/>
-              <a:t>코드 분석</a:t>
-            </a:r>
-          </a:p>
-        </p:txBody>
-      </p:sp>
+              <a:rPr lang="en-US" altLang="ko-KR" sz="2400" dirty="0"/>
+              <a:t>Metrics - BLEU </a:t>
+            </a:r>
+            <a:endParaRPr lang="ko-KR" altLang="en-US" sz="2400" dirty="0"/>
+          </a:p>
+        </p:txBody>
+      </p:sp>
+      <p:sp>
+        <p:nvSpPr>
+          <p:cNvPr id="2" name="직사각형 1">
+            <a:extLst>
+              <a:ext uri="{FF2B5EF4-FFF2-40B4-BE49-F238E27FC236}">
+                <a16:creationId xmlns:a16="http://schemas.microsoft.com/office/drawing/2014/main" id="{482D2D8A-AA2B-4A0B-AFC2-76ACABE1F978}"/>
+              </a:ext>
+            </a:extLst>
+          </p:cNvPr>
+          <p:cNvSpPr/>
+          <p:nvPr/>
+        </p:nvSpPr>
+        <p:spPr>
+          <a:xfrm>
+            <a:off x="1207426" y="6046902"/>
+            <a:ext cx="6582633" cy="1015663"/>
+          </a:xfrm>
+          <a:prstGeom prst="rect">
+            <a:avLst/>
+          </a:prstGeom>
+        </p:spPr>
+        <p:txBody>
+          <a:bodyPr wrap="square">
+            <a:spAutoFit/>
+          </a:bodyPr>
+          <a:lstStyle/>
+          <a:p>
+            <a:r>
+              <a:rPr lang="ko-KR" altLang="en-US" sz="1000" dirty="0"/>
+              <a:t>편의상 </a:t>
+            </a:r>
+            <a:r>
+              <a:rPr lang="en-US" altLang="ko-KR" sz="1000" dirty="0"/>
+              <a:t>Candidate</a:t>
+            </a:r>
+            <a:r>
+              <a:rPr lang="ko-KR" altLang="en-US" sz="1000" dirty="0"/>
+              <a:t>를 </a:t>
+            </a:r>
+            <a:r>
+              <a:rPr lang="en-US" altLang="ko-KR" sz="1000" dirty="0"/>
+              <a:t>Ca</a:t>
+            </a:r>
+            <a:r>
+              <a:rPr lang="ko-KR" altLang="en-US" sz="1000" dirty="0"/>
+              <a:t>로</a:t>
+            </a:r>
+            <a:r>
+              <a:rPr lang="en-US" altLang="ko-KR" sz="1000" dirty="0"/>
+              <a:t>, Reference</a:t>
+            </a:r>
+            <a:r>
+              <a:rPr lang="ko-KR" altLang="en-US" sz="1000" dirty="0"/>
+              <a:t>를 </a:t>
+            </a:r>
+            <a:r>
+              <a:rPr lang="en-US" altLang="ko-KR" sz="1000" dirty="0"/>
+              <a:t>Ref</a:t>
+            </a:r>
+            <a:r>
+              <a:rPr lang="ko-KR" altLang="en-US" sz="1000" dirty="0"/>
+              <a:t>로 축약하여 부르겠습니다</a:t>
+            </a:r>
+            <a:r>
+              <a:rPr lang="en-US" altLang="ko-KR" sz="1000" dirty="0"/>
+              <a:t>. </a:t>
+            </a:r>
+          </a:p>
+          <a:p>
+            <a:r>
+              <a:rPr lang="ko-KR" altLang="en-US" sz="1000" dirty="0"/>
+              <a:t>이제 </a:t>
+            </a:r>
+            <a:r>
+              <a:rPr lang="en-US" altLang="ko-KR" sz="1000" dirty="0"/>
+              <a:t>Ca 1, 2</a:t>
+            </a:r>
+            <a:r>
+              <a:rPr lang="ko-KR" altLang="en-US" sz="1000" dirty="0"/>
+              <a:t>를 </a:t>
+            </a:r>
+            <a:r>
+              <a:rPr lang="en-US" altLang="ko-KR" sz="1000" dirty="0"/>
+              <a:t>Ref 1, 2, 3</a:t>
+            </a:r>
+            <a:r>
+              <a:rPr lang="ko-KR" altLang="en-US" sz="1000" dirty="0"/>
+              <a:t>과 비교하여 성능을 측정하고자 합니다</a:t>
+            </a:r>
+            <a:r>
+              <a:rPr lang="en-US" altLang="ko-KR" sz="1000" dirty="0"/>
+              <a:t>. </a:t>
+            </a:r>
+          </a:p>
+          <a:p>
+            <a:r>
+              <a:rPr lang="ko-KR" altLang="en-US" sz="1000" dirty="0"/>
+              <a:t>가장 직관적인 성능 평가 방법은 </a:t>
+            </a:r>
+            <a:r>
+              <a:rPr lang="en-US" altLang="ko-KR" sz="1000" dirty="0"/>
+              <a:t>Ref 1, 2, 3 </a:t>
+            </a:r>
+            <a:r>
+              <a:rPr lang="ko-KR" altLang="en-US" sz="1000" dirty="0"/>
+              <a:t>중 어느 한 문장이라도 등장한 단어의 개수를 </a:t>
+            </a:r>
+            <a:r>
+              <a:rPr lang="en-US" altLang="ko-KR" sz="1000" dirty="0"/>
+              <a:t>Ca</a:t>
+            </a:r>
+            <a:r>
+              <a:rPr lang="ko-KR" altLang="en-US" sz="1000" dirty="0"/>
+              <a:t>에서 세는 것입니다</a:t>
+            </a:r>
+            <a:r>
+              <a:rPr lang="en-US" altLang="ko-KR" sz="1000" dirty="0"/>
+              <a:t>. </a:t>
+            </a:r>
+            <a:r>
+              <a:rPr lang="ko-KR" altLang="en-US" sz="1000" dirty="0"/>
+              <a:t>그리고 그 후에 </a:t>
+            </a:r>
+            <a:r>
+              <a:rPr lang="en-US" altLang="ko-KR" sz="1000" dirty="0"/>
+              <a:t>Ca</a:t>
+            </a:r>
+            <a:r>
+              <a:rPr lang="ko-KR" altLang="en-US" sz="1000" dirty="0"/>
+              <a:t>의 모든 단어의 카운트의 합</a:t>
+            </a:r>
+            <a:r>
+              <a:rPr lang="en-US" altLang="ko-KR" sz="1000" dirty="0"/>
+              <a:t>. </a:t>
+            </a:r>
+            <a:r>
+              <a:rPr lang="ko-KR" altLang="en-US" sz="1000" dirty="0"/>
+              <a:t>즉</a:t>
+            </a:r>
+            <a:r>
+              <a:rPr lang="en-US" altLang="ko-KR" sz="1000" dirty="0"/>
+              <a:t>, Ca</a:t>
+            </a:r>
+            <a:r>
+              <a:rPr lang="ko-KR" altLang="en-US" sz="1000" dirty="0"/>
+              <a:t>에서의 총 단어의 </a:t>
+            </a:r>
+            <a:r>
+              <a:rPr lang="ko-KR" altLang="en-US" sz="1000" dirty="0" err="1"/>
+              <a:t>수으로</a:t>
+            </a:r>
+            <a:r>
+              <a:rPr lang="ko-KR" altLang="en-US" sz="1000" dirty="0"/>
+              <a:t> 나눠줍니다</a:t>
+            </a:r>
+            <a:r>
+              <a:rPr lang="en-US" altLang="ko-KR" sz="1000" dirty="0"/>
+              <a:t>.</a:t>
+            </a:r>
+          </a:p>
+          <a:p>
+            <a:endParaRPr lang="en-US" altLang="ko-KR" sz="1000" dirty="0"/>
+          </a:p>
+          <a:p>
+            <a:r>
+              <a:rPr lang="ko-KR" altLang="en-US" sz="1000" dirty="0"/>
+              <a:t>이러한 측정 방법을 </a:t>
+            </a:r>
+            <a:r>
+              <a:rPr lang="ko-KR" altLang="en-US" sz="1000" dirty="0" err="1"/>
+              <a:t>유니그램</a:t>
+            </a:r>
+            <a:r>
+              <a:rPr lang="ko-KR" altLang="en-US" sz="1000" dirty="0"/>
+              <a:t> 정밀도</a:t>
+            </a:r>
+            <a:r>
+              <a:rPr lang="en-US" altLang="ko-KR" sz="1000" dirty="0"/>
+              <a:t>(Unigram Precision)</a:t>
+            </a:r>
+            <a:r>
+              <a:rPr lang="ko-KR" altLang="en-US" sz="1000" dirty="0"/>
+              <a:t>라고 합니다</a:t>
+            </a:r>
+            <a:r>
+              <a:rPr lang="en-US" altLang="ko-KR" sz="1000" dirty="0"/>
+              <a:t>. </a:t>
+            </a:r>
+            <a:r>
+              <a:rPr lang="ko-KR" altLang="en-US" sz="1000" dirty="0"/>
+              <a:t>이를 식으로 표현하면 다음과 같습니다</a:t>
+            </a:r>
+            <a:r>
+              <a:rPr lang="en-US" altLang="ko-KR" sz="1000" dirty="0"/>
+              <a:t>.</a:t>
+            </a:r>
+            <a:endParaRPr lang="ko-KR" altLang="en-US" sz="1000" dirty="0"/>
+          </a:p>
+        </p:txBody>
+      </p:sp>
+      <p:pic>
+        <p:nvPicPr>
+          <p:cNvPr id="3" name="그림 2">
+            <a:extLst>
+              <a:ext uri="{FF2B5EF4-FFF2-40B4-BE49-F238E27FC236}">
+                <a16:creationId xmlns:a16="http://schemas.microsoft.com/office/drawing/2014/main" id="{EBB83A39-D028-4F8D-BB00-0D345585B884}"/>
+              </a:ext>
+            </a:extLst>
+          </p:cNvPr>
+          <p:cNvPicPr>
+            <a:picLocks noChangeAspect="1"/>
+          </p:cNvPicPr>
+          <p:nvPr/>
+        </p:nvPicPr>
+        <p:blipFill>
+          <a:blip r:embed="rId3"/>
+          <a:stretch>
+            <a:fillRect/>
+          </a:stretch>
+        </p:blipFill>
+        <p:spPr>
+          <a:xfrm>
+            <a:off x="835911" y="2951018"/>
+            <a:ext cx="10411601" cy="837988"/>
+          </a:xfrm>
+          <a:prstGeom prst="rect">
+            <a:avLst/>
+          </a:prstGeom>
+        </p:spPr>
+      </p:pic>
       <p:pic>
         <p:nvPicPr>
           <p:cNvPr id="5" name="그림 4">
             <a:extLst>
               <a:ext uri="{FF2B5EF4-FFF2-40B4-BE49-F238E27FC236}">
-                <a16:creationId xmlns:a16="http://schemas.microsoft.com/office/drawing/2014/main" id="{6CD7433E-584D-440F-96B4-8F3A65898298}"/>
+                <a16:creationId xmlns:a16="http://schemas.microsoft.com/office/drawing/2014/main" id="{8E54B8C3-60DF-436F-A3BA-879A4A95224D}"/>
               </a:ext>
             </a:extLst>
           </p:cNvPr>
@@ -4506,14 +4716,44 @@
           <p:nvPr/>
         </p:nvPicPr>
         <p:blipFill rotWithShape="1">
-          <a:blip r:embed="rId3"/>
-          <a:srcRect t="41620" r="-5867"/>
+          <a:blip r:embed="rId4"/>
+          <a:srcRect t="7672"/>
           <a:stretch/>
         </p:blipFill>
         <p:spPr>
           <a:xfrm>
-            <a:off x="5666022" y="2632402"/>
-            <a:ext cx="6671469" cy="4003681"/>
+            <a:off x="351894" y="3772870"/>
+            <a:ext cx="10083254" cy="1169552"/>
+          </a:xfrm>
+          <a:prstGeom prst="rect">
+            <a:avLst/>
+          </a:prstGeom>
+        </p:spPr>
+      </p:pic>
+      <p:pic>
+        <p:nvPicPr>
+          <p:cNvPr id="10" name="그림 9">
+            <a:extLst>
+              <a:ext uri="{FF2B5EF4-FFF2-40B4-BE49-F238E27FC236}">
+                <a16:creationId xmlns:a16="http://schemas.microsoft.com/office/drawing/2014/main" id="{DAA903C9-12B2-4210-AD7E-DEB3225C103E}"/>
+              </a:ext>
+            </a:extLst>
+          </p:cNvPr>
+          <p:cNvPicPr>
+            <a:picLocks noChangeAspect="1"/>
+          </p:cNvPicPr>
+          <p:nvPr/>
+        </p:nvPicPr>
+        <p:blipFill>
+          <a:blip r:embed="rId5"/>
+          <a:stretch>
+            <a:fillRect/>
+          </a:stretch>
+        </p:blipFill>
+        <p:spPr>
+          <a:xfrm>
+            <a:off x="351894" y="4942422"/>
+            <a:ext cx="5210175" cy="971550"/>
           </a:xfrm>
           <a:prstGeom prst="rect">
             <a:avLst/>
@@ -4525,7 +4765,7 @@
           <p:cNvPr id="12" name="그림 11">
             <a:extLst>
               <a:ext uri="{FF2B5EF4-FFF2-40B4-BE49-F238E27FC236}">
-                <a16:creationId xmlns:a16="http://schemas.microsoft.com/office/drawing/2014/main" id="{6BE2E7E3-A315-4C7E-85B9-87746A252C97}"/>
+                <a16:creationId xmlns:a16="http://schemas.microsoft.com/office/drawing/2014/main" id="{595E1088-5A4C-404A-A2F0-BC897C71BD68}"/>
               </a:ext>
             </a:extLst>
           </p:cNvPr>
@@ -4534,27 +4774,100 @@
           </p:cNvPicPr>
           <p:nvPr/>
         </p:nvPicPr>
-        <p:blipFill rotWithShape="1">
-          <a:blip r:embed="rId3"/>
-          <a:srcRect b="59583"/>
-          <a:stretch/>
+        <p:blipFill>
+          <a:blip r:embed="rId6"/>
+          <a:stretch>
+            <a:fillRect/>
+          </a:stretch>
         </p:blipFill>
         <p:spPr>
           <a:xfrm>
-            <a:off x="231339" y="4307343"/>
-            <a:ext cx="5294436" cy="2328740"/>
+            <a:off x="4674037" y="5096426"/>
+            <a:ext cx="4599471" cy="587167"/>
           </a:xfrm>
           <a:prstGeom prst="rect">
             <a:avLst/>
           </a:prstGeom>
         </p:spPr>
       </p:pic>
+      <p:sp>
+        <p:nvSpPr>
+          <p:cNvPr id="18" name="TextBox 17">
+            <a:extLst>
+              <a:ext uri="{FF2B5EF4-FFF2-40B4-BE49-F238E27FC236}">
+                <a16:creationId xmlns:a16="http://schemas.microsoft.com/office/drawing/2014/main" id="{6F9E651C-DE17-4B8E-95D9-A08AA466244A}"/>
+              </a:ext>
+            </a:extLst>
+          </p:cNvPr>
+          <p:cNvSpPr txBox="1"/>
+          <p:nvPr/>
+        </p:nvSpPr>
+        <p:spPr>
+          <a:xfrm>
+            <a:off x="5039011" y="5913972"/>
+            <a:ext cx="3853823" cy="230832"/>
+          </a:xfrm>
+          <a:prstGeom prst="rect">
+            <a:avLst/>
+          </a:prstGeom>
+          <a:noFill/>
+        </p:spPr>
+        <p:txBody>
+          <a:bodyPr wrap="square" rtlCol="0">
+            <a:spAutoFit/>
+          </a:bodyPr>
+          <a:lstStyle/>
+          <a:p>
+            <a:r>
+              <a:rPr lang="ko-KR" altLang="en-US" sz="900" dirty="0"/>
+              <a:t>여기서는 나머지 </a:t>
+            </a:r>
+            <a:r>
+              <a:rPr lang="en-US" altLang="ko-KR" sz="900" dirty="0"/>
+              <a:t>gram</a:t>
+            </a:r>
+            <a:r>
+              <a:rPr lang="ko-KR" altLang="en-US" sz="900" dirty="0"/>
+              <a:t>의 </a:t>
+            </a:r>
+            <a:r>
+              <a:rPr lang="en-US" altLang="ko-KR" sz="900" dirty="0"/>
+              <a:t>weight</a:t>
+            </a:r>
+            <a:r>
+              <a:rPr lang="ko-KR" altLang="en-US" sz="900" dirty="0"/>
+              <a:t>는 </a:t>
+            </a:r>
+            <a:r>
+              <a:rPr lang="en-US" altLang="ko-KR" sz="900" dirty="0"/>
+              <a:t>0</a:t>
+            </a:r>
+            <a:r>
+              <a:rPr lang="ko-KR" altLang="en-US" sz="900" dirty="0"/>
+              <a:t>이어서 </a:t>
+            </a:r>
+            <a:r>
+              <a:rPr lang="en-US" altLang="ko-KR" sz="900" dirty="0"/>
+              <a:t>sigma</a:t>
+            </a:r>
+            <a:r>
+              <a:rPr lang="ko-KR" altLang="en-US" sz="900" dirty="0"/>
+              <a:t>계산 없는 것과 같음</a:t>
+            </a:r>
+            <a:r>
+              <a:rPr lang="en-US" altLang="ko-KR" sz="900" dirty="0"/>
+              <a:t>.</a:t>
+            </a:r>
+            <a:endParaRPr lang="ko-KR" altLang="en-US" sz="900" dirty="0"/>
+          </a:p>
+        </p:txBody>
+      </p:sp>
       <p:pic>
         <p:nvPicPr>
-          <p:cNvPr id="10" name="그림 9">
-            <a:extLst>
-              <a:ext uri="{FF2B5EF4-FFF2-40B4-BE49-F238E27FC236}">
-                <a16:creationId xmlns:a16="http://schemas.microsoft.com/office/drawing/2014/main" id="{B99CE88C-BA49-4B51-87D2-4B5EDF3FA406}"/>
+          <p:cNvPr id="21" name="그림 20">
+            <a:extLst>
+              <a:ext uri="{FF2B5EF4-FFF2-40B4-BE49-F238E27FC236}">
+                <a16:creationId xmlns:a16="http://schemas.microsoft.com/office/drawing/2014/main" id="{32B52321-410A-415E-9374-DBFEFB3F1CC5}"/>
               </a:ext>
             </a:extLst>
           </p:cNvPr>
@@ -4564,154 +4877,25 @@
           <p:nvPr/>
         </p:nvPicPr>
         <p:blipFill>
-          <a:blip r:embed="rId4"/>
+          <a:blip r:embed="rId7"/>
           <a:stretch>
             <a:fillRect/>
           </a:stretch>
         </p:blipFill>
         <p:spPr>
           <a:xfrm>
-            <a:off x="231339" y="1739329"/>
-            <a:ext cx="9885821" cy="853091"/>
+            <a:off x="351894" y="944028"/>
+            <a:ext cx="8127299" cy="1874060"/>
           </a:xfrm>
           <a:prstGeom prst="rect">
             <a:avLst/>
           </a:prstGeom>
         </p:spPr>
       </p:pic>
-      <p:sp>
-        <p:nvSpPr>
-          <p:cNvPr id="13" name="TextBox 12">
-            <a:extLst>
-              <a:ext uri="{FF2B5EF4-FFF2-40B4-BE49-F238E27FC236}">
-                <a16:creationId xmlns:a16="http://schemas.microsoft.com/office/drawing/2014/main" id="{73CDD85D-A8E1-40F8-9A0C-F836952A8B30}"/>
-              </a:ext>
-            </a:extLst>
-          </p:cNvPr>
-          <p:cNvSpPr txBox="1"/>
-          <p:nvPr/>
-        </p:nvSpPr>
-        <p:spPr>
-          <a:xfrm>
-            <a:off x="231339" y="3169377"/>
-            <a:ext cx="4288221" cy="923330"/>
-          </a:xfrm>
-          <a:prstGeom prst="rect">
-            <a:avLst/>
-          </a:prstGeom>
-          <a:noFill/>
-        </p:spPr>
-        <p:txBody>
-          <a:bodyPr wrap="square" rtlCol="0">
-            <a:spAutoFit/>
-          </a:bodyPr>
-          <a:lstStyle/>
-          <a:p>
-            <a:r>
-              <a:rPr lang="en-US" altLang="ko-KR" dirty="0" err="1"/>
-              <a:t>Dec_len</a:t>
-            </a:r>
-            <a:r>
-              <a:rPr lang="ko-KR" altLang="en-US" dirty="0"/>
-              <a:t> </a:t>
-            </a:r>
-            <a:r>
-              <a:rPr lang="en-US" altLang="ko-KR" dirty="0"/>
-              <a:t>:</a:t>
-            </a:r>
-            <a:r>
-              <a:rPr lang="ko-KR" altLang="en-US" dirty="0"/>
-              <a:t> </a:t>
-            </a:r>
-            <a:r>
-              <a:rPr lang="en-US" altLang="ko-KR" dirty="0"/>
-              <a:t>batch</a:t>
-            </a:r>
-            <a:r>
-              <a:rPr lang="ko-KR" altLang="en-US" dirty="0"/>
-              <a:t>안에 있는 </a:t>
-            </a:r>
-            <a:r>
-              <a:rPr lang="en-US" altLang="ko-KR" dirty="0"/>
-              <a:t>caption</a:t>
-            </a:r>
-            <a:r>
-              <a:rPr lang="ko-KR" altLang="en-US" dirty="0"/>
-              <a:t>들의 길이 </a:t>
-            </a:r>
-            <a:r>
-              <a:rPr lang="en-US" altLang="ko-KR" dirty="0"/>
-              <a:t>list</a:t>
-            </a:r>
-          </a:p>
-          <a:p>
-            <a:r>
-              <a:rPr lang="en-US" altLang="ko-KR" dirty="0" err="1"/>
-              <a:t>Batch_size_t</a:t>
-            </a:r>
-            <a:r>
-              <a:rPr lang="en-US" altLang="ko-KR" dirty="0"/>
-              <a:t> : -&gt;??...</a:t>
-            </a:r>
-            <a:endParaRPr lang="ko-KR" altLang="en-US" dirty="0"/>
-          </a:p>
-        </p:txBody>
-      </p:sp>
-      <p:sp>
-        <p:nvSpPr>
-          <p:cNvPr id="14" name="직사각형 13">
-            <a:extLst>
-              <a:ext uri="{FF2B5EF4-FFF2-40B4-BE49-F238E27FC236}">
-                <a16:creationId xmlns:a16="http://schemas.microsoft.com/office/drawing/2014/main" id="{2C30023A-1BF9-416B-90FA-97E76C028B9F}"/>
-              </a:ext>
-            </a:extLst>
-          </p:cNvPr>
-          <p:cNvSpPr/>
-          <p:nvPr/>
-        </p:nvSpPr>
-        <p:spPr>
-          <a:xfrm>
-            <a:off x="231339" y="985680"/>
-            <a:ext cx="11450128" cy="646331"/>
-          </a:xfrm>
-          <a:prstGeom prst="rect">
-            <a:avLst/>
-          </a:prstGeom>
-        </p:spPr>
-        <p:txBody>
-          <a:bodyPr wrap="square">
-            <a:spAutoFit/>
-          </a:bodyPr>
-          <a:lstStyle/>
-          <a:p>
-            <a:r>
-              <a:rPr lang="ko-KR" altLang="en-US" dirty="0" err="1"/>
-              <a:t>dec_len</a:t>
-            </a:r>
-            <a:r>
-              <a:rPr lang="ko-KR" altLang="en-US" dirty="0"/>
-              <a:t> = [22, 18, 14, 13, 13, 13, 13, 13, 12, 12, 12, 12, 12, 12, 11, 11, 11, 11, 11, 11, 11, 11, 11, 11, 11, 11, 10, 10, 10, 9, 9, 9]  </a:t>
-            </a:r>
-            <a:r>
-              <a:rPr lang="en-US" altLang="ko-KR" dirty="0"/>
-              <a:t>( batch </a:t>
-            </a:r>
-            <a:r>
-              <a:rPr lang="ko-KR" altLang="en-US" dirty="0"/>
-              <a:t>한 개</a:t>
-            </a:r>
-            <a:r>
-              <a:rPr lang="en-US" altLang="ko-KR" dirty="0"/>
-              <a:t>)</a:t>
-            </a:r>
-            <a:endParaRPr lang="ko-KR" altLang="en-US" dirty="0"/>
-          </a:p>
-        </p:txBody>
-      </p:sp>
     </p:spTree>
     <p:extLst>
       <p:ext uri="{BB962C8B-B14F-4D97-AF65-F5344CB8AC3E}">
-        <p14:creationId xmlns:p14="http://schemas.microsoft.com/office/powerpoint/2010/main" val="3603391568"/>
+        <p14:creationId xmlns:p14="http://schemas.microsoft.com/office/powerpoint/2010/main" val="1821325350"/>
       </p:ext>
     </p:extLst>
   </p:cSld>
@@ -4721,7 +4905,7 @@
 </p:sld>
 </file>
 
-<file path=ppt/slides/slide3.xml><?xml version="1.0" encoding="utf-8"?>
+<file path=ppt/slides/slide11.xml><?xml version="1.0" encoding="utf-8"?>
 <p:sld xmlns:a="http://schemas.openxmlformats.org/drawingml/2006/main" xmlns:r="http://schemas.openxmlformats.org/officeDocument/2006/relationships" xmlns:p="http://schemas.openxmlformats.org/presentationml/2006/main">
   <p:cSld>
     <p:spTree>
@@ -4800,40 +4984,6 @@
       </p:sp>
       <p:sp>
         <p:nvSpPr>
-          <p:cNvPr id="4" name="슬라이드 번호 개체 틀 3">
-            <a:extLst>
-              <a:ext uri="{FF2B5EF4-FFF2-40B4-BE49-F238E27FC236}">
-                <a16:creationId xmlns:a16="http://schemas.microsoft.com/office/drawing/2014/main" id="{B11A7AB9-7540-40FD-94B6-0135A3ED289C}"/>
-              </a:ext>
-            </a:extLst>
-          </p:cNvPr>
-          <p:cNvSpPr>
-            <a:spLocks noGrp="1"/>
-          </p:cNvSpPr>
-          <p:nvPr>
-            <p:ph type="sldNum" sz="quarter" idx="12"/>
-          </p:nvPr>
-        </p:nvSpPr>
-        <p:spPr>
-          <a:xfrm>
-            <a:off x="8563187" y="6379936"/>
-            <a:ext cx="2743200" cy="365125"/>
-          </a:xfrm>
-        </p:spPr>
-        <p:txBody>
-          <a:bodyPr/>
-          <a:lstStyle/>
-          <a:p>
-            <a:fld id="{C3EC3709-AF19-4BC3-8020-8E9C5E0E1F7D}" type="slidenum">
-              <a:rPr lang="ko-KR" altLang="en-US" smtClean="0"/>
-              <a:t>3</a:t>
-            </a:fld>
-            <a:endParaRPr lang="ko-KR" altLang="en-US"/>
-          </a:p>
-        </p:txBody>
-      </p:sp>
-      <p:sp>
-        <p:nvSpPr>
           <p:cNvPr id="9" name="TextBox 8">
             <a:extLst>
               <a:ext uri="{FF2B5EF4-FFF2-40B4-BE49-F238E27FC236}">
@@ -4861,122 +5011,173 @@
           <a:lstStyle/>
           <a:p>
             <a:r>
-              <a:rPr lang="ko-KR" altLang="en-US" sz="2400" dirty="0"/>
-              <a:t>코드 분석</a:t>
-            </a:r>
-          </a:p>
-        </p:txBody>
-      </p:sp>
-      <p:pic>
-        <p:nvPicPr>
-          <p:cNvPr id="2" name="그림 1">
-            <a:extLst>
-              <a:ext uri="{FF2B5EF4-FFF2-40B4-BE49-F238E27FC236}">
-                <a16:creationId xmlns:a16="http://schemas.microsoft.com/office/drawing/2014/main" id="{4B03F50E-9F2D-4E6A-9070-837270FF3604}"/>
-              </a:ext>
-            </a:extLst>
-          </p:cNvPr>
-          <p:cNvPicPr>
-            <a:picLocks noChangeAspect="1"/>
-          </p:cNvPicPr>
+              <a:rPr lang="en-US" altLang="ko-KR" sz="2400" dirty="0"/>
+              <a:t>Metrics - BLEU </a:t>
+            </a:r>
+            <a:endParaRPr lang="ko-KR" altLang="en-US" sz="2400" dirty="0"/>
+          </a:p>
+        </p:txBody>
+      </p:sp>
+      <p:sp>
+        <p:nvSpPr>
+          <p:cNvPr id="2" name="직사각형 1">
+            <a:extLst>
+              <a:ext uri="{FF2B5EF4-FFF2-40B4-BE49-F238E27FC236}">
+                <a16:creationId xmlns:a16="http://schemas.microsoft.com/office/drawing/2014/main" id="{482D2D8A-AA2B-4A0B-AFC2-76ACABE1F978}"/>
+              </a:ext>
+            </a:extLst>
+          </p:cNvPr>
+          <p:cNvSpPr/>
           <p:nvPr/>
-        </p:nvPicPr>
-        <p:blipFill rotWithShape="1">
-          <a:blip r:embed="rId2"/>
-          <a:srcRect l="513" r="-1"/>
-          <a:stretch/>
-        </p:blipFill>
+        </p:nvSpPr>
         <p:spPr>
           <a:xfrm>
-            <a:off x="289037" y="1129337"/>
-            <a:ext cx="4267199" cy="3098440"/>
+            <a:off x="583437" y="3107478"/>
+            <a:ext cx="9200251" cy="861774"/>
           </a:xfrm>
           <a:prstGeom prst="rect">
             <a:avLst/>
           </a:prstGeom>
         </p:spPr>
-      </p:pic>
-      <p:sp>
-        <p:nvSpPr>
-          <p:cNvPr id="6" name="TextBox 5">
-            <a:extLst>
-              <a:ext uri="{FF2B5EF4-FFF2-40B4-BE49-F238E27FC236}">
-                <a16:creationId xmlns:a16="http://schemas.microsoft.com/office/drawing/2014/main" id="{8848E58D-6A1A-428F-A3AC-250C2D04C7BA}"/>
-              </a:ext>
-            </a:extLst>
-          </p:cNvPr>
-          <p:cNvSpPr txBox="1"/>
-          <p:nvPr/>
-        </p:nvSpPr>
-        <p:spPr>
-          <a:xfrm>
-            <a:off x="7057696" y="1755227"/>
-            <a:ext cx="4093780" cy="923330"/>
-          </a:xfrm>
-          <a:prstGeom prst="rect">
-            <a:avLst/>
-          </a:prstGeom>
-          <a:noFill/>
-        </p:spPr>
-        <p:txBody>
-          <a:bodyPr wrap="square" rtlCol="0">
+        <p:txBody>
+          <a:bodyPr wrap="square">
             <a:spAutoFit/>
           </a:bodyPr>
           <a:lstStyle/>
           <a:p>
             <a:r>
-              <a:rPr lang="en-US" altLang="ko-KR" dirty="0"/>
-              <a:t>Coco dataset </a:t>
-            </a:r>
-            <a:r>
-              <a:rPr lang="ko-KR" altLang="en-US" dirty="0"/>
-              <a:t>받아서</a:t>
-            </a:r>
-            <a:r>
-              <a:rPr lang="en-US" altLang="ko-KR" dirty="0"/>
-              <a:t> </a:t>
-            </a:r>
-            <a:r>
-              <a:rPr lang="ko-KR" altLang="en-US" dirty="0"/>
-              <a:t>이미지와 이미지에 해당하는 </a:t>
-            </a:r>
-            <a:r>
-              <a:rPr lang="en-US" altLang="ko-KR" dirty="0"/>
-              <a:t>caption</a:t>
-            </a:r>
-            <a:r>
-              <a:rPr lang="ko-KR" altLang="en-US" dirty="0"/>
-              <a:t>을 </a:t>
-            </a:r>
-            <a:r>
-              <a:rPr lang="en-US" altLang="ko-KR" dirty="0" err="1"/>
-              <a:t>captio</a:t>
-            </a:r>
-            <a:r>
-              <a:rPr lang="ko-KR" altLang="en-US" dirty="0"/>
-              <a:t>의 단어에 해당하는 </a:t>
-            </a:r>
-            <a:r>
-              <a:rPr lang="en-US" altLang="ko-KR" dirty="0"/>
-              <a:t>index</a:t>
-            </a:r>
-            <a:r>
-              <a:rPr lang="ko-KR" altLang="en-US" dirty="0"/>
-              <a:t>로 변환</a:t>
-            </a:r>
-            <a:r>
-              <a:rPr lang="en-US" altLang="ko-KR" dirty="0"/>
+              <a:rPr lang="en-US" altLang="ko-KR" sz="1000" dirty="0"/>
+              <a:t>Ca 1, 2</a:t>
+            </a:r>
+            <a:r>
+              <a:rPr lang="ko-KR" altLang="en-US" sz="1000" dirty="0"/>
+              <a:t>를 </a:t>
+            </a:r>
+            <a:r>
+              <a:rPr lang="en-US" altLang="ko-KR" sz="1000" dirty="0"/>
+              <a:t>Ref 1, 2, 3</a:t>
+            </a:r>
+            <a:r>
+              <a:rPr lang="ko-KR" altLang="en-US" sz="1000" dirty="0"/>
+              <a:t>과 비교하여 성능을 측정하고자 합니다</a:t>
+            </a:r>
+            <a:r>
+              <a:rPr lang="en-US" altLang="ko-KR" sz="1000" dirty="0"/>
               <a:t>. </a:t>
             </a:r>
+          </a:p>
+          <a:p>
+            <a:r>
+              <a:rPr lang="ko-KR" altLang="en-US" sz="1000" dirty="0"/>
+              <a:t>가장 직관적인 성능 평가 방법은 </a:t>
+            </a:r>
+            <a:r>
+              <a:rPr lang="en-US" altLang="ko-KR" sz="1000" dirty="0"/>
+              <a:t>Ref 1, 2, 3 </a:t>
+            </a:r>
+            <a:r>
+              <a:rPr lang="ko-KR" altLang="en-US" sz="1000" dirty="0"/>
+              <a:t>중 어느 한 문장이라도 등장한 단어의 개수를 </a:t>
+            </a:r>
+            <a:r>
+              <a:rPr lang="en-US" altLang="ko-KR" sz="1000" dirty="0"/>
+              <a:t>Ca</a:t>
+            </a:r>
+            <a:r>
+              <a:rPr lang="ko-KR" altLang="en-US" sz="1000" dirty="0"/>
+              <a:t>에서 세는 것입니다</a:t>
+            </a:r>
+            <a:r>
+              <a:rPr lang="en-US" altLang="ko-KR" sz="1000" dirty="0"/>
+              <a:t>. </a:t>
+            </a:r>
+            <a:r>
+              <a:rPr lang="ko-KR" altLang="en-US" sz="1000" dirty="0"/>
+              <a:t>그리고 그 후에 </a:t>
+            </a:r>
+            <a:r>
+              <a:rPr lang="en-US" altLang="ko-KR" sz="1000" dirty="0"/>
+              <a:t>Ca</a:t>
+            </a:r>
+            <a:r>
+              <a:rPr lang="ko-KR" altLang="en-US" sz="1000" dirty="0"/>
+              <a:t>의 모든 단어의 카운트의 합</a:t>
+            </a:r>
+            <a:r>
+              <a:rPr lang="en-US" altLang="ko-KR" sz="1000" dirty="0"/>
+              <a:t>. </a:t>
+            </a:r>
+            <a:r>
+              <a:rPr lang="ko-KR" altLang="en-US" sz="1000" dirty="0"/>
+              <a:t>즉</a:t>
+            </a:r>
+            <a:r>
+              <a:rPr lang="en-US" altLang="ko-KR" sz="1000" dirty="0"/>
+              <a:t>, Ca</a:t>
+            </a:r>
+            <a:r>
+              <a:rPr lang="ko-KR" altLang="en-US" sz="1000" dirty="0"/>
+              <a:t>에서의 총 단어의 </a:t>
+            </a:r>
+            <a:r>
+              <a:rPr lang="ko-KR" altLang="en-US" sz="1000" dirty="0" err="1"/>
+              <a:t>수으로</a:t>
+            </a:r>
+            <a:r>
+              <a:rPr lang="ko-KR" altLang="en-US" sz="1000" dirty="0"/>
+              <a:t> 나눠줍니다</a:t>
+            </a:r>
+            <a:r>
+              <a:rPr lang="en-US" altLang="ko-KR" sz="1000" dirty="0"/>
+              <a:t>.</a:t>
+            </a:r>
+          </a:p>
+          <a:p>
+            <a:endParaRPr lang="en-US" altLang="ko-KR" sz="1000" dirty="0"/>
+          </a:p>
+          <a:p>
+            <a:r>
+              <a:rPr lang="ko-KR" altLang="en-US" sz="1000" dirty="0"/>
+              <a:t>이러한 측정 방법을 </a:t>
+            </a:r>
+            <a:r>
+              <a:rPr lang="ko-KR" altLang="en-US" sz="1000" dirty="0" err="1"/>
+              <a:t>유니그램</a:t>
+            </a:r>
+            <a:r>
+              <a:rPr lang="ko-KR" altLang="en-US" sz="1000" dirty="0"/>
+              <a:t> 정밀도</a:t>
+            </a:r>
+            <a:r>
+              <a:rPr lang="en-US" altLang="ko-KR" sz="1000" dirty="0"/>
+              <a:t>(Unigram Precision)</a:t>
+            </a:r>
+            <a:r>
+              <a:rPr lang="ko-KR" altLang="en-US" sz="1000" dirty="0"/>
+              <a:t>라고 합니다</a:t>
+            </a:r>
+            <a:r>
+              <a:rPr lang="en-US" altLang="ko-KR" sz="1000" dirty="0"/>
+              <a:t>. </a:t>
+            </a:r>
+            <a:r>
+              <a:rPr lang="ko-KR" altLang="en-US" sz="1000" dirty="0"/>
+              <a:t>이를 식으로 표현하면 다음과 같습니다</a:t>
+            </a:r>
+            <a:r>
+              <a:rPr lang="en-US" altLang="ko-KR" sz="1000" dirty="0"/>
+              <a:t>.</a:t>
+            </a:r>
+            <a:endParaRPr lang="ko-KR" altLang="en-US" sz="1000" dirty="0"/>
           </a:p>
         </p:txBody>
       </p:sp>
       <p:pic>
         <p:nvPicPr>
-          <p:cNvPr id="7" name="그림 6">
-            <a:extLst>
-              <a:ext uri="{FF2B5EF4-FFF2-40B4-BE49-F238E27FC236}">
-                <a16:creationId xmlns:a16="http://schemas.microsoft.com/office/drawing/2014/main" id="{5ADAFA9E-5DD1-4A21-85CC-0270BE486CF0}"/>
+          <p:cNvPr id="3" name="그림 2">
+            <a:extLst>
+              <a:ext uri="{FF2B5EF4-FFF2-40B4-BE49-F238E27FC236}">
+                <a16:creationId xmlns:a16="http://schemas.microsoft.com/office/drawing/2014/main" id="{EBB83A39-D028-4F8D-BB00-0D345585B884}"/>
               </a:ext>
             </a:extLst>
           </p:cNvPr>
@@ -4993,444 +5194,48 @@
         </p:blipFill>
         <p:spPr>
           <a:xfrm>
-            <a:off x="541950" y="4863662"/>
-            <a:ext cx="5975131" cy="1441806"/>
+            <a:off x="992889" y="6020012"/>
+            <a:ext cx="10411601" cy="837988"/>
           </a:xfrm>
           <a:prstGeom prst="rect">
             <a:avLst/>
           </a:prstGeom>
         </p:spPr>
       </p:pic>
-      <p:sp>
-        <p:nvSpPr>
-          <p:cNvPr id="11" name="TextBox 10">
-            <a:extLst>
-              <a:ext uri="{FF2B5EF4-FFF2-40B4-BE49-F238E27FC236}">
-                <a16:creationId xmlns:a16="http://schemas.microsoft.com/office/drawing/2014/main" id="{8DBA83A6-ADA0-4247-B7B6-054F6C1D711D}"/>
-              </a:ext>
-            </a:extLst>
-          </p:cNvPr>
-          <p:cNvSpPr txBox="1"/>
+      <p:pic>
+        <p:nvPicPr>
+          <p:cNvPr id="21" name="그림 20">
+            <a:extLst>
+              <a:ext uri="{FF2B5EF4-FFF2-40B4-BE49-F238E27FC236}">
+                <a16:creationId xmlns:a16="http://schemas.microsoft.com/office/drawing/2014/main" id="{32B52321-410A-415E-9374-DBFEFB3F1CC5}"/>
+              </a:ext>
+            </a:extLst>
+          </p:cNvPr>
+          <p:cNvPicPr>
+            <a:picLocks noChangeAspect="1"/>
+          </p:cNvPicPr>
           <p:nvPr/>
-        </p:nvSpPr>
+        </p:nvPicPr>
+        <p:blipFill>
+          <a:blip r:embed="rId4"/>
+          <a:stretch>
+            <a:fillRect/>
+          </a:stretch>
+        </p:blipFill>
         <p:spPr>
           <a:xfrm>
-            <a:off x="5658929" y="3681934"/>
-            <a:ext cx="6645114" cy="646331"/>
-          </a:xfrm>
-          <a:prstGeom prst="rect">
-            <a:avLst/>
-          </a:prstGeom>
-          <a:noFill/>
-        </p:spPr>
-        <p:txBody>
-          <a:bodyPr wrap="square" rtlCol="0">
-            <a:spAutoFit/>
-          </a:bodyPr>
-          <a:lstStyle/>
-          <a:p>
-            <a:r>
-              <a:rPr lang="en-US" altLang="ko-KR" dirty="0"/>
-              <a:t>Sample</a:t>
-            </a:r>
-            <a:r>
-              <a:rPr lang="ko-KR" altLang="en-US" dirty="0"/>
-              <a:t>들을 </a:t>
-            </a:r>
-            <a:r>
-              <a:rPr lang="en-US" altLang="ko-KR" dirty="0"/>
-              <a:t>Batch</a:t>
-            </a:r>
-            <a:r>
-              <a:rPr lang="ko-KR" altLang="en-US" dirty="0"/>
-              <a:t> 단위로 </a:t>
-            </a:r>
-            <a:r>
-              <a:rPr lang="en-US" altLang="ko-KR" dirty="0"/>
-              <a:t> </a:t>
-            </a:r>
-            <a:r>
-              <a:rPr lang="ko-KR" altLang="en-US" dirty="0"/>
-              <a:t>합친다</a:t>
-            </a:r>
-            <a:r>
-              <a:rPr lang="en-US" altLang="ko-KR" dirty="0"/>
-              <a:t>.</a:t>
-            </a:r>
-          </a:p>
-          <a:p>
-            <a:r>
-              <a:rPr lang="en-US" altLang="ko-KR" dirty="0"/>
-              <a:t>Lengths = batch</a:t>
-            </a:r>
-            <a:r>
-              <a:rPr lang="ko-KR" altLang="en-US" dirty="0"/>
-              <a:t>단위로 묶인 </a:t>
-            </a:r>
-            <a:r>
-              <a:rPr lang="en-US" altLang="ko-KR" dirty="0"/>
-              <a:t>caption</a:t>
-            </a:r>
-            <a:r>
-              <a:rPr lang="ko-KR" altLang="en-US" dirty="0"/>
-              <a:t>들의 길이 </a:t>
-            </a:r>
-            <a:r>
-              <a:rPr lang="en-US" altLang="ko-KR" dirty="0"/>
-              <a:t>list</a:t>
-            </a:r>
-          </a:p>
-        </p:txBody>
-      </p:sp>
-      <p:sp>
-        <p:nvSpPr>
-          <p:cNvPr id="14" name="직사각형 13">
-            <a:extLst>
-              <a:ext uri="{FF2B5EF4-FFF2-40B4-BE49-F238E27FC236}">
-                <a16:creationId xmlns:a16="http://schemas.microsoft.com/office/drawing/2014/main" id="{3956D73B-0508-47E2-BEAA-EC122EA9C0C8}"/>
-              </a:ext>
-            </a:extLst>
-          </p:cNvPr>
-          <p:cNvSpPr/>
-          <p:nvPr/>
-        </p:nvSpPr>
-        <p:spPr>
-          <a:xfrm>
-            <a:off x="9079027" y="4634427"/>
-            <a:ext cx="1382110" cy="1279682"/>
-          </a:xfrm>
-          <a:prstGeom prst="rect">
-            <a:avLst/>
-          </a:prstGeom>
-          <a:pattFill prst="lgGrid">
-            <a:fgClr>
-              <a:schemeClr val="accent1"/>
-            </a:fgClr>
-            <a:bgClr>
-              <a:schemeClr val="bg1"/>
-            </a:bgClr>
-          </a:pattFill>
-        </p:spPr>
-        <p:style>
-          <a:lnRef idx="2">
-            <a:schemeClr val="accent1">
-              <a:shade val="50000"/>
-            </a:schemeClr>
-          </a:lnRef>
-          <a:fillRef idx="1">
-            <a:schemeClr val="accent1"/>
-          </a:fillRef>
-          <a:effectRef idx="0">
-            <a:schemeClr val="accent1"/>
-          </a:effectRef>
-          <a:fontRef idx="minor">
-            <a:schemeClr val="lt1"/>
-          </a:fontRef>
-        </p:style>
-        <p:txBody>
-          <a:bodyPr rtlCol="0" anchor="ctr"/>
-          <a:lstStyle/>
-          <a:p>
-            <a:pPr algn="ctr"/>
-            <a:endParaRPr lang="ko-KR" altLang="en-US"/>
-          </a:p>
-        </p:txBody>
-      </p:sp>
-      <p:cxnSp>
-        <p:nvCxnSpPr>
-          <p:cNvPr id="16" name="직선 화살표 연결선 15">
-            <a:extLst>
-              <a:ext uri="{FF2B5EF4-FFF2-40B4-BE49-F238E27FC236}">
-                <a16:creationId xmlns:a16="http://schemas.microsoft.com/office/drawing/2014/main" id="{FAFABD40-3A31-4CEC-A8E2-B1ADCD66CC00}"/>
-              </a:ext>
-            </a:extLst>
-          </p:cNvPr>
-          <p:cNvCxnSpPr/>
-          <p:nvPr/>
-        </p:nvCxnSpPr>
-        <p:spPr>
-          <a:xfrm>
-            <a:off x="8603411" y="4687018"/>
-            <a:ext cx="396815" cy="0"/>
-          </a:xfrm>
-          <a:prstGeom prst="straightConnector1">
-            <a:avLst/>
-          </a:prstGeom>
-          <a:ln>
-            <a:tailEnd type="triangle"/>
-          </a:ln>
-        </p:spPr>
-        <p:style>
-          <a:lnRef idx="1">
-            <a:schemeClr val="accent1"/>
-          </a:lnRef>
-          <a:fillRef idx="0">
-            <a:schemeClr val="accent1"/>
-          </a:fillRef>
-          <a:effectRef idx="0">
-            <a:schemeClr val="accent1"/>
-          </a:effectRef>
-          <a:fontRef idx="minor">
-            <a:schemeClr val="tx1"/>
-          </a:fontRef>
-        </p:style>
-      </p:cxnSp>
-      <p:cxnSp>
-        <p:nvCxnSpPr>
-          <p:cNvPr id="18" name="직선 화살표 연결선 17">
-            <a:extLst>
-              <a:ext uri="{FF2B5EF4-FFF2-40B4-BE49-F238E27FC236}">
-                <a16:creationId xmlns:a16="http://schemas.microsoft.com/office/drawing/2014/main" id="{40227E20-1515-4989-B08C-D9FCD41C2484}"/>
-              </a:ext>
-            </a:extLst>
-          </p:cNvPr>
-          <p:cNvCxnSpPr/>
-          <p:nvPr/>
-        </p:nvCxnSpPr>
-        <p:spPr>
-          <a:xfrm>
-            <a:off x="8609162" y="5844453"/>
-            <a:ext cx="391064" cy="0"/>
-          </a:xfrm>
-          <a:prstGeom prst="straightConnector1">
-            <a:avLst/>
-          </a:prstGeom>
-          <a:ln>
-            <a:tailEnd type="triangle"/>
-          </a:ln>
-        </p:spPr>
-        <p:style>
-          <a:lnRef idx="1">
-            <a:schemeClr val="accent1"/>
-          </a:lnRef>
-          <a:fillRef idx="0">
-            <a:schemeClr val="accent1"/>
-          </a:fillRef>
-          <a:effectRef idx="0">
-            <a:schemeClr val="accent1"/>
-          </a:effectRef>
-          <a:fontRef idx="minor">
-            <a:schemeClr val="tx1"/>
-          </a:fontRef>
-        </p:style>
-      </p:cxnSp>
-      <p:sp>
-        <p:nvSpPr>
-          <p:cNvPr id="19" name="TextBox 18">
-            <a:extLst>
-              <a:ext uri="{FF2B5EF4-FFF2-40B4-BE49-F238E27FC236}">
-                <a16:creationId xmlns:a16="http://schemas.microsoft.com/office/drawing/2014/main" id="{0EE2FD64-DE78-49DC-9C18-6AF116F1AD58}"/>
-              </a:ext>
-            </a:extLst>
-          </p:cNvPr>
-          <p:cNvSpPr txBox="1"/>
-          <p:nvPr/>
-        </p:nvSpPr>
-        <p:spPr>
-          <a:xfrm>
-            <a:off x="7568405" y="4492758"/>
-            <a:ext cx="1077040" cy="369332"/>
-          </a:xfrm>
-          <a:prstGeom prst="rect">
-            <a:avLst/>
-          </a:prstGeom>
-          <a:noFill/>
-        </p:spPr>
-        <p:txBody>
-          <a:bodyPr wrap="square" rtlCol="0">
-            <a:spAutoFit/>
-          </a:bodyPr>
-          <a:lstStyle/>
-          <a:p>
-            <a:r>
-              <a:rPr lang="en-US" altLang="ko-KR" dirty="0"/>
-              <a:t>caption0</a:t>
-            </a:r>
-            <a:endParaRPr lang="ko-KR" altLang="en-US" dirty="0"/>
-          </a:p>
-        </p:txBody>
-      </p:sp>
-      <p:sp>
-        <p:nvSpPr>
-          <p:cNvPr id="20" name="TextBox 19">
-            <a:extLst>
-              <a:ext uri="{FF2B5EF4-FFF2-40B4-BE49-F238E27FC236}">
-                <a16:creationId xmlns:a16="http://schemas.microsoft.com/office/drawing/2014/main" id="{81529932-0338-42AA-8253-BC71887BD489}"/>
-              </a:ext>
-            </a:extLst>
-          </p:cNvPr>
-          <p:cNvSpPr txBox="1"/>
-          <p:nvPr/>
-        </p:nvSpPr>
-        <p:spPr>
-          <a:xfrm>
-            <a:off x="6381528" y="5654975"/>
-            <a:ext cx="2188234" cy="369332"/>
-          </a:xfrm>
-          <a:prstGeom prst="rect">
-            <a:avLst/>
-          </a:prstGeom>
-          <a:noFill/>
-        </p:spPr>
-        <p:txBody>
-          <a:bodyPr wrap="square" rtlCol="0">
-            <a:spAutoFit/>
-          </a:bodyPr>
-          <a:lstStyle/>
-          <a:p>
-            <a:r>
-              <a:rPr lang="en-US" altLang="ko-KR" dirty="0"/>
-              <a:t>Caption( </a:t>
-            </a:r>
-            <a:r>
-              <a:rPr lang="en-US" altLang="ko-KR" dirty="0" err="1"/>
-              <a:t>batch_size</a:t>
-            </a:r>
-            <a:r>
-              <a:rPr lang="en-US" altLang="ko-KR" dirty="0"/>
-              <a:t>)</a:t>
-            </a:r>
-            <a:endParaRPr lang="ko-KR" altLang="en-US" dirty="0"/>
-          </a:p>
-        </p:txBody>
-      </p:sp>
-      <p:sp>
-        <p:nvSpPr>
-          <p:cNvPr id="21" name="오른쪽 중괄호 20">
-            <a:extLst>
-              <a:ext uri="{FF2B5EF4-FFF2-40B4-BE49-F238E27FC236}">
-                <a16:creationId xmlns:a16="http://schemas.microsoft.com/office/drawing/2014/main" id="{C35FDB7E-E345-4473-B608-609BC5167DC9}"/>
-              </a:ext>
-            </a:extLst>
-          </p:cNvPr>
-          <p:cNvSpPr/>
-          <p:nvPr/>
-        </p:nvSpPr>
-        <p:spPr>
-          <a:xfrm rot="5400000">
-            <a:off x="9754005" y="5378069"/>
-            <a:ext cx="124317" cy="1382109"/>
-          </a:xfrm>
-          <a:prstGeom prst="rightBrace">
-            <a:avLst>
-              <a:gd name="adj1" fmla="val 134869"/>
-              <a:gd name="adj2" fmla="val 50621"/>
-            </a:avLst>
-          </a:prstGeom>
-        </p:spPr>
-        <p:style>
-          <a:lnRef idx="1">
-            <a:schemeClr val="accent1"/>
-          </a:lnRef>
-          <a:fillRef idx="0">
-            <a:schemeClr val="accent1"/>
-          </a:fillRef>
-          <a:effectRef idx="0">
-            <a:schemeClr val="accent1"/>
-          </a:effectRef>
-          <a:fontRef idx="minor">
-            <a:schemeClr val="tx1"/>
-          </a:fontRef>
-        </p:style>
-        <p:txBody>
-          <a:bodyPr rtlCol="0" anchor="ctr"/>
-          <a:lstStyle/>
-          <a:p>
-            <a:pPr algn="ctr"/>
-            <a:endParaRPr lang="ko-KR" altLang="en-US"/>
-          </a:p>
-        </p:txBody>
-      </p:sp>
-      <p:sp>
-        <p:nvSpPr>
-          <p:cNvPr id="22" name="TextBox 21">
-            <a:extLst>
-              <a:ext uri="{FF2B5EF4-FFF2-40B4-BE49-F238E27FC236}">
-                <a16:creationId xmlns:a16="http://schemas.microsoft.com/office/drawing/2014/main" id="{904E285B-6712-44AE-89E5-F350A6BE6142}"/>
-              </a:ext>
-            </a:extLst>
-          </p:cNvPr>
-          <p:cNvSpPr txBox="1"/>
-          <p:nvPr/>
-        </p:nvSpPr>
-        <p:spPr>
-          <a:xfrm>
-            <a:off x="8747185" y="6121715"/>
-            <a:ext cx="2688465" cy="369332"/>
-          </a:xfrm>
-          <a:prstGeom prst="rect">
-            <a:avLst/>
-          </a:prstGeom>
-          <a:noFill/>
-        </p:spPr>
-        <p:txBody>
-          <a:bodyPr wrap="square" rtlCol="0">
-            <a:spAutoFit/>
-          </a:bodyPr>
-          <a:lstStyle/>
-          <a:p>
-            <a:r>
-              <a:rPr lang="en-US" altLang="ko-KR" dirty="0"/>
-              <a:t>max(</a:t>
-            </a:r>
-            <a:r>
-              <a:rPr lang="en-US" altLang="ko-KR" dirty="0" err="1"/>
-              <a:t>caption_lengths</a:t>
-            </a:r>
-            <a:r>
-              <a:rPr lang="en-US" altLang="ko-KR" dirty="0"/>
-              <a:t>)</a:t>
-            </a:r>
-            <a:endParaRPr lang="ko-KR" altLang="en-US" dirty="0"/>
-          </a:p>
-        </p:txBody>
-      </p:sp>
-      <p:sp>
-        <p:nvSpPr>
-          <p:cNvPr id="23" name="직사각형 22">
-            <a:extLst>
-              <a:ext uri="{FF2B5EF4-FFF2-40B4-BE49-F238E27FC236}">
-                <a16:creationId xmlns:a16="http://schemas.microsoft.com/office/drawing/2014/main" id="{DE11710E-3116-47D9-A3B9-52A264FD1591}"/>
-              </a:ext>
-            </a:extLst>
-          </p:cNvPr>
-          <p:cNvSpPr/>
-          <p:nvPr/>
-        </p:nvSpPr>
-        <p:spPr>
-          <a:xfrm>
-            <a:off x="7568405" y="6408543"/>
-            <a:ext cx="3566104" cy="369332"/>
+            <a:off x="351894" y="944028"/>
+            <a:ext cx="8127299" cy="1874060"/>
           </a:xfrm>
           <a:prstGeom prst="rect">
             <a:avLst/>
           </a:prstGeom>
         </p:spPr>
-        <p:txBody>
-          <a:bodyPr wrap="none">
-            <a:spAutoFit/>
-          </a:bodyPr>
-          <a:lstStyle/>
-          <a:p>
-            <a:r>
-              <a:rPr lang="en-US" altLang="ko-KR" dirty="0"/>
-              <a:t>&lt;Target : batch</a:t>
-            </a:r>
-            <a:r>
-              <a:rPr lang="ko-KR" altLang="en-US" dirty="0"/>
-              <a:t>로 묶인 </a:t>
-            </a:r>
-            <a:r>
-              <a:rPr lang="en-US" altLang="ko-KR" dirty="0"/>
-              <a:t>caption&gt;</a:t>
-            </a:r>
-          </a:p>
-        </p:txBody>
-      </p:sp>
+      </p:pic>
     </p:spTree>
     <p:extLst>
       <p:ext uri="{BB962C8B-B14F-4D97-AF65-F5344CB8AC3E}">
-        <p14:creationId xmlns:p14="http://schemas.microsoft.com/office/powerpoint/2010/main" val="4230662412"/>
+        <p14:creationId xmlns:p14="http://schemas.microsoft.com/office/powerpoint/2010/main" val="741665249"/>
       </p:ext>
     </p:extLst>
   </p:cSld>
@@ -5440,7 +5245,824 @@
 </p:sld>
 </file>
 
-<file path=ppt/slides/slide4.xml><?xml version="1.0" encoding="utf-8"?>
+<file path=ppt/slides/slide12.xml><?xml version="1.0" encoding="utf-8"?>
+<p:sld xmlns:a="http://schemas.openxmlformats.org/drawingml/2006/main" xmlns:r="http://schemas.openxmlformats.org/officeDocument/2006/relationships" xmlns:p="http://schemas.openxmlformats.org/presentationml/2006/main">
+  <p:cSld>
+    <p:spTree>
+      <p:nvGrpSpPr>
+        <p:cNvPr id="1" name=""/>
+        <p:cNvGrpSpPr/>
+        <p:nvPr/>
+      </p:nvGrpSpPr>
+      <p:grpSpPr>
+        <a:xfrm>
+          <a:off x="0" y="0"/>
+          <a:ext cx="0" cy="0"/>
+          <a:chOff x="0" y="0"/>
+          <a:chExt cx="0" cy="0"/>
+        </a:xfrm>
+      </p:grpSpPr>
+      <p:sp>
+        <p:nvSpPr>
+          <p:cNvPr id="4" name="슬라이드 번호 개체 틀 3">
+            <a:extLst>
+              <a:ext uri="{FF2B5EF4-FFF2-40B4-BE49-F238E27FC236}">
+                <a16:creationId xmlns:a16="http://schemas.microsoft.com/office/drawing/2014/main" id="{8A52180F-95BA-48F2-BB00-3AC13F31BEB6}"/>
+              </a:ext>
+            </a:extLst>
+          </p:cNvPr>
+          <p:cNvSpPr>
+            <a:spLocks noGrp="1"/>
+          </p:cNvSpPr>
+          <p:nvPr>
+            <p:ph type="sldNum" sz="quarter" idx="12"/>
+          </p:nvPr>
+        </p:nvSpPr>
+        <p:spPr/>
+        <p:txBody>
+          <a:bodyPr/>
+          <a:lstStyle/>
+          <a:p>
+            <a:fld id="{C3EC3709-AF19-4BC3-8020-8E9C5E0E1F7D}" type="slidenum">
+              <a:rPr lang="ko-KR" altLang="en-US" smtClean="0"/>
+              <a:t>12</a:t>
+            </a:fld>
+            <a:endParaRPr lang="ko-KR" altLang="en-US"/>
+          </a:p>
+        </p:txBody>
+      </p:sp>
+      <p:sp>
+        <p:nvSpPr>
+          <p:cNvPr id="2" name="직사각형 1">
+            <a:extLst>
+              <a:ext uri="{FF2B5EF4-FFF2-40B4-BE49-F238E27FC236}">
+                <a16:creationId xmlns:a16="http://schemas.microsoft.com/office/drawing/2014/main" id="{DE928BF8-F0C9-452A-9C91-422748CBBFA4}"/>
+              </a:ext>
+            </a:extLst>
+          </p:cNvPr>
+          <p:cNvSpPr/>
+          <p:nvPr/>
+        </p:nvSpPr>
+        <p:spPr>
+          <a:xfrm>
+            <a:off x="936638" y="893306"/>
+            <a:ext cx="6096000" cy="3416320"/>
+          </a:xfrm>
+          <a:prstGeom prst="rect">
+            <a:avLst/>
+          </a:prstGeom>
+        </p:spPr>
+        <p:txBody>
+          <a:bodyPr>
+            <a:spAutoFit/>
+          </a:bodyPr>
+          <a:lstStyle/>
+          <a:p>
+            <a:r>
+              <a:rPr lang="en-US" altLang="ko-KR" sz="900" dirty="0"/>
+              <a:t>###### [[</a:t>
+            </a:r>
+          </a:p>
+          <a:p>
+            <a:r>
+              <a:rPr lang="en-US" altLang="ko-KR" sz="900" dirty="0"/>
+              <a:t>[4, 170, 1055, 161, 4064, 177, 524, 170, 3, 366, 131, 4124, 162, 379, 33, 354, 208, 52, 1307, 19], </a:t>
+            </a:r>
+          </a:p>
+          <a:p>
+            <a:r>
+              <a:rPr lang="en-US" altLang="ko-KR" sz="900" dirty="0"/>
+              <a:t>[4, 170, 1055, 161, 4064, 177, 524, 170, 3, 366, 131, 4124, 162, 379, 33, 354, 208, 52, 1307, 19], </a:t>
+            </a:r>
+          </a:p>
+          <a:p>
+            <a:r>
+              <a:rPr lang="en-US" altLang="ko-KR" sz="900" dirty="0"/>
+              <a:t>[4, 170, 1055, 161, 4064, 177, 524, 170, 3, 366, 131, 4124, 162, 379, 33, 354, 208, 52, 1307, 19], </a:t>
+            </a:r>
+          </a:p>
+          <a:p>
+            <a:r>
+              <a:rPr lang="en-US" altLang="ko-KR" sz="900" dirty="0"/>
+              <a:t>[4, 170, 1055, 161, 4064, 177, 524, 170, 3, 366, 131, 4124, 162, 379, 33, 354, 208, 52, 1307, 19],</a:t>
+            </a:r>
+          </a:p>
+          <a:p>
+            <a:r>
+              <a:rPr lang="en-US" altLang="ko-KR" sz="900" dirty="0"/>
+              <a:t>[4, 170, 1055, 161, 4064, 177, 524, 170, 3, 366, 131, 4124, 162, 379, 33, 354, 208, 52, 1307, 19], </a:t>
+            </a:r>
+          </a:p>
+          <a:p>
+            <a:r>
+              <a:rPr lang="en-US" altLang="ko-KR" sz="900" dirty="0"/>
+              <a:t>[4, 170, 1055, 161, 4064, 177, 524, 170, 3, 366, 131, 4124, 162, 379, 33, 354, 208, 52, 1307, 19], </a:t>
+            </a:r>
+          </a:p>
+          <a:p>
+            <a:r>
+              <a:rPr lang="en-US" altLang="ko-KR" sz="900" dirty="0"/>
+              <a:t>[4, 170, 1055, 161, 4064, 177, 524, 170, 3, 366, 131, 4124, 162, 379, 33, 354, 208, 52, 1307, 19], </a:t>
+            </a:r>
+          </a:p>
+          <a:p>
+            <a:r>
+              <a:rPr lang="en-US" altLang="ko-KR" sz="900" dirty="0"/>
+              <a:t>[4, 170, 1055, 161, 4064, 177, 524, 170, 3, 366, 131, 4124, 162, 379, 33, 354, 208, 52, 1307, 19], </a:t>
+            </a:r>
+          </a:p>
+          <a:p>
+            <a:r>
+              <a:rPr lang="en-US" altLang="ko-KR" sz="900" dirty="0"/>
+              <a:t>[4, 170, 1055, 161, 4064, 177, 524, 170, 3, 366, 131, 4124, 162, 379, 33, 354, 208, 52, 1307, 19], </a:t>
+            </a:r>
+          </a:p>
+          <a:p>
+            <a:r>
+              <a:rPr lang="en-US" altLang="ko-KR" sz="900" dirty="0"/>
+              <a:t>[4, 170, 1055, 161, 4064, 177, 524, 170, 3, 366, 131, 4124, 162, 379, 33, 354, 208, 52, 1307, 19], </a:t>
+            </a:r>
+          </a:p>
+          <a:p>
+            <a:r>
+              <a:rPr lang="en-US" altLang="ko-KR" sz="900" dirty="0"/>
+              <a:t>[4, 170, 1055, 161, 4064, 177, 524, 170, 3, 366, 131, 4124, 162, 379, 33, 354, 208, 52, 1307, 19],</a:t>
+            </a:r>
+          </a:p>
+          <a:p>
+            <a:r>
+              <a:rPr lang="en-US" altLang="ko-KR" sz="900" dirty="0"/>
+              <a:t>[4, 170, 1055, 161, 4064, 177, 524, 170, 3, 366, 131, 4124, 162, 379, 33, 354, 208, 52, 1307, 19], </a:t>
+            </a:r>
+          </a:p>
+          <a:p>
+            <a:r>
+              <a:rPr lang="en-US" altLang="ko-KR" sz="900" dirty="0"/>
+              <a:t>[4, 170, 1055, 161, 4064, 177, 524, 170, 3, 366, 131, 4124, 162, 379, 33, 354, 208, 52, 1307, 19], </a:t>
+            </a:r>
+          </a:p>
+          <a:p>
+            <a:r>
+              <a:rPr lang="en-US" altLang="ko-KR" sz="900" dirty="0"/>
+              <a:t>[4, 170, 1055, 161, 4064, 177, 524, 170, 3, 366, 131, 4124, 162, 379, 33, 354, 208, 52, 1307, 19], </a:t>
+            </a:r>
+          </a:p>
+          <a:p>
+            <a:r>
+              <a:rPr lang="en-US" altLang="ko-KR" sz="900" dirty="0"/>
+              <a:t>[4, 170, 1055, 161, 4064, 177, 524, 170, 3, 366, 131, 4124, 162, 379, 33, 354, 208, 52, 1307, 19], </a:t>
+            </a:r>
+          </a:p>
+          <a:p>
+            <a:r>
+              <a:rPr lang="en-US" altLang="ko-KR" sz="900" dirty="0"/>
+              <a:t>[4, 170, 1055, 161, 4064, 177, 524, 170, 3, 366, 131, 4124, 162, 379, 33, 354, 208, 52, 1307, 19], </a:t>
+            </a:r>
+          </a:p>
+          <a:p>
+            <a:r>
+              <a:rPr lang="en-US" altLang="ko-KR" sz="900" dirty="0"/>
+              <a:t>[4, 170, 1055, 161, 4064, 177, 524, 170, 3, 366, 131, 4124, 162, 379, 33, 354, 208, 52, 1307, 19], </a:t>
+            </a:r>
+          </a:p>
+          <a:p>
+            <a:r>
+              <a:rPr lang="en-US" altLang="ko-KR" sz="900" dirty="0"/>
+              <a:t>[4, 170, 1055, 161, 4064, 177, 524, 170, 3, 366, 131, 4124, 162, 379, 33, 354, 208, 52, 1307, 19], </a:t>
+            </a:r>
+          </a:p>
+          <a:p>
+            <a:r>
+              <a:rPr lang="en-US" altLang="ko-KR" sz="900" dirty="0"/>
+              <a:t>[4, 170, 1055, 161, 4064, 177, 524, 170, 3, 366, 131, 4124, 162, 379, 33, 354, 208, 52, 1307, 19], </a:t>
+            </a:r>
+          </a:p>
+          <a:p>
+            <a:r>
+              <a:rPr lang="en-US" altLang="ko-KR" sz="900" dirty="0"/>
+              <a:t>[4, 170, 1055, 161, 4064, 177, 524, 170, 3, 366, 131, 4124, 162, 379, 33, 354, 208, 52, 1307, 19], </a:t>
+            </a:r>
+          </a:p>
+          <a:p>
+            <a:r>
+              <a:rPr lang="en-US" altLang="ko-KR" sz="900" dirty="0"/>
+              <a:t>[4, 170, 1055, 161, 4064, 177, 524, 170, 3, 366, 131, 4124, 162, 379, 33, 354, 208, 52, 1307, 19]</a:t>
+            </a:r>
+          </a:p>
+          <a:p>
+            <a:r>
+              <a:rPr lang="en-US" altLang="ko-KR" sz="900" dirty="0"/>
+              <a:t>]] </a:t>
+            </a:r>
+          </a:p>
+          <a:p>
+            <a:r>
+              <a:rPr lang="en-US" altLang="ko-KR" sz="900" dirty="0"/>
+              <a:t>[[4, 170, 727, 161, 4064, 177, 4, 170, 131, 131, 131, 366, 7, 379, 33, 354, 22, 33, 1307, 19]]</a:t>
+            </a:r>
+          </a:p>
+        </p:txBody>
+      </p:sp>
+      <p:pic>
+        <p:nvPicPr>
+          <p:cNvPr id="3" name="그림 2">
+            <a:extLst>
+              <a:ext uri="{FF2B5EF4-FFF2-40B4-BE49-F238E27FC236}">
+                <a16:creationId xmlns:a16="http://schemas.microsoft.com/office/drawing/2014/main" id="{EBD7E026-C22A-4E4A-AF74-23DCC945A07A}"/>
+              </a:ext>
+            </a:extLst>
+          </p:cNvPr>
+          <p:cNvPicPr>
+            <a:picLocks noChangeAspect="1"/>
+          </p:cNvPicPr>
+          <p:nvPr/>
+        </p:nvPicPr>
+        <p:blipFill>
+          <a:blip r:embed="rId2"/>
+          <a:stretch>
+            <a:fillRect/>
+          </a:stretch>
+        </p:blipFill>
+        <p:spPr>
+          <a:xfrm>
+            <a:off x="6654681" y="1553244"/>
+            <a:ext cx="5537319" cy="3221985"/>
+          </a:xfrm>
+          <a:prstGeom prst="rect">
+            <a:avLst/>
+          </a:prstGeom>
+        </p:spPr>
+      </p:pic>
+    </p:spTree>
+    <p:extLst>
+      <p:ext uri="{BB962C8B-B14F-4D97-AF65-F5344CB8AC3E}">
+        <p14:creationId xmlns:p14="http://schemas.microsoft.com/office/powerpoint/2010/main" val="1965471103"/>
+      </p:ext>
+    </p:extLst>
+  </p:cSld>
+  <p:clrMapOvr>
+    <a:masterClrMapping/>
+  </p:clrMapOvr>
+</p:sld>
+</file>
+
+<file path=ppt/slides/slide13.xml><?xml version="1.0" encoding="utf-8"?>
+<p:sld xmlns:a="http://schemas.openxmlformats.org/drawingml/2006/main" xmlns:r="http://schemas.openxmlformats.org/officeDocument/2006/relationships" xmlns:p="http://schemas.openxmlformats.org/presentationml/2006/main">
+  <p:cSld>
+    <p:spTree>
+      <p:nvGrpSpPr>
+        <p:cNvPr id="1" name=""/>
+        <p:cNvGrpSpPr/>
+        <p:nvPr/>
+      </p:nvGrpSpPr>
+      <p:grpSpPr>
+        <a:xfrm>
+          <a:off x="0" y="0"/>
+          <a:ext cx="0" cy="0"/>
+          <a:chOff x="0" y="0"/>
+          <a:chExt cx="0" cy="0"/>
+        </a:xfrm>
+      </p:grpSpPr>
+      <p:sp>
+        <p:nvSpPr>
+          <p:cNvPr id="4" name="슬라이드 번호 개체 틀 3">
+            <a:extLst>
+              <a:ext uri="{FF2B5EF4-FFF2-40B4-BE49-F238E27FC236}">
+                <a16:creationId xmlns:a16="http://schemas.microsoft.com/office/drawing/2014/main" id="{8A52180F-95BA-48F2-BB00-3AC13F31BEB6}"/>
+              </a:ext>
+            </a:extLst>
+          </p:cNvPr>
+          <p:cNvSpPr>
+            <a:spLocks noGrp="1"/>
+          </p:cNvSpPr>
+          <p:nvPr>
+            <p:ph type="sldNum" sz="quarter" idx="12"/>
+          </p:nvPr>
+        </p:nvSpPr>
+        <p:spPr/>
+        <p:txBody>
+          <a:bodyPr/>
+          <a:lstStyle/>
+          <a:p>
+            <a:fld id="{C3EC3709-AF19-4BC3-8020-8E9C5E0E1F7D}" type="slidenum">
+              <a:rPr lang="ko-KR" altLang="en-US" smtClean="0"/>
+              <a:t>13</a:t>
+            </a:fld>
+            <a:endParaRPr lang="ko-KR" altLang="en-US"/>
+          </a:p>
+        </p:txBody>
+      </p:sp>
+      <p:pic>
+        <p:nvPicPr>
+          <p:cNvPr id="2" name="그림 1">
+            <a:extLst>
+              <a:ext uri="{FF2B5EF4-FFF2-40B4-BE49-F238E27FC236}">
+                <a16:creationId xmlns:a16="http://schemas.microsoft.com/office/drawing/2014/main" id="{5741D86A-E2EF-42FF-BA63-90F068E2A9B0}"/>
+              </a:ext>
+            </a:extLst>
+          </p:cNvPr>
+          <p:cNvPicPr>
+            <a:picLocks noChangeAspect="1"/>
+          </p:cNvPicPr>
+          <p:nvPr/>
+        </p:nvPicPr>
+        <p:blipFill>
+          <a:blip r:embed="rId2"/>
+          <a:stretch>
+            <a:fillRect/>
+          </a:stretch>
+        </p:blipFill>
+        <p:spPr>
+          <a:xfrm>
+            <a:off x="1120229" y="1098884"/>
+            <a:ext cx="4797408" cy="4600074"/>
+          </a:xfrm>
+          <a:prstGeom prst="rect">
+            <a:avLst/>
+          </a:prstGeom>
+        </p:spPr>
+      </p:pic>
+      <p:pic>
+        <p:nvPicPr>
+          <p:cNvPr id="3" name="그림 2">
+            <a:extLst>
+              <a:ext uri="{FF2B5EF4-FFF2-40B4-BE49-F238E27FC236}">
+                <a16:creationId xmlns:a16="http://schemas.microsoft.com/office/drawing/2014/main" id="{79D56C85-ACF3-422D-9E50-45AE8F7BC729}"/>
+              </a:ext>
+            </a:extLst>
+          </p:cNvPr>
+          <p:cNvPicPr>
+            <a:picLocks noChangeAspect="1"/>
+          </p:cNvPicPr>
+          <p:nvPr/>
+        </p:nvPicPr>
+        <p:blipFill>
+          <a:blip r:embed="rId3"/>
+          <a:stretch>
+            <a:fillRect/>
+          </a:stretch>
+        </p:blipFill>
+        <p:spPr>
+          <a:xfrm>
+            <a:off x="6373228" y="1412708"/>
+            <a:ext cx="3901741" cy="2590434"/>
+          </a:xfrm>
+          <a:prstGeom prst="rect">
+            <a:avLst/>
+          </a:prstGeom>
+        </p:spPr>
+      </p:pic>
+    </p:spTree>
+    <p:extLst>
+      <p:ext uri="{BB962C8B-B14F-4D97-AF65-F5344CB8AC3E}">
+        <p14:creationId xmlns:p14="http://schemas.microsoft.com/office/powerpoint/2010/main" val="3924031189"/>
+      </p:ext>
+    </p:extLst>
+  </p:cSld>
+  <p:clrMapOvr>
+    <a:masterClrMapping/>
+  </p:clrMapOvr>
+</p:sld>
+</file>
+
+<file path=ppt/slides/slide14.xml><?xml version="1.0" encoding="utf-8"?>
+<p:sld xmlns:a="http://schemas.openxmlformats.org/drawingml/2006/main" xmlns:r="http://schemas.openxmlformats.org/officeDocument/2006/relationships" xmlns:p="http://schemas.openxmlformats.org/presentationml/2006/main">
+  <p:cSld>
+    <p:spTree>
+      <p:nvGrpSpPr>
+        <p:cNvPr id="1" name=""/>
+        <p:cNvGrpSpPr/>
+        <p:nvPr/>
+      </p:nvGrpSpPr>
+      <p:grpSpPr>
+        <a:xfrm>
+          <a:off x="0" y="0"/>
+          <a:ext cx="0" cy="0"/>
+          <a:chOff x="0" y="0"/>
+          <a:chExt cx="0" cy="0"/>
+        </a:xfrm>
+      </p:grpSpPr>
+      <p:sp>
+        <p:nvSpPr>
+          <p:cNvPr id="4" name="슬라이드 번호 개체 틀 3">
+            <a:extLst>
+              <a:ext uri="{FF2B5EF4-FFF2-40B4-BE49-F238E27FC236}">
+                <a16:creationId xmlns:a16="http://schemas.microsoft.com/office/drawing/2014/main" id="{22578914-5DF5-4ED9-916A-DA6AD50005E4}"/>
+              </a:ext>
+            </a:extLst>
+          </p:cNvPr>
+          <p:cNvSpPr>
+            <a:spLocks noGrp="1"/>
+          </p:cNvSpPr>
+          <p:nvPr>
+            <p:ph type="sldNum" sz="quarter" idx="12"/>
+          </p:nvPr>
+        </p:nvSpPr>
+        <p:spPr/>
+        <p:txBody>
+          <a:bodyPr/>
+          <a:lstStyle/>
+          <a:p>
+            <a:fld id="{C3EC3709-AF19-4BC3-8020-8E9C5E0E1F7D}" type="slidenum">
+              <a:rPr lang="ko-KR" altLang="en-US" smtClean="0"/>
+              <a:t>14</a:t>
+            </a:fld>
+            <a:endParaRPr lang="ko-KR" altLang="en-US"/>
+          </a:p>
+        </p:txBody>
+      </p:sp>
+      <p:pic>
+        <p:nvPicPr>
+          <p:cNvPr id="5" name="그림 4">
+            <a:extLst>
+              <a:ext uri="{FF2B5EF4-FFF2-40B4-BE49-F238E27FC236}">
+                <a16:creationId xmlns:a16="http://schemas.microsoft.com/office/drawing/2014/main" id="{C5C4E00A-880E-40F4-9CEC-0B091D7CD6D4}"/>
+              </a:ext>
+            </a:extLst>
+          </p:cNvPr>
+          <p:cNvPicPr>
+            <a:picLocks noChangeAspect="1"/>
+          </p:cNvPicPr>
+          <p:nvPr/>
+        </p:nvPicPr>
+        <p:blipFill>
+          <a:blip r:embed="rId2"/>
+          <a:stretch>
+            <a:fillRect/>
+          </a:stretch>
+        </p:blipFill>
+        <p:spPr>
+          <a:xfrm>
+            <a:off x="1789555" y="1856361"/>
+            <a:ext cx="8724082" cy="2166383"/>
+          </a:xfrm>
+          <a:prstGeom prst="rect">
+            <a:avLst/>
+          </a:prstGeom>
+        </p:spPr>
+      </p:pic>
+    </p:spTree>
+    <p:extLst>
+      <p:ext uri="{BB962C8B-B14F-4D97-AF65-F5344CB8AC3E}">
+        <p14:creationId xmlns:p14="http://schemas.microsoft.com/office/powerpoint/2010/main" val="2060812946"/>
+      </p:ext>
+    </p:extLst>
+  </p:cSld>
+  <p:clrMapOvr>
+    <a:masterClrMapping/>
+  </p:clrMapOvr>
+</p:sld>
+</file>
+
+<file path=ppt/slides/slide15.xml><?xml version="1.0" encoding="utf-8"?>
+<p:sld xmlns:a="http://schemas.openxmlformats.org/drawingml/2006/main" xmlns:r="http://schemas.openxmlformats.org/officeDocument/2006/relationships" xmlns:p="http://schemas.openxmlformats.org/presentationml/2006/main">
+  <p:cSld>
+    <p:spTree>
+      <p:nvGrpSpPr>
+        <p:cNvPr id="1" name=""/>
+        <p:cNvGrpSpPr/>
+        <p:nvPr/>
+      </p:nvGrpSpPr>
+      <p:grpSpPr>
+        <a:xfrm>
+          <a:off x="0" y="0"/>
+          <a:ext cx="0" cy="0"/>
+          <a:chOff x="0" y="0"/>
+          <a:chExt cx="0" cy="0"/>
+        </a:xfrm>
+      </p:grpSpPr>
+      <p:sp>
+        <p:nvSpPr>
+          <p:cNvPr id="4" name="슬라이드 번호 개체 틀 3">
+            <a:extLst>
+              <a:ext uri="{FF2B5EF4-FFF2-40B4-BE49-F238E27FC236}">
+                <a16:creationId xmlns:a16="http://schemas.microsoft.com/office/drawing/2014/main" id="{22578914-5DF5-4ED9-916A-DA6AD50005E4}"/>
+              </a:ext>
+            </a:extLst>
+          </p:cNvPr>
+          <p:cNvSpPr>
+            <a:spLocks noGrp="1"/>
+          </p:cNvSpPr>
+          <p:nvPr>
+            <p:ph type="sldNum" sz="quarter" idx="12"/>
+          </p:nvPr>
+        </p:nvSpPr>
+        <p:spPr/>
+        <p:txBody>
+          <a:bodyPr/>
+          <a:lstStyle/>
+          <a:p>
+            <a:fld id="{C3EC3709-AF19-4BC3-8020-8E9C5E0E1F7D}" type="slidenum">
+              <a:rPr lang="ko-KR" altLang="en-US" smtClean="0"/>
+              <a:t>15</a:t>
+            </a:fld>
+            <a:endParaRPr lang="ko-KR" altLang="en-US"/>
+          </a:p>
+        </p:txBody>
+      </p:sp>
+      <p:sp>
+        <p:nvSpPr>
+          <p:cNvPr id="2" name="직사각형 1">
+            <a:extLst>
+              <a:ext uri="{FF2B5EF4-FFF2-40B4-BE49-F238E27FC236}">
+                <a16:creationId xmlns:a16="http://schemas.microsoft.com/office/drawing/2014/main" id="{0D58D62F-365D-4696-A799-9DF0D0DCF6DA}"/>
+              </a:ext>
+            </a:extLst>
+          </p:cNvPr>
+          <p:cNvSpPr/>
+          <p:nvPr/>
+        </p:nvSpPr>
+        <p:spPr>
+          <a:xfrm>
+            <a:off x="762000" y="1875144"/>
+            <a:ext cx="6096000" cy="3693319"/>
+          </a:xfrm>
+          <a:prstGeom prst="rect">
+            <a:avLst/>
+          </a:prstGeom>
+        </p:spPr>
+        <p:txBody>
+          <a:bodyPr>
+            <a:spAutoFit/>
+          </a:bodyPr>
+          <a:lstStyle/>
+          <a:p>
+            <a:r>
+              <a:rPr lang="ko-KR" altLang="en-US" sz="900" dirty="0"/>
+              <a:t> </a:t>
+            </a:r>
+            <a:r>
+              <a:rPr lang="ko-KR" altLang="en-US" sz="900" dirty="0" err="1"/>
+              <a:t>ref</a:t>
+            </a:r>
+            <a:r>
+              <a:rPr lang="ko-KR" altLang="en-US" sz="900" dirty="0"/>
+              <a:t> </a:t>
+            </a:r>
+            <a:r>
+              <a:rPr lang="ko-KR" altLang="en-US" sz="900" dirty="0" err="1"/>
+              <a:t>m</a:t>
+            </a:r>
+            <a:r>
+              <a:rPr lang="ko-KR" altLang="en-US" sz="900" dirty="0"/>
+              <a:t> </a:t>
+            </a:r>
+            <a:r>
+              <a:rPr lang="ko-KR" altLang="en-US" sz="900" dirty="0" err="1"/>
+              <a:t>hypo</a:t>
+            </a:r>
+            <a:r>
+              <a:rPr lang="ko-KR" altLang="en-US" sz="900" dirty="0"/>
+              <a:t> </a:t>
+            </a:r>
+            <a:endParaRPr lang="en-US" altLang="ko-KR" sz="900" dirty="0"/>
+          </a:p>
+          <a:p>
+            <a:r>
+              <a:rPr lang="ko-KR" altLang="en-US" sz="900" dirty="0"/>
+              <a:t> [[4, 583, 323, 408, 7, 252, 3, 3293],</a:t>
+            </a:r>
+            <a:endParaRPr lang="en-US" altLang="ko-KR" sz="900" dirty="0"/>
+          </a:p>
+          <a:p>
+            <a:r>
+              <a:rPr lang="ko-KR" altLang="en-US" sz="900" dirty="0"/>
+              <a:t> [4, 583, 323, 408, 7, 252, 3, 3293],</a:t>
+            </a:r>
+            <a:endParaRPr lang="en-US" altLang="ko-KR" sz="900" dirty="0"/>
+          </a:p>
+          <a:p>
+            <a:r>
+              <a:rPr lang="ko-KR" altLang="en-US" sz="900" dirty="0"/>
+              <a:t> [4, 583, 323, 408, 7, 252, 3, 3293], </a:t>
+            </a:r>
+            <a:endParaRPr lang="en-US" altLang="ko-KR" sz="900" dirty="0"/>
+          </a:p>
+          <a:p>
+            <a:r>
+              <a:rPr lang="ko-KR" altLang="en-US" sz="900" dirty="0"/>
+              <a:t>[4, 583, 323, 408, 7, 252, 3, 3293], </a:t>
+            </a:r>
+            <a:endParaRPr lang="en-US" altLang="ko-KR" sz="900" dirty="0"/>
+          </a:p>
+          <a:p>
+            <a:r>
+              <a:rPr lang="ko-KR" altLang="en-US" sz="900" dirty="0"/>
+              <a:t>[4, 583, 323, 408, 7, 252, 3, 3293], </a:t>
+            </a:r>
+            <a:endParaRPr lang="en-US" altLang="ko-KR" sz="900" dirty="0"/>
+          </a:p>
+          <a:p>
+            <a:r>
+              <a:rPr lang="ko-KR" altLang="en-US" sz="900" dirty="0"/>
+              <a:t>[4, 583, 323, 408, 7, 252, 3, 3293],</a:t>
+            </a:r>
+            <a:endParaRPr lang="en-US" altLang="ko-KR" sz="900" dirty="0"/>
+          </a:p>
+          <a:p>
+            <a:r>
+              <a:rPr lang="ko-KR" altLang="en-US" sz="900" dirty="0"/>
+              <a:t> [4, 583, 323, 408, 7, 252, 3, 3293],</a:t>
+            </a:r>
+            <a:endParaRPr lang="en-US" altLang="ko-KR" sz="900" dirty="0"/>
+          </a:p>
+          <a:p>
+            <a:r>
+              <a:rPr lang="ko-KR" altLang="en-US" sz="900" dirty="0"/>
+              <a:t> [4, 583, 323, 408, 7, 252, 3, 3293], </a:t>
+            </a:r>
+            <a:endParaRPr lang="en-US" altLang="ko-KR" sz="900" dirty="0"/>
+          </a:p>
+          <a:p>
+            <a:r>
+              <a:rPr lang="ko-KR" altLang="en-US" sz="900" dirty="0"/>
+              <a:t>[4, 583, 323, 408, 7, 252, 3, 3293], </a:t>
+            </a:r>
+            <a:endParaRPr lang="en-US" altLang="ko-KR" sz="900" dirty="0"/>
+          </a:p>
+          <a:p>
+            <a:r>
+              <a:rPr lang="ko-KR" altLang="en-US" sz="900" dirty="0"/>
+              <a:t>[4, 583, 323, 408,7, 252, 3, 3293],</a:t>
+            </a:r>
+            <a:endParaRPr lang="en-US" altLang="ko-KR" sz="900" dirty="0"/>
+          </a:p>
+          <a:p>
+            <a:r>
+              <a:rPr lang="ko-KR" altLang="en-US" sz="900" dirty="0"/>
+              <a:t> [4, 583, 323, 408, 7, 252, 3, 3293],</a:t>
+            </a:r>
+            <a:endParaRPr lang="en-US" altLang="ko-KR" sz="900" dirty="0"/>
+          </a:p>
+          <a:p>
+            <a:r>
+              <a:rPr lang="ko-KR" altLang="en-US" sz="900" dirty="0"/>
+              <a:t> [4, 583, 323, 408, 7, 252, 3, 3293],</a:t>
+            </a:r>
+            <a:endParaRPr lang="en-US" altLang="ko-KR" sz="900" dirty="0"/>
+          </a:p>
+          <a:p>
+            <a:r>
+              <a:rPr lang="ko-KR" altLang="en-US" sz="900" dirty="0"/>
+              <a:t> [4, 583, 323, 408, 7, 252, 3,3293], </a:t>
+            </a:r>
+            <a:endParaRPr lang="en-US" altLang="ko-KR" sz="900" dirty="0"/>
+          </a:p>
+          <a:p>
+            <a:r>
+              <a:rPr lang="ko-KR" altLang="en-US" sz="900" dirty="0"/>
+              <a:t>[4, 583, 323, 408, 7, 252, 3, 3293], </a:t>
+            </a:r>
+            <a:endParaRPr lang="en-US" altLang="ko-KR" sz="900" dirty="0"/>
+          </a:p>
+          <a:p>
+            <a:r>
+              <a:rPr lang="ko-KR" altLang="en-US" sz="900" dirty="0"/>
+              <a:t>[4, 583, 323, 408, 7, 252, 3, 3293]] </a:t>
+            </a:r>
+            <a:endParaRPr lang="en-US" altLang="ko-KR" sz="900" dirty="0"/>
+          </a:p>
+          <a:p>
+            <a:r>
+              <a:rPr lang="ko-KR" altLang="en-US" sz="900" dirty="0"/>
+              <a:t>[4, 323, 323, 408, 7, 252, 3]</a:t>
+            </a:r>
+            <a:endParaRPr lang="en-US" altLang="ko-KR" sz="900" dirty="0"/>
+          </a:p>
+          <a:p>
+            <a:endParaRPr lang="ko-KR" altLang="en-US" sz="900" dirty="0"/>
+          </a:p>
+          <a:p>
+            <a:r>
+              <a:rPr lang="ko-KR" altLang="en-US" sz="900" dirty="0"/>
+              <a:t>######</a:t>
+            </a:r>
+            <a:endParaRPr lang="en-US" altLang="ko-KR" sz="900" dirty="0"/>
+          </a:p>
+          <a:p>
+            <a:r>
+              <a:rPr lang="ko-KR" altLang="en-US" sz="900" dirty="0"/>
+              <a:t> [[[4, 583, 323, 408, 7, 252, 3, 3293], [4, 583, 323, 408, 7, 252, 3, 3293], [4, 583, 323, 408, 7, 252, 3, 3293], [4, 583, 323, 408, 7, 252, 3, 3293], [4, 583, 323, 408, 7, 252, 3, 3293], [4, 583, 323, 408, 7, 252, 3, 3293], [4, 583, 323, 408, 7, 252, 3, 3293], [4, 583, 323, 408, 7, 252, 3, 3293], [4, 583, 323, 408, 7, 252, 3, 3293], [4, 583, 323, 408, 7, 252, 3, 3293], [4, 583, 323, 408, 7, 252, 3, 3293], [4, 583, 323, 408, 7, 252, 3, 3293], [4, 583, 323, 408, 7, 252, 3, 3293], [4, 583, 323, 408, 7, 252, 3, 3293], [4, 583, 323, 408, 7, 252, 3, 3293]]] </a:t>
+            </a:r>
+            <a:endParaRPr lang="en-US" altLang="ko-KR" sz="900" dirty="0"/>
+          </a:p>
+          <a:p>
+            <a:r>
+              <a:rPr lang="ko-KR" altLang="en-US" sz="900" dirty="0"/>
+              <a:t>[[4, 323, 323, 408, 7, 252, 3]]</a:t>
+            </a:r>
+          </a:p>
+          <a:p>
+            <a:r>
+              <a:rPr lang="ko-KR" altLang="en-US" sz="900" dirty="0"/>
+              <a:t>BLEU-1: 0.7430381997858699</a:t>
+            </a:r>
+          </a:p>
+        </p:txBody>
+      </p:sp>
+    </p:spTree>
+    <p:extLst>
+      <p:ext uri="{BB962C8B-B14F-4D97-AF65-F5344CB8AC3E}">
+        <p14:creationId xmlns:p14="http://schemas.microsoft.com/office/powerpoint/2010/main" val="777096118"/>
+      </p:ext>
+    </p:extLst>
+  </p:cSld>
+  <p:clrMapOvr>
+    <a:masterClrMapping/>
+  </p:clrMapOvr>
+</p:sld>
+</file>
+
+<file path=ppt/slides/slide16.xml><?xml version="1.0" encoding="utf-8"?>
+<p:sld xmlns:a="http://schemas.openxmlformats.org/drawingml/2006/main" xmlns:r="http://schemas.openxmlformats.org/officeDocument/2006/relationships" xmlns:p="http://schemas.openxmlformats.org/presentationml/2006/main">
+  <p:cSld>
+    <p:spTree>
+      <p:nvGrpSpPr>
+        <p:cNvPr id="1" name=""/>
+        <p:cNvGrpSpPr/>
+        <p:nvPr/>
+      </p:nvGrpSpPr>
+      <p:grpSpPr>
+        <a:xfrm>
+          <a:off x="0" y="0"/>
+          <a:ext cx="0" cy="0"/>
+          <a:chOff x="0" y="0"/>
+          <a:chExt cx="0" cy="0"/>
+        </a:xfrm>
+      </p:grpSpPr>
+      <p:sp>
+        <p:nvSpPr>
+          <p:cNvPr id="4" name="슬라이드 번호 개체 틀 3">
+            <a:extLst>
+              <a:ext uri="{FF2B5EF4-FFF2-40B4-BE49-F238E27FC236}">
+                <a16:creationId xmlns:a16="http://schemas.microsoft.com/office/drawing/2014/main" id="{22578914-5DF5-4ED9-916A-DA6AD50005E4}"/>
+              </a:ext>
+            </a:extLst>
+          </p:cNvPr>
+          <p:cNvSpPr>
+            <a:spLocks noGrp="1"/>
+          </p:cNvSpPr>
+          <p:nvPr>
+            <p:ph type="sldNum" sz="quarter" idx="12"/>
+          </p:nvPr>
+        </p:nvSpPr>
+        <p:spPr/>
+        <p:txBody>
+          <a:bodyPr/>
+          <a:lstStyle/>
+          <a:p>
+            <a:fld id="{C3EC3709-AF19-4BC3-8020-8E9C5E0E1F7D}" type="slidenum">
+              <a:rPr lang="ko-KR" altLang="en-US" smtClean="0"/>
+              <a:t>16</a:t>
+            </a:fld>
+            <a:endParaRPr lang="ko-KR" altLang="en-US"/>
+          </a:p>
+        </p:txBody>
+      </p:sp>
+      <p:pic>
+        <p:nvPicPr>
+          <p:cNvPr id="2" name="그림 1">
+            <a:extLst>
+              <a:ext uri="{FF2B5EF4-FFF2-40B4-BE49-F238E27FC236}">
+                <a16:creationId xmlns:a16="http://schemas.microsoft.com/office/drawing/2014/main" id="{0B167882-82B9-4DD7-A218-F613D296CA5E}"/>
+              </a:ext>
+            </a:extLst>
+          </p:cNvPr>
+          <p:cNvPicPr>
+            <a:picLocks noChangeAspect="1"/>
+          </p:cNvPicPr>
+          <p:nvPr/>
+        </p:nvPicPr>
+        <p:blipFill>
+          <a:blip r:embed="rId2"/>
+          <a:stretch>
+            <a:fillRect/>
+          </a:stretch>
+        </p:blipFill>
+        <p:spPr>
+          <a:xfrm>
+            <a:off x="631831" y="167780"/>
+            <a:ext cx="9799879" cy="5918152"/>
+          </a:xfrm>
+          <a:prstGeom prst="rect">
+            <a:avLst/>
+          </a:prstGeom>
+        </p:spPr>
+      </p:pic>
+    </p:spTree>
+    <p:extLst>
+      <p:ext uri="{BB962C8B-B14F-4D97-AF65-F5344CB8AC3E}">
+        <p14:creationId xmlns:p14="http://schemas.microsoft.com/office/powerpoint/2010/main" val="3819902508"/>
+      </p:ext>
+    </p:extLst>
+  </p:cSld>
+  <p:clrMapOvr>
+    <a:masterClrMapping/>
+  </p:clrMapOvr>
+</p:sld>
+</file>
+
+<file path=ppt/slides/slide2.xml><?xml version="1.0" encoding="utf-8"?>
 <p:sld xmlns:a="http://schemas.openxmlformats.org/drawingml/2006/main" xmlns:r="http://schemas.openxmlformats.org/officeDocument/2006/relationships" xmlns:p="http://schemas.openxmlformats.org/presentationml/2006/main">
   <p:cSld>
     <p:spTree>
@@ -5519,6 +6141,40 @@
       </p:sp>
       <p:sp>
         <p:nvSpPr>
+          <p:cNvPr id="4" name="슬라이드 번호 개체 틀 3">
+            <a:extLst>
+              <a:ext uri="{FF2B5EF4-FFF2-40B4-BE49-F238E27FC236}">
+                <a16:creationId xmlns:a16="http://schemas.microsoft.com/office/drawing/2014/main" id="{B11A7AB9-7540-40FD-94B6-0135A3ED289C}"/>
+              </a:ext>
+            </a:extLst>
+          </p:cNvPr>
+          <p:cNvSpPr>
+            <a:spLocks noGrp="1"/>
+          </p:cNvSpPr>
+          <p:nvPr>
+            <p:ph type="sldNum" sz="quarter" idx="12"/>
+          </p:nvPr>
+        </p:nvSpPr>
+        <p:spPr>
+          <a:xfrm>
+            <a:off x="8563187" y="6379936"/>
+            <a:ext cx="2743200" cy="365125"/>
+          </a:xfrm>
+        </p:spPr>
+        <p:txBody>
+          <a:bodyPr/>
+          <a:lstStyle/>
+          <a:p>
+            <a:fld id="{C3EC3709-AF19-4BC3-8020-8E9C5E0E1F7D}" type="slidenum">
+              <a:rPr lang="ko-KR" altLang="en-US" smtClean="0"/>
+              <a:t>2</a:t>
+            </a:fld>
+            <a:endParaRPr lang="ko-KR" altLang="en-US"/>
+          </a:p>
+        </p:txBody>
+      </p:sp>
+      <p:sp>
+        <p:nvSpPr>
           <p:cNvPr id="9" name="TextBox 8">
             <a:extLst>
               <a:ext uri="{FF2B5EF4-FFF2-40B4-BE49-F238E27FC236}">
@@ -5547,8 +6203,53 @@
           <a:p>
             <a:r>
               <a:rPr lang="ko-KR" altLang="en-US" sz="2400" dirty="0"/>
-              <a:t>코드 분석</a:t>
-            </a:r>
+              <a:t>코드 분석 </a:t>
+            </a:r>
+            <a:r>
+              <a:rPr lang="en-US" altLang="ko-KR" sz="2400" dirty="0"/>
+              <a:t>- processData.py</a:t>
+            </a:r>
+            <a:endParaRPr lang="ko-KR" altLang="en-US" sz="2400" dirty="0"/>
+          </a:p>
+        </p:txBody>
+      </p:sp>
+      <p:sp>
+        <p:nvSpPr>
+          <p:cNvPr id="2" name="TextBox 1">
+            <a:extLst>
+              <a:ext uri="{FF2B5EF4-FFF2-40B4-BE49-F238E27FC236}">
+                <a16:creationId xmlns:a16="http://schemas.microsoft.com/office/drawing/2014/main" id="{B1A13AA4-0652-4938-B00E-54EFF6CDA25A}"/>
+              </a:ext>
+            </a:extLst>
+          </p:cNvPr>
+          <p:cNvSpPr txBox="1"/>
+          <p:nvPr/>
+        </p:nvSpPr>
+        <p:spPr>
+          <a:xfrm>
+            <a:off x="380672" y="1168644"/>
+            <a:ext cx="3951935" cy="338554"/>
+          </a:xfrm>
+          <a:prstGeom prst="rect">
+            <a:avLst/>
+          </a:prstGeom>
+          <a:noFill/>
+        </p:spPr>
+        <p:txBody>
+          <a:bodyPr wrap="square" rtlCol="0">
+            <a:spAutoFit/>
+          </a:bodyPr>
+          <a:lstStyle/>
+          <a:p>
+            <a:pPr marL="285750" indent="-285750">
+              <a:buFont typeface="Arial" panose="020B0604020202020204" pitchFamily="34" charset="0"/>
+              <a:buChar char="•"/>
+            </a:pPr>
+            <a:r>
+              <a:rPr lang="en-US" altLang="ko-KR" sz="1600" dirty="0"/>
+              <a:t>Build Vocabulary</a:t>
+            </a:r>
+            <a:endParaRPr lang="ko-KR" altLang="en-US" sz="1600" dirty="0"/>
           </a:p>
         </p:txBody>
       </p:sp>
@@ -5557,7 +6258,7 @@
           <p:cNvPr id="3" name="그림 2">
             <a:extLst>
               <a:ext uri="{FF2B5EF4-FFF2-40B4-BE49-F238E27FC236}">
-                <a16:creationId xmlns:a16="http://schemas.microsoft.com/office/drawing/2014/main" id="{CE58B8F9-7D7D-4452-BD56-1488E02C05BA}"/>
+                <a16:creationId xmlns:a16="http://schemas.microsoft.com/office/drawing/2014/main" id="{C2F57C57-53E1-4E03-BF37-8AF6D165436A}"/>
               </a:ext>
             </a:extLst>
           </p:cNvPr>
@@ -5567,15 +6268,115 @@
           <p:nvPr/>
         </p:nvPicPr>
         <p:blipFill>
-          <a:blip r:embed="rId2"/>
+          <a:blip r:embed="rId3"/>
           <a:stretch>
             <a:fillRect/>
           </a:stretch>
         </p:blipFill>
         <p:spPr>
           <a:xfrm>
-            <a:off x="751002" y="1132513"/>
-            <a:ext cx="5622874" cy="3607267"/>
+            <a:off x="5183376" y="1690823"/>
+            <a:ext cx="5063397" cy="2366639"/>
+          </a:xfrm>
+          <a:prstGeom prst="rect">
+            <a:avLst/>
+          </a:prstGeom>
+        </p:spPr>
+      </p:pic>
+      <p:pic>
+        <p:nvPicPr>
+          <p:cNvPr id="6" name="그림 5">
+            <a:extLst>
+              <a:ext uri="{FF2B5EF4-FFF2-40B4-BE49-F238E27FC236}">
+                <a16:creationId xmlns:a16="http://schemas.microsoft.com/office/drawing/2014/main" id="{452F4E3F-F351-475D-8B22-A6820DA44060}"/>
+              </a:ext>
+            </a:extLst>
+          </p:cNvPr>
+          <p:cNvPicPr>
+            <a:picLocks noChangeAspect="1"/>
+          </p:cNvPicPr>
+          <p:nvPr/>
+        </p:nvPicPr>
+        <p:blipFill>
+          <a:blip r:embed="rId4"/>
+          <a:stretch>
+            <a:fillRect/>
+          </a:stretch>
+        </p:blipFill>
+        <p:spPr>
+          <a:xfrm>
+            <a:off x="380672" y="1690823"/>
+            <a:ext cx="4035527" cy="2366639"/>
+          </a:xfrm>
+          <a:prstGeom prst="rect">
+            <a:avLst/>
+          </a:prstGeom>
+        </p:spPr>
+      </p:pic>
+      <p:sp>
+        <p:nvSpPr>
+          <p:cNvPr id="17" name="TextBox 16">
+            <a:extLst>
+              <a:ext uri="{FF2B5EF4-FFF2-40B4-BE49-F238E27FC236}">
+                <a16:creationId xmlns:a16="http://schemas.microsoft.com/office/drawing/2014/main" id="{605EA06C-159D-44C7-A6F1-A50F85CFCE15}"/>
+              </a:ext>
+            </a:extLst>
+          </p:cNvPr>
+          <p:cNvSpPr txBox="1"/>
+          <p:nvPr/>
+        </p:nvSpPr>
+        <p:spPr>
+          <a:xfrm>
+            <a:off x="380672" y="4400377"/>
+            <a:ext cx="3951935" cy="338554"/>
+          </a:xfrm>
+          <a:prstGeom prst="rect">
+            <a:avLst/>
+          </a:prstGeom>
+          <a:noFill/>
+        </p:spPr>
+        <p:txBody>
+          <a:bodyPr wrap="square" rtlCol="0">
+            <a:spAutoFit/>
+          </a:bodyPr>
+          <a:lstStyle/>
+          <a:p>
+            <a:pPr marL="285750" indent="-285750">
+              <a:buFont typeface="Arial" panose="020B0604020202020204" pitchFamily="34" charset="0"/>
+              <a:buChar char="•"/>
+            </a:pPr>
+            <a:r>
+              <a:rPr lang="en-US" altLang="ko-KR" sz="1600" dirty="0"/>
+              <a:t>Resize image</a:t>
+            </a:r>
+            <a:endParaRPr lang="ko-KR" altLang="en-US" sz="1600" dirty="0"/>
+          </a:p>
+        </p:txBody>
+      </p:sp>
+      <p:pic>
+        <p:nvPicPr>
+          <p:cNvPr id="18" name="그림 17">
+            <a:extLst>
+              <a:ext uri="{FF2B5EF4-FFF2-40B4-BE49-F238E27FC236}">
+                <a16:creationId xmlns:a16="http://schemas.microsoft.com/office/drawing/2014/main" id="{CE28C163-C58C-4760-B6FD-9D85A42ACDA6}"/>
+              </a:ext>
+            </a:extLst>
+          </p:cNvPr>
+          <p:cNvPicPr>
+            <a:picLocks noChangeAspect="1"/>
+          </p:cNvPicPr>
+          <p:nvPr/>
+        </p:nvPicPr>
+        <p:blipFill>
+          <a:blip r:embed="rId5"/>
+          <a:stretch>
+            <a:fillRect/>
+          </a:stretch>
+        </p:blipFill>
+        <p:spPr>
+          <a:xfrm>
+            <a:off x="380672" y="5006436"/>
+            <a:ext cx="2900179" cy="1446016"/>
           </a:xfrm>
           <a:prstGeom prst="rect">
             <a:avLst/>
@@ -5585,7 +6386,7 @@
     </p:spTree>
     <p:extLst>
       <p:ext uri="{BB962C8B-B14F-4D97-AF65-F5344CB8AC3E}">
-        <p14:creationId xmlns:p14="http://schemas.microsoft.com/office/powerpoint/2010/main" val="649976851"/>
+        <p14:creationId xmlns:p14="http://schemas.microsoft.com/office/powerpoint/2010/main" val="1163451294"/>
       </p:ext>
     </p:extLst>
   </p:cSld>
@@ -5595,7 +6396,7 @@
 </p:sld>
 </file>
 
-<file path=ppt/slides/slide5.xml><?xml version="1.0" encoding="utf-8"?>
+<file path=ppt/slides/slide3.xml><?xml version="1.0" encoding="utf-8"?>
 <p:sld xmlns:a="http://schemas.openxmlformats.org/drawingml/2006/main" xmlns:r="http://schemas.openxmlformats.org/officeDocument/2006/relationships" xmlns:p="http://schemas.openxmlformats.org/presentationml/2006/main">
   <p:cSld>
     <p:spTree>
@@ -5701,88 +6502,1380 @@
           <a:lstStyle/>
           <a:p>
             <a:r>
-              <a:rPr lang="ko-KR" altLang="en-US" sz="2400" dirty="0"/>
-              <a:t>코드 분석</a:t>
-            </a:r>
-          </a:p>
-        </p:txBody>
-      </p:sp>
-      <p:pic>
-        <p:nvPicPr>
-          <p:cNvPr id="4" name="그림 3">
-            <a:extLst>
-              <a:ext uri="{FF2B5EF4-FFF2-40B4-BE49-F238E27FC236}">
-                <a16:creationId xmlns:a16="http://schemas.microsoft.com/office/drawing/2014/main" id="{69C65D49-A7A8-41FB-99C3-6B0A306865D1}"/>
-              </a:ext>
-            </a:extLst>
-          </p:cNvPr>
-          <p:cNvPicPr>
-            <a:picLocks noChangeAspect="1"/>
-          </p:cNvPicPr>
+              <a:rPr lang="en-US" altLang="ko-KR" sz="2400" dirty="0" err="1"/>
+              <a:t>Vocab.pkl</a:t>
+            </a:r>
+            <a:endParaRPr lang="ko-KR" altLang="en-US" sz="2400" dirty="0"/>
+          </a:p>
+        </p:txBody>
+      </p:sp>
+      <p:sp>
+        <p:nvSpPr>
+          <p:cNvPr id="5" name="직사각형 4">
+            <a:extLst>
+              <a:ext uri="{FF2B5EF4-FFF2-40B4-BE49-F238E27FC236}">
+                <a16:creationId xmlns:a16="http://schemas.microsoft.com/office/drawing/2014/main" id="{5C82B2FE-221A-46A6-B465-3298C2564682}"/>
+              </a:ext>
+            </a:extLst>
+          </p:cNvPr>
+          <p:cNvSpPr/>
           <p:nvPr/>
-        </p:nvPicPr>
-        <p:blipFill>
-          <a:blip r:embed="rId2"/>
-          <a:stretch>
-            <a:fillRect/>
-          </a:stretch>
-        </p:blipFill>
+        </p:nvSpPr>
         <p:spPr>
           <a:xfrm>
-            <a:off x="840398" y="1275309"/>
-            <a:ext cx="6113751" cy="4837838"/>
+            <a:off x="300875" y="1221018"/>
+            <a:ext cx="10766111" cy="2446824"/>
           </a:xfrm>
           <a:prstGeom prst="rect">
             <a:avLst/>
           </a:prstGeom>
         </p:spPr>
-      </p:pic>
-      <p:pic>
-        <p:nvPicPr>
-          <p:cNvPr id="5" name="그림 4">
-            <a:extLst>
-              <a:ext uri="{FF2B5EF4-FFF2-40B4-BE49-F238E27FC236}">
-                <a16:creationId xmlns:a16="http://schemas.microsoft.com/office/drawing/2014/main" id="{5E0A66B7-AF88-49E1-96BC-F068E143BAD1}"/>
-              </a:ext>
-            </a:extLst>
-          </p:cNvPr>
-          <p:cNvPicPr>
-            <a:picLocks noChangeAspect="1"/>
-          </p:cNvPicPr>
+        <p:txBody>
+          <a:bodyPr wrap="square">
+            <a:spAutoFit/>
+          </a:bodyPr>
+          <a:lstStyle/>
+          <a:p>
+            <a:pPr marL="171450" indent="-171450">
+              <a:buFont typeface="Arial" panose="020B0604020202020204" pitchFamily="34" charset="0"/>
+              <a:buChar char="•"/>
+            </a:pPr>
+            <a:r>
+              <a:rPr lang="en-US" altLang="ko-KR" sz="1000" dirty="0"/>
+              <a:t>word2idx</a:t>
+            </a:r>
+          </a:p>
+          <a:p>
+            <a:endParaRPr lang="en-US" altLang="ko-KR" sz="900" dirty="0"/>
+          </a:p>
+          <a:p>
+            <a:r>
+              <a:rPr lang="ko-KR" altLang="en-US" sz="900" dirty="0" err="1"/>
+              <a:t>ced</a:t>
+            </a:r>
+            <a:r>
+              <a:rPr lang="ko-KR" altLang="en-US" sz="900" dirty="0"/>
+              <a:t>': 8689, '</a:t>
+            </a:r>
+            <a:r>
+              <a:rPr lang="ko-KR" altLang="en-US" sz="900" dirty="0" err="1"/>
+              <a:t>shoeless</a:t>
+            </a:r>
+            <a:r>
+              <a:rPr lang="ko-KR" altLang="en-US" sz="900" dirty="0"/>
+              <a:t>': 8690, '</a:t>
+            </a:r>
+            <a:r>
+              <a:rPr lang="ko-KR" altLang="en-US" sz="900" dirty="0" err="1"/>
+              <a:t>carafe</a:t>
+            </a:r>
+            <a:r>
+              <a:rPr lang="ko-KR" altLang="en-US" sz="900" dirty="0"/>
+              <a:t>': 8691, '</a:t>
+            </a:r>
+            <a:r>
+              <a:rPr lang="ko-KR" altLang="en-US" sz="900" dirty="0" err="1"/>
+              <a:t>contemplates</a:t>
+            </a:r>
+            <a:r>
+              <a:rPr lang="ko-KR" altLang="en-US" sz="900" dirty="0"/>
+              <a:t>': 8692, '</a:t>
+            </a:r>
+            <a:r>
+              <a:rPr lang="ko-KR" altLang="en-US" sz="900" dirty="0" err="1"/>
+              <a:t>sprinkle</a:t>
+            </a:r>
+            <a:r>
+              <a:rPr lang="ko-KR" altLang="en-US" sz="900" dirty="0"/>
+              <a:t>': 8693, '</a:t>
+            </a:r>
+            <a:r>
+              <a:rPr lang="ko-KR" altLang="en-US" sz="900" dirty="0" err="1"/>
+              <a:t>t-ball</a:t>
+            </a:r>
+            <a:r>
+              <a:rPr lang="ko-KR" altLang="en-US" sz="900" dirty="0"/>
+              <a:t>': 8694, '</a:t>
+            </a:r>
+            <a:r>
+              <a:rPr lang="ko-KR" altLang="en-US" sz="900" dirty="0" err="1"/>
+              <a:t>receipt</a:t>
+            </a:r>
+            <a:r>
+              <a:rPr lang="ko-KR" altLang="en-US" sz="900" dirty="0"/>
+              <a:t>': 8695, '</a:t>
+            </a:r>
+            <a:r>
+              <a:rPr lang="ko-KR" altLang="en-US" sz="900" dirty="0" err="1"/>
+              <a:t>hot-dog</a:t>
+            </a:r>
+            <a:r>
+              <a:rPr lang="ko-KR" altLang="en-US" sz="900" dirty="0"/>
+              <a:t>': 8696, '</a:t>
+            </a:r>
+            <a:r>
+              <a:rPr lang="ko-KR" altLang="en-US" sz="900" dirty="0" err="1"/>
+              <a:t>windsurfer</a:t>
+            </a:r>
+            <a:r>
+              <a:rPr lang="ko-KR" altLang="en-US" sz="900" dirty="0"/>
+              <a:t>': 8697, '</a:t>
+            </a:r>
+            <a:r>
+              <a:rPr lang="ko-KR" altLang="en-US" sz="900" dirty="0" err="1"/>
+              <a:t>newlywed</a:t>
+            </a:r>
+            <a:r>
+              <a:rPr lang="ko-KR" altLang="en-US" sz="900" dirty="0"/>
+              <a:t>': 8698, '</a:t>
+            </a:r>
+            <a:r>
+              <a:rPr lang="ko-KR" altLang="en-US" sz="900" dirty="0" err="1"/>
+              <a:t>windsurfing</a:t>
+            </a:r>
+            <a:r>
+              <a:rPr lang="ko-KR" altLang="en-US" sz="900" dirty="0"/>
+              <a:t>': 8699, '</a:t>
+            </a:r>
+            <a:r>
+              <a:rPr lang="ko-KR" altLang="en-US" sz="900" dirty="0" err="1"/>
+              <a:t>sugared</a:t>
+            </a:r>
+            <a:r>
+              <a:rPr lang="ko-KR" altLang="en-US" sz="900" dirty="0"/>
+              <a:t>': 8700, '</a:t>
+            </a:r>
+            <a:r>
+              <a:rPr lang="ko-KR" altLang="en-US" sz="900" dirty="0" err="1"/>
+              <a:t>unbaked</a:t>
+            </a:r>
+            <a:r>
+              <a:rPr lang="ko-KR" altLang="en-US" sz="900" dirty="0"/>
+              <a:t>': 8701, '</a:t>
+            </a:r>
+            <a:r>
+              <a:rPr lang="ko-KR" altLang="en-US" sz="900" dirty="0" err="1"/>
+              <a:t>app</a:t>
+            </a:r>
+            <a:r>
+              <a:rPr lang="ko-KR" altLang="en-US" sz="900" dirty="0"/>
+              <a:t>': 8702, '</a:t>
+            </a:r>
+            <a:r>
+              <a:rPr lang="ko-KR" altLang="en-US" sz="900" dirty="0" err="1"/>
+              <a:t>condiment</a:t>
+            </a:r>
+            <a:r>
+              <a:rPr lang="ko-KR" altLang="en-US" sz="900" dirty="0"/>
+              <a:t>': 8703, '</a:t>
+            </a:r>
+            <a:r>
+              <a:rPr lang="ko-KR" altLang="en-US" sz="900" dirty="0" err="1"/>
+              <a:t>crusts</a:t>
+            </a:r>
+            <a:r>
+              <a:rPr lang="ko-KR" altLang="en-US" sz="900" dirty="0"/>
+              <a:t>': 8704, '</a:t>
+            </a:r>
+            <a:r>
+              <a:rPr lang="ko-KR" altLang="en-US" sz="900" dirty="0" err="1"/>
+              <a:t>corned</a:t>
+            </a:r>
+            <a:r>
+              <a:rPr lang="ko-KR" altLang="en-US" sz="900" dirty="0"/>
+              <a:t>': 8705, '</a:t>
+            </a:r>
+            <a:r>
+              <a:rPr lang="ko-KR" altLang="en-US" sz="900" dirty="0" err="1"/>
+              <a:t>mayonnaise</a:t>
+            </a:r>
+            <a:r>
+              <a:rPr lang="ko-KR" altLang="en-US" sz="900" dirty="0"/>
+              <a:t>': 8706, '</a:t>
+            </a:r>
+            <a:r>
+              <a:rPr lang="ko-KR" altLang="en-US" sz="900" dirty="0" err="1"/>
+              <a:t>sideboard</a:t>
+            </a:r>
+            <a:r>
+              <a:rPr lang="ko-KR" altLang="en-US" sz="900" dirty="0"/>
+              <a:t>': 8707, '</a:t>
+            </a:r>
+            <a:r>
+              <a:rPr lang="ko-KR" altLang="en-US" sz="900" dirty="0" err="1"/>
+              <a:t>bratwurst</a:t>
+            </a:r>
+            <a:r>
+              <a:rPr lang="ko-KR" altLang="en-US" sz="900" dirty="0"/>
+              <a:t>': 8708, '</a:t>
+            </a:r>
+            <a:r>
+              <a:rPr lang="ko-KR" altLang="en-US" sz="900" dirty="0" err="1"/>
+              <a:t>slathered</a:t>
+            </a:r>
+            <a:r>
+              <a:rPr lang="ko-KR" altLang="en-US" sz="900" dirty="0"/>
+              <a:t>': 8709, '</a:t>
+            </a:r>
+            <a:r>
+              <a:rPr lang="ko-KR" altLang="en-US" sz="900" dirty="0" err="1"/>
+              <a:t>partaking</a:t>
+            </a:r>
+            <a:r>
+              <a:rPr lang="ko-KR" altLang="en-US" sz="900" dirty="0"/>
+              <a:t>': 8710, '</a:t>
+            </a:r>
+            <a:r>
+              <a:rPr lang="ko-KR" altLang="en-US" sz="900" dirty="0" err="1"/>
+              <a:t>waxing</a:t>
+            </a:r>
+            <a:r>
+              <a:rPr lang="ko-KR" altLang="en-US" sz="900" dirty="0"/>
+              <a:t>': 8711, '</a:t>
+            </a:r>
+            <a:r>
+              <a:rPr lang="ko-KR" altLang="en-US" sz="900" dirty="0" err="1"/>
+              <a:t>grease</a:t>
+            </a:r>
+            <a:r>
+              <a:rPr lang="ko-KR" altLang="en-US" sz="900" dirty="0"/>
+              <a:t>': 8712, '</a:t>
+            </a:r>
+            <a:r>
+              <a:rPr lang="ko-KR" altLang="en-US" sz="900" dirty="0" err="1"/>
+              <a:t>wakeboarder</a:t>
+            </a:r>
+            <a:r>
+              <a:rPr lang="ko-KR" altLang="en-US" sz="900" dirty="0"/>
+              <a:t>': 8713, '</a:t>
+            </a:r>
+            <a:r>
+              <a:rPr lang="ko-KR" altLang="en-US" sz="900" dirty="0" err="1"/>
+              <a:t>untouched</a:t>
+            </a:r>
+            <a:r>
+              <a:rPr lang="ko-KR" altLang="en-US" sz="900" dirty="0"/>
+              <a:t>': 8714, '</a:t>
+            </a:r>
+            <a:r>
+              <a:rPr lang="ko-KR" altLang="en-US" sz="900" dirty="0" err="1"/>
+              <a:t>parasailer</a:t>
+            </a:r>
+            <a:r>
+              <a:rPr lang="ko-KR" altLang="en-US" sz="900" dirty="0"/>
+              <a:t>': 8715, '</a:t>
+            </a:r>
+            <a:r>
+              <a:rPr lang="ko-KR" altLang="en-US" sz="900" dirty="0" err="1"/>
+              <a:t>chocolate-covered</a:t>
+            </a:r>
+            <a:r>
+              <a:rPr lang="ko-KR" altLang="en-US" sz="900" dirty="0"/>
+              <a:t>': 8716, '</a:t>
+            </a:r>
+            <a:r>
+              <a:rPr lang="ko-KR" altLang="en-US" sz="900" dirty="0" err="1"/>
+              <a:t>creamer</a:t>
+            </a:r>
+            <a:r>
+              <a:rPr lang="ko-KR" altLang="en-US" sz="900" dirty="0"/>
+              <a:t>': 8717, '</a:t>
+            </a:r>
+            <a:r>
+              <a:rPr lang="ko-KR" altLang="en-US" sz="900" dirty="0" err="1"/>
+              <a:t>liquids</a:t>
+            </a:r>
+            <a:r>
+              <a:rPr lang="ko-KR" altLang="en-US" sz="900" dirty="0"/>
+              <a:t>': 8718, '</a:t>
+            </a:r>
+            <a:r>
+              <a:rPr lang="ko-KR" altLang="en-US" sz="900" dirty="0" err="1"/>
+              <a:t>cheer</a:t>
+            </a:r>
+            <a:r>
+              <a:rPr lang="ko-KR" altLang="en-US" sz="900" dirty="0"/>
+              <a:t>': 8719, '</a:t>
+            </a:r>
+            <a:r>
+              <a:rPr lang="ko-KR" altLang="en-US" sz="900" dirty="0" err="1"/>
+              <a:t>nerf</a:t>
+            </a:r>
+            <a:r>
+              <a:rPr lang="ko-KR" altLang="en-US" sz="900" dirty="0"/>
+              <a:t>': 8720, '</a:t>
+            </a:r>
+            <a:r>
+              <a:rPr lang="ko-KR" altLang="en-US" sz="900" dirty="0" err="1"/>
+              <a:t>fritter</a:t>
+            </a:r>
+            <a:r>
+              <a:rPr lang="ko-KR" altLang="en-US" sz="900" dirty="0"/>
+              <a:t>': 8721, '</a:t>
+            </a:r>
+            <a:r>
+              <a:rPr lang="ko-KR" altLang="en-US" sz="900" dirty="0" err="1"/>
+              <a:t>surfboarder</a:t>
+            </a:r>
+            <a:r>
+              <a:rPr lang="ko-KR" altLang="en-US" sz="900" dirty="0"/>
+              <a:t>': 8722, '</a:t>
+            </a:r>
+            <a:r>
+              <a:rPr lang="ko-KR" altLang="en-US" sz="900" dirty="0" err="1"/>
+              <a:t>dribbles</a:t>
+            </a:r>
+            <a:r>
+              <a:rPr lang="ko-KR" altLang="en-US" sz="900" dirty="0"/>
+              <a:t>': 8723, '</a:t>
+            </a:r>
+            <a:r>
+              <a:rPr lang="ko-KR" altLang="en-US" sz="900" dirty="0" err="1"/>
+              <a:t>parasails</a:t>
+            </a:r>
+            <a:r>
+              <a:rPr lang="ko-KR" altLang="en-US" sz="900" dirty="0"/>
+              <a:t>': 8724, '</a:t>
+            </a:r>
+            <a:r>
+              <a:rPr lang="ko-KR" altLang="en-US" sz="900" dirty="0" err="1"/>
+              <a:t>martini</a:t>
+            </a:r>
+            <a:r>
+              <a:rPr lang="ko-KR" altLang="en-US" sz="900" dirty="0"/>
+              <a:t>': 8725, '</a:t>
+            </a:r>
+            <a:r>
+              <a:rPr lang="ko-KR" altLang="en-US" sz="900" dirty="0" err="1"/>
+              <a:t>dribbling</a:t>
+            </a:r>
+            <a:r>
+              <a:rPr lang="ko-KR" altLang="en-US" sz="900" dirty="0"/>
+              <a:t>': 8726, '</a:t>
+            </a:r>
+            <a:r>
+              <a:rPr lang="ko-KR" altLang="en-US" sz="900" dirty="0" err="1"/>
+              <a:t>soccerball</a:t>
+            </a:r>
+            <a:r>
+              <a:rPr lang="ko-KR" altLang="en-US" sz="900" dirty="0"/>
+              <a:t>': 8727, '</a:t>
+            </a:r>
+            <a:r>
+              <a:rPr lang="ko-KR" altLang="en-US" sz="900" dirty="0" err="1"/>
+              <a:t>boad</a:t>
+            </a:r>
+            <a:r>
+              <a:rPr lang="ko-KR" altLang="en-US" sz="900" dirty="0"/>
+              <a:t>': 8728, '</a:t>
+            </a:r>
+            <a:r>
+              <a:rPr lang="ko-KR" altLang="en-US" sz="900" dirty="0" err="1"/>
+              <a:t>sloppy</a:t>
+            </a:r>
+            <a:r>
+              <a:rPr lang="ko-KR" altLang="en-US" sz="900" dirty="0"/>
+              <a:t>': 8729, '</a:t>
+            </a:r>
+            <a:r>
+              <a:rPr lang="ko-KR" altLang="en-US" sz="900" dirty="0" err="1"/>
+              <a:t>cresting</a:t>
+            </a:r>
+            <a:r>
+              <a:rPr lang="ko-KR" altLang="en-US" sz="900" dirty="0"/>
+              <a:t>': 8730, '</a:t>
+            </a:r>
+            <a:r>
+              <a:rPr lang="ko-KR" altLang="en-US" sz="900" dirty="0" err="1"/>
+              <a:t>calzones</a:t>
+            </a:r>
+            <a:r>
+              <a:rPr lang="ko-KR" altLang="en-US" sz="900" dirty="0"/>
+              <a:t>': 8731, '</a:t>
+            </a:r>
+            <a:r>
+              <a:rPr lang="ko-KR" altLang="en-US" sz="900" dirty="0" err="1"/>
+              <a:t>dunk</a:t>
+            </a:r>
+            <a:r>
+              <a:rPr lang="ko-KR" altLang="en-US" sz="900" dirty="0"/>
+              <a:t>': 8732, '</a:t>
+            </a:r>
+            <a:r>
+              <a:rPr lang="ko-KR" altLang="en-US" sz="900" dirty="0" err="1"/>
+              <a:t>chees</a:t>
+            </a:r>
+            <a:r>
+              <a:rPr lang="ko-KR" altLang="en-US" sz="900" dirty="0"/>
+              <a:t>': 8733, '</a:t>
+            </a:r>
+            <a:r>
+              <a:rPr lang="ko-KR" altLang="en-US" sz="900" dirty="0" err="1"/>
+              <a:t>tonight</a:t>
+            </a:r>
+            <a:r>
+              <a:rPr lang="ko-KR" altLang="en-US" sz="900" dirty="0"/>
+              <a:t>': 8734, '</a:t>
+            </a:r>
+            <a:r>
+              <a:rPr lang="ko-KR" altLang="en-US" sz="900" dirty="0" err="1"/>
+              <a:t>cappuccino</a:t>
+            </a:r>
+            <a:r>
+              <a:rPr lang="ko-KR" altLang="en-US" sz="900" dirty="0"/>
+              <a:t>': 8735, '</a:t>
+            </a:r>
+            <a:r>
+              <a:rPr lang="ko-KR" altLang="en-US" sz="900" dirty="0" err="1"/>
+              <a:t>oreo</a:t>
+            </a:r>
+            <a:r>
+              <a:rPr lang="ko-KR" altLang="en-US" sz="900" dirty="0"/>
+              <a:t>': 8736, '</a:t>
+            </a:r>
+            <a:r>
+              <a:rPr lang="ko-KR" altLang="en-US" sz="900" dirty="0" err="1"/>
+              <a:t>glazing</a:t>
+            </a:r>
+            <a:r>
+              <a:rPr lang="ko-KR" altLang="en-US" sz="900" dirty="0"/>
+              <a:t>': 8737, '</a:t>
+            </a:r>
+            <a:r>
+              <a:rPr lang="ko-KR" altLang="en-US" sz="900" dirty="0" err="1"/>
+              <a:t>poppy</a:t>
+            </a:r>
+            <a:r>
+              <a:rPr lang="ko-KR" altLang="en-US" sz="900" dirty="0"/>
+              <a:t>': 8738, '</a:t>
+            </a:r>
+            <a:r>
+              <a:rPr lang="ko-KR" altLang="en-US" sz="900" dirty="0" err="1"/>
+              <a:t>crusty</a:t>
+            </a:r>
+            <a:r>
+              <a:rPr lang="ko-KR" altLang="en-US" sz="900" dirty="0"/>
+              <a:t>': 8739, '</a:t>
+            </a:r>
+            <a:r>
+              <a:rPr lang="ko-KR" altLang="en-US" sz="900" dirty="0" err="1"/>
+              <a:t>windsurfers</a:t>
+            </a:r>
+            <a:r>
+              <a:rPr lang="ko-KR" altLang="en-US" sz="900" dirty="0"/>
+              <a:t>': 8740, '</a:t>
+            </a:r>
+            <a:r>
+              <a:rPr lang="ko-KR" altLang="en-US" sz="900" dirty="0" err="1"/>
+              <a:t>kitesurfing</a:t>
+            </a:r>
+            <a:r>
+              <a:rPr lang="ko-KR" altLang="en-US" sz="900" dirty="0"/>
+              <a:t>': 8741, '</a:t>
+            </a:r>
+            <a:r>
+              <a:rPr lang="ko-KR" altLang="en-US" sz="900" dirty="0" err="1"/>
+              <a:t>arugula</a:t>
+            </a:r>
+            <a:r>
+              <a:rPr lang="ko-KR" altLang="en-US" sz="900" dirty="0"/>
+              <a:t>': 8742, '</a:t>
+            </a:r>
+            <a:r>
+              <a:rPr lang="ko-KR" altLang="en-US" sz="900" dirty="0" err="1"/>
+              <a:t>grandmother</a:t>
+            </a:r>
+            <a:r>
+              <a:rPr lang="ko-KR" altLang="en-US" sz="900" dirty="0"/>
+              <a:t>': 8743, '</a:t>
+            </a:r>
+            <a:r>
+              <a:rPr lang="ko-KR" altLang="en-US" sz="900" dirty="0" err="1"/>
+              <a:t>gauze</a:t>
+            </a:r>
+            <a:r>
+              <a:rPr lang="ko-KR" altLang="en-US" sz="900" dirty="0"/>
+              <a:t>': 8744, '</a:t>
+            </a:r>
+            <a:r>
+              <a:rPr lang="ko-KR" altLang="en-US" sz="900" dirty="0" err="1"/>
+              <a:t>tweezers</a:t>
+            </a:r>
+            <a:r>
+              <a:rPr lang="ko-KR" altLang="en-US" sz="900" dirty="0"/>
+              <a:t>': 8745, '</a:t>
+            </a:r>
+            <a:r>
+              <a:rPr lang="ko-KR" altLang="en-US" sz="900" dirty="0" err="1"/>
+              <a:t>wrenches</a:t>
+            </a:r>
+            <a:r>
+              <a:rPr lang="ko-KR" altLang="en-US" sz="900" dirty="0"/>
+              <a:t>': 8746, '</a:t>
+            </a:r>
+            <a:r>
+              <a:rPr lang="ko-KR" altLang="en-US" sz="900" dirty="0" err="1"/>
+              <a:t>bubbly</a:t>
+            </a:r>
+            <a:r>
+              <a:rPr lang="ko-KR" altLang="en-US" sz="900" dirty="0"/>
+              <a:t>': 8747, '</a:t>
+            </a:r>
+            <a:r>
+              <a:rPr lang="ko-KR" altLang="en-US" sz="900" dirty="0" err="1"/>
+              <a:t>tomatoe</a:t>
+            </a:r>
+            <a:r>
+              <a:rPr lang="ko-KR" altLang="en-US" sz="900" dirty="0"/>
+              <a:t>': 8748, '</a:t>
+            </a:r>
+            <a:r>
+              <a:rPr lang="ko-KR" altLang="en-US" sz="900" dirty="0" err="1"/>
+              <a:t>gyro</a:t>
+            </a:r>
+            <a:r>
+              <a:rPr lang="ko-KR" altLang="en-US" sz="900" dirty="0"/>
+              <a:t>': 8749, '</a:t>
+            </a:r>
+            <a:r>
+              <a:rPr lang="ko-KR" altLang="en-US" sz="900" dirty="0" err="1"/>
+              <a:t>dougnuts</a:t>
+            </a:r>
+            <a:r>
+              <a:rPr lang="ko-KR" altLang="en-US" sz="900" dirty="0"/>
+              <a:t>': 8750, '</a:t>
+            </a:r>
+            <a:r>
+              <a:rPr lang="ko-KR" altLang="en-US" sz="900" dirty="0" err="1"/>
+              <a:t>barbecued</a:t>
+            </a:r>
+            <a:r>
+              <a:rPr lang="ko-KR" altLang="en-US" sz="900" dirty="0"/>
+              <a:t>': 8751, '</a:t>
+            </a:r>
+            <a:r>
+              <a:rPr lang="ko-KR" altLang="en-US" sz="900" dirty="0" err="1"/>
+              <a:t>simulator</a:t>
+            </a:r>
+            <a:r>
+              <a:rPr lang="ko-KR" altLang="en-US" sz="900" dirty="0"/>
+              <a:t>': 8752, '</a:t>
+            </a:r>
+            <a:r>
+              <a:rPr lang="ko-KR" altLang="en-US" sz="900" dirty="0" err="1"/>
+              <a:t>slam</a:t>
+            </a:r>
+            <a:r>
+              <a:rPr lang="ko-KR" altLang="en-US" sz="900" dirty="0"/>
+              <a:t>': 8753, '</a:t>
+            </a:r>
+            <a:r>
+              <a:rPr lang="ko-KR" altLang="en-US" sz="900" dirty="0" err="1"/>
+              <a:t>anchovies</a:t>
+            </a:r>
+            <a:r>
+              <a:rPr lang="ko-KR" altLang="en-US" sz="900" dirty="0"/>
+              <a:t>': 8754, '</a:t>
+            </a:r>
+            <a:r>
+              <a:rPr lang="ko-KR" altLang="en-US" sz="900" dirty="0" err="1"/>
+              <a:t>reacts</a:t>
+            </a:r>
+            <a:r>
+              <a:rPr lang="ko-KR" altLang="en-US" sz="900" dirty="0"/>
+              <a:t>': 8755, '</a:t>
+            </a:r>
+            <a:r>
+              <a:rPr lang="ko-KR" altLang="en-US" sz="900" dirty="0" err="1"/>
+              <a:t>surfboarders</a:t>
+            </a:r>
+            <a:r>
+              <a:rPr lang="ko-KR" altLang="en-US" sz="900" dirty="0"/>
+              <a:t>': 8756, '</a:t>
+            </a:r>
+            <a:r>
+              <a:rPr lang="ko-KR" altLang="en-US" sz="900" dirty="0" err="1"/>
+              <a:t>expertly</a:t>
+            </a:r>
+            <a:r>
+              <a:rPr lang="ko-KR" altLang="en-US" sz="900" dirty="0"/>
+              <a:t>': 8757, '</a:t>
+            </a:r>
+            <a:r>
+              <a:rPr lang="ko-KR" altLang="en-US" sz="900" dirty="0" err="1"/>
+              <a:t>para-sail</a:t>
+            </a:r>
+            <a:r>
+              <a:rPr lang="ko-KR" altLang="en-US" sz="900" dirty="0"/>
+              <a:t>': 8758, '</a:t>
+            </a:r>
+            <a:r>
+              <a:rPr lang="ko-KR" altLang="en-US" sz="900" dirty="0" err="1"/>
+              <a:t>calories</a:t>
+            </a:r>
+            <a:r>
+              <a:rPr lang="ko-KR" altLang="en-US" sz="900" dirty="0"/>
+              <a:t>': 8759, '</a:t>
+            </a:r>
+            <a:r>
+              <a:rPr lang="ko-KR" altLang="en-US" sz="900" dirty="0" err="1"/>
+              <a:t>windsurfs</a:t>
+            </a:r>
+            <a:r>
+              <a:rPr lang="ko-KR" altLang="en-US" sz="900" dirty="0"/>
+              <a:t>': 8760, '</a:t>
+            </a:r>
+            <a:r>
+              <a:rPr lang="ko-KR" altLang="en-US" sz="900" dirty="0" err="1"/>
+              <a:t>para-surfing</a:t>
+            </a:r>
+            <a:r>
+              <a:rPr lang="ko-KR" altLang="en-US" sz="900" dirty="0"/>
+              <a:t>': 8761, '</a:t>
+            </a:r>
+            <a:r>
+              <a:rPr lang="ko-KR" altLang="en-US" sz="900" dirty="0" err="1"/>
+              <a:t>mosquito</a:t>
+            </a:r>
+            <a:r>
+              <a:rPr lang="ko-KR" altLang="en-US" sz="900" dirty="0"/>
+              <a:t>': 8762, '</a:t>
+            </a:r>
+            <a:r>
+              <a:rPr lang="ko-KR" altLang="en-US" sz="900" dirty="0" err="1"/>
+              <a:t>attempted</a:t>
+            </a:r>
+            <a:r>
+              <a:rPr lang="ko-KR" altLang="en-US" sz="900" dirty="0"/>
+              <a:t>': 8763, '</a:t>
+            </a:r>
+            <a:r>
+              <a:rPr lang="ko-KR" altLang="en-US" sz="900" dirty="0" err="1"/>
+              <a:t>baseline</a:t>
+            </a:r>
+            <a:r>
+              <a:rPr lang="ko-KR" altLang="en-US" sz="900" dirty="0"/>
+              <a:t>': 8764, '</a:t>
+            </a:r>
+            <a:r>
+              <a:rPr lang="ko-KR" altLang="en-US" sz="900" dirty="0" err="1"/>
+              <a:t>shelve</a:t>
+            </a:r>
+            <a:r>
+              <a:rPr lang="ko-KR" altLang="en-US" sz="900" dirty="0"/>
+              <a:t>': 8765, '1971': 8766, '</a:t>
+            </a:r>
+            <a:r>
+              <a:rPr lang="ko-KR" altLang="en-US" sz="900" dirty="0" err="1"/>
+              <a:t>made-up</a:t>
+            </a:r>
+            <a:r>
+              <a:rPr lang="ko-KR" altLang="en-US" sz="900" dirty="0"/>
+              <a:t>': 8767, '</a:t>
+            </a:r>
+            <a:r>
+              <a:rPr lang="ko-KR" altLang="en-US" sz="900" dirty="0" err="1"/>
+              <a:t>margherita</a:t>
+            </a:r>
+            <a:r>
+              <a:rPr lang="ko-KR" altLang="en-US" sz="900" dirty="0"/>
+              <a:t>': 8768, '</a:t>
+            </a:r>
+            <a:r>
+              <a:rPr lang="ko-KR" altLang="en-US" sz="900" dirty="0" err="1"/>
+              <a:t>sibling</a:t>
+            </a:r>
+            <a:r>
+              <a:rPr lang="ko-KR" altLang="en-US" sz="900" dirty="0"/>
+              <a:t>': 8769, '</a:t>
+            </a:r>
+            <a:r>
+              <a:rPr lang="ko-KR" altLang="en-US" sz="900" dirty="0" err="1"/>
+              <a:t>sparklers</a:t>
+            </a:r>
+            <a:r>
+              <a:rPr lang="ko-KR" altLang="en-US" sz="900" dirty="0"/>
+              <a:t>': 8770, '</a:t>
+            </a:r>
+            <a:r>
+              <a:rPr lang="ko-KR" altLang="en-US" sz="900" dirty="0" err="1"/>
+              <a:t>pepperonis</a:t>
+            </a:r>
+            <a:r>
+              <a:rPr lang="ko-KR" altLang="en-US" sz="900" dirty="0"/>
+              <a:t>': 8771, '</a:t>
+            </a:r>
+            <a:r>
+              <a:rPr lang="ko-KR" altLang="en-US" sz="900" dirty="0" err="1"/>
+              <a:t>returned</a:t>
+            </a:r>
+            <a:r>
+              <a:rPr lang="ko-KR" altLang="en-US" sz="900" dirty="0"/>
+              <a:t>': 8772, '</a:t>
+            </a:r>
+            <a:r>
+              <a:rPr lang="ko-KR" altLang="en-US" sz="900" dirty="0" err="1"/>
+              <a:t>misshapen</a:t>
+            </a:r>
+            <a:r>
+              <a:rPr lang="ko-KR" altLang="en-US" sz="900" dirty="0"/>
+              <a:t>': 8773, '</a:t>
+            </a:r>
+            <a:r>
+              <a:rPr lang="ko-KR" altLang="en-US" sz="900" dirty="0" err="1"/>
+              <a:t>raquet</a:t>
+            </a:r>
+            <a:r>
+              <a:rPr lang="ko-KR" altLang="en-US" sz="900" dirty="0"/>
+              <a:t>': 8774, '</a:t>
+            </a:r>
+            <a:r>
+              <a:rPr lang="ko-KR" altLang="en-US" sz="900" dirty="0" err="1"/>
+              <a:t>mario</a:t>
+            </a:r>
+            <a:r>
+              <a:rPr lang="ko-KR" altLang="en-US" sz="900" dirty="0"/>
+              <a:t>': 8775, '</a:t>
+            </a:r>
+            <a:r>
+              <a:rPr lang="ko-KR" altLang="en-US" sz="900" dirty="0" err="1"/>
+              <a:t>teresa</a:t>
+            </a:r>
+            <a:r>
+              <a:rPr lang="ko-KR" altLang="en-US" sz="900" dirty="0"/>
+              <a:t>': 8776, '</a:t>
+            </a:r>
+            <a:r>
+              <a:rPr lang="ko-KR" altLang="en-US" sz="900" dirty="0" err="1"/>
+              <a:t>programming</a:t>
+            </a:r>
+            <a:r>
+              <a:rPr lang="ko-KR" altLang="en-US" sz="900" dirty="0"/>
+              <a:t>': 8777, '</a:t>
+            </a:r>
+            <a:r>
+              <a:rPr lang="ko-KR" altLang="en-US" sz="900" dirty="0" err="1"/>
+              <a:t>daybed</a:t>
+            </a:r>
+            <a:r>
+              <a:rPr lang="ko-KR" altLang="en-US" sz="900" dirty="0"/>
+              <a:t>': 8778, '</a:t>
+            </a:r>
+            <a:r>
+              <a:rPr lang="ko-KR" altLang="en-US" sz="900" dirty="0" err="1"/>
+              <a:t>blast</a:t>
+            </a:r>
+            <a:r>
+              <a:rPr lang="ko-KR" altLang="en-US" sz="900" dirty="0"/>
+              <a:t>': 8779, '</a:t>
+            </a:r>
+            <a:r>
+              <a:rPr lang="ko-KR" altLang="en-US" sz="900" dirty="0" err="1"/>
+              <a:t>fiving</a:t>
+            </a:r>
+            <a:r>
+              <a:rPr lang="ko-KR" altLang="en-US" sz="900" dirty="0"/>
+              <a:t>': 8780, '</a:t>
+            </a:r>
+            <a:r>
+              <a:rPr lang="ko-KR" altLang="en-US" sz="900" dirty="0" err="1"/>
+              <a:t>whites</a:t>
+            </a:r>
+            <a:r>
+              <a:rPr lang="ko-KR" altLang="en-US" sz="900" dirty="0"/>
+              <a:t>': 8781, '</a:t>
+            </a:r>
+            <a:r>
+              <a:rPr lang="ko-KR" altLang="en-US" sz="900" dirty="0" err="1"/>
+              <a:t>technological</a:t>
+            </a:r>
+            <a:r>
+              <a:rPr lang="ko-KR" altLang="en-US" sz="900" dirty="0"/>
+              <a:t>': 8782, '</a:t>
+            </a:r>
+            <a:r>
+              <a:rPr lang="ko-KR" altLang="en-US" sz="900" dirty="0" err="1"/>
+              <a:t>partners</a:t>
+            </a:r>
+            <a:r>
+              <a:rPr lang="ko-KR" altLang="en-US" sz="900" dirty="0"/>
+              <a:t>': 8783, '</a:t>
+            </a:r>
+            <a:r>
+              <a:rPr lang="ko-KR" altLang="en-US" sz="900" dirty="0" err="1"/>
+              <a:t>prosciutto</a:t>
+            </a:r>
+            <a:r>
+              <a:rPr lang="ko-KR" altLang="en-US" sz="900" dirty="0"/>
+              <a:t>': 8784, '</a:t>
+            </a:r>
+            <a:r>
+              <a:rPr lang="ko-KR" altLang="en-US" sz="900" dirty="0" err="1"/>
+              <a:t>jointly</a:t>
+            </a:r>
+            <a:r>
+              <a:rPr lang="ko-KR" altLang="en-US" sz="900" dirty="0"/>
+              <a:t>': 8785, '</a:t>
+            </a:r>
+            <a:r>
+              <a:rPr lang="ko-KR" altLang="en-US" sz="900" dirty="0" err="1"/>
+              <a:t>tastefully</a:t>
+            </a:r>
+            <a:r>
+              <a:rPr lang="ko-KR" altLang="en-US" sz="900" dirty="0"/>
+              <a:t>': 8786, '</a:t>
+            </a:r>
+            <a:r>
+              <a:rPr lang="ko-KR" altLang="en-US" sz="900" dirty="0" err="1"/>
+              <a:t>bodyboarding</a:t>
+            </a:r>
+            <a:r>
+              <a:rPr lang="ko-KR" altLang="en-US" sz="900" dirty="0"/>
+              <a:t>': 8787, '</a:t>
+            </a:r>
+            <a:r>
+              <a:rPr lang="ko-KR" altLang="en-US" sz="900" dirty="0" err="1"/>
+              <a:t>bassinet</a:t>
+            </a:r>
+            <a:r>
+              <a:rPr lang="ko-KR" altLang="en-US" sz="900" dirty="0"/>
+              <a:t>': 8788, '</a:t>
+            </a:r>
+            <a:r>
+              <a:rPr lang="ko-KR" altLang="en-US" sz="900" dirty="0" err="1"/>
+              <a:t>supreme</a:t>
+            </a:r>
+            <a:r>
+              <a:rPr lang="ko-KR" altLang="en-US" sz="900" dirty="0"/>
+              <a:t>': 8789, '</a:t>
+            </a:r>
+            <a:r>
+              <a:rPr lang="ko-KR" altLang="en-US" sz="900" dirty="0" err="1"/>
+              <a:t>grimacing</a:t>
+            </a:r>
+            <a:r>
+              <a:rPr lang="ko-KR" altLang="en-US" sz="900" dirty="0"/>
+              <a:t>': 8790, '</a:t>
+            </a:r>
+            <a:r>
+              <a:rPr lang="ko-KR" altLang="en-US" sz="900" dirty="0" err="1"/>
+              <a:t>swaddled</a:t>
+            </a:r>
+            <a:r>
+              <a:rPr lang="ko-KR" altLang="en-US" sz="900" dirty="0"/>
+              <a:t>': 8791, '</a:t>
+            </a:r>
+            <a:r>
+              <a:rPr lang="ko-KR" altLang="en-US" sz="900" dirty="0" err="1"/>
+              <a:t>approval</a:t>
+            </a:r>
+            <a:r>
+              <a:rPr lang="ko-KR" altLang="en-US" sz="900" dirty="0"/>
+              <a:t>': 8792, '</a:t>
+            </a:r>
+            <a:r>
+              <a:rPr lang="ko-KR" altLang="en-US" sz="900" dirty="0" err="1"/>
+              <a:t>ipads</a:t>
+            </a:r>
+            <a:r>
+              <a:rPr lang="ko-KR" altLang="en-US" sz="900" dirty="0"/>
+              <a:t>': 8793, '</a:t>
+            </a:r>
+            <a:r>
+              <a:rPr lang="ko-KR" altLang="en-US" sz="900" dirty="0" err="1"/>
+              <a:t>rackett</a:t>
+            </a:r>
+            <a:r>
+              <a:rPr lang="ko-KR" altLang="en-US" sz="900" dirty="0"/>
+              <a:t>': 8794, '</a:t>
+            </a:r>
+            <a:r>
+              <a:rPr lang="ko-KR" altLang="en-US" sz="900" dirty="0" err="1"/>
+              <a:t>clams</a:t>
+            </a:r>
+            <a:r>
+              <a:rPr lang="ko-KR" altLang="en-US" sz="900" dirty="0"/>
+              <a:t>': 8795, '</a:t>
+            </a:r>
+            <a:r>
+              <a:rPr lang="ko-KR" altLang="en-US" sz="900" dirty="0" err="1"/>
+              <a:t>lapt</a:t>
+            </a:r>
+            <a:r>
+              <a:rPr lang="ko-KR" altLang="en-US" sz="900" dirty="0"/>
+              <a:t>': 8796, '</a:t>
+            </a:r>
+            <a:r>
+              <a:rPr lang="ko-KR" altLang="en-US" sz="900" dirty="0" err="1"/>
+              <a:t>mantel</a:t>
+            </a:r>
+            <a:r>
+              <a:rPr lang="ko-KR" altLang="en-US" sz="900" dirty="0"/>
+              <a:t>': 8797, '</a:t>
+            </a:r>
+            <a:r>
+              <a:rPr lang="ko-KR" altLang="en-US" sz="900" dirty="0" err="1"/>
+              <a:t>motes</a:t>
+            </a:r>
+            <a:r>
+              <a:rPr lang="ko-KR" altLang="en-US" sz="900" dirty="0"/>
+              <a:t>': 8798, '</a:t>
+            </a:r>
+            <a:r>
+              <a:rPr lang="ko-KR" altLang="en-US" sz="900" dirty="0" err="1"/>
+              <a:t>peripheral</a:t>
+            </a:r>
+            <a:r>
+              <a:rPr lang="ko-KR" altLang="en-US" sz="900" dirty="0"/>
+              <a:t>': 8799, '</a:t>
+            </a:r>
+            <a:r>
+              <a:rPr lang="ko-KR" altLang="en-US" sz="900" dirty="0" err="1"/>
+              <a:t>textbook</a:t>
+            </a:r>
+            <a:r>
+              <a:rPr lang="ko-KR" altLang="en-US" sz="900" dirty="0"/>
+              <a:t>': 8800, '</a:t>
+            </a:r>
+            <a:r>
+              <a:rPr lang="ko-KR" altLang="en-US" sz="900" dirty="0" err="1"/>
+              <a:t>mote</a:t>
+            </a:r>
+            <a:r>
+              <a:rPr lang="ko-KR" altLang="en-US" sz="900" dirty="0"/>
+              <a:t>': 8801, '</a:t>
+            </a:r>
+            <a:r>
+              <a:rPr lang="ko-KR" altLang="en-US" sz="900" dirty="0" err="1"/>
+              <a:t>wiimote</a:t>
+            </a:r>
+            <a:r>
+              <a:rPr lang="ko-KR" altLang="en-US" sz="900" dirty="0"/>
+              <a:t>': 8802, '</a:t>
+            </a:r>
+            <a:r>
+              <a:rPr lang="ko-KR" altLang="en-US" sz="900" dirty="0" err="1"/>
+              <a:t>boxing</a:t>
+            </a:r>
+            <a:r>
+              <a:rPr lang="ko-KR" altLang="en-US" sz="900" dirty="0"/>
+              <a:t>': 8803, '</a:t>
+            </a:r>
+            <a:r>
+              <a:rPr lang="ko-KR" altLang="en-US" sz="900" dirty="0" err="1"/>
+              <a:t>wii-mote</a:t>
+            </a:r>
+            <a:r>
+              <a:rPr lang="ko-KR" altLang="en-US" sz="900" dirty="0"/>
+              <a:t>': 8804, '</a:t>
+            </a:r>
+            <a:r>
+              <a:rPr lang="ko-KR" altLang="en-US" sz="900" dirty="0" err="1"/>
+              <a:t>nunchuck</a:t>
+            </a:r>
+            <a:r>
+              <a:rPr lang="ko-KR" altLang="en-US" sz="900" dirty="0"/>
+              <a:t>': 8805, '</a:t>
+            </a:r>
+            <a:r>
+              <a:rPr lang="ko-KR" altLang="en-US" sz="900" dirty="0" err="1"/>
+              <a:t>playstation</a:t>
+            </a:r>
+            <a:r>
+              <a:rPr lang="ko-KR" altLang="en-US" sz="900" dirty="0"/>
+              <a:t>': 8806, '</a:t>
+            </a:r>
+            <a:r>
+              <a:rPr lang="ko-KR" altLang="en-US" sz="900" dirty="0" err="1"/>
+              <a:t>valentines</a:t>
+            </a:r>
+            <a:r>
+              <a:rPr lang="ko-KR" altLang="en-US" sz="900" dirty="0"/>
+              <a:t>': 8807, '</a:t>
+            </a:r>
+            <a:r>
+              <a:rPr lang="ko-KR" altLang="en-US" sz="900" dirty="0" err="1"/>
+              <a:t>curio</a:t>
+            </a:r>
+            <a:r>
+              <a:rPr lang="ko-KR" altLang="en-US" sz="900" dirty="0"/>
+              <a:t>': 8808, '</a:t>
+            </a:r>
+            <a:r>
+              <a:rPr lang="ko-KR" altLang="en-US" sz="900" dirty="0" err="1"/>
+              <a:t>thames</a:t>
+            </a:r>
+            <a:r>
+              <a:rPr lang="ko-KR" altLang="en-US" sz="900" dirty="0"/>
+              <a:t>': 8809, '</a:t>
+            </a:r>
+            <a:r>
+              <a:rPr lang="ko-KR" altLang="en-US" sz="900" dirty="0" err="1"/>
+              <a:t>interactive</a:t>
+            </a:r>
+            <a:r>
+              <a:rPr lang="ko-KR" altLang="en-US" sz="900" dirty="0"/>
+              <a:t>': 8810, '</a:t>
+            </a:r>
+            <a:r>
+              <a:rPr lang="ko-KR" altLang="en-US" sz="900" dirty="0" err="1"/>
+              <a:t>ergonomic</a:t>
+            </a:r>
+            <a:r>
+              <a:rPr lang="ko-KR" altLang="en-US" sz="900" dirty="0"/>
+              <a:t>': 8811, '</a:t>
+            </a:r>
+            <a:r>
+              <a:rPr lang="ko-KR" altLang="en-US" sz="900" dirty="0" err="1"/>
+              <a:t>bristles</a:t>
+            </a:r>
+            <a:r>
+              <a:rPr lang="ko-KR" altLang="en-US" sz="900" dirty="0"/>
+              <a:t>': 8812, '</a:t>
+            </a:r>
+            <a:r>
+              <a:rPr lang="ko-KR" altLang="en-US" sz="900" dirty="0" err="1"/>
+              <a:t>cordless</a:t>
+            </a:r>
+            <a:r>
+              <a:rPr lang="ko-KR" altLang="en-US" sz="900" dirty="0"/>
+              <a:t>': 8813, '</a:t>
+            </a:r>
+            <a:r>
+              <a:rPr lang="ko-KR" altLang="en-US" sz="900" dirty="0" err="1"/>
+              <a:t>colgate</a:t>
+            </a:r>
+            <a:r>
+              <a:rPr lang="ko-KR" altLang="en-US" sz="900" dirty="0"/>
+              <a:t>': 8814, '</a:t>
+            </a:r>
+            <a:r>
+              <a:rPr lang="ko-KR" altLang="en-US" sz="900" dirty="0" err="1"/>
+              <a:t>pendulum</a:t>
+            </a:r>
+            <a:r>
+              <a:rPr lang="ko-KR" altLang="en-US" sz="900" dirty="0"/>
+              <a:t>': 8815, '</a:t>
+            </a:r>
+            <a:r>
+              <a:rPr lang="ko-KR" altLang="en-US" sz="900" dirty="0" err="1"/>
+              <a:t>alien</a:t>
+            </a:r>
+            <a:r>
+              <a:rPr lang="ko-KR" altLang="en-US" sz="900" dirty="0"/>
+              <a:t>': 8816, '</a:t>
+            </a:r>
+            <a:r>
+              <a:rPr lang="ko-KR" altLang="en-US" sz="900" dirty="0" err="1"/>
+              <a:t>videogame</a:t>
+            </a:r>
+            <a:r>
+              <a:rPr lang="ko-KR" altLang="en-US" sz="900" dirty="0"/>
+              <a:t>': 8817, '</a:t>
+            </a:r>
+            <a:r>
+              <a:rPr lang="ko-KR" altLang="en-US" sz="900" dirty="0" err="1"/>
+              <a:t>nokia</a:t>
+            </a:r>
+            <a:r>
+              <a:rPr lang="ko-KR" altLang="en-US" sz="900" dirty="0"/>
+              <a:t>': 8818, '</a:t>
+            </a:r>
+            <a:r>
+              <a:rPr lang="ko-KR" altLang="en-US" sz="900" dirty="0" err="1"/>
+              <a:t>wi</a:t>
+            </a:r>
+            <a:r>
+              <a:rPr lang="ko-KR" altLang="en-US" sz="900" dirty="0"/>
+              <a:t>': 8819, '</a:t>
+            </a:r>
+            <a:r>
+              <a:rPr lang="ko-KR" altLang="en-US" sz="900" dirty="0" err="1"/>
+              <a:t>icons</a:t>
+            </a:r>
+            <a:r>
+              <a:rPr lang="ko-KR" altLang="en-US" sz="900" dirty="0"/>
+              <a:t>': 8820, '</a:t>
+            </a:r>
+            <a:r>
+              <a:rPr lang="ko-KR" altLang="en-US" sz="900" dirty="0" err="1"/>
+              <a:t>answering</a:t>
+            </a:r>
+            <a:r>
+              <a:rPr lang="ko-KR" altLang="en-US" sz="900" dirty="0"/>
+              <a:t>': 8821, '</a:t>
+            </a:r>
+            <a:r>
+              <a:rPr lang="ko-KR" altLang="en-US" sz="900" dirty="0" err="1"/>
+              <a:t>workings</a:t>
+            </a:r>
+            <a:r>
+              <a:rPr lang="ko-KR" altLang="en-US" sz="900" dirty="0"/>
+              <a:t>': 8822, '</a:t>
+            </a:r>
+            <a:r>
+              <a:rPr lang="ko-KR" altLang="en-US" sz="900" dirty="0" err="1"/>
+              <a:t>combs</a:t>
+            </a:r>
+            <a:r>
+              <a:rPr lang="ko-KR" altLang="en-US" sz="900" dirty="0"/>
+              <a:t>': 8823, '</a:t>
+            </a:r>
+            <a:r>
+              <a:rPr lang="ko-KR" altLang="en-US" sz="900" dirty="0" err="1"/>
+              <a:t>coo</a:t>
+            </a:r>
+            <a:r>
+              <a:rPr lang="ko-KR" altLang="en-US" sz="900" dirty="0"/>
+              <a:t>': 8824, '</a:t>
+            </a:r>
+            <a:r>
+              <a:rPr lang="ko-KR" altLang="en-US" sz="900" dirty="0" err="1"/>
+              <a:t>calculators</a:t>
+            </a:r>
+            <a:r>
+              <a:rPr lang="ko-KR" altLang="en-US" sz="900" dirty="0"/>
+              <a:t>': 8825, '</a:t>
+            </a:r>
+            <a:r>
+              <a:rPr lang="ko-KR" altLang="en-US" sz="900" dirty="0" err="1"/>
+              <a:t>ottomans</a:t>
+            </a:r>
+            <a:r>
+              <a:rPr lang="ko-KR" altLang="en-US" sz="900" dirty="0"/>
+              <a:t>': 8826, '</a:t>
+            </a:r>
+            <a:r>
+              <a:rPr lang="ko-KR" altLang="en-US" sz="900" dirty="0" err="1"/>
+              <a:t>floss</a:t>
+            </a:r>
+            <a:r>
+              <a:rPr lang="ko-KR" altLang="en-US" sz="900" dirty="0"/>
+              <a:t>': 8827, '</a:t>
+            </a:r>
+            <a:r>
+              <a:rPr lang="ko-KR" altLang="en-US" sz="900" dirty="0" err="1"/>
+              <a:t>clipboard</a:t>
+            </a:r>
+            <a:r>
+              <a:rPr lang="ko-KR" altLang="en-US" sz="900" dirty="0"/>
+              <a:t>': 8828, '</a:t>
+            </a:r>
+            <a:r>
+              <a:rPr lang="ko-KR" altLang="en-US" sz="900" dirty="0" err="1"/>
+              <a:t>talkie</a:t>
+            </a:r>
+            <a:r>
+              <a:rPr lang="ko-KR" altLang="en-US" sz="900" dirty="0"/>
+              <a:t>': 8829, '</a:t>
+            </a:r>
+            <a:r>
+              <a:rPr lang="ko-KR" altLang="en-US" sz="900" dirty="0" err="1"/>
+              <a:t>mini-fridge</a:t>
+            </a:r>
+            <a:r>
+              <a:rPr lang="ko-KR" altLang="en-US" sz="900" dirty="0"/>
+              <a:t>': 8830, '</a:t>
+            </a:r>
+            <a:r>
+              <a:rPr lang="ko-KR" altLang="en-US" sz="900" dirty="0" err="1"/>
+              <a:t>motorola</a:t>
+            </a:r>
+            <a:r>
+              <a:rPr lang="ko-KR" altLang="en-US" sz="900" dirty="0"/>
+              <a:t>': 8831, '</a:t>
+            </a:r>
+            <a:r>
+              <a:rPr lang="ko-KR" altLang="en-US" sz="900" dirty="0" err="1"/>
+              <a:t>refrigeration</a:t>
+            </a:r>
+            <a:r>
+              <a:rPr lang="ko-KR" altLang="en-US" sz="900" dirty="0"/>
+              <a:t>': 8832, '</a:t>
+            </a:r>
+            <a:r>
+              <a:rPr lang="ko-KR" altLang="en-US" sz="900" dirty="0" err="1"/>
+              <a:t>graduate</a:t>
+            </a:r>
+            <a:r>
+              <a:rPr lang="ko-KR" altLang="en-US" sz="900" dirty="0"/>
+              <a:t>': 8833, '</a:t>
+            </a:r>
+            <a:r>
+              <a:rPr lang="ko-KR" altLang="en-US" sz="900" dirty="0" err="1"/>
+              <a:t>charms</a:t>
+            </a:r>
+            <a:r>
+              <a:rPr lang="ko-KR" altLang="en-US" sz="900" dirty="0"/>
+              <a:t>': 8834, '</a:t>
+            </a:r>
+            <a:r>
+              <a:rPr lang="ko-KR" altLang="en-US" sz="900" dirty="0" err="1"/>
+              <a:t>daisy</a:t>
+            </a:r>
+            <a:r>
+              <a:rPr lang="ko-KR" altLang="en-US" sz="900" dirty="0"/>
+              <a:t>': 8835, '</a:t>
+            </a:r>
+            <a:r>
+              <a:rPr lang="ko-KR" altLang="en-US" sz="900" dirty="0" err="1"/>
+              <a:t>application</a:t>
+            </a:r>
+            <a:r>
+              <a:rPr lang="ko-KR" altLang="en-US" sz="900" dirty="0"/>
+              <a:t>': 8836, '</a:t>
+            </a:r>
+            <a:r>
+              <a:rPr lang="ko-KR" altLang="en-US" sz="900" dirty="0" err="1"/>
+              <a:t>sleeved</a:t>
+            </a:r>
+            <a:r>
+              <a:rPr lang="ko-KR" altLang="en-US" sz="900" dirty="0"/>
+              <a:t>': 8837, '</a:t>
+            </a:r>
+            <a:r>
+              <a:rPr lang="ko-KR" altLang="en-US" sz="900" dirty="0" err="1"/>
+              <a:t>vein</a:t>
+            </a:r>
+            <a:r>
+              <a:rPr lang="ko-KR" altLang="en-US" sz="900" dirty="0"/>
+              <a:t>': 8838, '</a:t>
+            </a:r>
+            <a:r>
+              <a:rPr lang="ko-KR" altLang="en-US" sz="900" dirty="0" err="1"/>
+              <a:t>carnation</a:t>
+            </a:r>
+            <a:r>
+              <a:rPr lang="ko-KR" altLang="en-US" sz="900" dirty="0"/>
+              <a:t>': 8839, '</a:t>
+            </a:r>
+            <a:r>
+              <a:rPr lang="ko-KR" altLang="en-US" sz="900" dirty="0" err="1"/>
+              <a:t>mixers</a:t>
+            </a:r>
+            <a:r>
+              <a:rPr lang="ko-KR" altLang="en-US" sz="900" dirty="0"/>
+              <a:t>': 8840, '</a:t>
+            </a:r>
+            <a:r>
+              <a:rPr lang="ko-KR" altLang="en-US" sz="900" dirty="0" err="1"/>
+              <a:t>dial</a:t>
+            </a:r>
+            <a:r>
+              <a:rPr lang="ko-KR" altLang="en-US" sz="900" dirty="0"/>
+              <a:t>': 8841, '</a:t>
+            </a:r>
+            <a:r>
+              <a:rPr lang="ko-KR" altLang="en-US" sz="900" dirty="0" err="1"/>
+              <a:t>spools</a:t>
+            </a:r>
+            <a:r>
+              <a:rPr lang="ko-KR" altLang="en-US" sz="900" dirty="0"/>
+              <a:t>': 8842, '</a:t>
+            </a:r>
+            <a:r>
+              <a:rPr lang="ko-KR" altLang="en-US" sz="900" dirty="0" err="1"/>
+              <a:t>wilting</a:t>
+            </a:r>
+            <a:r>
+              <a:rPr lang="ko-KR" altLang="en-US" sz="900" dirty="0"/>
+              <a:t>': 8843, '</a:t>
+            </a:r>
+            <a:r>
+              <a:rPr lang="ko-KR" altLang="en-US" sz="900" dirty="0" err="1"/>
+              <a:t>cutters</a:t>
+            </a:r>
+            <a:r>
+              <a:rPr lang="ko-KR" altLang="en-US" sz="900" dirty="0"/>
+              <a:t>': 8844, '</a:t>
+            </a:r>
+            <a:r>
+              <a:rPr lang="ko-KR" altLang="en-US" sz="900" dirty="0" err="1"/>
+              <a:t>pinking</a:t>
+            </a:r>
+            <a:r>
+              <a:rPr lang="ko-KR" altLang="en-US" sz="900" dirty="0"/>
+              <a:t>': 8845, '</a:t>
+            </a:r>
+            <a:r>
+              <a:rPr lang="ko-KR" altLang="en-US" sz="900" dirty="0" err="1"/>
+              <a:t>rulers</a:t>
+            </a:r>
+            <a:r>
+              <a:rPr lang="ko-KR" altLang="en-US" sz="900" dirty="0"/>
+              <a:t>': 8846, '</a:t>
+            </a:r>
+            <a:r>
+              <a:rPr lang="ko-KR" altLang="en-US" sz="900" dirty="0" err="1"/>
+              <a:t>puncher</a:t>
+            </a:r>
+            <a:r>
+              <a:rPr lang="ko-KR" altLang="en-US" sz="900" dirty="0"/>
+              <a:t>': 8847, '</a:t>
+            </a:r>
+            <a:r>
+              <a:rPr lang="ko-KR" altLang="en-US" sz="900" dirty="0" err="1"/>
+              <a:t>bouquets</a:t>
+            </a:r>
+            <a:r>
+              <a:rPr lang="ko-KR" altLang="en-US" sz="900" dirty="0"/>
+              <a:t>': 8848, '</a:t>
+            </a:r>
+            <a:r>
+              <a:rPr lang="ko-KR" altLang="en-US" sz="900" dirty="0" err="1"/>
+              <a:t>seniors</a:t>
+            </a:r>
+            <a:r>
+              <a:rPr lang="ko-KR" altLang="en-US" sz="900" dirty="0"/>
+              <a:t>': 8849, '</a:t>
+            </a:r>
+            <a:r>
+              <a:rPr lang="ko-KR" altLang="en-US" sz="900" dirty="0" err="1"/>
+              <a:t>dandelion</a:t>
+            </a:r>
+            <a:r>
+              <a:rPr lang="ko-KR" altLang="en-US" sz="900" dirty="0"/>
+              <a:t>': 8850, '</a:t>
+            </a:r>
+            <a:r>
+              <a:rPr lang="ko-KR" altLang="en-US" sz="900" dirty="0" err="1"/>
+              <a:t>coupons</a:t>
+            </a:r>
+            <a:r>
+              <a:rPr lang="ko-KR" altLang="en-US" sz="900" dirty="0"/>
+              <a:t>': 8851, '</a:t>
+            </a:r>
+            <a:r>
+              <a:rPr lang="ko-KR" altLang="en-US" sz="900" dirty="0" err="1"/>
+              <a:t>cheerleader</a:t>
+            </a:r>
+            <a:r>
+              <a:rPr lang="ko-KR" altLang="en-US" sz="900" dirty="0"/>
+              <a:t>': 8852}</a:t>
+            </a:r>
+            <a:endParaRPr lang="en-US" altLang="ko-KR" sz="900" dirty="0"/>
+          </a:p>
+          <a:p>
+            <a:endParaRPr lang="ko-KR" altLang="en-US" sz="900" dirty="0"/>
+          </a:p>
+        </p:txBody>
+      </p:sp>
+      <p:sp>
+        <p:nvSpPr>
+          <p:cNvPr id="6" name="TextBox 5">
+            <a:extLst>
+              <a:ext uri="{FF2B5EF4-FFF2-40B4-BE49-F238E27FC236}">
+                <a16:creationId xmlns:a16="http://schemas.microsoft.com/office/drawing/2014/main" id="{83B10909-B7C4-4D15-A9C2-0A28C4AD9513}"/>
+              </a:ext>
+            </a:extLst>
+          </p:cNvPr>
+          <p:cNvSpPr txBox="1"/>
           <p:nvPr/>
-        </p:nvPicPr>
-        <p:blipFill>
-          <a:blip r:embed="rId3"/>
-          <a:stretch>
-            <a:fillRect/>
-          </a:stretch>
-        </p:blipFill>
+        </p:nvSpPr>
         <p:spPr>
           <a:xfrm>
-            <a:off x="5525645" y="910462"/>
-            <a:ext cx="6096000" cy="2859967"/>
-          </a:xfrm>
-          <a:prstGeom prst="rect">
-            <a:avLst/>
-          </a:prstGeom>
-        </p:spPr>
-      </p:pic>
-      <p:sp>
-        <p:nvSpPr>
-          <p:cNvPr id="6" name="TextBox 5">
-            <a:extLst>
-              <a:ext uri="{FF2B5EF4-FFF2-40B4-BE49-F238E27FC236}">
-                <a16:creationId xmlns:a16="http://schemas.microsoft.com/office/drawing/2014/main" id="{EE744717-5904-4391-8CA0-2E74623EFEE7}"/>
-              </a:ext>
-            </a:extLst>
-          </p:cNvPr>
-          <p:cNvSpPr txBox="1"/>
-          <p:nvPr/>
-        </p:nvSpPr>
-        <p:spPr>
-          <a:xfrm>
-            <a:off x="7040488" y="4183478"/>
-            <a:ext cx="4269816" cy="923330"/>
+            <a:off x="300875" y="3802806"/>
+            <a:ext cx="10240234" cy="2339102"/>
           </a:xfrm>
           <a:prstGeom prst="rect">
             <a:avLst/>
@@ -5795,47 +7888,182 @@
           </a:bodyPr>
           <a:lstStyle/>
           <a:p>
-            <a:r>
-              <a:rPr lang="en-US" altLang="ko-KR" dirty="0"/>
-              <a:t>Bert embedding </a:t>
-            </a:r>
-            <a:r>
-              <a:rPr lang="ko-KR" altLang="en-US" dirty="0"/>
-              <a:t>하기 위해</a:t>
-            </a:r>
-            <a:endParaRPr lang="en-US" altLang="ko-KR" dirty="0"/>
-          </a:p>
-          <a:p>
-            <a:r>
-              <a:rPr lang="en-US" altLang="ko-KR" dirty="0"/>
-              <a:t>1. Encoded caption -&gt; word </a:t>
-            </a:r>
-            <a:r>
-              <a:rPr lang="ko-KR" altLang="en-US" dirty="0"/>
-              <a:t>로 변환</a:t>
-            </a:r>
-            <a:r>
-              <a:rPr lang="en-US" altLang="ko-KR" dirty="0"/>
-              <a:t>.</a:t>
-            </a:r>
-          </a:p>
-          <a:p>
-            <a:r>
-              <a:rPr lang="ko-KR" altLang="en-US" dirty="0"/>
-              <a:t>최대 길이에 맞춰 </a:t>
-            </a:r>
-            <a:r>
-              <a:rPr lang="en-US" altLang="ko-KR" dirty="0"/>
-              <a:t>padding</a:t>
-            </a:r>
-            <a:endParaRPr lang="ko-KR" altLang="en-US" dirty="0"/>
+            <a:pPr marL="171450" indent="-171450">
+              <a:buFont typeface="Arial" panose="020B0604020202020204" pitchFamily="34" charset="0"/>
+              <a:buChar char="•"/>
+            </a:pPr>
+            <a:r>
+              <a:rPr lang="en-US" altLang="ko-KR" sz="1000" dirty="0"/>
+              <a:t>idx2word</a:t>
+            </a:r>
+          </a:p>
+          <a:p>
+            <a:endParaRPr lang="en-US" altLang="ko-KR" sz="900" dirty="0"/>
+          </a:p>
+          <a:p>
+            <a:r>
+              <a:rPr lang="en-US" altLang="ko-KR" sz="900" dirty="0"/>
+              <a:t>8757: 'expertly', 8758: 'para-sail', 8759: 'calories', 8760: 'windsurfs', 8761: 'para-surfing', 8762: 'mosquito', 8763: 'attempted', 8764: 'baseline', 8765: 'shelve', 8766: '1971', 8767: 'made-up', 8768: 'margherita', 8769: 'sibling', 8770: 'sparklers', 8771: 'pepperonis', 8772: 'returned', 8773: 'misshapen', 8774: '</a:t>
+            </a:r>
+            <a:r>
+              <a:rPr lang="en-US" altLang="ko-KR" sz="900" dirty="0" err="1"/>
+              <a:t>raquet</a:t>
+            </a:r>
+            <a:r>
+              <a:rPr lang="en-US" altLang="ko-KR" sz="900" dirty="0"/>
+              <a:t>', 8775: '</a:t>
+            </a:r>
+            <a:r>
+              <a:rPr lang="en-US" altLang="ko-KR" sz="900" dirty="0" err="1"/>
+              <a:t>mario</a:t>
+            </a:r>
+            <a:r>
+              <a:rPr lang="en-US" altLang="ko-KR" sz="900" dirty="0"/>
+              <a:t>', 8776: '</a:t>
+            </a:r>
+            <a:r>
+              <a:rPr lang="en-US" altLang="ko-KR" sz="900" dirty="0" err="1"/>
+              <a:t>teresa</a:t>
+            </a:r>
+            <a:r>
+              <a:rPr lang="en-US" altLang="ko-KR" sz="900" dirty="0"/>
+              <a:t>', 8777: 'programming', 8778: 'daybed', 8779: 'blast', 8780: 'fiving', 8781: 'whites', 8782: 'technological', 8783: 'partners', 8784: 'prosciutto', 8785: 'jointly', 8786: 'tastefully', 8787: 'bodyboarding', 8788: 'bassinet', 8789: 'supreme', 8790: 'grimacing', 8791: 'swaddled', 8792: 'approval', 8793: '</a:t>
+            </a:r>
+            <a:r>
+              <a:rPr lang="en-US" altLang="ko-KR" sz="900" dirty="0" err="1"/>
+              <a:t>ipads</a:t>
+            </a:r>
+            <a:r>
+              <a:rPr lang="en-US" altLang="ko-KR" sz="900" dirty="0"/>
+              <a:t>', 8794: '</a:t>
+            </a:r>
+            <a:r>
+              <a:rPr lang="en-US" altLang="ko-KR" sz="900" dirty="0" err="1"/>
+              <a:t>rackett</a:t>
+            </a:r>
+            <a:r>
+              <a:rPr lang="en-US" altLang="ko-KR" sz="900" dirty="0"/>
+              <a:t>', 8795: 'clams', 8796: '</a:t>
+            </a:r>
+            <a:r>
+              <a:rPr lang="en-US" altLang="ko-KR" sz="900" dirty="0" err="1"/>
+              <a:t>lapt</a:t>
+            </a:r>
+            <a:r>
+              <a:rPr lang="en-US" altLang="ko-KR" sz="900" dirty="0"/>
+              <a:t>', 8797: 'mantel', 8798: 'motes', 8799: 'peripheral', 8800: 'textbook', 8801: 'mote', 8802: '</a:t>
+            </a:r>
+            <a:r>
+              <a:rPr lang="en-US" altLang="ko-KR" sz="900" dirty="0" err="1"/>
+              <a:t>wiimote</a:t>
+            </a:r>
+            <a:r>
+              <a:rPr lang="en-US" altLang="ko-KR" sz="900" dirty="0"/>
+              <a:t>', 8803: 'boxing', 8804: '</a:t>
+            </a:r>
+            <a:r>
+              <a:rPr lang="en-US" altLang="ko-KR" sz="900" dirty="0" err="1"/>
+              <a:t>wii</a:t>
+            </a:r>
+            <a:r>
+              <a:rPr lang="en-US" altLang="ko-KR" sz="900" dirty="0"/>
+              <a:t>-mote', 8805: '</a:t>
+            </a:r>
+            <a:r>
+              <a:rPr lang="en-US" altLang="ko-KR" sz="900" dirty="0" err="1"/>
+              <a:t>nunchuck</a:t>
+            </a:r>
+            <a:r>
+              <a:rPr lang="en-US" altLang="ko-KR" sz="900" dirty="0"/>
+              <a:t>', 8806: '</a:t>
+            </a:r>
+            <a:r>
+              <a:rPr lang="en-US" altLang="ko-KR" sz="900" dirty="0" err="1"/>
+              <a:t>playstation</a:t>
+            </a:r>
+            <a:r>
+              <a:rPr lang="en-US" altLang="ko-KR" sz="900" dirty="0"/>
+              <a:t>', 8807: 'valentines', 8808: 'curio', 8809: '</a:t>
+            </a:r>
+            <a:r>
+              <a:rPr lang="en-US" altLang="ko-KR" sz="900" dirty="0" err="1"/>
+              <a:t>thames</a:t>
+            </a:r>
+            <a:r>
+              <a:rPr lang="en-US" altLang="ko-KR" sz="900" dirty="0"/>
+              <a:t>', 8810: 'interactive', 8811: 'ergonomic', 8812: 'bristles', 8813: 'cordless', 8814: '</a:t>
+            </a:r>
+            <a:r>
+              <a:rPr lang="en-US" altLang="ko-KR" sz="900" dirty="0" err="1"/>
+              <a:t>colgate</a:t>
+            </a:r>
+            <a:r>
+              <a:rPr lang="en-US" altLang="ko-KR" sz="900" dirty="0"/>
+              <a:t>', 8815: 'pendulum', 8816: 'alien', 8817: 'videogame',</a:t>
+            </a:r>
+          </a:p>
+          <a:p>
+            <a:r>
+              <a:rPr lang="en-US" altLang="ko-KR" sz="900" dirty="0"/>
+              <a:t>8818: '</a:t>
+            </a:r>
+            <a:r>
+              <a:rPr lang="en-US" altLang="ko-KR" sz="900" dirty="0" err="1"/>
+              <a:t>nokia</a:t>
+            </a:r>
+            <a:r>
+              <a:rPr lang="en-US" altLang="ko-KR" sz="900" dirty="0"/>
+              <a:t>', 8819: '</a:t>
+            </a:r>
+            <a:r>
+              <a:rPr lang="en-US" altLang="ko-KR" sz="900" dirty="0" err="1"/>
+              <a:t>wi</a:t>
+            </a:r>
+            <a:r>
+              <a:rPr lang="en-US" altLang="ko-KR" sz="900" dirty="0"/>
+              <a:t>', 8820: 'icons', 8821: 'answering', 8822: 'workings', 8823: 'combs', 8824: 'coo', 8825: 'calculators', 8826: 'ottomans', 8827: 'floss', 8828: 'clipboard', 8829: 'talkie', 8830: 'mini-fridge', 8831: '</a:t>
+            </a:r>
+            <a:r>
+              <a:rPr lang="en-US" altLang="ko-KR" sz="900" dirty="0" err="1"/>
+              <a:t>motorola</a:t>
+            </a:r>
+            <a:r>
+              <a:rPr lang="en-US" altLang="ko-KR" sz="900" dirty="0"/>
+              <a:t>', 8832: 'refrigeration', 8833: 'graduate', 8834: 'charms', 8835: 'daisy', 8836: 'application', 8837: 'sleeved', 8838: 'vein', 8839: 'carnation', 8840: 'mixers', 8841: 'dial', 8842: 'spools', 8843: 'wilting', 8844: 'cutters', 8845: 'pinking', 8846: 'rulers', 8847: 'puncher', 8848: 'bouquets', 8849: 'seniors', 8850: 'dandelion', 8851: 'coupons', 8852: 'cheerleader’}</a:t>
+            </a:r>
+          </a:p>
+          <a:p>
+            <a:endParaRPr lang="en-US" altLang="ko-KR" sz="900" dirty="0"/>
+          </a:p>
+          <a:p>
+            <a:endParaRPr lang="en-US" altLang="ko-KR" sz="900" dirty="0"/>
+          </a:p>
+          <a:p>
+            <a:pPr marL="171450" indent="-171450">
+              <a:buFont typeface="Arial" panose="020B0604020202020204" pitchFamily="34" charset="0"/>
+              <a:buChar char="•"/>
+            </a:pPr>
+            <a:r>
+              <a:rPr lang="en-US" altLang="ko-KR" sz="1000" dirty="0" err="1"/>
+              <a:t>idx</a:t>
+            </a:r>
+            <a:endParaRPr lang="en-US" altLang="ko-KR" sz="1000" dirty="0"/>
+          </a:p>
+          <a:p>
+            <a:r>
+              <a:rPr lang="en-US" altLang="ko-KR" sz="900" dirty="0"/>
+              <a:t>8853</a:t>
+            </a:r>
+          </a:p>
+          <a:p>
+            <a:endParaRPr lang="ko-KR" altLang="en-US" sz="900" dirty="0"/>
           </a:p>
         </p:txBody>
       </p:sp>
     </p:spTree>
     <p:extLst>
       <p:ext uri="{BB962C8B-B14F-4D97-AF65-F5344CB8AC3E}">
-        <p14:creationId xmlns:p14="http://schemas.microsoft.com/office/powerpoint/2010/main" val="4244573122"/>
+        <p14:creationId xmlns:p14="http://schemas.microsoft.com/office/powerpoint/2010/main" val="3209466758"/>
       </p:ext>
     </p:extLst>
   </p:cSld>
@@ -5845,7 +8073,7 @@
 </p:sld>
 </file>
 
-<file path=ppt/slides/slide6.xml><?xml version="1.0" encoding="utf-8"?>
+<file path=ppt/slides/slide4.xml><?xml version="1.0" encoding="utf-8"?>
 <p:sld xmlns:a="http://schemas.openxmlformats.org/drawingml/2006/main" xmlns:r="http://schemas.openxmlformats.org/officeDocument/2006/relationships" xmlns:p="http://schemas.openxmlformats.org/presentationml/2006/main">
   <p:cSld>
     <p:spTree>
@@ -5862,6 +8090,36 @@
           <a:chExt cx="0" cy="0"/>
         </a:xfrm>
       </p:grpSpPr>
+      <p:pic>
+        <p:nvPicPr>
+          <p:cNvPr id="3" name="그림 2">
+            <a:extLst>
+              <a:ext uri="{FF2B5EF4-FFF2-40B4-BE49-F238E27FC236}">
+                <a16:creationId xmlns:a16="http://schemas.microsoft.com/office/drawing/2014/main" id="{D23F9F81-517D-48C6-A534-D094942E157B}"/>
+              </a:ext>
+            </a:extLst>
+          </p:cNvPr>
+          <p:cNvPicPr>
+            <a:picLocks noChangeAspect="1"/>
+          </p:cNvPicPr>
+          <p:nvPr/>
+        </p:nvPicPr>
+        <p:blipFill>
+          <a:blip r:embed="rId2"/>
+          <a:stretch>
+            <a:fillRect/>
+          </a:stretch>
+        </p:blipFill>
+        <p:spPr>
+          <a:xfrm>
+            <a:off x="455705" y="1085333"/>
+            <a:ext cx="5640295" cy="4234982"/>
+          </a:xfrm>
+          <a:prstGeom prst="rect">
+            <a:avLst/>
+          </a:prstGeom>
+        </p:spPr>
+      </p:pic>
       <p:sp>
         <p:nvSpPr>
           <p:cNvPr id="8" name="직사각형 7">
@@ -5924,6 +8182,1423 @@
       </p:sp>
       <p:sp>
         <p:nvSpPr>
+          <p:cNvPr id="4" name="슬라이드 번호 개체 틀 3">
+            <a:extLst>
+              <a:ext uri="{FF2B5EF4-FFF2-40B4-BE49-F238E27FC236}">
+                <a16:creationId xmlns:a16="http://schemas.microsoft.com/office/drawing/2014/main" id="{B11A7AB9-7540-40FD-94B6-0135A3ED289C}"/>
+              </a:ext>
+            </a:extLst>
+          </p:cNvPr>
+          <p:cNvSpPr>
+            <a:spLocks noGrp="1"/>
+          </p:cNvSpPr>
+          <p:nvPr>
+            <p:ph type="sldNum" sz="quarter" idx="12"/>
+          </p:nvPr>
+        </p:nvSpPr>
+        <p:spPr>
+          <a:xfrm>
+            <a:off x="8563187" y="6379936"/>
+            <a:ext cx="2743200" cy="365125"/>
+          </a:xfrm>
+        </p:spPr>
+        <p:txBody>
+          <a:bodyPr/>
+          <a:lstStyle/>
+          <a:p>
+            <a:fld id="{C3EC3709-AF19-4BC3-8020-8E9C5E0E1F7D}" type="slidenum">
+              <a:rPr lang="ko-KR" altLang="en-US" smtClean="0"/>
+              <a:t>4</a:t>
+            </a:fld>
+            <a:endParaRPr lang="ko-KR" altLang="en-US" dirty="0"/>
+          </a:p>
+        </p:txBody>
+      </p:sp>
+      <p:sp>
+        <p:nvSpPr>
+          <p:cNvPr id="9" name="TextBox 8">
+            <a:extLst>
+              <a:ext uri="{FF2B5EF4-FFF2-40B4-BE49-F238E27FC236}">
+                <a16:creationId xmlns:a16="http://schemas.microsoft.com/office/drawing/2014/main" id="{19B6216F-12C7-418D-A944-6484C1992BBE}"/>
+              </a:ext>
+            </a:extLst>
+          </p:cNvPr>
+          <p:cNvSpPr txBox="1"/>
+          <p:nvPr/>
+        </p:nvSpPr>
+        <p:spPr>
+          <a:xfrm>
+            <a:off x="231339" y="182031"/>
+            <a:ext cx="11782163" cy="461665"/>
+          </a:xfrm>
+          <a:prstGeom prst="rect">
+            <a:avLst/>
+          </a:prstGeom>
+          <a:noFill/>
+        </p:spPr>
+        <p:txBody>
+          <a:bodyPr wrap="square" rtlCol="0">
+            <a:spAutoFit/>
+          </a:bodyPr>
+          <a:lstStyle/>
+          <a:p>
+            <a:r>
+              <a:rPr lang="ko-KR" altLang="en-US" sz="2400" dirty="0"/>
+              <a:t>코드 분석 </a:t>
+            </a:r>
+            <a:r>
+              <a:rPr lang="en-US" altLang="ko-KR" sz="2400" dirty="0"/>
+              <a:t>– DataLoader.py</a:t>
+            </a:r>
+            <a:endParaRPr lang="ko-KR" altLang="en-US" sz="2400" dirty="0"/>
+          </a:p>
+        </p:txBody>
+      </p:sp>
+      <p:sp>
+        <p:nvSpPr>
+          <p:cNvPr id="6" name="TextBox 5">
+            <a:extLst>
+              <a:ext uri="{FF2B5EF4-FFF2-40B4-BE49-F238E27FC236}">
+                <a16:creationId xmlns:a16="http://schemas.microsoft.com/office/drawing/2014/main" id="{8848E58D-6A1A-428F-A3AC-250C2D04C7BA}"/>
+              </a:ext>
+            </a:extLst>
+          </p:cNvPr>
+          <p:cNvSpPr txBox="1"/>
+          <p:nvPr/>
+        </p:nvSpPr>
+        <p:spPr>
+          <a:xfrm>
+            <a:off x="5577939" y="2335153"/>
+            <a:ext cx="6435564" cy="584775"/>
+          </a:xfrm>
+          <a:prstGeom prst="rect">
+            <a:avLst/>
+          </a:prstGeom>
+          <a:noFill/>
+          <a:ln>
+            <a:solidFill>
+              <a:schemeClr val="accent6"/>
+            </a:solidFill>
+          </a:ln>
+        </p:spPr>
+        <p:txBody>
+          <a:bodyPr wrap="square" rtlCol="0">
+            <a:spAutoFit/>
+          </a:bodyPr>
+          <a:lstStyle/>
+          <a:p>
+            <a:r>
+              <a:rPr lang="ko-KR" altLang="en-US" sz="1600" dirty="0"/>
+              <a:t>이미지와 이미지에 해당하는 </a:t>
+            </a:r>
+            <a:r>
+              <a:rPr lang="en-US" altLang="ko-KR" sz="1600" dirty="0"/>
+              <a:t>caption</a:t>
+            </a:r>
+            <a:r>
+              <a:rPr lang="ko-KR" altLang="en-US" sz="1600" dirty="0"/>
+              <a:t>을 </a:t>
+            </a:r>
+            <a:r>
+              <a:rPr lang="en-US" altLang="ko-KR" sz="1600" dirty="0"/>
+              <a:t>caption</a:t>
+            </a:r>
+            <a:r>
+              <a:rPr lang="ko-KR" altLang="en-US" sz="1600" dirty="0"/>
+              <a:t> 단어를 </a:t>
+            </a:r>
+            <a:r>
+              <a:rPr lang="en-US" altLang="ko-KR" sz="1600" dirty="0"/>
+              <a:t>vocabulary </a:t>
+            </a:r>
+            <a:r>
+              <a:rPr lang="ko-KR" altLang="en-US" sz="1600" dirty="0"/>
+              <a:t>를</a:t>
+            </a:r>
+            <a:r>
+              <a:rPr lang="en-US" altLang="ko-KR" sz="1600" dirty="0"/>
+              <a:t> </a:t>
+            </a:r>
+            <a:r>
+              <a:rPr lang="ko-KR" altLang="en-US" sz="1600" dirty="0"/>
+              <a:t>사용하여 단어에 해당하는 </a:t>
+            </a:r>
+            <a:r>
+              <a:rPr lang="en-US" altLang="ko-KR" sz="1600" dirty="0"/>
+              <a:t>index</a:t>
+            </a:r>
+            <a:r>
+              <a:rPr lang="ko-KR" altLang="en-US" sz="1600" dirty="0"/>
+              <a:t>로 변환</a:t>
+            </a:r>
+            <a:r>
+              <a:rPr lang="en-US" altLang="ko-KR" sz="1600" dirty="0"/>
+              <a:t>. </a:t>
+            </a:r>
+          </a:p>
+        </p:txBody>
+      </p:sp>
+      <p:grpSp>
+        <p:nvGrpSpPr>
+          <p:cNvPr id="5" name="그룹 4">
+            <a:extLst>
+              <a:ext uri="{FF2B5EF4-FFF2-40B4-BE49-F238E27FC236}">
+                <a16:creationId xmlns:a16="http://schemas.microsoft.com/office/drawing/2014/main" id="{A21ED9FD-9A52-4CE2-99C1-4949776572A3}"/>
+              </a:ext>
+            </a:extLst>
+          </p:cNvPr>
+          <p:cNvGrpSpPr/>
+          <p:nvPr/>
+        </p:nvGrpSpPr>
+        <p:grpSpPr>
+          <a:xfrm>
+            <a:off x="6820250" y="4574519"/>
+            <a:ext cx="4162150" cy="2283481"/>
+            <a:chOff x="6582370" y="4535951"/>
+            <a:chExt cx="4162150" cy="2283481"/>
+          </a:xfrm>
+        </p:grpSpPr>
+        <p:sp>
+          <p:nvSpPr>
+            <p:cNvPr id="14" name="직사각형 13">
+              <a:extLst>
+                <a:ext uri="{FF2B5EF4-FFF2-40B4-BE49-F238E27FC236}">
+                  <a16:creationId xmlns:a16="http://schemas.microsoft.com/office/drawing/2014/main" id="{3956D73B-0508-47E2-BEAA-EC122EA9C0C8}"/>
+                </a:ext>
+              </a:extLst>
+            </p:cNvPr>
+            <p:cNvSpPr/>
+            <p:nvPr/>
+          </p:nvSpPr>
+          <p:spPr>
+            <a:xfrm>
+              <a:off x="9079027" y="4634427"/>
+              <a:ext cx="1382110" cy="1279682"/>
+            </a:xfrm>
+            <a:prstGeom prst="rect">
+              <a:avLst/>
+            </a:prstGeom>
+            <a:pattFill prst="lgGrid">
+              <a:fgClr>
+                <a:schemeClr val="accent4">
+                  <a:lumMod val="50000"/>
+                </a:schemeClr>
+              </a:fgClr>
+              <a:bgClr>
+                <a:schemeClr val="bg1"/>
+              </a:bgClr>
+            </a:pattFill>
+            <a:ln>
+              <a:solidFill>
+                <a:schemeClr val="accent4">
+                  <a:lumMod val="60000"/>
+                  <a:lumOff val="40000"/>
+                </a:schemeClr>
+              </a:solidFill>
+            </a:ln>
+          </p:spPr>
+          <p:style>
+            <a:lnRef idx="2">
+              <a:schemeClr val="accent1">
+                <a:shade val="50000"/>
+              </a:schemeClr>
+            </a:lnRef>
+            <a:fillRef idx="1">
+              <a:schemeClr val="accent1"/>
+            </a:fillRef>
+            <a:effectRef idx="0">
+              <a:schemeClr val="accent1"/>
+            </a:effectRef>
+            <a:fontRef idx="minor">
+              <a:schemeClr val="lt1"/>
+            </a:fontRef>
+          </p:style>
+          <p:txBody>
+            <a:bodyPr rtlCol="0" anchor="ctr"/>
+            <a:lstStyle/>
+            <a:p>
+              <a:pPr algn="ctr"/>
+              <a:endParaRPr lang="ko-KR" altLang="en-US" dirty="0"/>
+            </a:p>
+          </p:txBody>
+        </p:sp>
+        <p:cxnSp>
+          <p:nvCxnSpPr>
+            <p:cNvPr id="16" name="직선 화살표 연결선 15">
+              <a:extLst>
+                <a:ext uri="{FF2B5EF4-FFF2-40B4-BE49-F238E27FC236}">
+                  <a16:creationId xmlns:a16="http://schemas.microsoft.com/office/drawing/2014/main" id="{FAFABD40-3A31-4CEC-A8E2-B1ADCD66CC00}"/>
+                </a:ext>
+              </a:extLst>
+            </p:cNvPr>
+            <p:cNvCxnSpPr/>
+            <p:nvPr/>
+          </p:nvCxnSpPr>
+          <p:spPr>
+            <a:xfrm>
+              <a:off x="8603411" y="4687018"/>
+              <a:ext cx="396815" cy="0"/>
+            </a:xfrm>
+            <a:prstGeom prst="straightConnector1">
+              <a:avLst/>
+            </a:prstGeom>
+            <a:ln>
+              <a:solidFill>
+                <a:schemeClr val="accent4">
+                  <a:lumMod val="60000"/>
+                  <a:lumOff val="40000"/>
+                </a:schemeClr>
+              </a:solidFill>
+              <a:tailEnd type="triangle"/>
+            </a:ln>
+          </p:spPr>
+          <p:style>
+            <a:lnRef idx="1">
+              <a:schemeClr val="accent1"/>
+            </a:lnRef>
+            <a:fillRef idx="0">
+              <a:schemeClr val="accent1"/>
+            </a:fillRef>
+            <a:effectRef idx="0">
+              <a:schemeClr val="accent1"/>
+            </a:effectRef>
+            <a:fontRef idx="minor">
+              <a:schemeClr val="tx1"/>
+            </a:fontRef>
+          </p:style>
+        </p:cxnSp>
+        <p:cxnSp>
+          <p:nvCxnSpPr>
+            <p:cNvPr id="18" name="직선 화살표 연결선 17">
+              <a:extLst>
+                <a:ext uri="{FF2B5EF4-FFF2-40B4-BE49-F238E27FC236}">
+                  <a16:creationId xmlns:a16="http://schemas.microsoft.com/office/drawing/2014/main" id="{40227E20-1515-4989-B08C-D9FCD41C2484}"/>
+                </a:ext>
+              </a:extLst>
+            </p:cNvPr>
+            <p:cNvCxnSpPr/>
+            <p:nvPr/>
+          </p:nvCxnSpPr>
+          <p:spPr>
+            <a:xfrm>
+              <a:off x="8609162" y="5844453"/>
+              <a:ext cx="391064" cy="0"/>
+            </a:xfrm>
+            <a:prstGeom prst="straightConnector1">
+              <a:avLst/>
+            </a:prstGeom>
+            <a:ln>
+              <a:solidFill>
+                <a:schemeClr val="accent4">
+                  <a:lumMod val="60000"/>
+                  <a:lumOff val="40000"/>
+                </a:schemeClr>
+              </a:solidFill>
+              <a:tailEnd type="triangle"/>
+            </a:ln>
+          </p:spPr>
+          <p:style>
+            <a:lnRef idx="1">
+              <a:schemeClr val="accent1"/>
+            </a:lnRef>
+            <a:fillRef idx="0">
+              <a:schemeClr val="accent1"/>
+            </a:fillRef>
+            <a:effectRef idx="0">
+              <a:schemeClr val="accent1"/>
+            </a:effectRef>
+            <a:fontRef idx="minor">
+              <a:schemeClr val="tx1"/>
+            </a:fontRef>
+          </p:style>
+        </p:cxnSp>
+        <p:sp>
+          <p:nvSpPr>
+            <p:cNvPr id="19" name="TextBox 18">
+              <a:extLst>
+                <a:ext uri="{FF2B5EF4-FFF2-40B4-BE49-F238E27FC236}">
+                  <a16:creationId xmlns:a16="http://schemas.microsoft.com/office/drawing/2014/main" id="{0EE2FD64-DE78-49DC-9C18-6AF116F1AD58}"/>
+                </a:ext>
+              </a:extLst>
+            </p:cNvPr>
+            <p:cNvSpPr txBox="1"/>
+            <p:nvPr/>
+          </p:nvSpPr>
+          <p:spPr>
+            <a:xfrm>
+              <a:off x="7710673" y="4535951"/>
+              <a:ext cx="892738" cy="307777"/>
+            </a:xfrm>
+            <a:prstGeom prst="rect">
+              <a:avLst/>
+            </a:prstGeom>
+            <a:noFill/>
+          </p:spPr>
+          <p:txBody>
+            <a:bodyPr wrap="square" rtlCol="0">
+              <a:spAutoFit/>
+            </a:bodyPr>
+            <a:lstStyle/>
+            <a:p>
+              <a:r>
+                <a:rPr lang="en-US" altLang="ko-KR" sz="1400" dirty="0"/>
+                <a:t>caption0</a:t>
+              </a:r>
+              <a:endParaRPr lang="ko-KR" altLang="en-US" sz="1400" dirty="0"/>
+            </a:p>
+          </p:txBody>
+        </p:sp>
+        <p:sp>
+          <p:nvSpPr>
+            <p:cNvPr id="20" name="TextBox 19">
+              <a:extLst>
+                <a:ext uri="{FF2B5EF4-FFF2-40B4-BE49-F238E27FC236}">
+                  <a16:creationId xmlns:a16="http://schemas.microsoft.com/office/drawing/2014/main" id="{81529932-0338-42AA-8253-BC71887BD489}"/>
+                </a:ext>
+              </a:extLst>
+            </p:cNvPr>
+            <p:cNvSpPr txBox="1"/>
+            <p:nvPr/>
+          </p:nvSpPr>
+          <p:spPr>
+            <a:xfrm>
+              <a:off x="6582370" y="5699188"/>
+              <a:ext cx="2040572" cy="307777"/>
+            </a:xfrm>
+            <a:prstGeom prst="rect">
+              <a:avLst/>
+            </a:prstGeom>
+            <a:noFill/>
+          </p:spPr>
+          <p:txBody>
+            <a:bodyPr wrap="square" rtlCol="0">
+              <a:spAutoFit/>
+            </a:bodyPr>
+            <a:lstStyle/>
+            <a:p>
+              <a:r>
+                <a:rPr lang="en-US" altLang="ko-KR" sz="1400" dirty="0"/>
+                <a:t>Caption(</a:t>
+              </a:r>
+              <a:r>
+                <a:rPr lang="en-US" altLang="ko-KR" sz="1400" dirty="0" err="1"/>
+                <a:t>batch_size</a:t>
+              </a:r>
+              <a:r>
+                <a:rPr lang="en-US" altLang="ko-KR" sz="1400" dirty="0"/>
+                <a:t>=32)</a:t>
+              </a:r>
+              <a:endParaRPr lang="ko-KR" altLang="en-US" sz="1400" dirty="0"/>
+            </a:p>
+          </p:txBody>
+        </p:sp>
+        <p:sp>
+          <p:nvSpPr>
+            <p:cNvPr id="21" name="오른쪽 중괄호 20">
+              <a:extLst>
+                <a:ext uri="{FF2B5EF4-FFF2-40B4-BE49-F238E27FC236}">
+                  <a16:creationId xmlns:a16="http://schemas.microsoft.com/office/drawing/2014/main" id="{C35FDB7E-E345-4473-B608-609BC5167DC9}"/>
+                </a:ext>
+              </a:extLst>
+            </p:cNvPr>
+            <p:cNvSpPr/>
+            <p:nvPr/>
+          </p:nvSpPr>
+          <p:spPr>
+            <a:xfrm rot="5400000">
+              <a:off x="9754005" y="5378069"/>
+              <a:ext cx="124317" cy="1382109"/>
+            </a:xfrm>
+            <a:prstGeom prst="rightBrace">
+              <a:avLst>
+                <a:gd name="adj1" fmla="val 134869"/>
+                <a:gd name="adj2" fmla="val 50621"/>
+              </a:avLst>
+            </a:prstGeom>
+            <a:ln>
+              <a:solidFill>
+                <a:schemeClr val="accent4">
+                  <a:lumMod val="60000"/>
+                  <a:lumOff val="40000"/>
+                </a:schemeClr>
+              </a:solidFill>
+            </a:ln>
+          </p:spPr>
+          <p:style>
+            <a:lnRef idx="1">
+              <a:schemeClr val="accent1"/>
+            </a:lnRef>
+            <a:fillRef idx="0">
+              <a:schemeClr val="accent1"/>
+            </a:fillRef>
+            <a:effectRef idx="0">
+              <a:schemeClr val="accent1"/>
+            </a:effectRef>
+            <a:fontRef idx="minor">
+              <a:schemeClr val="tx1"/>
+            </a:fontRef>
+          </p:style>
+          <p:txBody>
+            <a:bodyPr rtlCol="0" anchor="ctr"/>
+            <a:lstStyle/>
+            <a:p>
+              <a:pPr algn="ctr"/>
+              <a:endParaRPr lang="ko-KR" altLang="en-US"/>
+            </a:p>
+          </p:txBody>
+        </p:sp>
+        <p:sp>
+          <p:nvSpPr>
+            <p:cNvPr id="22" name="TextBox 21">
+              <a:extLst>
+                <a:ext uri="{FF2B5EF4-FFF2-40B4-BE49-F238E27FC236}">
+                  <a16:creationId xmlns:a16="http://schemas.microsoft.com/office/drawing/2014/main" id="{904E285B-6712-44AE-89E5-F350A6BE6142}"/>
+                </a:ext>
+              </a:extLst>
+            </p:cNvPr>
+            <p:cNvSpPr txBox="1"/>
+            <p:nvPr/>
+          </p:nvSpPr>
+          <p:spPr>
+            <a:xfrm>
+              <a:off x="8887805" y="6138684"/>
+              <a:ext cx="1856715" cy="307777"/>
+            </a:xfrm>
+            <a:prstGeom prst="rect">
+              <a:avLst/>
+            </a:prstGeom>
+            <a:noFill/>
+          </p:spPr>
+          <p:txBody>
+            <a:bodyPr wrap="square" rtlCol="0">
+              <a:spAutoFit/>
+            </a:bodyPr>
+            <a:lstStyle/>
+            <a:p>
+              <a:r>
+                <a:rPr lang="en-US" altLang="ko-KR" sz="1400" dirty="0"/>
+                <a:t>max(caption lengths)</a:t>
+              </a:r>
+              <a:endParaRPr lang="ko-KR" altLang="en-US" sz="1400" dirty="0"/>
+            </a:p>
+          </p:txBody>
+        </p:sp>
+        <p:sp>
+          <p:nvSpPr>
+            <p:cNvPr id="23" name="직사각형 22">
+              <a:extLst>
+                <a:ext uri="{FF2B5EF4-FFF2-40B4-BE49-F238E27FC236}">
+                  <a16:creationId xmlns:a16="http://schemas.microsoft.com/office/drawing/2014/main" id="{DE11710E-3116-47D9-A3B9-52A264FD1591}"/>
+                </a:ext>
+              </a:extLst>
+            </p:cNvPr>
+            <p:cNvSpPr/>
+            <p:nvPr/>
+          </p:nvSpPr>
+          <p:spPr>
+            <a:xfrm>
+              <a:off x="9206017" y="6480878"/>
+              <a:ext cx="1128129" cy="338554"/>
+            </a:xfrm>
+            <a:prstGeom prst="rect">
+              <a:avLst/>
+            </a:prstGeom>
+          </p:spPr>
+          <p:txBody>
+            <a:bodyPr wrap="none">
+              <a:spAutoFit/>
+            </a:bodyPr>
+            <a:lstStyle/>
+            <a:p>
+              <a:r>
+                <a:rPr lang="en-US" altLang="ko-KR" sz="1600" dirty="0"/>
+                <a:t>&lt;Targets&gt;</a:t>
+              </a:r>
+            </a:p>
+          </p:txBody>
+        </p:sp>
+      </p:grpSp>
+      <p:grpSp>
+        <p:nvGrpSpPr>
+          <p:cNvPr id="27" name="그룹 26">
+            <a:extLst>
+              <a:ext uri="{FF2B5EF4-FFF2-40B4-BE49-F238E27FC236}">
+                <a16:creationId xmlns:a16="http://schemas.microsoft.com/office/drawing/2014/main" id="{85E75A51-0FF1-4607-AC61-E1870816CC07}"/>
+              </a:ext>
+            </a:extLst>
+          </p:cNvPr>
+          <p:cNvGrpSpPr/>
+          <p:nvPr/>
+        </p:nvGrpSpPr>
+        <p:grpSpPr>
+          <a:xfrm>
+            <a:off x="3544348" y="3856874"/>
+            <a:ext cx="7656165" cy="584775"/>
+            <a:chOff x="3166844" y="3586250"/>
+            <a:chExt cx="7656165" cy="584775"/>
+          </a:xfrm>
+        </p:grpSpPr>
+        <p:sp>
+          <p:nvSpPr>
+            <p:cNvPr id="11" name="TextBox 10">
+              <a:extLst>
+                <a:ext uri="{FF2B5EF4-FFF2-40B4-BE49-F238E27FC236}">
+                  <a16:creationId xmlns:a16="http://schemas.microsoft.com/office/drawing/2014/main" id="{8DBA83A6-ADA0-4247-B7B6-054F6C1D711D}"/>
+                </a:ext>
+              </a:extLst>
+            </p:cNvPr>
+            <p:cNvSpPr txBox="1"/>
+            <p:nvPr/>
+          </p:nvSpPr>
+          <p:spPr>
+            <a:xfrm>
+              <a:off x="5974567" y="3586250"/>
+              <a:ext cx="4848442" cy="584775"/>
+            </a:xfrm>
+            <a:prstGeom prst="rect">
+              <a:avLst/>
+            </a:prstGeom>
+            <a:noFill/>
+            <a:ln>
+              <a:solidFill>
+                <a:schemeClr val="accent6"/>
+              </a:solidFill>
+            </a:ln>
+          </p:spPr>
+          <p:txBody>
+            <a:bodyPr wrap="square" rtlCol="0">
+              <a:spAutoFit/>
+            </a:bodyPr>
+            <a:lstStyle/>
+            <a:p>
+              <a:r>
+                <a:rPr lang="en-US" altLang="ko-KR" sz="1600" dirty="0"/>
+                <a:t>Sample</a:t>
+              </a:r>
+              <a:r>
+                <a:rPr lang="ko-KR" altLang="en-US" sz="1600" dirty="0"/>
+                <a:t>을 </a:t>
+              </a:r>
+              <a:r>
+                <a:rPr lang="en-US" altLang="ko-KR" sz="1600" dirty="0"/>
+                <a:t>Batch</a:t>
+              </a:r>
+              <a:r>
+                <a:rPr lang="ko-KR" altLang="en-US" sz="1600" dirty="0"/>
+                <a:t> 단위로 </a:t>
+              </a:r>
+              <a:r>
+                <a:rPr lang="en-US" altLang="ko-KR" sz="1600" dirty="0"/>
+                <a:t> </a:t>
+              </a:r>
+              <a:r>
+                <a:rPr lang="ko-KR" altLang="en-US" sz="1600" dirty="0"/>
+                <a:t>합친다</a:t>
+              </a:r>
+              <a:r>
+                <a:rPr lang="en-US" altLang="ko-KR" sz="1600" dirty="0"/>
+                <a:t>.</a:t>
+              </a:r>
+            </a:p>
+            <a:p>
+              <a:r>
+                <a:rPr lang="en-US" altLang="ko-KR" sz="1600" dirty="0"/>
+                <a:t>Lengths = batch</a:t>
+              </a:r>
+              <a:r>
+                <a:rPr lang="ko-KR" altLang="en-US" sz="1600" dirty="0"/>
+                <a:t>단위로 묶인 </a:t>
+              </a:r>
+              <a:r>
+                <a:rPr lang="en-US" altLang="ko-KR" sz="1600" dirty="0"/>
+                <a:t>caption</a:t>
+              </a:r>
+              <a:r>
+                <a:rPr lang="ko-KR" altLang="en-US" sz="1600" dirty="0"/>
+                <a:t>들의 길이 </a:t>
+              </a:r>
+              <a:r>
+                <a:rPr lang="en-US" altLang="ko-KR" sz="1600" dirty="0"/>
+                <a:t>list</a:t>
+              </a:r>
+            </a:p>
+          </p:txBody>
+        </p:sp>
+        <p:cxnSp>
+          <p:nvCxnSpPr>
+            <p:cNvPr id="12" name="직선 연결선 11">
+              <a:extLst>
+                <a:ext uri="{FF2B5EF4-FFF2-40B4-BE49-F238E27FC236}">
+                  <a16:creationId xmlns:a16="http://schemas.microsoft.com/office/drawing/2014/main" id="{8C26F6CC-A6EE-43D1-9C78-40D36F6BC651}"/>
+                </a:ext>
+              </a:extLst>
+            </p:cNvPr>
+            <p:cNvCxnSpPr>
+              <a:cxnSpLocks/>
+              <a:endCxn id="11" idx="1"/>
+            </p:cNvCxnSpPr>
+            <p:nvPr/>
+          </p:nvCxnSpPr>
+          <p:spPr>
+            <a:xfrm>
+              <a:off x="3166844" y="3878637"/>
+              <a:ext cx="2807723" cy="1"/>
+            </a:xfrm>
+            <a:prstGeom prst="line">
+              <a:avLst/>
+            </a:prstGeom>
+            <a:ln>
+              <a:solidFill>
+                <a:schemeClr val="accent6"/>
+              </a:solidFill>
+            </a:ln>
+          </p:spPr>
+          <p:style>
+            <a:lnRef idx="1">
+              <a:schemeClr val="accent1"/>
+            </a:lnRef>
+            <a:fillRef idx="0">
+              <a:schemeClr val="accent1"/>
+            </a:fillRef>
+            <a:effectRef idx="0">
+              <a:schemeClr val="accent1"/>
+            </a:effectRef>
+            <a:fontRef idx="minor">
+              <a:schemeClr val="tx1"/>
+            </a:fontRef>
+          </p:style>
+        </p:cxnSp>
+      </p:grpSp>
+      <p:cxnSp>
+        <p:nvCxnSpPr>
+          <p:cNvPr id="24" name="직선 연결선 23">
+            <a:extLst>
+              <a:ext uri="{FF2B5EF4-FFF2-40B4-BE49-F238E27FC236}">
+                <a16:creationId xmlns:a16="http://schemas.microsoft.com/office/drawing/2014/main" id="{34F3DE15-E94E-4645-9ABB-AF28B86DE083}"/>
+              </a:ext>
+            </a:extLst>
+          </p:cNvPr>
+          <p:cNvCxnSpPr>
+            <a:endCxn id="6" idx="1"/>
+          </p:cNvCxnSpPr>
+          <p:nvPr/>
+        </p:nvCxnSpPr>
+        <p:spPr>
+          <a:xfrm flipV="1">
+            <a:off x="4265802" y="2627541"/>
+            <a:ext cx="1312137" cy="351823"/>
+          </a:xfrm>
+          <a:prstGeom prst="line">
+            <a:avLst/>
+          </a:prstGeom>
+          <a:ln>
+            <a:solidFill>
+              <a:schemeClr val="accent6"/>
+            </a:solidFill>
+          </a:ln>
+        </p:spPr>
+        <p:style>
+          <a:lnRef idx="1">
+            <a:schemeClr val="accent1"/>
+          </a:lnRef>
+          <a:fillRef idx="0">
+            <a:schemeClr val="accent1"/>
+          </a:fillRef>
+          <a:effectRef idx="0">
+            <a:schemeClr val="accent1"/>
+          </a:effectRef>
+          <a:fontRef idx="minor">
+            <a:schemeClr val="tx1"/>
+          </a:fontRef>
+        </p:style>
+      </p:cxnSp>
+      <p:pic>
+        <p:nvPicPr>
+          <p:cNvPr id="26" name="그림 25">
+            <a:extLst>
+              <a:ext uri="{FF2B5EF4-FFF2-40B4-BE49-F238E27FC236}">
+                <a16:creationId xmlns:a16="http://schemas.microsoft.com/office/drawing/2014/main" id="{83D43B09-3E25-4842-A766-329A003D11C4}"/>
+              </a:ext>
+            </a:extLst>
+          </p:cNvPr>
+          <p:cNvPicPr>
+            <a:picLocks noChangeAspect="1"/>
+          </p:cNvPicPr>
+          <p:nvPr/>
+        </p:nvPicPr>
+        <p:blipFill rotWithShape="1">
+          <a:blip r:embed="rId3"/>
+          <a:srcRect t="67086"/>
+          <a:stretch/>
+        </p:blipFill>
+        <p:spPr>
+          <a:xfrm>
+            <a:off x="465490" y="5491887"/>
+            <a:ext cx="5499290" cy="1156347"/>
+          </a:xfrm>
+          <a:prstGeom prst="rect">
+            <a:avLst/>
+          </a:prstGeom>
+        </p:spPr>
+      </p:pic>
+    </p:spTree>
+    <p:extLst>
+      <p:ext uri="{BB962C8B-B14F-4D97-AF65-F5344CB8AC3E}">
+        <p14:creationId xmlns:p14="http://schemas.microsoft.com/office/powerpoint/2010/main" val="4230662412"/>
+      </p:ext>
+    </p:extLst>
+  </p:cSld>
+  <p:clrMapOvr>
+    <a:masterClrMapping/>
+  </p:clrMapOvr>
+</p:sld>
+</file>
+
+<file path=ppt/slides/slide5.xml><?xml version="1.0" encoding="utf-8"?>
+<p:sld xmlns:a="http://schemas.openxmlformats.org/drawingml/2006/main" xmlns:r="http://schemas.openxmlformats.org/officeDocument/2006/relationships" xmlns:p="http://schemas.openxmlformats.org/presentationml/2006/main">
+  <p:cSld>
+    <p:spTree>
+      <p:nvGrpSpPr>
+        <p:cNvPr id="1" name=""/>
+        <p:cNvGrpSpPr/>
+        <p:nvPr/>
+      </p:nvGrpSpPr>
+      <p:grpSpPr>
+        <a:xfrm>
+          <a:off x="0" y="0"/>
+          <a:ext cx="0" cy="0"/>
+          <a:chOff x="0" y="0"/>
+          <a:chExt cx="0" cy="0"/>
+        </a:xfrm>
+      </p:grpSpPr>
+      <p:sp>
+        <p:nvSpPr>
+          <p:cNvPr id="8" name="직사각형 7">
+            <a:extLst>
+              <a:ext uri="{FF2B5EF4-FFF2-40B4-BE49-F238E27FC236}">
+                <a16:creationId xmlns:a16="http://schemas.microsoft.com/office/drawing/2014/main" id="{212AE0A1-5F92-478A-A843-443E581BDF91}"/>
+              </a:ext>
+            </a:extLst>
+          </p:cNvPr>
+          <p:cNvSpPr/>
+          <p:nvPr/>
+        </p:nvSpPr>
+        <p:spPr>
+          <a:xfrm>
+            <a:off x="0" y="-1"/>
+            <a:ext cx="12192000" cy="825731"/>
+          </a:xfrm>
+          <a:prstGeom prst="rect">
+            <a:avLst/>
+          </a:prstGeom>
+          <a:solidFill>
+            <a:schemeClr val="accent6">
+              <a:lumMod val="40000"/>
+              <a:lumOff val="60000"/>
+            </a:schemeClr>
+          </a:solidFill>
+          <a:ln>
+            <a:solidFill>
+              <a:schemeClr val="accent6">
+                <a:lumMod val="40000"/>
+                <a:lumOff val="60000"/>
+              </a:schemeClr>
+            </a:solidFill>
+          </a:ln>
+        </p:spPr>
+        <p:style>
+          <a:lnRef idx="2">
+            <a:schemeClr val="accent1">
+              <a:shade val="50000"/>
+            </a:schemeClr>
+          </a:lnRef>
+          <a:fillRef idx="1">
+            <a:schemeClr val="accent1"/>
+          </a:fillRef>
+          <a:effectRef idx="0">
+            <a:schemeClr val="accent1"/>
+          </a:effectRef>
+          <a:fontRef idx="minor">
+            <a:schemeClr val="lt1"/>
+          </a:fontRef>
+        </p:style>
+        <p:txBody>
+          <a:bodyPr rtlCol="0" anchor="ctr"/>
+          <a:lstStyle/>
+          <a:p>
+            <a:pPr algn="ctr"/>
+            <a:endParaRPr lang="ko-KR" altLang="en-US"/>
+          </a:p>
+        </p:txBody>
+      </p:sp>
+      <p:sp>
+        <p:nvSpPr>
+          <p:cNvPr id="4" name="슬라이드 번호 개체 틀 3">
+            <a:extLst>
+              <a:ext uri="{FF2B5EF4-FFF2-40B4-BE49-F238E27FC236}">
+                <a16:creationId xmlns:a16="http://schemas.microsoft.com/office/drawing/2014/main" id="{B11A7AB9-7540-40FD-94B6-0135A3ED289C}"/>
+              </a:ext>
+            </a:extLst>
+          </p:cNvPr>
+          <p:cNvSpPr>
+            <a:spLocks noGrp="1"/>
+          </p:cNvSpPr>
+          <p:nvPr>
+            <p:ph type="sldNum" sz="quarter" idx="12"/>
+          </p:nvPr>
+        </p:nvSpPr>
+        <p:spPr>
+          <a:xfrm>
+            <a:off x="8563187" y="6379936"/>
+            <a:ext cx="2743200" cy="365125"/>
+          </a:xfrm>
+        </p:spPr>
+        <p:txBody>
+          <a:bodyPr/>
+          <a:lstStyle/>
+          <a:p>
+            <a:fld id="{C3EC3709-AF19-4BC3-8020-8E9C5E0E1F7D}" type="slidenum">
+              <a:rPr lang="ko-KR" altLang="en-US" smtClean="0"/>
+              <a:t>5</a:t>
+            </a:fld>
+            <a:endParaRPr lang="ko-KR" altLang="en-US"/>
+          </a:p>
+        </p:txBody>
+      </p:sp>
+      <p:sp>
+        <p:nvSpPr>
+          <p:cNvPr id="9" name="TextBox 8">
+            <a:extLst>
+              <a:ext uri="{FF2B5EF4-FFF2-40B4-BE49-F238E27FC236}">
+                <a16:creationId xmlns:a16="http://schemas.microsoft.com/office/drawing/2014/main" id="{19B6216F-12C7-418D-A944-6484C1992BBE}"/>
+              </a:ext>
+            </a:extLst>
+          </p:cNvPr>
+          <p:cNvSpPr txBox="1"/>
+          <p:nvPr/>
+        </p:nvSpPr>
+        <p:spPr>
+          <a:xfrm>
+            <a:off x="231339" y="182031"/>
+            <a:ext cx="11782163" cy="461665"/>
+          </a:xfrm>
+          <a:prstGeom prst="rect">
+            <a:avLst/>
+          </a:prstGeom>
+          <a:noFill/>
+        </p:spPr>
+        <p:txBody>
+          <a:bodyPr wrap="square" rtlCol="0">
+            <a:spAutoFit/>
+          </a:bodyPr>
+          <a:lstStyle/>
+          <a:p>
+            <a:r>
+              <a:rPr lang="ko-KR" altLang="en-US" sz="2400" dirty="0"/>
+              <a:t>코드 분석</a:t>
+            </a:r>
+          </a:p>
+        </p:txBody>
+      </p:sp>
+      <p:pic>
+        <p:nvPicPr>
+          <p:cNvPr id="5" name="그림 4">
+            <a:extLst>
+              <a:ext uri="{FF2B5EF4-FFF2-40B4-BE49-F238E27FC236}">
+                <a16:creationId xmlns:a16="http://schemas.microsoft.com/office/drawing/2014/main" id="{6CD7433E-584D-440F-96B4-8F3A65898298}"/>
+              </a:ext>
+            </a:extLst>
+          </p:cNvPr>
+          <p:cNvPicPr>
+            <a:picLocks noChangeAspect="1"/>
+          </p:cNvPicPr>
+          <p:nvPr/>
+        </p:nvPicPr>
+        <p:blipFill rotWithShape="1">
+          <a:blip r:embed="rId3"/>
+          <a:srcRect t="41620" r="-5867"/>
+          <a:stretch/>
+        </p:blipFill>
+        <p:spPr>
+          <a:xfrm>
+            <a:off x="5666022" y="2632402"/>
+            <a:ext cx="6671469" cy="4003681"/>
+          </a:xfrm>
+          <a:prstGeom prst="rect">
+            <a:avLst/>
+          </a:prstGeom>
+        </p:spPr>
+      </p:pic>
+      <p:pic>
+        <p:nvPicPr>
+          <p:cNvPr id="12" name="그림 11">
+            <a:extLst>
+              <a:ext uri="{FF2B5EF4-FFF2-40B4-BE49-F238E27FC236}">
+                <a16:creationId xmlns:a16="http://schemas.microsoft.com/office/drawing/2014/main" id="{6BE2E7E3-A315-4C7E-85B9-87746A252C97}"/>
+              </a:ext>
+            </a:extLst>
+          </p:cNvPr>
+          <p:cNvPicPr>
+            <a:picLocks noChangeAspect="1"/>
+          </p:cNvPicPr>
+          <p:nvPr/>
+        </p:nvPicPr>
+        <p:blipFill rotWithShape="1">
+          <a:blip r:embed="rId3"/>
+          <a:srcRect b="59583"/>
+          <a:stretch/>
+        </p:blipFill>
+        <p:spPr>
+          <a:xfrm>
+            <a:off x="231339" y="4307343"/>
+            <a:ext cx="5294436" cy="2328740"/>
+          </a:xfrm>
+          <a:prstGeom prst="rect">
+            <a:avLst/>
+          </a:prstGeom>
+        </p:spPr>
+      </p:pic>
+      <p:pic>
+        <p:nvPicPr>
+          <p:cNvPr id="10" name="그림 9">
+            <a:extLst>
+              <a:ext uri="{FF2B5EF4-FFF2-40B4-BE49-F238E27FC236}">
+                <a16:creationId xmlns:a16="http://schemas.microsoft.com/office/drawing/2014/main" id="{B99CE88C-BA49-4B51-87D2-4B5EDF3FA406}"/>
+              </a:ext>
+            </a:extLst>
+          </p:cNvPr>
+          <p:cNvPicPr>
+            <a:picLocks noChangeAspect="1"/>
+          </p:cNvPicPr>
+          <p:nvPr/>
+        </p:nvPicPr>
+        <p:blipFill>
+          <a:blip r:embed="rId4"/>
+          <a:stretch>
+            <a:fillRect/>
+          </a:stretch>
+        </p:blipFill>
+        <p:spPr>
+          <a:xfrm>
+            <a:off x="231339" y="1739329"/>
+            <a:ext cx="9885821" cy="853091"/>
+          </a:xfrm>
+          <a:prstGeom prst="rect">
+            <a:avLst/>
+          </a:prstGeom>
+        </p:spPr>
+      </p:pic>
+      <p:sp>
+        <p:nvSpPr>
+          <p:cNvPr id="13" name="TextBox 12">
+            <a:extLst>
+              <a:ext uri="{FF2B5EF4-FFF2-40B4-BE49-F238E27FC236}">
+                <a16:creationId xmlns:a16="http://schemas.microsoft.com/office/drawing/2014/main" id="{73CDD85D-A8E1-40F8-9A0C-F836952A8B30}"/>
+              </a:ext>
+            </a:extLst>
+          </p:cNvPr>
+          <p:cNvSpPr txBox="1"/>
+          <p:nvPr/>
+        </p:nvSpPr>
+        <p:spPr>
+          <a:xfrm>
+            <a:off x="231339" y="3169377"/>
+            <a:ext cx="4288221" cy="923330"/>
+          </a:xfrm>
+          <a:prstGeom prst="rect">
+            <a:avLst/>
+          </a:prstGeom>
+          <a:noFill/>
+        </p:spPr>
+        <p:txBody>
+          <a:bodyPr wrap="square" rtlCol="0">
+            <a:spAutoFit/>
+          </a:bodyPr>
+          <a:lstStyle/>
+          <a:p>
+            <a:r>
+              <a:rPr lang="en-US" altLang="ko-KR" dirty="0" err="1"/>
+              <a:t>Dec_len</a:t>
+            </a:r>
+            <a:r>
+              <a:rPr lang="ko-KR" altLang="en-US" dirty="0"/>
+              <a:t> </a:t>
+            </a:r>
+            <a:r>
+              <a:rPr lang="en-US" altLang="ko-KR" dirty="0"/>
+              <a:t>:</a:t>
+            </a:r>
+            <a:r>
+              <a:rPr lang="ko-KR" altLang="en-US" dirty="0"/>
+              <a:t> </a:t>
+            </a:r>
+            <a:r>
+              <a:rPr lang="en-US" altLang="ko-KR" dirty="0"/>
+              <a:t>batch</a:t>
+            </a:r>
+            <a:r>
+              <a:rPr lang="ko-KR" altLang="en-US" dirty="0"/>
+              <a:t>안에 있는 </a:t>
+            </a:r>
+            <a:r>
+              <a:rPr lang="en-US" altLang="ko-KR" dirty="0"/>
+              <a:t>caption</a:t>
+            </a:r>
+            <a:r>
+              <a:rPr lang="ko-KR" altLang="en-US" dirty="0"/>
+              <a:t>들의 길이 </a:t>
+            </a:r>
+            <a:r>
+              <a:rPr lang="en-US" altLang="ko-KR" dirty="0"/>
+              <a:t>list</a:t>
+            </a:r>
+          </a:p>
+          <a:p>
+            <a:r>
+              <a:rPr lang="en-US" altLang="ko-KR" dirty="0" err="1"/>
+              <a:t>Batch_size_t</a:t>
+            </a:r>
+            <a:r>
+              <a:rPr lang="en-US" altLang="ko-KR" dirty="0"/>
+              <a:t> : -&gt;captions</a:t>
+            </a:r>
+            <a:endParaRPr lang="ko-KR" altLang="en-US" dirty="0"/>
+          </a:p>
+        </p:txBody>
+      </p:sp>
+      <p:sp>
+        <p:nvSpPr>
+          <p:cNvPr id="14" name="직사각형 13">
+            <a:extLst>
+              <a:ext uri="{FF2B5EF4-FFF2-40B4-BE49-F238E27FC236}">
+                <a16:creationId xmlns:a16="http://schemas.microsoft.com/office/drawing/2014/main" id="{2C30023A-1BF9-416B-90FA-97E76C028B9F}"/>
+              </a:ext>
+            </a:extLst>
+          </p:cNvPr>
+          <p:cNvSpPr/>
+          <p:nvPr/>
+        </p:nvSpPr>
+        <p:spPr>
+          <a:xfrm>
+            <a:off x="231339" y="985680"/>
+            <a:ext cx="11450128" cy="646331"/>
+          </a:xfrm>
+          <a:prstGeom prst="rect">
+            <a:avLst/>
+          </a:prstGeom>
+        </p:spPr>
+        <p:txBody>
+          <a:bodyPr wrap="square">
+            <a:spAutoFit/>
+          </a:bodyPr>
+          <a:lstStyle/>
+          <a:p>
+            <a:r>
+              <a:rPr lang="ko-KR" altLang="en-US" dirty="0" err="1"/>
+              <a:t>dec_len</a:t>
+            </a:r>
+            <a:r>
+              <a:rPr lang="ko-KR" altLang="en-US" dirty="0"/>
+              <a:t> = [22, 18, 14, 13, 13, 13, 13, 13, 12, 12, 12, 12, 12, 12, 11, 11, 11, 11, 11, 11, 11, 11, 11, 11, 11, 11, 10, 10, 10, 9, 9, 9]  </a:t>
+            </a:r>
+            <a:r>
+              <a:rPr lang="en-US" altLang="ko-KR" dirty="0"/>
+              <a:t>( batch </a:t>
+            </a:r>
+            <a:r>
+              <a:rPr lang="ko-KR" altLang="en-US" dirty="0"/>
+              <a:t>한 개</a:t>
+            </a:r>
+            <a:r>
+              <a:rPr lang="en-US" altLang="ko-KR" dirty="0"/>
+              <a:t>)</a:t>
+            </a:r>
+            <a:endParaRPr lang="ko-KR" altLang="en-US" dirty="0"/>
+          </a:p>
+        </p:txBody>
+      </p:sp>
+      <p:pic>
+        <p:nvPicPr>
+          <p:cNvPr id="11" name="그림 10">
+            <a:extLst>
+              <a:ext uri="{FF2B5EF4-FFF2-40B4-BE49-F238E27FC236}">
+                <a16:creationId xmlns:a16="http://schemas.microsoft.com/office/drawing/2014/main" id="{C0A4702C-D749-4F7C-BA02-906B620DA946}"/>
+              </a:ext>
+            </a:extLst>
+          </p:cNvPr>
+          <p:cNvPicPr>
+            <a:picLocks noChangeAspect="1"/>
+          </p:cNvPicPr>
+          <p:nvPr/>
+        </p:nvPicPr>
+        <p:blipFill>
+          <a:blip r:embed="rId5"/>
+          <a:stretch>
+            <a:fillRect/>
+          </a:stretch>
+        </p:blipFill>
+        <p:spPr>
+          <a:xfrm>
+            <a:off x="10033420" y="41289"/>
+            <a:ext cx="1472081" cy="944391"/>
+          </a:xfrm>
+          <a:prstGeom prst="rect">
+            <a:avLst/>
+          </a:prstGeom>
+        </p:spPr>
+      </p:pic>
+    </p:spTree>
+    <p:extLst>
+      <p:ext uri="{BB962C8B-B14F-4D97-AF65-F5344CB8AC3E}">
+        <p14:creationId xmlns:p14="http://schemas.microsoft.com/office/powerpoint/2010/main" val="3603391568"/>
+      </p:ext>
+    </p:extLst>
+  </p:cSld>
+  <p:clrMapOvr>
+    <a:masterClrMapping/>
+  </p:clrMapOvr>
+</p:sld>
+</file>
+
+<file path=ppt/slides/slide6.xml><?xml version="1.0" encoding="utf-8"?>
+<p:sld xmlns:a="http://schemas.openxmlformats.org/drawingml/2006/main" xmlns:r="http://schemas.openxmlformats.org/officeDocument/2006/relationships" xmlns:p="http://schemas.openxmlformats.org/presentationml/2006/main">
+  <p:cSld>
+    <p:spTree>
+      <p:nvGrpSpPr>
+        <p:cNvPr id="1" name=""/>
+        <p:cNvGrpSpPr/>
+        <p:nvPr/>
+      </p:nvGrpSpPr>
+      <p:grpSpPr>
+        <a:xfrm>
+          <a:off x="0" y="0"/>
+          <a:ext cx="0" cy="0"/>
+          <a:chOff x="0" y="0"/>
+          <a:chExt cx="0" cy="0"/>
+        </a:xfrm>
+      </p:grpSpPr>
+      <p:sp>
+        <p:nvSpPr>
+          <p:cNvPr id="8" name="직사각형 7">
+            <a:extLst>
+              <a:ext uri="{FF2B5EF4-FFF2-40B4-BE49-F238E27FC236}">
+                <a16:creationId xmlns:a16="http://schemas.microsoft.com/office/drawing/2014/main" id="{212AE0A1-5F92-478A-A843-443E581BDF91}"/>
+              </a:ext>
+            </a:extLst>
+          </p:cNvPr>
+          <p:cNvSpPr/>
+          <p:nvPr/>
+        </p:nvSpPr>
+        <p:spPr>
+          <a:xfrm>
+            <a:off x="0" y="-1"/>
+            <a:ext cx="12192000" cy="825731"/>
+          </a:xfrm>
+          <a:prstGeom prst="rect">
+            <a:avLst/>
+          </a:prstGeom>
+          <a:solidFill>
+            <a:schemeClr val="accent6">
+              <a:lumMod val="40000"/>
+              <a:lumOff val="60000"/>
+            </a:schemeClr>
+          </a:solidFill>
+          <a:ln>
+            <a:solidFill>
+              <a:schemeClr val="accent6">
+                <a:lumMod val="40000"/>
+                <a:lumOff val="60000"/>
+              </a:schemeClr>
+            </a:solidFill>
+          </a:ln>
+        </p:spPr>
+        <p:style>
+          <a:lnRef idx="2">
+            <a:schemeClr val="accent1">
+              <a:shade val="50000"/>
+            </a:schemeClr>
+          </a:lnRef>
+          <a:fillRef idx="1">
+            <a:schemeClr val="accent1"/>
+          </a:fillRef>
+          <a:effectRef idx="0">
+            <a:schemeClr val="accent1"/>
+          </a:effectRef>
+          <a:fontRef idx="minor">
+            <a:schemeClr val="lt1"/>
+          </a:fontRef>
+        </p:style>
+        <p:txBody>
+          <a:bodyPr rtlCol="0" anchor="ctr"/>
+          <a:lstStyle/>
+          <a:p>
+            <a:pPr algn="ctr"/>
+            <a:endParaRPr lang="ko-KR" altLang="en-US"/>
+          </a:p>
+        </p:txBody>
+      </p:sp>
+      <p:sp>
+        <p:nvSpPr>
+          <p:cNvPr id="9" name="TextBox 8">
+            <a:extLst>
+              <a:ext uri="{FF2B5EF4-FFF2-40B4-BE49-F238E27FC236}">
+                <a16:creationId xmlns:a16="http://schemas.microsoft.com/office/drawing/2014/main" id="{19B6216F-12C7-418D-A944-6484C1992BBE}"/>
+              </a:ext>
+            </a:extLst>
+          </p:cNvPr>
+          <p:cNvSpPr txBox="1"/>
+          <p:nvPr/>
+        </p:nvSpPr>
+        <p:spPr>
+          <a:xfrm>
+            <a:off x="231339" y="182031"/>
+            <a:ext cx="11782163" cy="461665"/>
+          </a:xfrm>
+          <a:prstGeom prst="rect">
+            <a:avLst/>
+          </a:prstGeom>
+          <a:noFill/>
+        </p:spPr>
+        <p:txBody>
+          <a:bodyPr wrap="square" rtlCol="0">
+            <a:spAutoFit/>
+          </a:bodyPr>
+          <a:lstStyle/>
+          <a:p>
+            <a:r>
+              <a:rPr lang="ko-KR" altLang="en-US" sz="2400" dirty="0"/>
+              <a:t>코드 분석 </a:t>
+            </a:r>
+            <a:r>
+              <a:rPr lang="en-US" altLang="ko-KR" sz="2400" dirty="0"/>
+              <a:t>– Main.py </a:t>
+            </a:r>
+            <a:endParaRPr lang="ko-KR" altLang="en-US" sz="2400" dirty="0"/>
+          </a:p>
+        </p:txBody>
+      </p:sp>
+      <p:pic>
+        <p:nvPicPr>
+          <p:cNvPr id="2" name="그림 1">
+            <a:extLst>
+              <a:ext uri="{FF2B5EF4-FFF2-40B4-BE49-F238E27FC236}">
+                <a16:creationId xmlns:a16="http://schemas.microsoft.com/office/drawing/2014/main" id="{997763C8-6BB9-46BF-87B4-9518430C6859}"/>
+              </a:ext>
+            </a:extLst>
+          </p:cNvPr>
+          <p:cNvPicPr>
+            <a:picLocks noChangeAspect="1"/>
+          </p:cNvPicPr>
+          <p:nvPr/>
+        </p:nvPicPr>
+        <p:blipFill>
+          <a:blip r:embed="rId2"/>
+          <a:stretch>
+            <a:fillRect/>
+          </a:stretch>
+        </p:blipFill>
+        <p:spPr>
+          <a:xfrm>
+            <a:off x="231339" y="1271893"/>
+            <a:ext cx="7012045" cy="3237190"/>
+          </a:xfrm>
+          <a:prstGeom prst="rect">
+            <a:avLst/>
+          </a:prstGeom>
+        </p:spPr>
+      </p:pic>
+    </p:spTree>
+    <p:extLst>
+      <p:ext uri="{BB962C8B-B14F-4D97-AF65-F5344CB8AC3E}">
+        <p14:creationId xmlns:p14="http://schemas.microsoft.com/office/powerpoint/2010/main" val="649976851"/>
+      </p:ext>
+    </p:extLst>
+  </p:cSld>
+  <p:clrMapOvr>
+    <a:masterClrMapping/>
+  </p:clrMapOvr>
+</p:sld>
+</file>
+
+<file path=ppt/slides/slide7.xml><?xml version="1.0" encoding="utf-8"?>
+<p:sld xmlns:a="http://schemas.openxmlformats.org/drawingml/2006/main" xmlns:r="http://schemas.openxmlformats.org/officeDocument/2006/relationships" xmlns:p="http://schemas.openxmlformats.org/presentationml/2006/main">
+  <p:cSld>
+    <p:spTree>
+      <p:nvGrpSpPr>
+        <p:cNvPr id="1" name=""/>
+        <p:cNvGrpSpPr/>
+        <p:nvPr/>
+      </p:nvGrpSpPr>
+      <p:grpSpPr>
+        <a:xfrm>
+          <a:off x="0" y="0"/>
+          <a:ext cx="0" cy="0"/>
+          <a:chOff x="0" y="0"/>
+          <a:chExt cx="0" cy="0"/>
+        </a:xfrm>
+      </p:grpSpPr>
+      <p:sp>
+        <p:nvSpPr>
+          <p:cNvPr id="8" name="직사각형 7">
+            <a:extLst>
+              <a:ext uri="{FF2B5EF4-FFF2-40B4-BE49-F238E27FC236}">
+                <a16:creationId xmlns:a16="http://schemas.microsoft.com/office/drawing/2014/main" id="{212AE0A1-5F92-478A-A843-443E581BDF91}"/>
+              </a:ext>
+            </a:extLst>
+          </p:cNvPr>
+          <p:cNvSpPr/>
+          <p:nvPr/>
+        </p:nvSpPr>
+        <p:spPr>
+          <a:xfrm>
+            <a:off x="0" y="-1"/>
+            <a:ext cx="12192000" cy="825731"/>
+          </a:xfrm>
+          <a:prstGeom prst="rect">
+            <a:avLst/>
+          </a:prstGeom>
+          <a:solidFill>
+            <a:schemeClr val="accent6">
+              <a:lumMod val="40000"/>
+              <a:lumOff val="60000"/>
+            </a:schemeClr>
+          </a:solidFill>
+          <a:ln>
+            <a:solidFill>
+              <a:schemeClr val="accent6">
+                <a:lumMod val="40000"/>
+                <a:lumOff val="60000"/>
+              </a:schemeClr>
+            </a:solidFill>
+          </a:ln>
+        </p:spPr>
+        <p:style>
+          <a:lnRef idx="2">
+            <a:schemeClr val="accent1">
+              <a:shade val="50000"/>
+            </a:schemeClr>
+          </a:lnRef>
+          <a:fillRef idx="1">
+            <a:schemeClr val="accent1"/>
+          </a:fillRef>
+          <a:effectRef idx="0">
+            <a:schemeClr val="accent1"/>
+          </a:effectRef>
+          <a:fontRef idx="minor">
+            <a:schemeClr val="lt1"/>
+          </a:fontRef>
+        </p:style>
+        <p:txBody>
+          <a:bodyPr rtlCol="0" anchor="ctr"/>
+          <a:lstStyle/>
+          <a:p>
+            <a:pPr algn="ctr"/>
+            <a:endParaRPr lang="ko-KR" altLang="en-US"/>
+          </a:p>
+        </p:txBody>
+      </p:sp>
+      <p:sp>
+        <p:nvSpPr>
           <p:cNvPr id="9" name="TextBox 8">
             <a:extLst>
               <a:ext uri="{FF2B5EF4-FFF2-40B4-BE49-F238E27FC236}">
@@ -6292,9 +9967,9 @@
           </a:stretch>
         </p:blipFill>
         <p:spPr>
-          <a:xfrm rot="5400000">
-            <a:off x="4939061" y="3683718"/>
-            <a:ext cx="1527221" cy="4097876"/>
+          <a:xfrm>
+            <a:off x="3702628" y="4657604"/>
+            <a:ext cx="4356043" cy="1987321"/>
           </a:xfrm>
           <a:prstGeom prst="rect">
             <a:avLst/>
@@ -6319,7 +9994,10 @@
             <a:ext cx="191587" cy="518786"/>
           </a:xfrm>
           <a:prstGeom prst="rightBrace">
-            <a:avLst/>
+            <a:avLst>
+              <a:gd name="adj1" fmla="val 67696"/>
+              <a:gd name="adj2" fmla="val 50000"/>
+            </a:avLst>
           </a:prstGeom>
         </p:spPr>
         <p:style>
@@ -6395,11 +10073,14 @@
         </p:nvSpPr>
         <p:spPr>
           <a:xfrm rot="5400000">
-            <a:off x="5390148" y="3244012"/>
-            <a:ext cx="445168" cy="2514600"/>
+            <a:off x="5677814" y="2641406"/>
+            <a:ext cx="445168" cy="3478013"/>
           </a:xfrm>
           <a:prstGeom prst="rightBrace">
-            <a:avLst/>
+            <a:avLst>
+              <a:gd name="adj1" fmla="val 53560"/>
+              <a:gd name="adj2" fmla="val 54003"/>
+            </a:avLst>
           </a:prstGeom>
         </p:spPr>
         <p:style>
@@ -6439,7 +10120,7 @@
         </p:nvSpPr>
         <p:spPr>
           <a:xfrm>
-            <a:off x="6213521" y="4595797"/>
+            <a:off x="5407405" y="4353461"/>
             <a:ext cx="1506742" cy="382428"/>
           </a:xfrm>
           <a:prstGeom prst="rect">
@@ -6515,7 +10196,7 @@
         <p:spPr>
           <a:xfrm>
             <a:off x="8752184" y="2902329"/>
-            <a:ext cx="2557506" cy="369332"/>
+            <a:ext cx="2557506" cy="646331"/>
           </a:xfrm>
           <a:prstGeom prst="rect">
             <a:avLst/>
@@ -6530,7 +10211,7 @@
           <a:p>
             <a:r>
               <a:rPr lang="en-US" altLang="ko-KR" dirty="0"/>
-              <a:t>Word embedding size</a:t>
+              <a:t>Word embedding size=512</a:t>
             </a:r>
             <a:endParaRPr lang="ko-KR" altLang="en-US" dirty="0"/>
           </a:p>
@@ -6558,7 +10239,7 @@
         </p:blipFill>
         <p:spPr>
           <a:xfrm>
-            <a:off x="3210" y="2077321"/>
+            <a:off x="-805" y="2814995"/>
             <a:ext cx="1814319" cy="3860974"/>
           </a:xfrm>
           <a:prstGeom prst="rect">
@@ -6580,7 +10261,7 @@
         </p:nvSpPr>
         <p:spPr>
           <a:xfrm>
-            <a:off x="205035" y="1607638"/>
+            <a:off x="112756" y="2372335"/>
             <a:ext cx="954505" cy="369332"/>
           </a:xfrm>
           <a:prstGeom prst="rect">
@@ -6619,7 +10300,7 @@
 </p:sld>
 </file>
 
-<file path=ppt/slides/slide7.xml><?xml version="1.0" encoding="utf-8"?>
+<file path=ppt/slides/slide8.xml><?xml version="1.0" encoding="utf-8"?>
 <p:sld xmlns:a="http://schemas.openxmlformats.org/drawingml/2006/main" xmlns:r="http://schemas.openxmlformats.org/officeDocument/2006/relationships" xmlns:p="http://schemas.openxmlformats.org/presentationml/2006/main">
   <p:cSld>
     <p:spTree>
@@ -6731,398 +10412,12 @@
           </a:p>
         </p:txBody>
       </p:sp>
-      <p:sp>
-        <p:nvSpPr>
-          <p:cNvPr id="2" name="직사각형 1">
-            <a:extLst>
-              <a:ext uri="{FF2B5EF4-FFF2-40B4-BE49-F238E27FC236}">
-                <a16:creationId xmlns:a16="http://schemas.microsoft.com/office/drawing/2014/main" id="{33C2ECB1-E38C-40FC-8BAD-C616C39449CA}"/>
-              </a:ext>
-            </a:extLst>
-          </p:cNvPr>
-          <p:cNvSpPr/>
-          <p:nvPr/>
-        </p:nvSpPr>
-        <p:spPr>
-          <a:xfrm>
-            <a:off x="360846" y="643696"/>
-            <a:ext cx="7202699" cy="5493812"/>
-          </a:xfrm>
-          <a:prstGeom prst="rect">
-            <a:avLst/>
-          </a:prstGeom>
-        </p:spPr>
-        <p:txBody>
-          <a:bodyPr wrap="square">
-            <a:spAutoFit/>
-          </a:bodyPr>
-          <a:lstStyle/>
-          <a:p>
-            <a:r>
-              <a:rPr lang="ko-KR" altLang="en-US" sz="900" dirty="0" err="1"/>
-              <a:t>j</a:t>
-            </a:r>
-            <a:r>
-              <a:rPr lang="ko-KR" altLang="en-US" sz="900" dirty="0"/>
-              <a:t> </a:t>
-            </a:r>
-            <a:r>
-              <a:rPr lang="ko-KR" altLang="en-US" sz="900" dirty="0" err="1"/>
-              <a:t>is</a:t>
-            </a:r>
-            <a:r>
-              <a:rPr lang="ko-KR" altLang="en-US" sz="900" dirty="0"/>
-              <a:t> 32 </a:t>
-            </a:r>
-            <a:r>
-              <a:rPr lang="ko-KR" altLang="en-US" sz="900" dirty="0" err="1"/>
-              <a:t>p</a:t>
-            </a:r>
-            <a:r>
-              <a:rPr lang="ko-KR" altLang="en-US" sz="900" dirty="0"/>
-              <a:t> </a:t>
-            </a:r>
-            <a:r>
-              <a:rPr lang="ko-KR" altLang="en-US" sz="900" dirty="0" err="1"/>
-              <a:t>is</a:t>
-            </a:r>
-            <a:r>
-              <a:rPr lang="ko-KR" altLang="en-US" sz="900" dirty="0"/>
-              <a:t> [[146, 33, 251, 2860, 4, 3848, 47, 1666, 1663, 3],</a:t>
-            </a:r>
-            <a:endParaRPr lang="en-US" altLang="ko-KR" sz="900" dirty="0"/>
-          </a:p>
-          <a:p>
-            <a:r>
-              <a:rPr lang="ko-KR" altLang="en-US" sz="900" dirty="0"/>
-              <a:t> [131, 53, 409, 106, 31, 40, 7, 65, 1412, 111], </a:t>
-            </a:r>
-            <a:endParaRPr lang="en-US" altLang="ko-KR" sz="900" dirty="0"/>
-          </a:p>
-          <a:p>
-            <a:r>
-              <a:rPr lang="ko-KR" altLang="en-US" sz="900" dirty="0"/>
-              <a:t>[4, 48, 33, 30, 31, 212, 111, 146, 373, 106], </a:t>
-            </a:r>
-            <a:endParaRPr lang="en-US" altLang="ko-KR" sz="900" dirty="0"/>
-          </a:p>
-          <a:p>
-            <a:r>
-              <a:rPr lang="ko-KR" altLang="en-US" sz="900" dirty="0"/>
-              <a:t>[30, 31, 34, 210, 3016, 115, 793, 36, 1256, 857], </a:t>
-            </a:r>
-            <a:endParaRPr lang="en-US" altLang="ko-KR" sz="900" dirty="0"/>
-          </a:p>
-          <a:p>
-            <a:r>
-              <a:rPr lang="ko-KR" altLang="en-US" sz="900" dirty="0"/>
-              <a:t>[31, 115, 30, 7, 857, 1003, 87, 34, 2876, 936], </a:t>
-            </a:r>
-            <a:endParaRPr lang="en-US" altLang="ko-KR" sz="900" dirty="0"/>
-          </a:p>
-          <a:p>
-            <a:r>
-              <a:rPr lang="ko-KR" altLang="en-US" sz="900" dirty="0"/>
-              <a:t>[7, 87, 65, 31, 938, 19, 785, 115, 30, 40], </a:t>
-            </a:r>
-            <a:endParaRPr lang="en-US" altLang="ko-KR" sz="900" dirty="0"/>
-          </a:p>
-          <a:p>
-            <a:r>
-              <a:rPr lang="ko-KR" altLang="en-US" sz="900" dirty="0"/>
-              <a:t>[30, 7, 34, 31, 3384, 65, 115, 131, 3, 3016], </a:t>
-            </a:r>
-            <a:endParaRPr lang="en-US" altLang="ko-KR" sz="900" dirty="0"/>
-          </a:p>
-          <a:p>
-            <a:r>
-              <a:rPr lang="ko-KR" altLang="en-US" sz="900" dirty="0"/>
-              <a:t>[30, 34, 31, 115, 65, 36, 61, 373, 770, 229], </a:t>
-            </a:r>
-            <a:endParaRPr lang="en-US" altLang="ko-KR" sz="900" dirty="0"/>
-          </a:p>
-          <a:p>
-            <a:r>
-              <a:rPr lang="ko-KR" altLang="en-US" sz="900" dirty="0"/>
-              <a:t>[65, 31, 862, 192, 30, 409, 857, 120, 1038, 115], </a:t>
-            </a:r>
-            <a:endParaRPr lang="en-US" altLang="ko-KR" sz="900" dirty="0"/>
-          </a:p>
-          <a:p>
-            <a:r>
-              <a:rPr lang="ko-KR" altLang="en-US" sz="900" dirty="0"/>
-              <a:t>[65, 1038, 862, 507, 131, 40, 2358, 1665, 112, 409], </a:t>
-            </a:r>
-            <a:endParaRPr lang="en-US" altLang="ko-KR" sz="900" dirty="0"/>
-          </a:p>
-          <a:p>
-            <a:r>
-              <a:rPr lang="ko-KR" altLang="en-US" sz="900" dirty="0"/>
-              <a:t>[131, 65, 715, 106, 409, 1412, 3384, 53, 327, 1038], </a:t>
-            </a:r>
-            <a:endParaRPr lang="en-US" altLang="ko-KR" sz="900" dirty="0"/>
-          </a:p>
-          <a:p>
-            <a:r>
-              <a:rPr lang="ko-KR" altLang="en-US" sz="900" dirty="0"/>
-              <a:t>[40, 78, 146, 131, 365, 65, 112, 53, 16, 1412], </a:t>
-            </a:r>
-            <a:endParaRPr lang="en-US" altLang="ko-KR" sz="900" dirty="0"/>
-          </a:p>
-          <a:p>
-            <a:r>
-              <a:rPr lang="ko-KR" altLang="en-US" sz="900" dirty="0"/>
-              <a:t>[146, 33, 4, 111, 48, 47, 36, 648, 40, 242], </a:t>
-            </a:r>
-            <a:endParaRPr lang="en-US" altLang="ko-KR" sz="900" dirty="0"/>
-          </a:p>
-          <a:p>
-            <a:r>
-              <a:rPr lang="ko-KR" altLang="en-US" sz="900" dirty="0"/>
-              <a:t>[34, 229, 4715, 6639, 7, 3828, 1123, 1296, 2715, 3945]]</a:t>
-            </a:r>
-          </a:p>
-          <a:p>
-            <a:endParaRPr lang="nl-NL" altLang="ko-KR" sz="900" dirty="0"/>
-          </a:p>
-          <a:p>
-            <a:r>
-              <a:rPr lang="nl-NL" altLang="ko-KR" sz="900" dirty="0"/>
-              <a:t> j is 29 p is </a:t>
-            </a:r>
-          </a:p>
-          <a:p>
-            <a:r>
-              <a:rPr lang="nl-NL" altLang="ko-KR" sz="900" dirty="0"/>
-              <a:t>[[251, 33, 252, 146, 52, 4, 3848, 194, 2860, 51],</a:t>
-            </a:r>
-          </a:p>
-          <a:p>
-            <a:r>
-              <a:rPr lang="nl-NL" altLang="ko-KR" sz="900" dirty="0"/>
-              <a:t> [53, 131, 52, 106, 282, 970, 1412, 94, 1256, 280],</a:t>
-            </a:r>
-          </a:p>
-          <a:p>
-            <a:r>
-              <a:rPr lang="nl-NL" altLang="ko-KR" sz="900" dirty="0"/>
-              <a:t> [52, 54, 280, 1352, 1633, 94, 1383, 4, 292, 1042], </a:t>
-            </a:r>
-          </a:p>
-          <a:p>
-            <a:r>
-              <a:rPr lang="nl-NL" altLang="ko-KR" sz="900" dirty="0"/>
-              <a:t>[54, 40, 78, 52, 94, 7, 53, 171, 140, 105],</a:t>
-            </a:r>
-          </a:p>
-          <a:p>
-            <a:r>
-              <a:rPr lang="nl-NL" altLang="ko-KR" sz="900" dirty="0"/>
-              <a:t> [78, 40, 54, 55, 185, 112, 193, 94, 33, 418], </a:t>
-            </a:r>
-          </a:p>
-          <a:p>
-            <a:r>
-              <a:rPr lang="nl-NL" altLang="ko-KR" sz="900" dirty="0"/>
-              <a:t>[33, 4, 78, 146, 34, 40, 103, 48, 161, 47],</a:t>
-            </a:r>
-          </a:p>
-          <a:p>
-            <a:r>
-              <a:rPr lang="nl-NL" altLang="ko-KR" sz="900" dirty="0"/>
-              <a:t> [34, 41, 2715, 230, 229, 186, 210, 705, 768, 827],</a:t>
-            </a:r>
-          </a:p>
-          <a:p>
-            <a:r>
-              <a:rPr lang="nl-NL" altLang="ko-KR" sz="900" dirty="0"/>
-              <a:t> [2, 19, 40, 3, 78, 7, 34, 112, 805, 14],</a:t>
-            </a:r>
-          </a:p>
-          <a:p>
-            <a:r>
-              <a:rPr lang="nl-NL" altLang="ko-KR" sz="900" dirty="0"/>
-              <a:t> [7, 6, 4, 5, 1, 0, 2, 3, 8, 9]]</a:t>
-            </a:r>
-          </a:p>
-          <a:p>
-            <a:endParaRPr lang="nl-NL" altLang="ko-KR" sz="900" dirty="0"/>
-          </a:p>
-          <a:p>
-            <a:r>
-              <a:rPr lang="nl-NL" altLang="ko-KR" sz="900" dirty="0"/>
-              <a:t>j is 28 p is </a:t>
-            </a:r>
-          </a:p>
-          <a:p>
-            <a:r>
-              <a:rPr lang="nl-NL" altLang="ko-KR" sz="900" dirty="0"/>
-              <a:t>[[4, 146, 33, 252, 251, 48, 3, 3848, 2479, 111],</a:t>
-            </a:r>
-          </a:p>
-          <a:p>
-            <a:r>
-              <a:rPr lang="nl-NL" altLang="ko-KR" sz="900" dirty="0"/>
-              <a:t> [4244, 21, 2716, 1846, 1393, 3575, 61, 2723, 110, 195], </a:t>
-            </a:r>
-          </a:p>
-          <a:p>
-            <a:r>
-              <a:rPr lang="nl-NL" altLang="ko-KR" sz="900" dirty="0"/>
-              <a:t>[131, 629, 4244, 352, 327, 322, 4490, 757, 4796, 1529], </a:t>
-            </a:r>
-          </a:p>
-          <a:p>
-            <a:r>
-              <a:rPr lang="nl-NL" altLang="ko-KR" sz="900" dirty="0"/>
-              <a:t>[131, 2530, 322, 629, 327, 4244, 611, 4490, 352, 40], </a:t>
-            </a:r>
-          </a:p>
-          <a:p>
-            <a:r>
-              <a:rPr lang="nl-NL" altLang="ko-KR" sz="900" dirty="0"/>
-              <a:t>[40, 249, 322, 611, 277, 627, 295, 288, 2530, 59],</a:t>
-            </a:r>
-          </a:p>
-          <a:p>
-            <a:r>
-              <a:rPr lang="nl-NL" altLang="ko-KR" sz="900" dirty="0"/>
-              <a:t> [40, 249, 288, 78, 461, 4, 35, 627, 399, 59], </a:t>
-            </a:r>
-          </a:p>
-          <a:p>
-            <a:r>
-              <a:rPr lang="nl-NL" altLang="ko-KR" sz="900" dirty="0"/>
-              <a:t>[4, 33, 40, 48, 258, 702, 2135, 2430, 288, 146], </a:t>
-            </a:r>
-          </a:p>
-          <a:p>
-            <a:r>
-              <a:rPr lang="nl-NL" altLang="ko-KR" sz="900" dirty="0"/>
-              <a:t>[113, 64, 1453, 1402, 199, 820, 133, 29, 1040, 63], </a:t>
-            </a:r>
-          </a:p>
-          <a:p>
-            <a:r>
-              <a:rPr lang="nl-NL" altLang="ko-KR" sz="900" dirty="0"/>
-              <a:t>[2, 113, 762, 490, 258, 19, 1402, 59, 847, 3], </a:t>
-            </a:r>
-          </a:p>
-          <a:p>
-            <a:r>
-              <a:rPr lang="nl-NL" altLang="ko-KR" sz="900" dirty="0"/>
-              <a:t>[7, 6, 4, 5, 1, 0, 2, 3, 8, 9]]</a:t>
-            </a:r>
-          </a:p>
-          <a:p>
-            <a:endParaRPr lang="ko-KR" altLang="en-US" sz="900" dirty="0"/>
-          </a:p>
-          <a:p>
-            <a:endParaRPr lang="ko-KR" altLang="en-US" sz="900" dirty="0"/>
-          </a:p>
-        </p:txBody>
-      </p:sp>
-      <p:sp>
-        <p:nvSpPr>
-          <p:cNvPr id="3" name="TextBox 2">
-            <a:extLst>
-              <a:ext uri="{FF2B5EF4-FFF2-40B4-BE49-F238E27FC236}">
-                <a16:creationId xmlns:a16="http://schemas.microsoft.com/office/drawing/2014/main" id="{45952A6B-913C-4DBB-A041-C2822CD4968A}"/>
-              </a:ext>
-            </a:extLst>
-          </p:cNvPr>
-          <p:cNvSpPr txBox="1"/>
-          <p:nvPr/>
-        </p:nvSpPr>
-        <p:spPr>
-          <a:xfrm>
-            <a:off x="360846" y="5847605"/>
-            <a:ext cx="5203838" cy="646331"/>
-          </a:xfrm>
-          <a:prstGeom prst="rect">
-            <a:avLst/>
-          </a:prstGeom>
-          <a:noFill/>
-        </p:spPr>
-        <p:txBody>
-          <a:bodyPr wrap="square" rtlCol="0">
-            <a:spAutoFit/>
-          </a:bodyPr>
-          <a:lstStyle/>
-          <a:p>
-            <a:r>
-              <a:rPr lang="en-US" altLang="ko-KR" dirty="0"/>
-              <a:t>J</a:t>
-            </a:r>
-            <a:r>
-              <a:rPr lang="ko-KR" altLang="en-US" dirty="0"/>
-              <a:t>번 째 </a:t>
-            </a:r>
-            <a:r>
-              <a:rPr lang="en-US" altLang="ko-KR" dirty="0" err="1"/>
-              <a:t>captio</a:t>
-            </a:r>
-            <a:r>
-              <a:rPr lang="ko-KR" altLang="en-US" dirty="0"/>
-              <a:t>에서 나온 각 </a:t>
-            </a:r>
-            <a:r>
-              <a:rPr lang="en-US" altLang="ko-KR" dirty="0"/>
-              <a:t>t</a:t>
-            </a:r>
-            <a:r>
-              <a:rPr lang="ko-KR" altLang="en-US" dirty="0"/>
-              <a:t>시점에서 나온  </a:t>
-            </a:r>
-            <a:endParaRPr lang="en-US" altLang="ko-KR" dirty="0"/>
-          </a:p>
-          <a:p>
-            <a:r>
-              <a:rPr lang="en-US" altLang="ko-KR" dirty="0"/>
-              <a:t>Vocab</a:t>
-            </a:r>
-            <a:r>
-              <a:rPr lang="ko-KR" altLang="en-US" dirty="0"/>
-              <a:t> </a:t>
-            </a:r>
-            <a:r>
-              <a:rPr lang="en-US" altLang="ko-KR" dirty="0"/>
-              <a:t>size </a:t>
-            </a:r>
-            <a:r>
-              <a:rPr lang="ko-KR" altLang="en-US" dirty="0"/>
-              <a:t>크기의 </a:t>
-            </a:r>
-            <a:r>
-              <a:rPr lang="en-US" altLang="ko-KR" dirty="0"/>
-              <a:t>prediction score</a:t>
-            </a:r>
-            <a:r>
-              <a:rPr lang="ko-KR" altLang="en-US" dirty="0"/>
-              <a:t>  </a:t>
-            </a:r>
-            <a:r>
-              <a:rPr lang="en-US" altLang="ko-KR" dirty="0"/>
-              <a:t>top10 </a:t>
-            </a:r>
-            <a:r>
-              <a:rPr lang="ko-KR" altLang="en-US" dirty="0"/>
-              <a:t>추출 </a:t>
-            </a:r>
-            <a:r>
-              <a:rPr lang="en-US" altLang="ko-KR" dirty="0"/>
-              <a:t>? </a:t>
-            </a:r>
-            <a:endParaRPr lang="ko-KR" altLang="en-US" dirty="0"/>
-          </a:p>
-        </p:txBody>
-      </p:sp>
       <p:pic>
         <p:nvPicPr>
-          <p:cNvPr id="7" name="그림 6">
-            <a:extLst>
-              <a:ext uri="{FF2B5EF4-FFF2-40B4-BE49-F238E27FC236}">
-                <a16:creationId xmlns:a16="http://schemas.microsoft.com/office/drawing/2014/main" id="{EBF3C364-CBDC-4DF7-A7D5-9AB33059E550}"/>
+          <p:cNvPr id="4" name="그림 3">
+            <a:extLst>
+              <a:ext uri="{FF2B5EF4-FFF2-40B4-BE49-F238E27FC236}">
+                <a16:creationId xmlns:a16="http://schemas.microsoft.com/office/drawing/2014/main" id="{69C65D49-A7A8-41FB-99C3-6B0A306865D1}"/>
               </a:ext>
             </a:extLst>
           </p:cNvPr>
@@ -7139,103 +10434,20 @@
         </p:blipFill>
         <p:spPr>
           <a:xfrm>
-            <a:off x="3803880" y="1233111"/>
-            <a:ext cx="5156097" cy="2410577"/>
+            <a:off x="361613" y="1640284"/>
+            <a:ext cx="6113751" cy="4837838"/>
           </a:xfrm>
           <a:prstGeom prst="rect">
             <a:avLst/>
           </a:prstGeom>
         </p:spPr>
       </p:pic>
-      <p:cxnSp>
-        <p:nvCxnSpPr>
-          <p:cNvPr id="11" name="직선 연결선 10">
-            <a:extLst>
-              <a:ext uri="{FF2B5EF4-FFF2-40B4-BE49-F238E27FC236}">
-                <a16:creationId xmlns:a16="http://schemas.microsoft.com/office/drawing/2014/main" id="{02B337C5-1DB1-4D25-9CA9-9DB47E790870}"/>
-              </a:ext>
-            </a:extLst>
-          </p:cNvPr>
-          <p:cNvCxnSpPr/>
-          <p:nvPr/>
-        </p:nvCxnSpPr>
-        <p:spPr>
-          <a:xfrm flipV="1">
-            <a:off x="3826118" y="1386644"/>
-            <a:ext cx="4435643" cy="36095"/>
-          </a:xfrm>
-          <a:prstGeom prst="line">
-            <a:avLst/>
-          </a:prstGeom>
-          <a:ln w="28575">
-            <a:solidFill>
-              <a:schemeClr val="accent2"/>
-            </a:solidFill>
-          </a:ln>
-        </p:spPr>
-        <p:style>
-          <a:lnRef idx="1">
-            <a:schemeClr val="accent1"/>
-          </a:lnRef>
-          <a:fillRef idx="0">
-            <a:schemeClr val="accent1"/>
-          </a:fillRef>
-          <a:effectRef idx="0">
-            <a:schemeClr val="accent1"/>
-          </a:effectRef>
-          <a:fontRef idx="minor">
-            <a:schemeClr val="tx1"/>
-          </a:fontRef>
-        </p:style>
-      </p:cxnSp>
-      <p:sp>
-        <p:nvSpPr>
-          <p:cNvPr id="12" name="직사각형 11">
-            <a:extLst>
-              <a:ext uri="{FF2B5EF4-FFF2-40B4-BE49-F238E27FC236}">
-                <a16:creationId xmlns:a16="http://schemas.microsoft.com/office/drawing/2014/main" id="{8250D91B-BFA2-44D3-9B8A-E66EC452BB47}"/>
-              </a:ext>
-            </a:extLst>
-          </p:cNvPr>
-          <p:cNvSpPr/>
-          <p:nvPr/>
-        </p:nvSpPr>
-        <p:spPr>
-          <a:xfrm>
-            <a:off x="7050750" y="5363544"/>
-            <a:ext cx="3608295" cy="369332"/>
-          </a:xfrm>
-          <a:prstGeom prst="rect">
-            <a:avLst/>
-          </a:prstGeom>
-        </p:spPr>
-        <p:txBody>
-          <a:bodyPr wrap="none">
-            <a:spAutoFit/>
-          </a:bodyPr>
-          <a:lstStyle/>
-          <a:p>
-            <a:r>
-              <a:rPr lang="ko-KR" altLang="en-US" dirty="0"/>
-              <a:t>(32, 17) </a:t>
-            </a:r>
-            <a:r>
-              <a:rPr lang="ko-KR" altLang="en-US" dirty="0" err="1"/>
-              <a:t>torch.Size</a:t>
-            </a:r>
-            <a:r>
-              <a:rPr lang="ko-KR" altLang="en-US" dirty="0"/>
-              <a:t>([32, 17, 8853])</a:t>
-            </a:r>
-          </a:p>
-        </p:txBody>
-      </p:sp>
       <p:pic>
         <p:nvPicPr>
-          <p:cNvPr id="13" name="그림 12">
-            <a:extLst>
-              <a:ext uri="{FF2B5EF4-FFF2-40B4-BE49-F238E27FC236}">
-                <a16:creationId xmlns:a16="http://schemas.microsoft.com/office/drawing/2014/main" id="{EE4A0DEC-3E35-4E88-A970-7B35C63FB27A}"/>
+          <p:cNvPr id="5" name="그림 4">
+            <a:extLst>
+              <a:ext uri="{FF2B5EF4-FFF2-40B4-BE49-F238E27FC236}">
+                <a16:creationId xmlns:a16="http://schemas.microsoft.com/office/drawing/2014/main" id="{5E0A66B7-AF88-49E1-96BC-F068E143BAD1}"/>
               </a:ext>
             </a:extLst>
           </p:cNvPr>
@@ -7252,54 +10464,83 @@
         </p:blipFill>
         <p:spPr>
           <a:xfrm>
-            <a:off x="6262831" y="5906538"/>
-            <a:ext cx="5793121" cy="494857"/>
+            <a:off x="5525645" y="910462"/>
+            <a:ext cx="6096000" cy="2859967"/>
           </a:xfrm>
           <a:prstGeom prst="rect">
             <a:avLst/>
           </a:prstGeom>
         </p:spPr>
       </p:pic>
-      <p:cxnSp>
-        <p:nvCxnSpPr>
-          <p:cNvPr id="15" name="직선 연결선 14">
-            <a:extLst>
-              <a:ext uri="{FF2B5EF4-FFF2-40B4-BE49-F238E27FC236}">
-                <a16:creationId xmlns:a16="http://schemas.microsoft.com/office/drawing/2014/main" id="{0B25B23A-3E8C-4B4F-8036-163D0C245BAD}"/>
-              </a:ext>
-            </a:extLst>
-          </p:cNvPr>
-          <p:cNvCxnSpPr/>
+      <p:sp>
+        <p:nvSpPr>
+          <p:cNvPr id="6" name="TextBox 5">
+            <a:extLst>
+              <a:ext uri="{FF2B5EF4-FFF2-40B4-BE49-F238E27FC236}">
+                <a16:creationId xmlns:a16="http://schemas.microsoft.com/office/drawing/2014/main" id="{EE744717-5904-4391-8CA0-2E74623EFEE7}"/>
+              </a:ext>
+            </a:extLst>
+          </p:cNvPr>
+          <p:cNvSpPr txBox="1"/>
           <p:nvPr/>
-        </p:nvCxnSpPr>
+        </p:nvSpPr>
         <p:spPr>
-          <a:xfrm flipH="1">
-            <a:off x="5663001" y="1189112"/>
-            <a:ext cx="4324759" cy="5355777"/>
+          <a:xfrm>
+            <a:off x="7040488" y="4183478"/>
+            <a:ext cx="4269816" cy="923330"/>
           </a:xfrm>
-          <a:prstGeom prst="line">
+          <a:prstGeom prst="rect">
             <a:avLst/>
           </a:prstGeom>
+          <a:noFill/>
         </p:spPr>
-        <p:style>
-          <a:lnRef idx="1">
-            <a:schemeClr val="accent1"/>
-          </a:lnRef>
-          <a:fillRef idx="0">
-            <a:schemeClr val="accent1"/>
-          </a:fillRef>
-          <a:effectRef idx="0">
-            <a:schemeClr val="accent1"/>
-          </a:effectRef>
-          <a:fontRef idx="minor">
-            <a:schemeClr val="tx1"/>
-          </a:fontRef>
-        </p:style>
-      </p:cxnSp>
+        <p:txBody>
+          <a:bodyPr wrap="square" rtlCol="0">
+            <a:spAutoFit/>
+          </a:bodyPr>
+          <a:lstStyle/>
+          <a:p>
+            <a:r>
+              <a:rPr lang="en-US" altLang="ko-KR" dirty="0"/>
+              <a:t>Bert embedding </a:t>
+            </a:r>
+            <a:r>
+              <a:rPr lang="ko-KR" altLang="en-US" dirty="0"/>
+              <a:t>하기 위해</a:t>
+            </a:r>
+            <a:endParaRPr lang="en-US" altLang="ko-KR" dirty="0"/>
+          </a:p>
+          <a:p>
+            <a:r>
+              <a:rPr lang="en-US" altLang="ko-KR" dirty="0"/>
+              <a:t>1. Encoded caption -&gt; word </a:t>
+            </a:r>
+            <a:r>
+              <a:rPr lang="ko-KR" altLang="en-US" dirty="0"/>
+              <a:t>로 변환</a:t>
+            </a:r>
+            <a:r>
+              <a:rPr lang="en-US" altLang="ko-KR" dirty="0"/>
+              <a:t>.</a:t>
+            </a:r>
+          </a:p>
+          <a:p>
+            <a:r>
+              <a:rPr lang="ko-KR" altLang="en-US" dirty="0"/>
+              <a:t>최대 길이에 맞춰 </a:t>
+            </a:r>
+            <a:r>
+              <a:rPr lang="en-US" altLang="ko-KR" dirty="0"/>
+              <a:t>padding</a:t>
+            </a:r>
+            <a:endParaRPr lang="ko-KR" altLang="en-US" dirty="0"/>
+          </a:p>
+        </p:txBody>
+      </p:sp>
     </p:spTree>
     <p:extLst>
       <p:ext uri="{BB962C8B-B14F-4D97-AF65-F5344CB8AC3E}">
-        <p14:creationId xmlns:p14="http://schemas.microsoft.com/office/powerpoint/2010/main" val="783326362"/>
+        <p14:creationId xmlns:p14="http://schemas.microsoft.com/office/powerpoint/2010/main" val="4244573122"/>
       </p:ext>
     </p:extLst>
   </p:cSld>
@@ -7309,7 +10550,7 @@
 </p:sld>
 </file>
 
-<file path=ppt/slides/slide8.xml><?xml version="1.0" encoding="utf-8"?>
+<file path=ppt/slides/slide9.xml><?xml version="1.0" encoding="utf-8"?>
 <p:sld xmlns:a="http://schemas.openxmlformats.org/drawingml/2006/main" xmlns:r="http://schemas.openxmlformats.org/officeDocument/2006/relationships" xmlns:p="http://schemas.openxmlformats.org/presentationml/2006/main">
   <p:cSld>
     <p:spTree>
@@ -7415,10 +10656,9 @@
           <a:lstStyle/>
           <a:p>
             <a:r>
-              <a:rPr lang="en-US" altLang="ko-KR" sz="2400" dirty="0"/>
-              <a:t>Metrics - BLEU </a:t>
-            </a:r>
-            <a:endParaRPr lang="ko-KR" altLang="en-US" sz="2400" dirty="0"/>
+              <a:rPr lang="ko-KR" altLang="en-US" sz="2400" dirty="0"/>
+              <a:t>코드 분석</a:t>
+            </a:r>
           </a:p>
         </p:txBody>
       </p:sp>
@@ -7427,7 +10667,7 @@
           <p:cNvPr id="2" name="직사각형 1">
             <a:extLst>
               <a:ext uri="{FF2B5EF4-FFF2-40B4-BE49-F238E27FC236}">
-                <a16:creationId xmlns:a16="http://schemas.microsoft.com/office/drawing/2014/main" id="{482D2D8A-AA2B-4A0B-AFC2-76ACABE1F978}"/>
+                <a16:creationId xmlns:a16="http://schemas.microsoft.com/office/drawing/2014/main" id="{33C2ECB1-E38C-40FC-8BAD-C616C39449CA}"/>
               </a:ext>
             </a:extLst>
           </p:cNvPr>
@@ -7436,8 +10676,8 @@
         </p:nvSpPr>
         <p:spPr>
           <a:xfrm>
-            <a:off x="1207426" y="6046902"/>
-            <a:ext cx="6582633" cy="1015663"/>
+            <a:off x="360846" y="643696"/>
+            <a:ext cx="7202699" cy="5493812"/>
           </a:xfrm>
           <a:prstGeom prst="rect">
             <a:avLst/>
@@ -7450,184 +10690,483 @@
           <a:lstStyle/>
           <a:p>
             <a:r>
-              <a:rPr lang="ko-KR" altLang="en-US" sz="1000" dirty="0"/>
-              <a:t>편의상 </a:t>
-            </a:r>
-            <a:r>
-              <a:rPr lang="en-US" altLang="ko-KR" sz="1000" dirty="0"/>
-              <a:t>Candidate</a:t>
-            </a:r>
-            <a:r>
-              <a:rPr lang="ko-KR" altLang="en-US" sz="1000" dirty="0"/>
-              <a:t>를 </a:t>
-            </a:r>
-            <a:r>
-              <a:rPr lang="en-US" altLang="ko-KR" sz="1000" dirty="0"/>
-              <a:t>Ca</a:t>
-            </a:r>
-            <a:r>
-              <a:rPr lang="ko-KR" altLang="en-US" sz="1000" dirty="0"/>
-              <a:t>로</a:t>
-            </a:r>
-            <a:r>
-              <a:rPr lang="en-US" altLang="ko-KR" sz="1000" dirty="0"/>
-              <a:t>, Reference</a:t>
-            </a:r>
-            <a:r>
-              <a:rPr lang="ko-KR" altLang="en-US" sz="1000" dirty="0"/>
-              <a:t>를 </a:t>
-            </a:r>
-            <a:r>
-              <a:rPr lang="en-US" altLang="ko-KR" sz="1000" dirty="0"/>
-              <a:t>Ref</a:t>
-            </a:r>
-            <a:r>
-              <a:rPr lang="ko-KR" altLang="en-US" sz="1000" dirty="0"/>
-              <a:t>로 축약하여 부르겠습니다</a:t>
-            </a:r>
-            <a:r>
-              <a:rPr lang="en-US" altLang="ko-KR" sz="1000" dirty="0"/>
-              <a:t>. </a:t>
-            </a:r>
-          </a:p>
-          <a:p>
-            <a:r>
-              <a:rPr lang="ko-KR" altLang="en-US" sz="1000" dirty="0"/>
-              <a:t>이제 </a:t>
-            </a:r>
-            <a:r>
-              <a:rPr lang="en-US" altLang="ko-KR" sz="1000" dirty="0"/>
-              <a:t>Ca 1, 2</a:t>
-            </a:r>
-            <a:r>
-              <a:rPr lang="ko-KR" altLang="en-US" sz="1000" dirty="0"/>
-              <a:t>를 </a:t>
-            </a:r>
-            <a:r>
-              <a:rPr lang="en-US" altLang="ko-KR" sz="1000" dirty="0"/>
-              <a:t>Ref 1, 2, 3</a:t>
-            </a:r>
-            <a:r>
-              <a:rPr lang="ko-KR" altLang="en-US" sz="1000" dirty="0"/>
-              <a:t>과 비교하여 성능을 측정하고자 합니다</a:t>
-            </a:r>
-            <a:r>
-              <a:rPr lang="en-US" altLang="ko-KR" sz="1000" dirty="0"/>
-              <a:t>. </a:t>
-            </a:r>
-          </a:p>
-          <a:p>
-            <a:r>
-              <a:rPr lang="ko-KR" altLang="en-US" sz="1000" dirty="0"/>
-              <a:t>가장 직관적인 성능 평가 방법은 </a:t>
-            </a:r>
-            <a:r>
-              <a:rPr lang="en-US" altLang="ko-KR" sz="1000" dirty="0"/>
-              <a:t>Ref 1, 2, 3 </a:t>
-            </a:r>
-            <a:r>
-              <a:rPr lang="ko-KR" altLang="en-US" sz="1000" dirty="0"/>
-              <a:t>중 어느 한 문장이라도 등장한 단어의 개수를 </a:t>
-            </a:r>
-            <a:r>
-              <a:rPr lang="en-US" altLang="ko-KR" sz="1000" dirty="0"/>
-              <a:t>Ca</a:t>
-            </a:r>
-            <a:r>
-              <a:rPr lang="ko-KR" altLang="en-US" sz="1000" dirty="0"/>
-              <a:t>에서 세는 것입니다</a:t>
-            </a:r>
-            <a:r>
-              <a:rPr lang="en-US" altLang="ko-KR" sz="1000" dirty="0"/>
-              <a:t>. </a:t>
-            </a:r>
-            <a:r>
-              <a:rPr lang="ko-KR" altLang="en-US" sz="1000" dirty="0"/>
-              <a:t>그리고 그 후에 </a:t>
-            </a:r>
-            <a:r>
-              <a:rPr lang="en-US" altLang="ko-KR" sz="1000" dirty="0"/>
-              <a:t>Ca</a:t>
-            </a:r>
-            <a:r>
-              <a:rPr lang="ko-KR" altLang="en-US" sz="1000" dirty="0"/>
-              <a:t>의 모든 단어의 카운트의 합</a:t>
-            </a:r>
-            <a:r>
-              <a:rPr lang="en-US" altLang="ko-KR" sz="1000" dirty="0"/>
-              <a:t>. </a:t>
-            </a:r>
-            <a:r>
-              <a:rPr lang="ko-KR" altLang="en-US" sz="1000" dirty="0"/>
-              <a:t>즉</a:t>
-            </a:r>
-            <a:r>
-              <a:rPr lang="en-US" altLang="ko-KR" sz="1000" dirty="0"/>
-              <a:t>, Ca</a:t>
-            </a:r>
-            <a:r>
-              <a:rPr lang="ko-KR" altLang="en-US" sz="1000" dirty="0"/>
-              <a:t>에서의 총 단어의 </a:t>
-            </a:r>
-            <a:r>
-              <a:rPr lang="ko-KR" altLang="en-US" sz="1000" dirty="0" err="1"/>
-              <a:t>수으로</a:t>
-            </a:r>
-            <a:r>
-              <a:rPr lang="ko-KR" altLang="en-US" sz="1000" dirty="0"/>
-              <a:t> 나눠줍니다</a:t>
-            </a:r>
-            <a:r>
-              <a:rPr lang="en-US" altLang="ko-KR" sz="1000" dirty="0"/>
-              <a:t>.</a:t>
-            </a:r>
-          </a:p>
-          <a:p>
-            <a:endParaRPr lang="en-US" altLang="ko-KR" sz="1000" dirty="0"/>
-          </a:p>
-          <a:p>
-            <a:r>
-              <a:rPr lang="ko-KR" altLang="en-US" sz="1000" dirty="0"/>
-              <a:t>이러한 측정 방법을 </a:t>
-            </a:r>
-            <a:r>
-              <a:rPr lang="ko-KR" altLang="en-US" sz="1000" dirty="0" err="1"/>
-              <a:t>유니그램</a:t>
-            </a:r>
-            <a:r>
-              <a:rPr lang="ko-KR" altLang="en-US" sz="1000" dirty="0"/>
-              <a:t> 정밀도</a:t>
-            </a:r>
-            <a:r>
-              <a:rPr lang="en-US" altLang="ko-KR" sz="1000" dirty="0"/>
-              <a:t>(Unigram Precision)</a:t>
-            </a:r>
-            <a:r>
-              <a:rPr lang="ko-KR" altLang="en-US" sz="1000" dirty="0"/>
-              <a:t>라고 합니다</a:t>
-            </a:r>
-            <a:r>
-              <a:rPr lang="en-US" altLang="ko-KR" sz="1000" dirty="0"/>
-              <a:t>. </a:t>
-            </a:r>
-            <a:r>
-              <a:rPr lang="ko-KR" altLang="en-US" sz="1000" dirty="0"/>
-              <a:t>이를 식으로 표현하면 다음과 같습니다</a:t>
-            </a:r>
-            <a:r>
-              <a:rPr lang="en-US" altLang="ko-KR" sz="1000" dirty="0"/>
-              <a:t>.</a:t>
-            </a:r>
-            <a:endParaRPr lang="ko-KR" altLang="en-US" sz="1000" dirty="0"/>
+              <a:rPr lang="ko-KR" altLang="en-US" sz="900" dirty="0" err="1"/>
+              <a:t>j</a:t>
+            </a:r>
+            <a:r>
+              <a:rPr lang="ko-KR" altLang="en-US" sz="900" dirty="0"/>
+              <a:t> </a:t>
+            </a:r>
+            <a:r>
+              <a:rPr lang="ko-KR" altLang="en-US" sz="900" dirty="0" err="1"/>
+              <a:t>is</a:t>
+            </a:r>
+            <a:r>
+              <a:rPr lang="ko-KR" altLang="en-US" sz="900" dirty="0"/>
+              <a:t> 32 </a:t>
+            </a:r>
+            <a:r>
+              <a:rPr lang="ko-KR" altLang="en-US" sz="900" dirty="0" err="1"/>
+              <a:t>p</a:t>
+            </a:r>
+            <a:r>
+              <a:rPr lang="ko-KR" altLang="en-US" sz="900" dirty="0"/>
+              <a:t> </a:t>
+            </a:r>
+            <a:r>
+              <a:rPr lang="ko-KR" altLang="en-US" sz="900" dirty="0" err="1"/>
+              <a:t>is</a:t>
+            </a:r>
+            <a:r>
+              <a:rPr lang="ko-KR" altLang="en-US" sz="900" dirty="0"/>
+              <a:t> [[146, 33, 251, 2860, 4, 3848, 47, 1666, 1663, 3],</a:t>
+            </a:r>
+            <a:endParaRPr lang="en-US" altLang="ko-KR" sz="900" dirty="0"/>
+          </a:p>
+          <a:p>
+            <a:r>
+              <a:rPr lang="ko-KR" altLang="en-US" sz="900" dirty="0"/>
+              <a:t> [131, 53, 409, 106, 31, 40, 7, 65, 1412, 111], </a:t>
+            </a:r>
+            <a:endParaRPr lang="en-US" altLang="ko-KR" sz="900" dirty="0"/>
+          </a:p>
+          <a:p>
+            <a:r>
+              <a:rPr lang="ko-KR" altLang="en-US" sz="900" dirty="0"/>
+              <a:t>[4, 48, 33, 30, 31, 212, 111, 146, 373, 106], </a:t>
+            </a:r>
+            <a:endParaRPr lang="en-US" altLang="ko-KR" sz="900" dirty="0"/>
+          </a:p>
+          <a:p>
+            <a:r>
+              <a:rPr lang="ko-KR" altLang="en-US" sz="900" dirty="0"/>
+              <a:t>[30, 31, 34, 210, 3016, 115, 793, 36, 1256, 857], </a:t>
+            </a:r>
+            <a:endParaRPr lang="en-US" altLang="ko-KR" sz="900" dirty="0"/>
+          </a:p>
+          <a:p>
+            <a:r>
+              <a:rPr lang="ko-KR" altLang="en-US" sz="900" dirty="0"/>
+              <a:t>[31, 115, 30, 7, 857, 1003, 87, 34, 2876, 936], </a:t>
+            </a:r>
+            <a:endParaRPr lang="en-US" altLang="ko-KR" sz="900" dirty="0"/>
+          </a:p>
+          <a:p>
+            <a:r>
+              <a:rPr lang="ko-KR" altLang="en-US" sz="900" dirty="0"/>
+              <a:t>[7, 87, 65, 31, 938, 19, 785, 115, 30, 40], </a:t>
+            </a:r>
+            <a:endParaRPr lang="en-US" altLang="ko-KR" sz="900" dirty="0"/>
+          </a:p>
+          <a:p>
+            <a:r>
+              <a:rPr lang="ko-KR" altLang="en-US" sz="900" dirty="0"/>
+              <a:t>[30, 7, 34, 31, 3384, 65, 115, 131, 3, 3016], </a:t>
+            </a:r>
+            <a:endParaRPr lang="en-US" altLang="ko-KR" sz="900" dirty="0"/>
+          </a:p>
+          <a:p>
+            <a:r>
+              <a:rPr lang="ko-KR" altLang="en-US" sz="900" dirty="0"/>
+              <a:t>[30, 34, 31, 115, 65, 36, 61, 373, 770, 229], </a:t>
+            </a:r>
+            <a:endParaRPr lang="en-US" altLang="ko-KR" sz="900" dirty="0"/>
+          </a:p>
+          <a:p>
+            <a:r>
+              <a:rPr lang="ko-KR" altLang="en-US" sz="900" dirty="0"/>
+              <a:t>[65, 31, 862, 192, 30, 409, 857, 120, 1038, 115], </a:t>
+            </a:r>
+            <a:endParaRPr lang="en-US" altLang="ko-KR" sz="900" dirty="0"/>
+          </a:p>
+          <a:p>
+            <a:r>
+              <a:rPr lang="ko-KR" altLang="en-US" sz="900" dirty="0"/>
+              <a:t>[65, 1038, 862, 507, 131, 40, 2358, 1665, 112, 409], </a:t>
+            </a:r>
+            <a:endParaRPr lang="en-US" altLang="ko-KR" sz="900" dirty="0"/>
+          </a:p>
+          <a:p>
+            <a:r>
+              <a:rPr lang="ko-KR" altLang="en-US" sz="900" dirty="0"/>
+              <a:t>[131, 65, 715, 106, 409, 1412, 3384, 53, 327, 1038], </a:t>
+            </a:r>
+            <a:endParaRPr lang="en-US" altLang="ko-KR" sz="900" dirty="0"/>
+          </a:p>
+          <a:p>
+            <a:r>
+              <a:rPr lang="ko-KR" altLang="en-US" sz="900" dirty="0"/>
+              <a:t>[40, 78, 146, 131, 365, 65, 112, 53, 16, 1412], </a:t>
+            </a:r>
+            <a:endParaRPr lang="en-US" altLang="ko-KR" sz="900" dirty="0"/>
+          </a:p>
+          <a:p>
+            <a:r>
+              <a:rPr lang="ko-KR" altLang="en-US" sz="900" dirty="0"/>
+              <a:t>[146, 33, 4, 111, 48, 47, 36, 648, 40, 242], </a:t>
+            </a:r>
+            <a:endParaRPr lang="en-US" altLang="ko-KR" sz="900" dirty="0"/>
+          </a:p>
+          <a:p>
+            <a:r>
+              <a:rPr lang="ko-KR" altLang="en-US" sz="900" dirty="0"/>
+              <a:t>[34, 229, 4715, 6639, 7, 3828, 1123, 1296, 2715, 3945]]</a:t>
+            </a:r>
+          </a:p>
+          <a:p>
+            <a:endParaRPr lang="nl-NL" altLang="ko-KR" sz="900" dirty="0"/>
+          </a:p>
+          <a:p>
+            <a:r>
+              <a:rPr lang="nl-NL" altLang="ko-KR" sz="900" dirty="0"/>
+              <a:t> j is 29 p is </a:t>
+            </a:r>
+          </a:p>
+          <a:p>
+            <a:r>
+              <a:rPr lang="nl-NL" altLang="ko-KR" sz="900" dirty="0"/>
+              <a:t>[[251, 33, 252, 146, 52, 4, 3848, 194, 2860, 51],</a:t>
+            </a:r>
+          </a:p>
+          <a:p>
+            <a:r>
+              <a:rPr lang="nl-NL" altLang="ko-KR" sz="900" dirty="0"/>
+              <a:t> [53, 131, 52, 106, 282, 970, 1412, 94, 1256, 280],</a:t>
+            </a:r>
+          </a:p>
+          <a:p>
+            <a:r>
+              <a:rPr lang="nl-NL" altLang="ko-KR" sz="900" dirty="0"/>
+              <a:t> [52, 54, 280, 1352, 1633, 94, 1383, 4, 292, 1042], </a:t>
+            </a:r>
+          </a:p>
+          <a:p>
+            <a:r>
+              <a:rPr lang="nl-NL" altLang="ko-KR" sz="900" dirty="0"/>
+              <a:t>[54, 40, 78, 52, 94, 7, 53, 171, 140, 105],</a:t>
+            </a:r>
+          </a:p>
+          <a:p>
+            <a:r>
+              <a:rPr lang="nl-NL" altLang="ko-KR" sz="900" dirty="0"/>
+              <a:t> [78, 40, 54, 55, 185, 112, 193, 94, 33, 418], </a:t>
+            </a:r>
+          </a:p>
+          <a:p>
+            <a:r>
+              <a:rPr lang="nl-NL" altLang="ko-KR" sz="900" dirty="0"/>
+              <a:t>[33, 4, 78, 146, 34, 40, 103, 48, 161, 47],</a:t>
+            </a:r>
+          </a:p>
+          <a:p>
+            <a:r>
+              <a:rPr lang="nl-NL" altLang="ko-KR" sz="900" dirty="0"/>
+              <a:t> [34, 41, 2715, 230, 229, 186, 210, 705, 768, 827],</a:t>
+            </a:r>
+          </a:p>
+          <a:p>
+            <a:r>
+              <a:rPr lang="nl-NL" altLang="ko-KR" sz="900" dirty="0"/>
+              <a:t> [2, 19, 40, 3, 78, 7, 34, 112, 805, 14],</a:t>
+            </a:r>
+          </a:p>
+          <a:p>
+            <a:r>
+              <a:rPr lang="nl-NL" altLang="ko-KR" sz="900" dirty="0"/>
+              <a:t> [7, 6, 4, 5, 1, 0, 2, 3, 8, 9]]</a:t>
+            </a:r>
+          </a:p>
+          <a:p>
+            <a:endParaRPr lang="nl-NL" altLang="ko-KR" sz="900" dirty="0"/>
+          </a:p>
+          <a:p>
+            <a:r>
+              <a:rPr lang="nl-NL" altLang="ko-KR" sz="900" dirty="0"/>
+              <a:t>j is 28 p is </a:t>
+            </a:r>
+          </a:p>
+          <a:p>
+            <a:r>
+              <a:rPr lang="nl-NL" altLang="ko-KR" sz="900" dirty="0"/>
+              <a:t>[[4, 146, 33, 252, 251, 48, 3, 3848, 2479, 111],</a:t>
+            </a:r>
+          </a:p>
+          <a:p>
+            <a:r>
+              <a:rPr lang="nl-NL" altLang="ko-KR" sz="900" dirty="0"/>
+              <a:t> [4244, 21, 2716, 1846, 1393, 3575, 61, 2723, 110, 195], </a:t>
+            </a:r>
+          </a:p>
+          <a:p>
+            <a:r>
+              <a:rPr lang="nl-NL" altLang="ko-KR" sz="900" dirty="0"/>
+              <a:t>[131, 629, 4244, 352, 327, 322, 4490, 757, 4796, 1529], </a:t>
+            </a:r>
+          </a:p>
+          <a:p>
+            <a:r>
+              <a:rPr lang="nl-NL" altLang="ko-KR" sz="900" dirty="0"/>
+              <a:t>[131, 2530, 322, 629, 327, 4244, 611, 4490, 352, 40], </a:t>
+            </a:r>
+          </a:p>
+          <a:p>
+            <a:r>
+              <a:rPr lang="nl-NL" altLang="ko-KR" sz="900" dirty="0"/>
+              <a:t>[40, 249, 322, 611, 277, 627, 295, 288, 2530, 59],</a:t>
+            </a:r>
+          </a:p>
+          <a:p>
+            <a:r>
+              <a:rPr lang="nl-NL" altLang="ko-KR" sz="900" dirty="0"/>
+              <a:t> [40, 249, 288, 78, 461, 4, 35, 627, 399, 59], </a:t>
+            </a:r>
+          </a:p>
+          <a:p>
+            <a:r>
+              <a:rPr lang="nl-NL" altLang="ko-KR" sz="900" dirty="0"/>
+              <a:t>[4, 33, 40, 48, 258, 702, 2135, 2430, 288, 146], </a:t>
+            </a:r>
+          </a:p>
+          <a:p>
+            <a:r>
+              <a:rPr lang="nl-NL" altLang="ko-KR" sz="900" dirty="0"/>
+              <a:t>[113, 64, 1453, 1402, 199, 820, 133, 29, 1040, 63], </a:t>
+            </a:r>
+          </a:p>
+          <a:p>
+            <a:r>
+              <a:rPr lang="nl-NL" altLang="ko-KR" sz="900" dirty="0"/>
+              <a:t>[2, 113, 762, 490, 258, 19, 1402, 59, 847, 3], </a:t>
+            </a:r>
+          </a:p>
+          <a:p>
+            <a:r>
+              <a:rPr lang="nl-NL" altLang="ko-KR" sz="900" dirty="0"/>
+              <a:t>[7, 6, 4, 5, 1, 0, 2, 3, 8, 9]]</a:t>
+            </a:r>
+          </a:p>
+          <a:p>
+            <a:endParaRPr lang="ko-KR" altLang="en-US" sz="900" dirty="0"/>
+          </a:p>
+          <a:p>
+            <a:endParaRPr lang="ko-KR" altLang="en-US" sz="900" dirty="0"/>
+          </a:p>
+        </p:txBody>
+      </p:sp>
+      <p:sp>
+        <p:nvSpPr>
+          <p:cNvPr id="3" name="TextBox 2">
+            <a:extLst>
+              <a:ext uri="{FF2B5EF4-FFF2-40B4-BE49-F238E27FC236}">
+                <a16:creationId xmlns:a16="http://schemas.microsoft.com/office/drawing/2014/main" id="{45952A6B-913C-4DBB-A041-C2822CD4968A}"/>
+              </a:ext>
+            </a:extLst>
+          </p:cNvPr>
+          <p:cNvSpPr txBox="1"/>
+          <p:nvPr/>
+        </p:nvSpPr>
+        <p:spPr>
+          <a:xfrm>
+            <a:off x="360846" y="5847605"/>
+            <a:ext cx="5203838" cy="646331"/>
+          </a:xfrm>
+          <a:prstGeom prst="rect">
+            <a:avLst/>
+          </a:prstGeom>
+          <a:noFill/>
+        </p:spPr>
+        <p:txBody>
+          <a:bodyPr wrap="square" rtlCol="0">
+            <a:spAutoFit/>
+          </a:bodyPr>
+          <a:lstStyle/>
+          <a:p>
+            <a:r>
+              <a:rPr lang="en-US" altLang="ko-KR" dirty="0"/>
+              <a:t>J</a:t>
+            </a:r>
+            <a:r>
+              <a:rPr lang="ko-KR" altLang="en-US" dirty="0"/>
+              <a:t>번 째 </a:t>
+            </a:r>
+            <a:r>
+              <a:rPr lang="en-US" altLang="ko-KR" dirty="0" err="1"/>
+              <a:t>captio</a:t>
+            </a:r>
+            <a:r>
+              <a:rPr lang="ko-KR" altLang="en-US" dirty="0"/>
+              <a:t>에서 나온 각 </a:t>
+            </a:r>
+            <a:r>
+              <a:rPr lang="en-US" altLang="ko-KR" dirty="0"/>
+              <a:t>t</a:t>
+            </a:r>
+            <a:r>
+              <a:rPr lang="ko-KR" altLang="en-US" dirty="0"/>
+              <a:t>시점에서 나온  </a:t>
+            </a:r>
+            <a:endParaRPr lang="en-US" altLang="ko-KR" dirty="0"/>
+          </a:p>
+          <a:p>
+            <a:r>
+              <a:rPr lang="en-US" altLang="ko-KR" dirty="0"/>
+              <a:t>Vocab</a:t>
+            </a:r>
+            <a:r>
+              <a:rPr lang="ko-KR" altLang="en-US" dirty="0"/>
+              <a:t> </a:t>
+            </a:r>
+            <a:r>
+              <a:rPr lang="en-US" altLang="ko-KR" dirty="0"/>
+              <a:t>size </a:t>
+            </a:r>
+            <a:r>
+              <a:rPr lang="ko-KR" altLang="en-US" dirty="0"/>
+              <a:t>크기의 </a:t>
+            </a:r>
+            <a:r>
+              <a:rPr lang="en-US" altLang="ko-KR" dirty="0"/>
+              <a:t>prediction score</a:t>
+            </a:r>
+            <a:r>
+              <a:rPr lang="ko-KR" altLang="en-US" dirty="0"/>
+              <a:t>  </a:t>
+            </a:r>
+            <a:r>
+              <a:rPr lang="en-US" altLang="ko-KR" dirty="0"/>
+              <a:t>top10 </a:t>
+            </a:r>
+            <a:r>
+              <a:rPr lang="ko-KR" altLang="en-US" dirty="0"/>
+              <a:t>추출 </a:t>
+            </a:r>
+            <a:r>
+              <a:rPr lang="en-US" altLang="ko-KR" dirty="0"/>
+              <a:t>? </a:t>
+            </a:r>
+            <a:endParaRPr lang="ko-KR" altLang="en-US" dirty="0"/>
           </a:p>
         </p:txBody>
       </p:sp>
       <p:pic>
         <p:nvPicPr>
-          <p:cNvPr id="3" name="그림 2">
-            <a:extLst>
-              <a:ext uri="{FF2B5EF4-FFF2-40B4-BE49-F238E27FC236}">
-                <a16:creationId xmlns:a16="http://schemas.microsoft.com/office/drawing/2014/main" id="{EBB83A39-D028-4F8D-BB00-0D345585B884}"/>
+          <p:cNvPr id="7" name="그림 6">
+            <a:extLst>
+              <a:ext uri="{FF2B5EF4-FFF2-40B4-BE49-F238E27FC236}">
+                <a16:creationId xmlns:a16="http://schemas.microsoft.com/office/drawing/2014/main" id="{EBF3C364-CBDC-4DF7-A7D5-9AB33059E550}"/>
+              </a:ext>
+            </a:extLst>
+          </p:cNvPr>
+          <p:cNvPicPr>
+            <a:picLocks noChangeAspect="1"/>
+          </p:cNvPicPr>
+          <p:nvPr/>
+        </p:nvPicPr>
+        <p:blipFill>
+          <a:blip r:embed="rId2"/>
+          <a:stretch>
+            <a:fillRect/>
+          </a:stretch>
+        </p:blipFill>
+        <p:spPr>
+          <a:xfrm>
+            <a:off x="3803880" y="1233111"/>
+            <a:ext cx="5156097" cy="2410577"/>
+          </a:xfrm>
+          <a:prstGeom prst="rect">
+            <a:avLst/>
+          </a:prstGeom>
+        </p:spPr>
+      </p:pic>
+      <p:cxnSp>
+        <p:nvCxnSpPr>
+          <p:cNvPr id="11" name="직선 연결선 10">
+            <a:extLst>
+              <a:ext uri="{FF2B5EF4-FFF2-40B4-BE49-F238E27FC236}">
+                <a16:creationId xmlns:a16="http://schemas.microsoft.com/office/drawing/2014/main" id="{02B337C5-1DB1-4D25-9CA9-9DB47E790870}"/>
+              </a:ext>
+            </a:extLst>
+          </p:cNvPr>
+          <p:cNvCxnSpPr/>
+          <p:nvPr/>
+        </p:nvCxnSpPr>
+        <p:spPr>
+          <a:xfrm flipV="1">
+            <a:off x="3826118" y="1386644"/>
+            <a:ext cx="4435643" cy="36095"/>
+          </a:xfrm>
+          <a:prstGeom prst="line">
+            <a:avLst/>
+          </a:prstGeom>
+          <a:ln w="28575">
+            <a:solidFill>
+              <a:schemeClr val="accent2"/>
+            </a:solidFill>
+          </a:ln>
+        </p:spPr>
+        <p:style>
+          <a:lnRef idx="1">
+            <a:schemeClr val="accent1"/>
+          </a:lnRef>
+          <a:fillRef idx="0">
+            <a:schemeClr val="accent1"/>
+          </a:fillRef>
+          <a:effectRef idx="0">
+            <a:schemeClr val="accent1"/>
+          </a:effectRef>
+          <a:fontRef idx="minor">
+            <a:schemeClr val="tx1"/>
+          </a:fontRef>
+        </p:style>
+      </p:cxnSp>
+      <p:sp>
+        <p:nvSpPr>
+          <p:cNvPr id="12" name="직사각형 11">
+            <a:extLst>
+              <a:ext uri="{FF2B5EF4-FFF2-40B4-BE49-F238E27FC236}">
+                <a16:creationId xmlns:a16="http://schemas.microsoft.com/office/drawing/2014/main" id="{8250D91B-BFA2-44D3-9B8A-E66EC452BB47}"/>
+              </a:ext>
+            </a:extLst>
+          </p:cNvPr>
+          <p:cNvSpPr/>
+          <p:nvPr/>
+        </p:nvSpPr>
+        <p:spPr>
+          <a:xfrm>
+            <a:off x="7050750" y="5363544"/>
+            <a:ext cx="3608295" cy="369332"/>
+          </a:xfrm>
+          <a:prstGeom prst="rect">
+            <a:avLst/>
+          </a:prstGeom>
+        </p:spPr>
+        <p:txBody>
+          <a:bodyPr wrap="none">
+            <a:spAutoFit/>
+          </a:bodyPr>
+          <a:lstStyle/>
+          <a:p>
+            <a:r>
+              <a:rPr lang="ko-KR" altLang="en-US" dirty="0"/>
+              <a:t>(32, 17) </a:t>
+            </a:r>
+            <a:r>
+              <a:rPr lang="ko-KR" altLang="en-US" dirty="0" err="1"/>
+              <a:t>torch.Size</a:t>
+            </a:r>
+            <a:r>
+              <a:rPr lang="ko-KR" altLang="en-US" dirty="0"/>
+              <a:t>([32, 17, 8853])</a:t>
+            </a:r>
+          </a:p>
+        </p:txBody>
+      </p:sp>
+      <p:pic>
+        <p:nvPicPr>
+          <p:cNvPr id="13" name="그림 12">
+            <a:extLst>
+              <a:ext uri="{FF2B5EF4-FFF2-40B4-BE49-F238E27FC236}">
+                <a16:creationId xmlns:a16="http://schemas.microsoft.com/office/drawing/2014/main" id="{EE4A0DEC-3E35-4E88-A970-7B35C63FB27A}"/>
               </a:ext>
             </a:extLst>
           </p:cNvPr>
@@ -7644,549 +11183,54 @@
         </p:blipFill>
         <p:spPr>
           <a:xfrm>
-            <a:off x="835911" y="2951018"/>
-            <a:ext cx="10411601" cy="837988"/>
+            <a:off x="6262831" y="5906538"/>
+            <a:ext cx="5793121" cy="494857"/>
           </a:xfrm>
           <a:prstGeom prst="rect">
             <a:avLst/>
           </a:prstGeom>
         </p:spPr>
       </p:pic>
-      <p:pic>
-        <p:nvPicPr>
-          <p:cNvPr id="5" name="그림 4">
-            <a:extLst>
-              <a:ext uri="{FF2B5EF4-FFF2-40B4-BE49-F238E27FC236}">
-                <a16:creationId xmlns:a16="http://schemas.microsoft.com/office/drawing/2014/main" id="{8E54B8C3-60DF-436F-A3BA-879A4A95224D}"/>
-              </a:ext>
-            </a:extLst>
-          </p:cNvPr>
-          <p:cNvPicPr>
-            <a:picLocks noChangeAspect="1"/>
-          </p:cNvPicPr>
+      <p:cxnSp>
+        <p:nvCxnSpPr>
+          <p:cNvPr id="15" name="직선 연결선 14">
+            <a:extLst>
+              <a:ext uri="{FF2B5EF4-FFF2-40B4-BE49-F238E27FC236}">
+                <a16:creationId xmlns:a16="http://schemas.microsoft.com/office/drawing/2014/main" id="{0B25B23A-3E8C-4B4F-8036-163D0C245BAD}"/>
+              </a:ext>
+            </a:extLst>
+          </p:cNvPr>
+          <p:cNvCxnSpPr/>
           <p:nvPr/>
-        </p:nvPicPr>
-        <p:blipFill rotWithShape="1">
-          <a:blip r:embed="rId4"/>
-          <a:srcRect t="7672"/>
-          <a:stretch/>
-        </p:blipFill>
+        </p:nvCxnSpPr>
         <p:spPr>
-          <a:xfrm>
-            <a:off x="351894" y="3772870"/>
-            <a:ext cx="10083254" cy="1169552"/>
+          <a:xfrm flipH="1">
+            <a:off x="5663001" y="1189112"/>
+            <a:ext cx="4324759" cy="5355777"/>
           </a:xfrm>
-          <a:prstGeom prst="rect">
+          <a:prstGeom prst="line">
             <a:avLst/>
           </a:prstGeom>
         </p:spPr>
-      </p:pic>
-      <p:pic>
-        <p:nvPicPr>
-          <p:cNvPr id="10" name="그림 9">
-            <a:extLst>
-              <a:ext uri="{FF2B5EF4-FFF2-40B4-BE49-F238E27FC236}">
-                <a16:creationId xmlns:a16="http://schemas.microsoft.com/office/drawing/2014/main" id="{DAA903C9-12B2-4210-AD7E-DEB3225C103E}"/>
-              </a:ext>
-            </a:extLst>
-          </p:cNvPr>
-          <p:cNvPicPr>
-            <a:picLocks noChangeAspect="1"/>
-          </p:cNvPicPr>
-          <p:nvPr/>
-        </p:nvPicPr>
-        <p:blipFill>
-          <a:blip r:embed="rId5"/>
-          <a:stretch>
-            <a:fillRect/>
-          </a:stretch>
-        </p:blipFill>
-        <p:spPr>
-          <a:xfrm>
-            <a:off x="351894" y="4942422"/>
-            <a:ext cx="5210175" cy="971550"/>
-          </a:xfrm>
-          <a:prstGeom prst="rect">
-            <a:avLst/>
-          </a:prstGeom>
-        </p:spPr>
-      </p:pic>
-      <p:pic>
-        <p:nvPicPr>
-          <p:cNvPr id="12" name="그림 11">
-            <a:extLst>
-              <a:ext uri="{FF2B5EF4-FFF2-40B4-BE49-F238E27FC236}">
-                <a16:creationId xmlns:a16="http://schemas.microsoft.com/office/drawing/2014/main" id="{595E1088-5A4C-404A-A2F0-BC897C71BD68}"/>
-              </a:ext>
-            </a:extLst>
-          </p:cNvPr>
-          <p:cNvPicPr>
-            <a:picLocks noChangeAspect="1"/>
-          </p:cNvPicPr>
-          <p:nvPr/>
-        </p:nvPicPr>
-        <p:blipFill>
-          <a:blip r:embed="rId6"/>
-          <a:stretch>
-            <a:fillRect/>
-          </a:stretch>
-        </p:blipFill>
-        <p:spPr>
-          <a:xfrm>
-            <a:off x="4674037" y="5096426"/>
-            <a:ext cx="4599471" cy="587167"/>
-          </a:xfrm>
-          <a:prstGeom prst="rect">
-            <a:avLst/>
-          </a:prstGeom>
-        </p:spPr>
-      </p:pic>
-      <p:sp>
-        <p:nvSpPr>
-          <p:cNvPr id="18" name="TextBox 17">
-            <a:extLst>
-              <a:ext uri="{FF2B5EF4-FFF2-40B4-BE49-F238E27FC236}">
-                <a16:creationId xmlns:a16="http://schemas.microsoft.com/office/drawing/2014/main" id="{6F9E651C-DE17-4B8E-95D9-A08AA466244A}"/>
-              </a:ext>
-            </a:extLst>
-          </p:cNvPr>
-          <p:cNvSpPr txBox="1"/>
-          <p:nvPr/>
-        </p:nvSpPr>
-        <p:spPr>
-          <a:xfrm>
-            <a:off x="5039011" y="5913972"/>
-            <a:ext cx="3853823" cy="230832"/>
-          </a:xfrm>
-          <a:prstGeom prst="rect">
-            <a:avLst/>
-          </a:prstGeom>
-          <a:noFill/>
-        </p:spPr>
-        <p:txBody>
-          <a:bodyPr wrap="square" rtlCol="0">
-            <a:spAutoFit/>
-          </a:bodyPr>
-          <a:lstStyle/>
-          <a:p>
-            <a:r>
-              <a:rPr lang="ko-KR" altLang="en-US" sz="900" dirty="0"/>
-              <a:t>여기서는 나머지 </a:t>
-            </a:r>
-            <a:r>
-              <a:rPr lang="en-US" altLang="ko-KR" sz="900" dirty="0"/>
-              <a:t>gram</a:t>
-            </a:r>
-            <a:r>
-              <a:rPr lang="ko-KR" altLang="en-US" sz="900" dirty="0"/>
-              <a:t>의 </a:t>
-            </a:r>
-            <a:r>
-              <a:rPr lang="en-US" altLang="ko-KR" sz="900" dirty="0"/>
-              <a:t>weight</a:t>
-            </a:r>
-            <a:r>
-              <a:rPr lang="ko-KR" altLang="en-US" sz="900" dirty="0"/>
-              <a:t>는 </a:t>
-            </a:r>
-            <a:r>
-              <a:rPr lang="en-US" altLang="ko-KR" sz="900" dirty="0"/>
-              <a:t>0</a:t>
-            </a:r>
-            <a:r>
-              <a:rPr lang="ko-KR" altLang="en-US" sz="900" dirty="0"/>
-              <a:t>이어서 </a:t>
-            </a:r>
-            <a:r>
-              <a:rPr lang="en-US" altLang="ko-KR" sz="900" dirty="0"/>
-              <a:t>sigma</a:t>
-            </a:r>
-            <a:r>
-              <a:rPr lang="ko-KR" altLang="en-US" sz="900" dirty="0"/>
-              <a:t>계산 없는 것과 같음</a:t>
-            </a:r>
-            <a:r>
-              <a:rPr lang="en-US" altLang="ko-KR" sz="900" dirty="0"/>
-              <a:t>.</a:t>
-            </a:r>
-            <a:endParaRPr lang="ko-KR" altLang="en-US" sz="900" dirty="0"/>
-          </a:p>
-        </p:txBody>
-      </p:sp>
-      <p:pic>
-        <p:nvPicPr>
-          <p:cNvPr id="21" name="그림 20">
-            <a:extLst>
-              <a:ext uri="{FF2B5EF4-FFF2-40B4-BE49-F238E27FC236}">
-                <a16:creationId xmlns:a16="http://schemas.microsoft.com/office/drawing/2014/main" id="{32B52321-410A-415E-9374-DBFEFB3F1CC5}"/>
-              </a:ext>
-            </a:extLst>
-          </p:cNvPr>
-          <p:cNvPicPr>
-            <a:picLocks noChangeAspect="1"/>
-          </p:cNvPicPr>
-          <p:nvPr/>
-        </p:nvPicPr>
-        <p:blipFill>
-          <a:blip r:embed="rId7"/>
-          <a:stretch>
-            <a:fillRect/>
-          </a:stretch>
-        </p:blipFill>
-        <p:spPr>
-          <a:xfrm>
-            <a:off x="351894" y="944028"/>
-            <a:ext cx="8127299" cy="1874060"/>
-          </a:xfrm>
-          <a:prstGeom prst="rect">
-            <a:avLst/>
-          </a:prstGeom>
-        </p:spPr>
-      </p:pic>
-    </p:spTree>
-    <p:extLst>
-      <p:ext uri="{BB962C8B-B14F-4D97-AF65-F5344CB8AC3E}">
-        <p14:creationId xmlns:p14="http://schemas.microsoft.com/office/powerpoint/2010/main" val="1821325350"/>
-      </p:ext>
-    </p:extLst>
-  </p:cSld>
-  <p:clrMapOvr>
-    <a:masterClrMapping/>
-  </p:clrMapOvr>
-</p:sld>
-</file>
-
-<file path=ppt/slides/slide9.xml><?xml version="1.0" encoding="utf-8"?>
-<p:sld xmlns:a="http://schemas.openxmlformats.org/drawingml/2006/main" xmlns:r="http://schemas.openxmlformats.org/officeDocument/2006/relationships" xmlns:p="http://schemas.openxmlformats.org/presentationml/2006/main">
-  <p:cSld>
-    <p:spTree>
-      <p:nvGrpSpPr>
-        <p:cNvPr id="1" name=""/>
-        <p:cNvGrpSpPr/>
-        <p:nvPr/>
-      </p:nvGrpSpPr>
-      <p:grpSpPr>
-        <a:xfrm>
-          <a:off x="0" y="0"/>
-          <a:ext cx="0" cy="0"/>
-          <a:chOff x="0" y="0"/>
-          <a:chExt cx="0" cy="0"/>
-        </a:xfrm>
-      </p:grpSpPr>
-      <p:sp>
-        <p:nvSpPr>
-          <p:cNvPr id="8" name="직사각형 7">
-            <a:extLst>
-              <a:ext uri="{FF2B5EF4-FFF2-40B4-BE49-F238E27FC236}">
-                <a16:creationId xmlns:a16="http://schemas.microsoft.com/office/drawing/2014/main" id="{212AE0A1-5F92-478A-A843-443E581BDF91}"/>
-              </a:ext>
-            </a:extLst>
-          </p:cNvPr>
-          <p:cNvSpPr/>
-          <p:nvPr/>
-        </p:nvSpPr>
-        <p:spPr>
-          <a:xfrm>
-            <a:off x="0" y="-1"/>
-            <a:ext cx="12192000" cy="825731"/>
-          </a:xfrm>
-          <a:prstGeom prst="rect">
-            <a:avLst/>
-          </a:prstGeom>
-          <a:solidFill>
-            <a:schemeClr val="accent6">
-              <a:lumMod val="40000"/>
-              <a:lumOff val="60000"/>
-            </a:schemeClr>
-          </a:solidFill>
-          <a:ln>
-            <a:solidFill>
-              <a:schemeClr val="accent6">
-                <a:lumMod val="40000"/>
-                <a:lumOff val="60000"/>
-              </a:schemeClr>
-            </a:solidFill>
-          </a:ln>
-        </p:spPr>
         <p:style>
-          <a:lnRef idx="2">
-            <a:schemeClr val="accent1">
-              <a:shade val="50000"/>
-            </a:schemeClr>
+          <a:lnRef idx="1">
+            <a:schemeClr val="accent1"/>
           </a:lnRef>
-          <a:fillRef idx="1">
+          <a:fillRef idx="0">
             <a:schemeClr val="accent1"/>
           </a:fillRef>
           <a:effectRef idx="0">
             <a:schemeClr val="accent1"/>
           </a:effectRef>
           <a:fontRef idx="minor">
-            <a:schemeClr val="lt1"/>
+            <a:schemeClr val="tx1"/>
           </a:fontRef>
         </p:style>
-        <p:txBody>
-          <a:bodyPr rtlCol="0" anchor="ctr"/>
-          <a:lstStyle/>
-          <a:p>
-            <a:pPr algn="ctr"/>
-            <a:endParaRPr lang="ko-KR" altLang="en-US"/>
-          </a:p>
-        </p:txBody>
-      </p:sp>
-      <p:sp>
-        <p:nvSpPr>
-          <p:cNvPr id="9" name="TextBox 8">
-            <a:extLst>
-              <a:ext uri="{FF2B5EF4-FFF2-40B4-BE49-F238E27FC236}">
-                <a16:creationId xmlns:a16="http://schemas.microsoft.com/office/drawing/2014/main" id="{19B6216F-12C7-418D-A944-6484C1992BBE}"/>
-              </a:ext>
-            </a:extLst>
-          </p:cNvPr>
-          <p:cNvSpPr txBox="1"/>
-          <p:nvPr/>
-        </p:nvSpPr>
-        <p:spPr>
-          <a:xfrm>
-            <a:off x="231339" y="182031"/>
-            <a:ext cx="11782163" cy="461665"/>
-          </a:xfrm>
-          <a:prstGeom prst="rect">
-            <a:avLst/>
-          </a:prstGeom>
-          <a:noFill/>
-        </p:spPr>
-        <p:txBody>
-          <a:bodyPr wrap="square" rtlCol="0">
-            <a:spAutoFit/>
-          </a:bodyPr>
-          <a:lstStyle/>
-          <a:p>
-            <a:r>
-              <a:rPr lang="en-US" altLang="ko-KR" sz="2400" dirty="0"/>
-              <a:t>Metrics - BLEU </a:t>
-            </a:r>
-            <a:endParaRPr lang="ko-KR" altLang="en-US" sz="2400" dirty="0"/>
-          </a:p>
-        </p:txBody>
-      </p:sp>
-      <p:sp>
-        <p:nvSpPr>
-          <p:cNvPr id="2" name="직사각형 1">
-            <a:extLst>
-              <a:ext uri="{FF2B5EF4-FFF2-40B4-BE49-F238E27FC236}">
-                <a16:creationId xmlns:a16="http://schemas.microsoft.com/office/drawing/2014/main" id="{482D2D8A-AA2B-4A0B-AFC2-76ACABE1F978}"/>
-              </a:ext>
-            </a:extLst>
-          </p:cNvPr>
-          <p:cNvSpPr/>
-          <p:nvPr/>
-        </p:nvSpPr>
-        <p:spPr>
-          <a:xfrm>
-            <a:off x="583437" y="3107478"/>
-            <a:ext cx="9200251" cy="861774"/>
-          </a:xfrm>
-          <a:prstGeom prst="rect">
-            <a:avLst/>
-          </a:prstGeom>
-        </p:spPr>
-        <p:txBody>
-          <a:bodyPr wrap="square">
-            <a:spAutoFit/>
-          </a:bodyPr>
-          <a:lstStyle/>
-          <a:p>
-            <a:r>
-              <a:rPr lang="en-US" altLang="ko-KR" sz="1000" dirty="0"/>
-              <a:t>Ca 1, 2</a:t>
-            </a:r>
-            <a:r>
-              <a:rPr lang="ko-KR" altLang="en-US" sz="1000" dirty="0"/>
-              <a:t>를 </a:t>
-            </a:r>
-            <a:r>
-              <a:rPr lang="en-US" altLang="ko-KR" sz="1000" dirty="0"/>
-              <a:t>Ref 1, 2, 3</a:t>
-            </a:r>
-            <a:r>
-              <a:rPr lang="ko-KR" altLang="en-US" sz="1000" dirty="0"/>
-              <a:t>과 비교하여 성능을 측정하고자 합니다</a:t>
-            </a:r>
-            <a:r>
-              <a:rPr lang="en-US" altLang="ko-KR" sz="1000" dirty="0"/>
-              <a:t>. </a:t>
-            </a:r>
-          </a:p>
-          <a:p>
-            <a:r>
-              <a:rPr lang="ko-KR" altLang="en-US" sz="1000" dirty="0"/>
-              <a:t>가장 직관적인 성능 평가 방법은 </a:t>
-            </a:r>
-            <a:r>
-              <a:rPr lang="en-US" altLang="ko-KR" sz="1000" dirty="0"/>
-              <a:t>Ref 1, 2, 3 </a:t>
-            </a:r>
-            <a:r>
-              <a:rPr lang="ko-KR" altLang="en-US" sz="1000" dirty="0"/>
-              <a:t>중 어느 한 문장이라도 등장한 단어의 개수를 </a:t>
-            </a:r>
-            <a:r>
-              <a:rPr lang="en-US" altLang="ko-KR" sz="1000" dirty="0"/>
-              <a:t>Ca</a:t>
-            </a:r>
-            <a:r>
-              <a:rPr lang="ko-KR" altLang="en-US" sz="1000" dirty="0"/>
-              <a:t>에서 세는 것입니다</a:t>
-            </a:r>
-            <a:r>
-              <a:rPr lang="en-US" altLang="ko-KR" sz="1000" dirty="0"/>
-              <a:t>. </a:t>
-            </a:r>
-            <a:r>
-              <a:rPr lang="ko-KR" altLang="en-US" sz="1000" dirty="0"/>
-              <a:t>그리고 그 후에 </a:t>
-            </a:r>
-            <a:r>
-              <a:rPr lang="en-US" altLang="ko-KR" sz="1000" dirty="0"/>
-              <a:t>Ca</a:t>
-            </a:r>
-            <a:r>
-              <a:rPr lang="ko-KR" altLang="en-US" sz="1000" dirty="0"/>
-              <a:t>의 모든 단어의 카운트의 합</a:t>
-            </a:r>
-            <a:r>
-              <a:rPr lang="en-US" altLang="ko-KR" sz="1000" dirty="0"/>
-              <a:t>. </a:t>
-            </a:r>
-            <a:r>
-              <a:rPr lang="ko-KR" altLang="en-US" sz="1000" dirty="0"/>
-              <a:t>즉</a:t>
-            </a:r>
-            <a:r>
-              <a:rPr lang="en-US" altLang="ko-KR" sz="1000" dirty="0"/>
-              <a:t>, Ca</a:t>
-            </a:r>
-            <a:r>
-              <a:rPr lang="ko-KR" altLang="en-US" sz="1000" dirty="0"/>
-              <a:t>에서의 총 단어의 </a:t>
-            </a:r>
-            <a:r>
-              <a:rPr lang="ko-KR" altLang="en-US" sz="1000" dirty="0" err="1"/>
-              <a:t>수으로</a:t>
-            </a:r>
-            <a:r>
-              <a:rPr lang="ko-KR" altLang="en-US" sz="1000" dirty="0"/>
-              <a:t> 나눠줍니다</a:t>
-            </a:r>
-            <a:r>
-              <a:rPr lang="en-US" altLang="ko-KR" sz="1000" dirty="0"/>
-              <a:t>.</a:t>
-            </a:r>
-          </a:p>
-          <a:p>
-            <a:endParaRPr lang="en-US" altLang="ko-KR" sz="1000" dirty="0"/>
-          </a:p>
-          <a:p>
-            <a:r>
-              <a:rPr lang="ko-KR" altLang="en-US" sz="1000" dirty="0"/>
-              <a:t>이러한 측정 방법을 </a:t>
-            </a:r>
-            <a:r>
-              <a:rPr lang="ko-KR" altLang="en-US" sz="1000" dirty="0" err="1"/>
-              <a:t>유니그램</a:t>
-            </a:r>
-            <a:r>
-              <a:rPr lang="ko-KR" altLang="en-US" sz="1000" dirty="0"/>
-              <a:t> 정밀도</a:t>
-            </a:r>
-            <a:r>
-              <a:rPr lang="en-US" altLang="ko-KR" sz="1000" dirty="0"/>
-              <a:t>(Unigram Precision)</a:t>
-            </a:r>
-            <a:r>
-              <a:rPr lang="ko-KR" altLang="en-US" sz="1000" dirty="0"/>
-              <a:t>라고 합니다</a:t>
-            </a:r>
-            <a:r>
-              <a:rPr lang="en-US" altLang="ko-KR" sz="1000" dirty="0"/>
-              <a:t>. </a:t>
-            </a:r>
-            <a:r>
-              <a:rPr lang="ko-KR" altLang="en-US" sz="1000" dirty="0"/>
-              <a:t>이를 식으로 표현하면 다음과 같습니다</a:t>
-            </a:r>
-            <a:r>
-              <a:rPr lang="en-US" altLang="ko-KR" sz="1000" dirty="0"/>
-              <a:t>.</a:t>
-            </a:r>
-            <a:endParaRPr lang="ko-KR" altLang="en-US" sz="1000" dirty="0"/>
-          </a:p>
-        </p:txBody>
-      </p:sp>
-      <p:pic>
-        <p:nvPicPr>
-          <p:cNvPr id="3" name="그림 2">
-            <a:extLst>
-              <a:ext uri="{FF2B5EF4-FFF2-40B4-BE49-F238E27FC236}">
-                <a16:creationId xmlns:a16="http://schemas.microsoft.com/office/drawing/2014/main" id="{EBB83A39-D028-4F8D-BB00-0D345585B884}"/>
-              </a:ext>
-            </a:extLst>
-          </p:cNvPr>
-          <p:cNvPicPr>
-            <a:picLocks noChangeAspect="1"/>
-          </p:cNvPicPr>
-          <p:nvPr/>
-        </p:nvPicPr>
-        <p:blipFill>
-          <a:blip r:embed="rId3"/>
-          <a:stretch>
-            <a:fillRect/>
-          </a:stretch>
-        </p:blipFill>
-        <p:spPr>
-          <a:xfrm>
-            <a:off x="992889" y="6020012"/>
-            <a:ext cx="10411601" cy="837988"/>
-          </a:xfrm>
-          <a:prstGeom prst="rect">
-            <a:avLst/>
-          </a:prstGeom>
-        </p:spPr>
-      </p:pic>
-      <p:pic>
-        <p:nvPicPr>
-          <p:cNvPr id="21" name="그림 20">
-            <a:extLst>
-              <a:ext uri="{FF2B5EF4-FFF2-40B4-BE49-F238E27FC236}">
-                <a16:creationId xmlns:a16="http://schemas.microsoft.com/office/drawing/2014/main" id="{32B52321-410A-415E-9374-DBFEFB3F1CC5}"/>
-              </a:ext>
-            </a:extLst>
-          </p:cNvPr>
-          <p:cNvPicPr>
-            <a:picLocks noChangeAspect="1"/>
-          </p:cNvPicPr>
-          <p:nvPr/>
-        </p:nvPicPr>
-        <p:blipFill>
-          <a:blip r:embed="rId4"/>
-          <a:stretch>
-            <a:fillRect/>
-          </a:stretch>
-        </p:blipFill>
-        <p:spPr>
-          <a:xfrm>
-            <a:off x="351894" y="944028"/>
-            <a:ext cx="8127299" cy="1874060"/>
-          </a:xfrm>
-          <a:prstGeom prst="rect">
-            <a:avLst/>
-          </a:prstGeom>
-        </p:spPr>
-      </p:pic>
+      </p:cxnSp>
     </p:spTree>
     <p:extLst>
       <p:ext uri="{BB962C8B-B14F-4D97-AF65-F5344CB8AC3E}">
-        <p14:creationId xmlns:p14="http://schemas.microsoft.com/office/powerpoint/2010/main" val="741665249"/>
+        <p14:creationId xmlns:p14="http://schemas.microsoft.com/office/powerpoint/2010/main" val="783326362"/>
       </p:ext>
     </p:extLst>
   </p:cSld>
